--- a/CUDA画图.pptx
+++ b/CUDA画图.pptx
@@ -5,18 +5,20 @@
     <p:sldMasterId id="2147483648" r:id="rId1"/>
   </p:sldMasterIdLst>
   <p:notesMasterIdLst>
-    <p:notesMasterId r:id="rId3"/>
+    <p:notesMasterId r:id="rId5"/>
   </p:notesMasterIdLst>
   <p:handoutMasterIdLst>
-    <p:handoutMasterId r:id="rId4"/>
+    <p:handoutMasterId r:id="rId6"/>
   </p:handoutMasterIdLst>
   <p:sldIdLst>
-    <p:sldId id="256" r:id="rId2"/>
+    <p:sldId id="258" r:id="rId2"/>
+    <p:sldId id="257" r:id="rId3"/>
+    <p:sldId id="259" r:id="rId4"/>
   </p:sldIdLst>
   <p:sldSz cx="12192000" cy="6858000"/>
   <p:notesSz cx="6858000" cy="9144000"/>
   <p:custDataLst>
-    <p:tags r:id="rId5"/>
+    <p:tags r:id="rId7"/>
   </p:custDataLst>
   <p:defaultTextStyle>
     <a:defPPr>
@@ -1242,7 +1244,7 @@
 </file>
 
 <file path=ppt/slides/slide1.xml><?xml version="1.0" encoding="utf-8"?>
-<p:sld xmlns:a="http://schemas.openxmlformats.org/drawingml/2006/main" xmlns:r="http://schemas.openxmlformats.org/officeDocument/2006/relationships" xmlns:p="http://schemas.openxmlformats.org/presentationml/2006/main" showMasterSp="0">
+<p:sld xmlns:a="http://schemas.openxmlformats.org/drawingml/2006/main" xmlns:r="http://schemas.openxmlformats.org/officeDocument/2006/relationships" xmlns:p="http://schemas.openxmlformats.org/presentationml/2006/main">
   <p:cSld>
     <p:spTree>
       <p:nvGrpSpPr>
@@ -1260,10 +1262,10 @@
       </p:grpSpPr>
       <p:grpSp>
         <p:nvGrpSpPr>
-          <p:cNvPr id="36" name="组合 35">
+          <p:cNvPr id="2" name="组合 1">
             <a:extLst>
               <a:ext uri="{FF2B5EF4-FFF2-40B4-BE49-F238E27FC236}">
-                <a16:creationId xmlns:a16="http://schemas.microsoft.com/office/drawing/2014/main" id="{7C1D4142-CA4D-474B-9AEE-757CCD9C8459}"/>
+                <a16:creationId xmlns:a16="http://schemas.microsoft.com/office/drawing/2014/main" id="{77AF37E3-E65E-40AD-9C97-4B447626870E}"/>
               </a:ext>
             </a:extLst>
           </p:cNvPr>
@@ -1272,7 +1274,7 @@
         </p:nvGrpSpPr>
         <p:grpSpPr>
           <a:xfrm>
-            <a:off x="2258722" y="2641204"/>
+            <a:off x="2251099" y="2459917"/>
             <a:ext cx="1546456" cy="1197194"/>
             <a:chOff x="817012" y="1390076"/>
             <a:chExt cx="1546456" cy="1197194"/>
@@ -1280,10 +1282,10 @@
         </p:grpSpPr>
         <p:sp>
           <p:nvSpPr>
-            <p:cNvPr id="11" name="平行四边形 10">
+            <p:cNvPr id="3" name="平行四边形 2">
               <a:extLst>
                 <a:ext uri="{FF2B5EF4-FFF2-40B4-BE49-F238E27FC236}">
-                  <a16:creationId xmlns:a16="http://schemas.microsoft.com/office/drawing/2014/main" id="{973F60F4-C7D7-40A2-A680-E5F317BC352E}"/>
+                  <a16:creationId xmlns:a16="http://schemas.microsoft.com/office/drawing/2014/main" id="{A91F013F-BEC0-4048-A22C-10B2CB6E0EBB}"/>
                 </a:ext>
               </a:extLst>
             </p:cNvPr>
@@ -1351,10 +1353,10 @@
         </p:sp>
         <p:sp>
           <p:nvSpPr>
-            <p:cNvPr id="10" name="平行四边形 9">
+            <p:cNvPr id="4" name="平行四边形 3">
               <a:extLst>
                 <a:ext uri="{FF2B5EF4-FFF2-40B4-BE49-F238E27FC236}">
-                  <a16:creationId xmlns:a16="http://schemas.microsoft.com/office/drawing/2014/main" id="{76AD0C72-E1E7-4B51-81BB-1B2B1EB54FAD}"/>
+                  <a16:creationId xmlns:a16="http://schemas.microsoft.com/office/drawing/2014/main" id="{D5819B88-FAAD-43C6-A8F7-4C8AE40BA642}"/>
                 </a:ext>
               </a:extLst>
             </p:cNvPr>
@@ -1422,10 +1424,10 @@
         </p:sp>
         <p:sp>
           <p:nvSpPr>
-            <p:cNvPr id="3" name="平行四边形 2">
+            <p:cNvPr id="5" name="平行四边形 4">
               <a:extLst>
                 <a:ext uri="{FF2B5EF4-FFF2-40B4-BE49-F238E27FC236}">
-                  <a16:creationId xmlns:a16="http://schemas.microsoft.com/office/drawing/2014/main" id="{71BC610E-295E-4802-9A35-B7A7912CA29C}"/>
+                  <a16:creationId xmlns:a16="http://schemas.microsoft.com/office/drawing/2014/main" id="{368970F5-1562-4E4D-ADE4-29C8CC628223}"/>
                 </a:ext>
               </a:extLst>
             </p:cNvPr>
@@ -1493,10 +1495,10 @@
         </p:sp>
         <p:cxnSp>
           <p:nvCxnSpPr>
-            <p:cNvPr id="13" name="直接连接符 12">
+            <p:cNvPr id="6" name="直接连接符 5">
               <a:extLst>
                 <a:ext uri="{FF2B5EF4-FFF2-40B4-BE49-F238E27FC236}">
-                  <a16:creationId xmlns:a16="http://schemas.microsoft.com/office/drawing/2014/main" id="{0B19F3E6-489B-4CFA-A630-E50D0ABD22DD}"/>
+                  <a16:creationId xmlns:a16="http://schemas.microsoft.com/office/drawing/2014/main" id="{99BEEE9E-A1FA-41A9-ABC0-3AA425377578}"/>
                 </a:ext>
               </a:extLst>
             </p:cNvPr>
@@ -1534,10 +1536,10 @@
         </p:cxnSp>
         <p:cxnSp>
           <p:nvCxnSpPr>
-            <p:cNvPr id="14" name="直接连接符 13">
+            <p:cNvPr id="7" name="直接连接符 6">
               <a:extLst>
                 <a:ext uri="{FF2B5EF4-FFF2-40B4-BE49-F238E27FC236}">
-                  <a16:creationId xmlns:a16="http://schemas.microsoft.com/office/drawing/2014/main" id="{E88CE636-2960-48C0-A5F8-15305616D118}"/>
+                  <a16:creationId xmlns:a16="http://schemas.microsoft.com/office/drawing/2014/main" id="{FB79F4C3-585E-4AE4-B468-838D5D762925}"/>
                 </a:ext>
               </a:extLst>
             </p:cNvPr>
@@ -1582,10 +1584,10 @@
         </p:cxnSp>
         <p:cxnSp>
           <p:nvCxnSpPr>
-            <p:cNvPr id="15" name="直接连接符 14">
+            <p:cNvPr id="8" name="直接连接符 7">
               <a:extLst>
                 <a:ext uri="{FF2B5EF4-FFF2-40B4-BE49-F238E27FC236}">
-                  <a16:creationId xmlns:a16="http://schemas.microsoft.com/office/drawing/2014/main" id="{95931160-DAA0-4022-A68D-3BB5FD893E2A}"/>
+                  <a16:creationId xmlns:a16="http://schemas.microsoft.com/office/drawing/2014/main" id="{D0001422-002C-4917-A45B-F999394587A9}"/>
                 </a:ext>
               </a:extLst>
             </p:cNvPr>
@@ -1623,10 +1625,10 @@
         </p:cxnSp>
         <p:cxnSp>
           <p:nvCxnSpPr>
-            <p:cNvPr id="16" name="直接连接符 15">
+            <p:cNvPr id="9" name="直接连接符 8">
               <a:extLst>
                 <a:ext uri="{FF2B5EF4-FFF2-40B4-BE49-F238E27FC236}">
-                  <a16:creationId xmlns:a16="http://schemas.microsoft.com/office/drawing/2014/main" id="{76AE9397-4982-4FA8-883D-54658F59AA04}"/>
+                  <a16:creationId xmlns:a16="http://schemas.microsoft.com/office/drawing/2014/main" id="{1DABB496-005D-4474-B50B-3484EE1C7E8D}"/>
                 </a:ext>
               </a:extLst>
             </p:cNvPr>
@@ -1665,10 +1667,10 @@
       </p:grpSp>
       <p:grpSp>
         <p:nvGrpSpPr>
-          <p:cNvPr id="138" name="组合 137">
+          <p:cNvPr id="10" name="组合 9">
             <a:extLst>
               <a:ext uri="{FF2B5EF4-FFF2-40B4-BE49-F238E27FC236}">
-                <a16:creationId xmlns:a16="http://schemas.microsoft.com/office/drawing/2014/main" id="{1706FE93-9396-463C-A34E-2506277C014F}"/>
+                <a16:creationId xmlns:a16="http://schemas.microsoft.com/office/drawing/2014/main" id="{4DACC1D7-E088-490E-8537-B81132707EEC}"/>
               </a:ext>
             </a:extLst>
           </p:cNvPr>
@@ -1677,7 +1679,7 @@
         </p:nvGrpSpPr>
         <p:grpSpPr>
           <a:xfrm>
-            <a:off x="6084896" y="1111718"/>
+            <a:off x="6077273" y="930431"/>
             <a:ext cx="337067" cy="3895599"/>
             <a:chOff x="2982210" y="540708"/>
             <a:chExt cx="337067" cy="3895599"/>
@@ -1685,10 +1687,10 @@
         </p:grpSpPr>
         <p:grpSp>
           <p:nvGrpSpPr>
-            <p:cNvPr id="37" name="组合 36">
+            <p:cNvPr id="11" name="组合 10">
               <a:extLst>
                 <a:ext uri="{FF2B5EF4-FFF2-40B4-BE49-F238E27FC236}">
-                  <a16:creationId xmlns:a16="http://schemas.microsoft.com/office/drawing/2014/main" id="{B57BADC7-E071-4014-ADCD-26F4946D9AAA}"/>
+                  <a16:creationId xmlns:a16="http://schemas.microsoft.com/office/drawing/2014/main" id="{7AEE54B3-139E-4E08-AF04-F4BB5985B086}"/>
                 </a:ext>
               </a:extLst>
             </p:cNvPr>
@@ -1711,10 +1713,10 @@
           </p:grpSpPr>
           <p:sp>
             <p:nvSpPr>
-              <p:cNvPr id="38" name="平行四边形 37">
+              <p:cNvPr id="28" name="平行四边形 27">
                 <a:extLst>
                   <a:ext uri="{FF2B5EF4-FFF2-40B4-BE49-F238E27FC236}">
-                    <a16:creationId xmlns:a16="http://schemas.microsoft.com/office/drawing/2014/main" id="{E90414B6-311D-4F9D-AA8B-7B589E3C4CAB}"/>
+                    <a16:creationId xmlns:a16="http://schemas.microsoft.com/office/drawing/2014/main" id="{9124DEFA-7B8E-461A-BD44-B27A351FED13}"/>
                   </a:ext>
                 </a:extLst>
               </p:cNvPr>
@@ -1776,10 +1778,10 @@
           </p:sp>
           <p:sp>
             <p:nvSpPr>
-              <p:cNvPr id="39" name="平行四边形 38">
+              <p:cNvPr id="29" name="平行四边形 28">
                 <a:extLst>
                   <a:ext uri="{FF2B5EF4-FFF2-40B4-BE49-F238E27FC236}">
-                    <a16:creationId xmlns:a16="http://schemas.microsoft.com/office/drawing/2014/main" id="{1D5BC33A-AE67-4F2C-A5D8-36DCFC7A0DF8}"/>
+                    <a16:creationId xmlns:a16="http://schemas.microsoft.com/office/drawing/2014/main" id="{150DA313-B019-4622-A179-9989F2D05320}"/>
                   </a:ext>
                 </a:extLst>
               </p:cNvPr>
@@ -1841,10 +1843,10 @@
           </p:sp>
           <p:sp>
             <p:nvSpPr>
-              <p:cNvPr id="40" name="平行四边形 39">
+              <p:cNvPr id="30" name="平行四边形 29">
                 <a:extLst>
                   <a:ext uri="{FF2B5EF4-FFF2-40B4-BE49-F238E27FC236}">
-                    <a16:creationId xmlns:a16="http://schemas.microsoft.com/office/drawing/2014/main" id="{CD8FC3FF-01EB-40CC-B18F-480CD0067DD7}"/>
+                    <a16:creationId xmlns:a16="http://schemas.microsoft.com/office/drawing/2014/main" id="{2BE7502B-4DD1-4729-B744-C2CC218ABCE2}"/>
                   </a:ext>
                 </a:extLst>
               </p:cNvPr>
@@ -1907,10 +1909,10 @@
         </p:grpSp>
         <p:grpSp>
           <p:nvGrpSpPr>
-            <p:cNvPr id="45" name="组合 44">
+            <p:cNvPr id="12" name="组合 11">
               <a:extLst>
                 <a:ext uri="{FF2B5EF4-FFF2-40B4-BE49-F238E27FC236}">
-                  <a16:creationId xmlns:a16="http://schemas.microsoft.com/office/drawing/2014/main" id="{D074062E-3642-4BEA-A417-4247B360F656}"/>
+                  <a16:creationId xmlns:a16="http://schemas.microsoft.com/office/drawing/2014/main" id="{7803CD58-789F-4EF2-991C-34557A2019F0}"/>
                 </a:ext>
               </a:extLst>
             </p:cNvPr>
@@ -1932,10 +1934,1138 @@
           </p:grpSpPr>
           <p:sp>
             <p:nvSpPr>
+              <p:cNvPr id="25" name="平行四边形 24">
+                <a:extLst>
+                  <a:ext uri="{FF2B5EF4-FFF2-40B4-BE49-F238E27FC236}">
+                    <a16:creationId xmlns:a16="http://schemas.microsoft.com/office/drawing/2014/main" id="{85ED96B3-99F5-4AFD-B28F-25AD9C16BD62}"/>
+                  </a:ext>
+                </a:extLst>
+              </p:cNvPr>
+              <p:cNvSpPr/>
+              <p:nvPr/>
+            </p:nvSpPr>
+            <p:spPr>
+              <a:xfrm>
+                <a:off x="817012" y="1899346"/>
+                <a:ext cx="1546456" cy="673179"/>
+              </a:xfrm>
+              <a:prstGeom prst="parallelogram">
+                <a:avLst>
+                  <a:gd name="adj" fmla="val 64815"/>
+                </a:avLst>
+              </a:prstGeom>
+              <a:grpFill/>
+              <a:ln w="6350">
+                <a:solidFill>
+                  <a:schemeClr val="tx2">
+                    <a:lumMod val="75000"/>
+                  </a:schemeClr>
+                </a:solidFill>
+              </a:ln>
+              <a:effectLst>
+                <a:glow rad="38100">
+                  <a:schemeClr val="accent2">
+                    <a:lumMod val="20000"/>
+                    <a:lumOff val="80000"/>
+                    <a:alpha val="40000"/>
+                  </a:schemeClr>
+                </a:glow>
+              </a:effectLst>
+            </p:spPr>
+            <p:style>
+              <a:lnRef idx="2">
+                <a:schemeClr val="accent1">
+                  <a:shade val="50000"/>
+                </a:schemeClr>
+              </a:lnRef>
+              <a:fillRef idx="1">
+                <a:schemeClr val="accent1"/>
+              </a:fillRef>
+              <a:effectRef idx="0">
+                <a:schemeClr val="accent1"/>
+              </a:effectRef>
+              <a:fontRef idx="minor">
+                <a:schemeClr val="lt1"/>
+              </a:fontRef>
+            </p:style>
+            <p:txBody>
+              <a:bodyPr rtlCol="0" anchor="ctr"/>
+              <a:lstStyle/>
+              <a:p>
+                <a:pPr algn="ctr"/>
+                <a:endParaRPr lang="zh-CN" altLang="en-US"/>
+              </a:p>
+            </p:txBody>
+          </p:sp>
+          <p:sp>
+            <p:nvSpPr>
+              <p:cNvPr id="26" name="平行四边形 25">
+                <a:extLst>
+                  <a:ext uri="{FF2B5EF4-FFF2-40B4-BE49-F238E27FC236}">
+                    <a16:creationId xmlns:a16="http://schemas.microsoft.com/office/drawing/2014/main" id="{4C5E1671-B424-48B2-8805-63D98364DCAF}"/>
+                  </a:ext>
+                </a:extLst>
+              </p:cNvPr>
+              <p:cNvSpPr/>
+              <p:nvPr/>
+            </p:nvSpPr>
+            <p:spPr>
+              <a:xfrm>
+                <a:off x="817012" y="1645346"/>
+                <a:ext cx="1546456" cy="673179"/>
+              </a:xfrm>
+              <a:prstGeom prst="parallelogram">
+                <a:avLst>
+                  <a:gd name="adj" fmla="val 64815"/>
+                </a:avLst>
+              </a:prstGeom>
+              <a:grpFill/>
+              <a:ln w="6350">
+                <a:solidFill>
+                  <a:schemeClr val="tx2">
+                    <a:lumMod val="75000"/>
+                  </a:schemeClr>
+                </a:solidFill>
+              </a:ln>
+              <a:effectLst>
+                <a:glow rad="38100">
+                  <a:schemeClr val="accent2">
+                    <a:lumMod val="20000"/>
+                    <a:lumOff val="80000"/>
+                    <a:alpha val="40000"/>
+                  </a:schemeClr>
+                </a:glow>
+              </a:effectLst>
+            </p:spPr>
+            <p:style>
+              <a:lnRef idx="2">
+                <a:schemeClr val="accent1">
+                  <a:shade val="50000"/>
+                </a:schemeClr>
+              </a:lnRef>
+              <a:fillRef idx="1">
+                <a:schemeClr val="accent1"/>
+              </a:fillRef>
+              <a:effectRef idx="0">
+                <a:schemeClr val="accent1"/>
+              </a:effectRef>
+              <a:fontRef idx="minor">
+                <a:schemeClr val="lt1"/>
+              </a:fontRef>
+            </p:style>
+            <p:txBody>
+              <a:bodyPr rtlCol="0" anchor="ctr"/>
+              <a:lstStyle/>
+              <a:p>
+                <a:pPr algn="ctr"/>
+                <a:endParaRPr lang="zh-CN" altLang="en-US"/>
+              </a:p>
+            </p:txBody>
+          </p:sp>
+          <p:sp>
+            <p:nvSpPr>
+              <p:cNvPr id="27" name="平行四边形 26">
+                <a:extLst>
+                  <a:ext uri="{FF2B5EF4-FFF2-40B4-BE49-F238E27FC236}">
+                    <a16:creationId xmlns:a16="http://schemas.microsoft.com/office/drawing/2014/main" id="{DC8F54E8-11C7-473A-9D8B-22D2D96E3299}"/>
+                  </a:ext>
+                </a:extLst>
+              </p:cNvPr>
+              <p:cNvSpPr/>
+              <p:nvPr/>
+            </p:nvSpPr>
+            <p:spPr>
+              <a:xfrm>
+                <a:off x="817012" y="1390076"/>
+                <a:ext cx="1546456" cy="673177"/>
+              </a:xfrm>
+              <a:prstGeom prst="parallelogram">
+                <a:avLst>
+                  <a:gd name="adj" fmla="val 64815"/>
+                </a:avLst>
+              </a:prstGeom>
+              <a:grpFill/>
+              <a:ln w="6350">
+                <a:solidFill>
+                  <a:schemeClr val="tx2">
+                    <a:lumMod val="75000"/>
+                  </a:schemeClr>
+                </a:solidFill>
+              </a:ln>
+              <a:effectLst>
+                <a:glow rad="38100">
+                  <a:schemeClr val="accent2">
+                    <a:lumMod val="20000"/>
+                    <a:lumOff val="80000"/>
+                    <a:alpha val="40000"/>
+                  </a:schemeClr>
+                </a:glow>
+              </a:effectLst>
+            </p:spPr>
+            <p:style>
+              <a:lnRef idx="2">
+                <a:schemeClr val="accent1">
+                  <a:shade val="50000"/>
+                </a:schemeClr>
+              </a:lnRef>
+              <a:fillRef idx="1">
+                <a:schemeClr val="accent1"/>
+              </a:fillRef>
+              <a:effectRef idx="0">
+                <a:schemeClr val="accent1"/>
+              </a:effectRef>
+              <a:fontRef idx="minor">
+                <a:schemeClr val="lt1"/>
+              </a:fontRef>
+            </p:style>
+            <p:txBody>
+              <a:bodyPr rtlCol="0" anchor="ctr"/>
+              <a:lstStyle/>
+              <a:p>
+                <a:pPr algn="ctr"/>
+                <a:endParaRPr lang="zh-CN" altLang="en-US"/>
+              </a:p>
+            </p:txBody>
+          </p:sp>
+        </p:grpSp>
+        <p:grpSp>
+          <p:nvGrpSpPr>
+            <p:cNvPr id="13" name="组合 12">
+              <a:extLst>
+                <a:ext uri="{FF2B5EF4-FFF2-40B4-BE49-F238E27FC236}">
+                  <a16:creationId xmlns:a16="http://schemas.microsoft.com/office/drawing/2014/main" id="{8127F4A8-B594-491C-A8B5-E2EDD865D607}"/>
+                </a:ext>
+              </a:extLst>
+            </p:cNvPr>
+            <p:cNvGrpSpPr/>
+            <p:nvPr/>
+          </p:nvGrpSpPr>
+          <p:grpSpPr>
+            <a:xfrm>
+              <a:off x="2982210" y="1466663"/>
+              <a:ext cx="333586" cy="324046"/>
+              <a:chOff x="817012" y="1390076"/>
+              <a:chExt cx="1546456" cy="1182449"/>
+            </a:xfrm>
+            <a:solidFill>
+              <a:schemeClr val="accent6">
+                <a:lumMod val="40000"/>
+                <a:lumOff val="60000"/>
+                <a:alpha val="79000"/>
+              </a:schemeClr>
+            </a:solidFill>
+          </p:grpSpPr>
+          <p:sp>
+            <p:nvSpPr>
+              <p:cNvPr id="22" name="平行四边形 21">
+                <a:extLst>
+                  <a:ext uri="{FF2B5EF4-FFF2-40B4-BE49-F238E27FC236}">
+                    <a16:creationId xmlns:a16="http://schemas.microsoft.com/office/drawing/2014/main" id="{03C1652C-F9D0-48CA-8923-AE9851F9CDE0}"/>
+                  </a:ext>
+                </a:extLst>
+              </p:cNvPr>
+              <p:cNvSpPr/>
+              <p:nvPr/>
+            </p:nvSpPr>
+            <p:spPr>
+              <a:xfrm>
+                <a:off x="817012" y="1899346"/>
+                <a:ext cx="1546456" cy="673179"/>
+              </a:xfrm>
+              <a:prstGeom prst="parallelogram">
+                <a:avLst>
+                  <a:gd name="adj" fmla="val 64815"/>
+                </a:avLst>
+              </a:prstGeom>
+              <a:grpFill/>
+              <a:ln w="6350">
+                <a:solidFill>
+                  <a:schemeClr val="tx2">
+                    <a:lumMod val="75000"/>
+                  </a:schemeClr>
+                </a:solidFill>
+              </a:ln>
+              <a:effectLst>
+                <a:glow rad="38100">
+                  <a:schemeClr val="accent2">
+                    <a:lumMod val="20000"/>
+                    <a:lumOff val="80000"/>
+                    <a:alpha val="40000"/>
+                  </a:schemeClr>
+                </a:glow>
+              </a:effectLst>
+            </p:spPr>
+            <p:style>
+              <a:lnRef idx="2">
+                <a:schemeClr val="accent1">
+                  <a:shade val="50000"/>
+                </a:schemeClr>
+              </a:lnRef>
+              <a:fillRef idx="1">
+                <a:schemeClr val="accent1"/>
+              </a:fillRef>
+              <a:effectRef idx="0">
+                <a:schemeClr val="accent1"/>
+              </a:effectRef>
+              <a:fontRef idx="minor">
+                <a:schemeClr val="lt1"/>
+              </a:fontRef>
+            </p:style>
+            <p:txBody>
+              <a:bodyPr rtlCol="0" anchor="ctr"/>
+              <a:lstStyle/>
+              <a:p>
+                <a:pPr algn="ctr"/>
+                <a:endParaRPr lang="zh-CN" altLang="en-US"/>
+              </a:p>
+            </p:txBody>
+          </p:sp>
+          <p:sp>
+            <p:nvSpPr>
+              <p:cNvPr id="23" name="平行四边形 22">
+                <a:extLst>
+                  <a:ext uri="{FF2B5EF4-FFF2-40B4-BE49-F238E27FC236}">
+                    <a16:creationId xmlns:a16="http://schemas.microsoft.com/office/drawing/2014/main" id="{11A4E390-1C11-4FAA-94EC-C65F7AD5BD9D}"/>
+                  </a:ext>
+                </a:extLst>
+              </p:cNvPr>
+              <p:cNvSpPr/>
+              <p:nvPr/>
+            </p:nvSpPr>
+            <p:spPr>
+              <a:xfrm>
+                <a:off x="817012" y="1645346"/>
+                <a:ext cx="1546456" cy="673179"/>
+              </a:xfrm>
+              <a:prstGeom prst="parallelogram">
+                <a:avLst>
+                  <a:gd name="adj" fmla="val 64815"/>
+                </a:avLst>
+              </a:prstGeom>
+              <a:grpFill/>
+              <a:ln w="6350">
+                <a:solidFill>
+                  <a:schemeClr val="tx2">
+                    <a:lumMod val="75000"/>
+                  </a:schemeClr>
+                </a:solidFill>
+              </a:ln>
+              <a:effectLst>
+                <a:glow rad="38100">
+                  <a:schemeClr val="accent2">
+                    <a:lumMod val="20000"/>
+                    <a:lumOff val="80000"/>
+                    <a:alpha val="40000"/>
+                  </a:schemeClr>
+                </a:glow>
+              </a:effectLst>
+            </p:spPr>
+            <p:style>
+              <a:lnRef idx="2">
+                <a:schemeClr val="accent1">
+                  <a:shade val="50000"/>
+                </a:schemeClr>
+              </a:lnRef>
+              <a:fillRef idx="1">
+                <a:schemeClr val="accent1"/>
+              </a:fillRef>
+              <a:effectRef idx="0">
+                <a:schemeClr val="accent1"/>
+              </a:effectRef>
+              <a:fontRef idx="minor">
+                <a:schemeClr val="lt1"/>
+              </a:fontRef>
+            </p:style>
+            <p:txBody>
+              <a:bodyPr rtlCol="0" anchor="ctr"/>
+              <a:lstStyle/>
+              <a:p>
+                <a:pPr algn="ctr"/>
+                <a:endParaRPr lang="zh-CN" altLang="en-US"/>
+              </a:p>
+            </p:txBody>
+          </p:sp>
+          <p:sp>
+            <p:nvSpPr>
+              <p:cNvPr id="24" name="平行四边形 23">
+                <a:extLst>
+                  <a:ext uri="{FF2B5EF4-FFF2-40B4-BE49-F238E27FC236}">
+                    <a16:creationId xmlns:a16="http://schemas.microsoft.com/office/drawing/2014/main" id="{C8397DF2-4AD7-4B07-AE44-C11B6AA8CAAD}"/>
+                  </a:ext>
+                </a:extLst>
+              </p:cNvPr>
+              <p:cNvSpPr/>
+              <p:nvPr/>
+            </p:nvSpPr>
+            <p:spPr>
+              <a:xfrm>
+                <a:off x="817012" y="1390076"/>
+                <a:ext cx="1546456" cy="673177"/>
+              </a:xfrm>
+              <a:prstGeom prst="parallelogram">
+                <a:avLst>
+                  <a:gd name="adj" fmla="val 64815"/>
+                </a:avLst>
+              </a:prstGeom>
+              <a:grpFill/>
+              <a:ln w="6350">
+                <a:solidFill>
+                  <a:schemeClr val="tx2">
+                    <a:lumMod val="75000"/>
+                  </a:schemeClr>
+                </a:solidFill>
+              </a:ln>
+              <a:effectLst>
+                <a:glow rad="38100">
+                  <a:schemeClr val="accent2">
+                    <a:lumMod val="20000"/>
+                    <a:lumOff val="80000"/>
+                    <a:alpha val="40000"/>
+                  </a:schemeClr>
+                </a:glow>
+              </a:effectLst>
+            </p:spPr>
+            <p:style>
+              <a:lnRef idx="2">
+                <a:schemeClr val="accent1">
+                  <a:shade val="50000"/>
+                </a:schemeClr>
+              </a:lnRef>
+              <a:fillRef idx="1">
+                <a:schemeClr val="accent1"/>
+              </a:fillRef>
+              <a:effectRef idx="0">
+                <a:schemeClr val="accent1"/>
+              </a:effectRef>
+              <a:fontRef idx="minor">
+                <a:schemeClr val="lt1"/>
+              </a:fontRef>
+            </p:style>
+            <p:txBody>
+              <a:bodyPr rtlCol="0" anchor="ctr"/>
+              <a:lstStyle/>
+              <a:p>
+                <a:pPr algn="ctr"/>
+                <a:endParaRPr lang="zh-CN" altLang="en-US"/>
+              </a:p>
+            </p:txBody>
+          </p:sp>
+        </p:grpSp>
+        <p:grpSp>
+          <p:nvGrpSpPr>
+            <p:cNvPr id="14" name="组合 13">
+              <a:extLst>
+                <a:ext uri="{FF2B5EF4-FFF2-40B4-BE49-F238E27FC236}">
+                  <a16:creationId xmlns:a16="http://schemas.microsoft.com/office/drawing/2014/main" id="{C136291E-AB94-419B-B69F-3F51F21CC403}"/>
+                </a:ext>
+              </a:extLst>
+            </p:cNvPr>
+            <p:cNvGrpSpPr/>
+            <p:nvPr/>
+          </p:nvGrpSpPr>
+          <p:grpSpPr>
+            <a:xfrm>
+              <a:off x="2985691" y="2365440"/>
+              <a:ext cx="333586" cy="324046"/>
+              <a:chOff x="817012" y="1390076"/>
+              <a:chExt cx="1546456" cy="1182449"/>
+            </a:xfrm>
+            <a:solidFill>
+              <a:srgbClr val="9CAFD0">
+                <a:alpha val="55000"/>
+              </a:srgbClr>
+            </a:solidFill>
+          </p:grpSpPr>
+          <p:sp>
+            <p:nvSpPr>
+              <p:cNvPr id="19" name="平行四边形 18">
+                <a:extLst>
+                  <a:ext uri="{FF2B5EF4-FFF2-40B4-BE49-F238E27FC236}">
+                    <a16:creationId xmlns:a16="http://schemas.microsoft.com/office/drawing/2014/main" id="{0F48F337-4991-4AC6-9FA1-BC735F490B6A}"/>
+                  </a:ext>
+                </a:extLst>
+              </p:cNvPr>
+              <p:cNvSpPr/>
+              <p:nvPr/>
+            </p:nvSpPr>
+            <p:spPr>
+              <a:xfrm>
+                <a:off x="817012" y="1899346"/>
+                <a:ext cx="1546456" cy="673179"/>
+              </a:xfrm>
+              <a:prstGeom prst="parallelogram">
+                <a:avLst>
+                  <a:gd name="adj" fmla="val 64815"/>
+                </a:avLst>
+              </a:prstGeom>
+              <a:grpFill/>
+              <a:ln w="6350">
+                <a:solidFill>
+                  <a:schemeClr val="tx2">
+                    <a:lumMod val="75000"/>
+                  </a:schemeClr>
+                </a:solidFill>
+              </a:ln>
+              <a:effectLst>
+                <a:glow rad="38100">
+                  <a:schemeClr val="accent2">
+                    <a:lumMod val="20000"/>
+                    <a:lumOff val="80000"/>
+                    <a:alpha val="40000"/>
+                  </a:schemeClr>
+                </a:glow>
+              </a:effectLst>
+            </p:spPr>
+            <p:style>
+              <a:lnRef idx="2">
+                <a:schemeClr val="accent1">
+                  <a:shade val="50000"/>
+                </a:schemeClr>
+              </a:lnRef>
+              <a:fillRef idx="1">
+                <a:schemeClr val="accent1"/>
+              </a:fillRef>
+              <a:effectRef idx="0">
+                <a:schemeClr val="accent1"/>
+              </a:effectRef>
+              <a:fontRef idx="minor">
+                <a:schemeClr val="lt1"/>
+              </a:fontRef>
+            </p:style>
+            <p:txBody>
+              <a:bodyPr rtlCol="0" anchor="ctr"/>
+              <a:lstStyle/>
+              <a:p>
+                <a:pPr algn="ctr"/>
+                <a:endParaRPr lang="zh-CN" altLang="en-US"/>
+              </a:p>
+            </p:txBody>
+          </p:sp>
+          <p:sp>
+            <p:nvSpPr>
+              <p:cNvPr id="20" name="平行四边形 19">
+                <a:extLst>
+                  <a:ext uri="{FF2B5EF4-FFF2-40B4-BE49-F238E27FC236}">
+                    <a16:creationId xmlns:a16="http://schemas.microsoft.com/office/drawing/2014/main" id="{0F16044A-1A0F-45EF-9103-04E2263677D5}"/>
+                  </a:ext>
+                </a:extLst>
+              </p:cNvPr>
+              <p:cNvSpPr/>
+              <p:nvPr/>
+            </p:nvSpPr>
+            <p:spPr>
+              <a:xfrm>
+                <a:off x="817012" y="1645346"/>
+                <a:ext cx="1546456" cy="673179"/>
+              </a:xfrm>
+              <a:prstGeom prst="parallelogram">
+                <a:avLst>
+                  <a:gd name="adj" fmla="val 64815"/>
+                </a:avLst>
+              </a:prstGeom>
+              <a:grpFill/>
+              <a:ln w="6350">
+                <a:solidFill>
+                  <a:schemeClr val="tx2">
+                    <a:lumMod val="75000"/>
+                  </a:schemeClr>
+                </a:solidFill>
+              </a:ln>
+              <a:effectLst>
+                <a:glow rad="38100">
+                  <a:schemeClr val="accent2">
+                    <a:lumMod val="20000"/>
+                    <a:lumOff val="80000"/>
+                    <a:alpha val="40000"/>
+                  </a:schemeClr>
+                </a:glow>
+              </a:effectLst>
+            </p:spPr>
+            <p:style>
+              <a:lnRef idx="2">
+                <a:schemeClr val="accent1">
+                  <a:shade val="50000"/>
+                </a:schemeClr>
+              </a:lnRef>
+              <a:fillRef idx="1">
+                <a:schemeClr val="accent1"/>
+              </a:fillRef>
+              <a:effectRef idx="0">
+                <a:schemeClr val="accent1"/>
+              </a:effectRef>
+              <a:fontRef idx="minor">
+                <a:schemeClr val="lt1"/>
+              </a:fontRef>
+            </p:style>
+            <p:txBody>
+              <a:bodyPr rtlCol="0" anchor="ctr"/>
+              <a:lstStyle/>
+              <a:p>
+                <a:pPr algn="ctr"/>
+                <a:endParaRPr lang="zh-CN" altLang="en-US"/>
+              </a:p>
+            </p:txBody>
+          </p:sp>
+          <p:sp>
+            <p:nvSpPr>
+              <p:cNvPr id="21" name="平行四边形 20">
+                <a:extLst>
+                  <a:ext uri="{FF2B5EF4-FFF2-40B4-BE49-F238E27FC236}">
+                    <a16:creationId xmlns:a16="http://schemas.microsoft.com/office/drawing/2014/main" id="{45E3D23D-95C4-4E36-9EAE-C58FDA1F621A}"/>
+                  </a:ext>
+                </a:extLst>
+              </p:cNvPr>
+              <p:cNvSpPr/>
+              <p:nvPr/>
+            </p:nvSpPr>
+            <p:spPr>
+              <a:xfrm>
+                <a:off x="817012" y="1390076"/>
+                <a:ext cx="1546456" cy="673177"/>
+              </a:xfrm>
+              <a:prstGeom prst="parallelogram">
+                <a:avLst>
+                  <a:gd name="adj" fmla="val 64815"/>
+                </a:avLst>
+              </a:prstGeom>
+              <a:grpFill/>
+              <a:ln w="6350">
+                <a:solidFill>
+                  <a:schemeClr val="tx2">
+                    <a:lumMod val="75000"/>
+                  </a:schemeClr>
+                </a:solidFill>
+              </a:ln>
+              <a:effectLst>
+                <a:glow rad="38100">
+                  <a:schemeClr val="accent2">
+                    <a:lumMod val="20000"/>
+                    <a:lumOff val="80000"/>
+                    <a:alpha val="40000"/>
+                  </a:schemeClr>
+                </a:glow>
+              </a:effectLst>
+            </p:spPr>
+            <p:style>
+              <a:lnRef idx="2">
+                <a:schemeClr val="accent1">
+                  <a:shade val="50000"/>
+                </a:schemeClr>
+              </a:lnRef>
+              <a:fillRef idx="1">
+                <a:schemeClr val="accent1"/>
+              </a:fillRef>
+              <a:effectRef idx="0">
+                <a:schemeClr val="accent1"/>
+              </a:effectRef>
+              <a:fontRef idx="minor">
+                <a:schemeClr val="lt1"/>
+              </a:fontRef>
+            </p:style>
+            <p:txBody>
+              <a:bodyPr rtlCol="0" anchor="ctr"/>
+              <a:lstStyle/>
+              <a:p>
+                <a:pPr algn="ctr"/>
+                <a:endParaRPr lang="zh-CN" altLang="en-US"/>
+              </a:p>
+            </p:txBody>
+          </p:sp>
+        </p:grpSp>
+        <p:grpSp>
+          <p:nvGrpSpPr>
+            <p:cNvPr id="15" name="组合 14">
+              <a:extLst>
+                <a:ext uri="{FF2B5EF4-FFF2-40B4-BE49-F238E27FC236}">
+                  <a16:creationId xmlns:a16="http://schemas.microsoft.com/office/drawing/2014/main" id="{10B58F55-95AD-470F-BC33-30398A5827EA}"/>
+                </a:ext>
+              </a:extLst>
+            </p:cNvPr>
+            <p:cNvGrpSpPr/>
+            <p:nvPr/>
+          </p:nvGrpSpPr>
+          <p:grpSpPr>
+            <a:xfrm>
+              <a:off x="2985691" y="4112261"/>
+              <a:ext cx="333586" cy="324046"/>
+              <a:chOff x="817012" y="1390076"/>
+              <a:chExt cx="1546456" cy="1182449"/>
+            </a:xfrm>
+            <a:solidFill>
+              <a:srgbClr val="00FFFF">
+                <a:alpha val="58000"/>
+              </a:srgbClr>
+            </a:solidFill>
+          </p:grpSpPr>
+          <p:sp>
+            <p:nvSpPr>
+              <p:cNvPr id="16" name="平行四边形 15">
+                <a:extLst>
+                  <a:ext uri="{FF2B5EF4-FFF2-40B4-BE49-F238E27FC236}">
+                    <a16:creationId xmlns:a16="http://schemas.microsoft.com/office/drawing/2014/main" id="{D0FF6207-B779-4B4C-A260-C6E13AC148D9}"/>
+                  </a:ext>
+                </a:extLst>
+              </p:cNvPr>
+              <p:cNvSpPr/>
+              <p:nvPr/>
+            </p:nvSpPr>
+            <p:spPr>
+              <a:xfrm>
+                <a:off x="817012" y="1899346"/>
+                <a:ext cx="1546456" cy="673179"/>
+              </a:xfrm>
+              <a:prstGeom prst="parallelogram">
+                <a:avLst>
+                  <a:gd name="adj" fmla="val 64815"/>
+                </a:avLst>
+              </a:prstGeom>
+              <a:grpFill/>
+              <a:ln w="6350">
+                <a:solidFill>
+                  <a:schemeClr val="tx2">
+                    <a:lumMod val="75000"/>
+                  </a:schemeClr>
+                </a:solidFill>
+              </a:ln>
+              <a:effectLst>
+                <a:glow rad="38100">
+                  <a:schemeClr val="accent2">
+                    <a:lumMod val="20000"/>
+                    <a:lumOff val="80000"/>
+                    <a:alpha val="40000"/>
+                  </a:schemeClr>
+                </a:glow>
+              </a:effectLst>
+            </p:spPr>
+            <p:style>
+              <a:lnRef idx="2">
+                <a:schemeClr val="accent1">
+                  <a:shade val="50000"/>
+                </a:schemeClr>
+              </a:lnRef>
+              <a:fillRef idx="1">
+                <a:schemeClr val="accent1"/>
+              </a:fillRef>
+              <a:effectRef idx="0">
+                <a:schemeClr val="accent1"/>
+              </a:effectRef>
+              <a:fontRef idx="minor">
+                <a:schemeClr val="lt1"/>
+              </a:fontRef>
+            </p:style>
+            <p:txBody>
+              <a:bodyPr rtlCol="0" anchor="ctr"/>
+              <a:lstStyle/>
+              <a:p>
+                <a:pPr algn="ctr"/>
+                <a:endParaRPr lang="zh-CN" altLang="en-US"/>
+              </a:p>
+            </p:txBody>
+          </p:sp>
+          <p:sp>
+            <p:nvSpPr>
+              <p:cNvPr id="17" name="平行四边形 16">
+                <a:extLst>
+                  <a:ext uri="{FF2B5EF4-FFF2-40B4-BE49-F238E27FC236}">
+                    <a16:creationId xmlns:a16="http://schemas.microsoft.com/office/drawing/2014/main" id="{C3D988DF-0A9D-48F3-851F-E69313A5B01F}"/>
+                  </a:ext>
+                </a:extLst>
+              </p:cNvPr>
+              <p:cNvSpPr/>
+              <p:nvPr/>
+            </p:nvSpPr>
+            <p:spPr>
+              <a:xfrm>
+                <a:off x="817012" y="1645346"/>
+                <a:ext cx="1546456" cy="673179"/>
+              </a:xfrm>
+              <a:prstGeom prst="parallelogram">
+                <a:avLst>
+                  <a:gd name="adj" fmla="val 64815"/>
+                </a:avLst>
+              </a:prstGeom>
+              <a:grpFill/>
+              <a:ln w="6350">
+                <a:solidFill>
+                  <a:schemeClr val="tx2">
+                    <a:lumMod val="75000"/>
+                  </a:schemeClr>
+                </a:solidFill>
+              </a:ln>
+              <a:effectLst>
+                <a:glow rad="38100">
+                  <a:schemeClr val="accent2">
+                    <a:lumMod val="20000"/>
+                    <a:lumOff val="80000"/>
+                    <a:alpha val="40000"/>
+                  </a:schemeClr>
+                </a:glow>
+              </a:effectLst>
+            </p:spPr>
+            <p:style>
+              <a:lnRef idx="2">
+                <a:schemeClr val="accent1">
+                  <a:shade val="50000"/>
+                </a:schemeClr>
+              </a:lnRef>
+              <a:fillRef idx="1">
+                <a:schemeClr val="accent1"/>
+              </a:fillRef>
+              <a:effectRef idx="0">
+                <a:schemeClr val="accent1"/>
+              </a:effectRef>
+              <a:fontRef idx="minor">
+                <a:schemeClr val="lt1"/>
+              </a:fontRef>
+            </p:style>
+            <p:txBody>
+              <a:bodyPr rtlCol="0" anchor="ctr"/>
+              <a:lstStyle/>
+              <a:p>
+                <a:pPr algn="ctr"/>
+                <a:endParaRPr lang="zh-CN" altLang="en-US"/>
+              </a:p>
+            </p:txBody>
+          </p:sp>
+          <p:sp>
+            <p:nvSpPr>
+              <p:cNvPr id="18" name="平行四边形 17">
+                <a:extLst>
+                  <a:ext uri="{FF2B5EF4-FFF2-40B4-BE49-F238E27FC236}">
+                    <a16:creationId xmlns:a16="http://schemas.microsoft.com/office/drawing/2014/main" id="{E6BFB11A-F8CA-4948-9591-C25D693DAD36}"/>
+                  </a:ext>
+                </a:extLst>
+              </p:cNvPr>
+              <p:cNvSpPr/>
+              <p:nvPr/>
+            </p:nvSpPr>
+            <p:spPr>
+              <a:xfrm>
+                <a:off x="817012" y="1390076"/>
+                <a:ext cx="1546456" cy="673177"/>
+              </a:xfrm>
+              <a:prstGeom prst="parallelogram">
+                <a:avLst>
+                  <a:gd name="adj" fmla="val 64815"/>
+                </a:avLst>
+              </a:prstGeom>
+              <a:grpFill/>
+              <a:ln w="6350">
+                <a:solidFill>
+                  <a:schemeClr val="tx2">
+                    <a:lumMod val="75000"/>
+                  </a:schemeClr>
+                </a:solidFill>
+              </a:ln>
+              <a:effectLst>
+                <a:glow rad="38100">
+                  <a:schemeClr val="accent2">
+                    <a:lumMod val="20000"/>
+                    <a:lumOff val="80000"/>
+                    <a:alpha val="40000"/>
+                  </a:schemeClr>
+                </a:glow>
+              </a:effectLst>
+            </p:spPr>
+            <p:style>
+              <a:lnRef idx="2">
+                <a:schemeClr val="accent1">
+                  <a:shade val="50000"/>
+                </a:schemeClr>
+              </a:lnRef>
+              <a:fillRef idx="1">
+                <a:schemeClr val="accent1"/>
+              </a:fillRef>
+              <a:effectRef idx="0">
+                <a:schemeClr val="accent1"/>
+              </a:effectRef>
+              <a:fontRef idx="minor">
+                <a:schemeClr val="lt1"/>
+              </a:fontRef>
+            </p:style>
+            <p:txBody>
+              <a:bodyPr rtlCol="0" anchor="ctr"/>
+              <a:lstStyle/>
+              <a:p>
+                <a:pPr algn="ctr"/>
+                <a:endParaRPr lang="zh-CN" altLang="en-US"/>
+              </a:p>
+            </p:txBody>
+          </p:sp>
+        </p:grpSp>
+      </p:grpSp>
+      <p:grpSp>
+        <p:nvGrpSpPr>
+          <p:cNvPr id="31" name="组合 30">
+            <a:extLst>
+              <a:ext uri="{FF2B5EF4-FFF2-40B4-BE49-F238E27FC236}">
+                <a16:creationId xmlns:a16="http://schemas.microsoft.com/office/drawing/2014/main" id="{619BEE98-CB5D-4D8B-8242-F9022F4A07E3}"/>
+              </a:ext>
+            </a:extLst>
+          </p:cNvPr>
+          <p:cNvGrpSpPr/>
+          <p:nvPr/>
+        </p:nvGrpSpPr>
+        <p:grpSpPr>
+          <a:xfrm>
+            <a:off x="8210936" y="482320"/>
+            <a:ext cx="1554079" cy="4766542"/>
+            <a:chOff x="4232285" y="35137"/>
+            <a:chExt cx="1554079" cy="4766542"/>
+          </a:xfrm>
+        </p:grpSpPr>
+        <p:grpSp>
+          <p:nvGrpSpPr>
+            <p:cNvPr id="32" name="组合 31">
+              <a:extLst>
+                <a:ext uri="{FF2B5EF4-FFF2-40B4-BE49-F238E27FC236}">
+                  <a16:creationId xmlns:a16="http://schemas.microsoft.com/office/drawing/2014/main" id="{5E673C63-1483-4836-B76C-E9FD6E9150A0}"/>
+                </a:ext>
+              </a:extLst>
+            </p:cNvPr>
+            <p:cNvGrpSpPr/>
+            <p:nvPr/>
+          </p:nvGrpSpPr>
+          <p:grpSpPr>
+            <a:xfrm>
+              <a:off x="4232285" y="3619230"/>
+              <a:ext cx="1546456" cy="1182449"/>
+              <a:chOff x="817012" y="1390076"/>
+              <a:chExt cx="1546456" cy="1182449"/>
+            </a:xfrm>
+            <a:solidFill>
+              <a:srgbClr val="45F9F5">
+                <a:alpha val="39000"/>
+              </a:srgbClr>
+            </a:solidFill>
+          </p:grpSpPr>
+          <p:sp>
+            <p:nvSpPr>
+              <p:cNvPr id="49" name="平行四边形 48">
+                <a:extLst>
+                  <a:ext uri="{FF2B5EF4-FFF2-40B4-BE49-F238E27FC236}">
+                    <a16:creationId xmlns:a16="http://schemas.microsoft.com/office/drawing/2014/main" id="{10AEFEE1-E78C-4B62-8B36-3C04F5F0742A}"/>
+                  </a:ext>
+                </a:extLst>
+              </p:cNvPr>
+              <p:cNvSpPr/>
+              <p:nvPr/>
+            </p:nvSpPr>
+            <p:spPr>
+              <a:xfrm>
+                <a:off x="817012" y="1899346"/>
+                <a:ext cx="1546456" cy="673179"/>
+              </a:xfrm>
+              <a:prstGeom prst="parallelogram">
+                <a:avLst>
+                  <a:gd name="adj" fmla="val 64815"/>
+                </a:avLst>
+              </a:prstGeom>
+              <a:grpFill/>
+              <a:ln w="6350">
+                <a:solidFill>
+                  <a:schemeClr val="tx2">
+                    <a:lumMod val="75000"/>
+                  </a:schemeClr>
+                </a:solidFill>
+              </a:ln>
+              <a:effectLst>
+                <a:glow rad="38100">
+                  <a:schemeClr val="accent2">
+                    <a:lumMod val="20000"/>
+                    <a:lumOff val="80000"/>
+                    <a:alpha val="40000"/>
+                  </a:schemeClr>
+                </a:glow>
+              </a:effectLst>
+            </p:spPr>
+            <p:style>
+              <a:lnRef idx="2">
+                <a:schemeClr val="accent1">
+                  <a:shade val="50000"/>
+                </a:schemeClr>
+              </a:lnRef>
+              <a:fillRef idx="1">
+                <a:schemeClr val="accent1"/>
+              </a:fillRef>
+              <a:effectRef idx="0">
+                <a:schemeClr val="accent1"/>
+              </a:effectRef>
+              <a:fontRef idx="minor">
+                <a:schemeClr val="lt1"/>
+              </a:fontRef>
+            </p:style>
+            <p:txBody>
+              <a:bodyPr rtlCol="0" anchor="ctr"/>
+              <a:lstStyle/>
+              <a:p>
+                <a:pPr algn="ctr"/>
+                <a:endParaRPr lang="zh-CN" altLang="en-US"/>
+              </a:p>
+            </p:txBody>
+          </p:sp>
+          <p:sp>
+            <p:nvSpPr>
+              <p:cNvPr id="50" name="平行四边形 49">
+                <a:extLst>
+                  <a:ext uri="{FF2B5EF4-FFF2-40B4-BE49-F238E27FC236}">
+                    <a16:creationId xmlns:a16="http://schemas.microsoft.com/office/drawing/2014/main" id="{B3046438-8E3B-4E1E-B3E4-FD3EE8459771}"/>
+                  </a:ext>
+                </a:extLst>
+              </p:cNvPr>
+              <p:cNvSpPr/>
+              <p:nvPr/>
+            </p:nvSpPr>
+            <p:spPr>
+              <a:xfrm>
+                <a:off x="817012" y="1645346"/>
+                <a:ext cx="1546456" cy="673179"/>
+              </a:xfrm>
+              <a:prstGeom prst="parallelogram">
+                <a:avLst>
+                  <a:gd name="adj" fmla="val 64815"/>
+                </a:avLst>
+              </a:prstGeom>
+              <a:grpFill/>
+              <a:ln w="6350">
+                <a:solidFill>
+                  <a:schemeClr val="tx2">
+                    <a:lumMod val="75000"/>
+                  </a:schemeClr>
+                </a:solidFill>
+              </a:ln>
+              <a:effectLst>
+                <a:glow rad="38100">
+                  <a:schemeClr val="accent2">
+                    <a:lumMod val="20000"/>
+                    <a:lumOff val="80000"/>
+                    <a:alpha val="40000"/>
+                  </a:schemeClr>
+                </a:glow>
+              </a:effectLst>
+            </p:spPr>
+            <p:style>
+              <a:lnRef idx="2">
+                <a:schemeClr val="accent1">
+                  <a:shade val="50000"/>
+                </a:schemeClr>
+              </a:lnRef>
+              <a:fillRef idx="1">
+                <a:schemeClr val="accent1"/>
+              </a:fillRef>
+              <a:effectRef idx="0">
+                <a:schemeClr val="accent1"/>
+              </a:effectRef>
+              <a:fontRef idx="minor">
+                <a:schemeClr val="lt1"/>
+              </a:fontRef>
+            </p:style>
+            <p:txBody>
+              <a:bodyPr rtlCol="0" anchor="ctr"/>
+              <a:lstStyle/>
+              <a:p>
+                <a:pPr algn="ctr"/>
+                <a:endParaRPr lang="zh-CN" altLang="en-US"/>
+              </a:p>
+            </p:txBody>
+          </p:sp>
+          <p:sp>
+            <p:nvSpPr>
+              <p:cNvPr id="51" name="平行四边形 50">
+                <a:extLst>
+                  <a:ext uri="{FF2B5EF4-FFF2-40B4-BE49-F238E27FC236}">
+                    <a16:creationId xmlns:a16="http://schemas.microsoft.com/office/drawing/2014/main" id="{1BA2D2A1-48D1-4D0E-ADDE-4E26C4F02C9B}"/>
+                  </a:ext>
+                </a:extLst>
+              </p:cNvPr>
+              <p:cNvSpPr/>
+              <p:nvPr/>
+            </p:nvSpPr>
+            <p:spPr>
+              <a:xfrm>
+                <a:off x="817012" y="1390076"/>
+                <a:ext cx="1546456" cy="673179"/>
+              </a:xfrm>
+              <a:prstGeom prst="parallelogram">
+                <a:avLst>
+                  <a:gd name="adj" fmla="val 64815"/>
+                </a:avLst>
+              </a:prstGeom>
+              <a:grpFill/>
+              <a:ln w="6350">
+                <a:solidFill>
+                  <a:schemeClr val="tx2">
+                    <a:lumMod val="75000"/>
+                  </a:schemeClr>
+                </a:solidFill>
+              </a:ln>
+              <a:effectLst>
+                <a:glow rad="38100">
+                  <a:schemeClr val="accent2">
+                    <a:lumMod val="20000"/>
+                    <a:lumOff val="80000"/>
+                    <a:alpha val="40000"/>
+                  </a:schemeClr>
+                </a:glow>
+              </a:effectLst>
+            </p:spPr>
+            <p:style>
+              <a:lnRef idx="2">
+                <a:schemeClr val="accent1">
+                  <a:shade val="50000"/>
+                </a:schemeClr>
+              </a:lnRef>
+              <a:fillRef idx="1">
+                <a:schemeClr val="accent1"/>
+              </a:fillRef>
+              <a:effectRef idx="0">
+                <a:schemeClr val="accent1"/>
+              </a:effectRef>
+              <a:fontRef idx="minor">
+                <a:schemeClr val="lt1"/>
+              </a:fontRef>
+            </p:style>
+            <p:txBody>
+              <a:bodyPr rtlCol="0" anchor="ctr"/>
+              <a:lstStyle/>
+              <a:p>
+                <a:pPr algn="ctr"/>
+                <a:endParaRPr lang="zh-CN" altLang="en-US"/>
+              </a:p>
+            </p:txBody>
+          </p:sp>
+        </p:grpSp>
+        <p:grpSp>
+          <p:nvGrpSpPr>
+            <p:cNvPr id="33" name="组合 32">
+              <a:extLst>
+                <a:ext uri="{FF2B5EF4-FFF2-40B4-BE49-F238E27FC236}">
+                  <a16:creationId xmlns:a16="http://schemas.microsoft.com/office/drawing/2014/main" id="{9D21B665-0357-404B-B9D7-F799FC6CA486}"/>
+                </a:ext>
+              </a:extLst>
+            </p:cNvPr>
+            <p:cNvGrpSpPr/>
+            <p:nvPr/>
+          </p:nvGrpSpPr>
+          <p:grpSpPr>
+            <a:xfrm>
+              <a:off x="4234826" y="2773371"/>
+              <a:ext cx="1546456" cy="1182449"/>
+              <a:chOff x="817012" y="1390076"/>
+              <a:chExt cx="1546456" cy="1182449"/>
+            </a:xfrm>
+            <a:solidFill>
+              <a:srgbClr val="B676A3">
+                <a:alpha val="50000"/>
+              </a:srgbClr>
+            </a:solidFill>
+          </p:grpSpPr>
+          <p:sp>
+            <p:nvSpPr>
               <p:cNvPr id="46" name="平行四边形 45">
                 <a:extLst>
                   <a:ext uri="{FF2B5EF4-FFF2-40B4-BE49-F238E27FC236}">
-                    <a16:creationId xmlns:a16="http://schemas.microsoft.com/office/drawing/2014/main" id="{7D02E6E7-BED1-4793-8CA2-9525580AB2C2}"/>
+                    <a16:creationId xmlns:a16="http://schemas.microsoft.com/office/drawing/2014/main" id="{DC54EEC7-5885-4951-8A08-8DA8326A17CE}"/>
                   </a:ext>
                 </a:extLst>
               </p:cNvPr>
@@ -2000,7 +3130,7 @@
               <p:cNvPr id="47" name="平行四边形 46">
                 <a:extLst>
                   <a:ext uri="{FF2B5EF4-FFF2-40B4-BE49-F238E27FC236}">
-                    <a16:creationId xmlns:a16="http://schemas.microsoft.com/office/drawing/2014/main" id="{3B3B6FB6-8D15-41A4-B051-8E4DA7BCFF7C}"/>
+                    <a16:creationId xmlns:a16="http://schemas.microsoft.com/office/drawing/2014/main" id="{19E5D168-7C93-42AC-8BDF-7707EDFF7940}"/>
                   </a:ext>
                 </a:extLst>
               </p:cNvPr>
@@ -2065,914 +3195,7 @@
               <p:cNvPr id="48" name="平行四边形 47">
                 <a:extLst>
                   <a:ext uri="{FF2B5EF4-FFF2-40B4-BE49-F238E27FC236}">
-                    <a16:creationId xmlns:a16="http://schemas.microsoft.com/office/drawing/2014/main" id="{3E403731-C195-4D90-A254-1F422B039027}"/>
-                  </a:ext>
-                </a:extLst>
-              </p:cNvPr>
-              <p:cNvSpPr/>
-              <p:nvPr/>
-            </p:nvSpPr>
-            <p:spPr>
-              <a:xfrm>
-                <a:off x="817012" y="1390076"/>
-                <a:ext cx="1546456" cy="673177"/>
-              </a:xfrm>
-              <a:prstGeom prst="parallelogram">
-                <a:avLst>
-                  <a:gd name="adj" fmla="val 64815"/>
-                </a:avLst>
-              </a:prstGeom>
-              <a:grpFill/>
-              <a:ln w="6350">
-                <a:solidFill>
-                  <a:schemeClr val="tx2">
-                    <a:lumMod val="75000"/>
-                  </a:schemeClr>
-                </a:solidFill>
-              </a:ln>
-              <a:effectLst>
-                <a:glow rad="38100">
-                  <a:schemeClr val="accent2">
-                    <a:lumMod val="20000"/>
-                    <a:lumOff val="80000"/>
-                    <a:alpha val="40000"/>
-                  </a:schemeClr>
-                </a:glow>
-              </a:effectLst>
-            </p:spPr>
-            <p:style>
-              <a:lnRef idx="2">
-                <a:schemeClr val="accent1">
-                  <a:shade val="50000"/>
-                </a:schemeClr>
-              </a:lnRef>
-              <a:fillRef idx="1">
-                <a:schemeClr val="accent1"/>
-              </a:fillRef>
-              <a:effectRef idx="0">
-                <a:schemeClr val="accent1"/>
-              </a:effectRef>
-              <a:fontRef idx="minor">
-                <a:schemeClr val="lt1"/>
-              </a:fontRef>
-            </p:style>
-            <p:txBody>
-              <a:bodyPr rtlCol="0" anchor="ctr"/>
-              <a:lstStyle/>
-              <a:p>
-                <a:pPr algn="ctr"/>
-                <a:endParaRPr lang="zh-CN" altLang="en-US"/>
-              </a:p>
-            </p:txBody>
-          </p:sp>
-        </p:grpSp>
-        <p:grpSp>
-          <p:nvGrpSpPr>
-            <p:cNvPr id="49" name="组合 48">
-              <a:extLst>
-                <a:ext uri="{FF2B5EF4-FFF2-40B4-BE49-F238E27FC236}">
-                  <a16:creationId xmlns:a16="http://schemas.microsoft.com/office/drawing/2014/main" id="{6D028BFD-576D-4F4A-BDB2-3CA12F151881}"/>
-                </a:ext>
-              </a:extLst>
-            </p:cNvPr>
-            <p:cNvGrpSpPr/>
-            <p:nvPr/>
-          </p:nvGrpSpPr>
-          <p:grpSpPr>
-            <a:xfrm>
-              <a:off x="2982210" y="1466663"/>
-              <a:ext cx="333586" cy="324046"/>
-              <a:chOff x="817012" y="1390076"/>
-              <a:chExt cx="1546456" cy="1182449"/>
-            </a:xfrm>
-            <a:solidFill>
-              <a:schemeClr val="accent6">
-                <a:lumMod val="40000"/>
-                <a:lumOff val="60000"/>
-                <a:alpha val="79000"/>
-              </a:schemeClr>
-            </a:solidFill>
-          </p:grpSpPr>
-          <p:sp>
-            <p:nvSpPr>
-              <p:cNvPr id="50" name="平行四边形 49">
-                <a:extLst>
-                  <a:ext uri="{FF2B5EF4-FFF2-40B4-BE49-F238E27FC236}">
-                    <a16:creationId xmlns:a16="http://schemas.microsoft.com/office/drawing/2014/main" id="{619E508C-7649-46B9-BEB7-F19DCAD7C738}"/>
-                  </a:ext>
-                </a:extLst>
-              </p:cNvPr>
-              <p:cNvSpPr/>
-              <p:nvPr/>
-            </p:nvSpPr>
-            <p:spPr>
-              <a:xfrm>
-                <a:off x="817012" y="1899346"/>
-                <a:ext cx="1546456" cy="673179"/>
-              </a:xfrm>
-              <a:prstGeom prst="parallelogram">
-                <a:avLst>
-                  <a:gd name="adj" fmla="val 64815"/>
-                </a:avLst>
-              </a:prstGeom>
-              <a:grpFill/>
-              <a:ln w="6350">
-                <a:solidFill>
-                  <a:schemeClr val="tx2">
-                    <a:lumMod val="75000"/>
-                  </a:schemeClr>
-                </a:solidFill>
-              </a:ln>
-              <a:effectLst>
-                <a:glow rad="38100">
-                  <a:schemeClr val="accent2">
-                    <a:lumMod val="20000"/>
-                    <a:lumOff val="80000"/>
-                    <a:alpha val="40000"/>
-                  </a:schemeClr>
-                </a:glow>
-              </a:effectLst>
-            </p:spPr>
-            <p:style>
-              <a:lnRef idx="2">
-                <a:schemeClr val="accent1">
-                  <a:shade val="50000"/>
-                </a:schemeClr>
-              </a:lnRef>
-              <a:fillRef idx="1">
-                <a:schemeClr val="accent1"/>
-              </a:fillRef>
-              <a:effectRef idx="0">
-                <a:schemeClr val="accent1"/>
-              </a:effectRef>
-              <a:fontRef idx="minor">
-                <a:schemeClr val="lt1"/>
-              </a:fontRef>
-            </p:style>
-            <p:txBody>
-              <a:bodyPr rtlCol="0" anchor="ctr"/>
-              <a:lstStyle/>
-              <a:p>
-                <a:pPr algn="ctr"/>
-                <a:endParaRPr lang="zh-CN" altLang="en-US"/>
-              </a:p>
-            </p:txBody>
-          </p:sp>
-          <p:sp>
-            <p:nvSpPr>
-              <p:cNvPr id="51" name="平行四边形 50">
-                <a:extLst>
-                  <a:ext uri="{FF2B5EF4-FFF2-40B4-BE49-F238E27FC236}">
-                    <a16:creationId xmlns:a16="http://schemas.microsoft.com/office/drawing/2014/main" id="{5333C0E9-0D15-43BD-B6B7-846F20BA0BDB}"/>
-                  </a:ext>
-                </a:extLst>
-              </p:cNvPr>
-              <p:cNvSpPr/>
-              <p:nvPr/>
-            </p:nvSpPr>
-            <p:spPr>
-              <a:xfrm>
-                <a:off x="817012" y="1645346"/>
-                <a:ext cx="1546456" cy="673179"/>
-              </a:xfrm>
-              <a:prstGeom prst="parallelogram">
-                <a:avLst>
-                  <a:gd name="adj" fmla="val 64815"/>
-                </a:avLst>
-              </a:prstGeom>
-              <a:grpFill/>
-              <a:ln w="6350">
-                <a:solidFill>
-                  <a:schemeClr val="tx2">
-                    <a:lumMod val="75000"/>
-                  </a:schemeClr>
-                </a:solidFill>
-              </a:ln>
-              <a:effectLst>
-                <a:glow rad="38100">
-                  <a:schemeClr val="accent2">
-                    <a:lumMod val="20000"/>
-                    <a:lumOff val="80000"/>
-                    <a:alpha val="40000"/>
-                  </a:schemeClr>
-                </a:glow>
-              </a:effectLst>
-            </p:spPr>
-            <p:style>
-              <a:lnRef idx="2">
-                <a:schemeClr val="accent1">
-                  <a:shade val="50000"/>
-                </a:schemeClr>
-              </a:lnRef>
-              <a:fillRef idx="1">
-                <a:schemeClr val="accent1"/>
-              </a:fillRef>
-              <a:effectRef idx="0">
-                <a:schemeClr val="accent1"/>
-              </a:effectRef>
-              <a:fontRef idx="minor">
-                <a:schemeClr val="lt1"/>
-              </a:fontRef>
-            </p:style>
-            <p:txBody>
-              <a:bodyPr rtlCol="0" anchor="ctr"/>
-              <a:lstStyle/>
-              <a:p>
-                <a:pPr algn="ctr"/>
-                <a:endParaRPr lang="zh-CN" altLang="en-US"/>
-              </a:p>
-            </p:txBody>
-          </p:sp>
-          <p:sp>
-            <p:nvSpPr>
-              <p:cNvPr id="52" name="平行四边形 51">
-                <a:extLst>
-                  <a:ext uri="{FF2B5EF4-FFF2-40B4-BE49-F238E27FC236}">
-                    <a16:creationId xmlns:a16="http://schemas.microsoft.com/office/drawing/2014/main" id="{0670C5E7-3CF0-4CA3-8225-2FD4EDEBDE45}"/>
-                  </a:ext>
-                </a:extLst>
-              </p:cNvPr>
-              <p:cNvSpPr/>
-              <p:nvPr/>
-            </p:nvSpPr>
-            <p:spPr>
-              <a:xfrm>
-                <a:off x="817012" y="1390076"/>
-                <a:ext cx="1546456" cy="673177"/>
-              </a:xfrm>
-              <a:prstGeom prst="parallelogram">
-                <a:avLst>
-                  <a:gd name="adj" fmla="val 64815"/>
-                </a:avLst>
-              </a:prstGeom>
-              <a:grpFill/>
-              <a:ln w="6350">
-                <a:solidFill>
-                  <a:schemeClr val="tx2">
-                    <a:lumMod val="75000"/>
-                  </a:schemeClr>
-                </a:solidFill>
-              </a:ln>
-              <a:effectLst>
-                <a:glow rad="38100">
-                  <a:schemeClr val="accent2">
-                    <a:lumMod val="20000"/>
-                    <a:lumOff val="80000"/>
-                    <a:alpha val="40000"/>
-                  </a:schemeClr>
-                </a:glow>
-              </a:effectLst>
-            </p:spPr>
-            <p:style>
-              <a:lnRef idx="2">
-                <a:schemeClr val="accent1">
-                  <a:shade val="50000"/>
-                </a:schemeClr>
-              </a:lnRef>
-              <a:fillRef idx="1">
-                <a:schemeClr val="accent1"/>
-              </a:fillRef>
-              <a:effectRef idx="0">
-                <a:schemeClr val="accent1"/>
-              </a:effectRef>
-              <a:fontRef idx="minor">
-                <a:schemeClr val="lt1"/>
-              </a:fontRef>
-            </p:style>
-            <p:txBody>
-              <a:bodyPr rtlCol="0" anchor="ctr"/>
-              <a:lstStyle/>
-              <a:p>
-                <a:pPr algn="ctr"/>
-                <a:endParaRPr lang="zh-CN" altLang="en-US"/>
-              </a:p>
-            </p:txBody>
-          </p:sp>
-        </p:grpSp>
-        <p:grpSp>
-          <p:nvGrpSpPr>
-            <p:cNvPr id="53" name="组合 52">
-              <a:extLst>
-                <a:ext uri="{FF2B5EF4-FFF2-40B4-BE49-F238E27FC236}">
-                  <a16:creationId xmlns:a16="http://schemas.microsoft.com/office/drawing/2014/main" id="{95FAE724-7D87-42CE-9343-3AB21046FEB8}"/>
-                </a:ext>
-              </a:extLst>
-            </p:cNvPr>
-            <p:cNvGrpSpPr/>
-            <p:nvPr/>
-          </p:nvGrpSpPr>
-          <p:grpSpPr>
-            <a:xfrm>
-              <a:off x="2985691" y="2365440"/>
-              <a:ext cx="333586" cy="324046"/>
-              <a:chOff x="817012" y="1390076"/>
-              <a:chExt cx="1546456" cy="1182449"/>
-            </a:xfrm>
-            <a:solidFill>
-              <a:srgbClr val="9CAFD0">
-                <a:alpha val="55000"/>
-              </a:srgbClr>
-            </a:solidFill>
-          </p:grpSpPr>
-          <p:sp>
-            <p:nvSpPr>
-              <p:cNvPr id="54" name="平行四边形 53">
-                <a:extLst>
-                  <a:ext uri="{FF2B5EF4-FFF2-40B4-BE49-F238E27FC236}">
-                    <a16:creationId xmlns:a16="http://schemas.microsoft.com/office/drawing/2014/main" id="{6FE449DC-1635-4C21-B43F-E38E4DB56769}"/>
-                  </a:ext>
-                </a:extLst>
-              </p:cNvPr>
-              <p:cNvSpPr/>
-              <p:nvPr/>
-            </p:nvSpPr>
-            <p:spPr>
-              <a:xfrm>
-                <a:off x="817012" y="1899346"/>
-                <a:ext cx="1546456" cy="673179"/>
-              </a:xfrm>
-              <a:prstGeom prst="parallelogram">
-                <a:avLst>
-                  <a:gd name="adj" fmla="val 64815"/>
-                </a:avLst>
-              </a:prstGeom>
-              <a:grpFill/>
-              <a:ln w="6350">
-                <a:solidFill>
-                  <a:schemeClr val="tx2">
-                    <a:lumMod val="75000"/>
-                  </a:schemeClr>
-                </a:solidFill>
-              </a:ln>
-              <a:effectLst>
-                <a:glow rad="38100">
-                  <a:schemeClr val="accent2">
-                    <a:lumMod val="20000"/>
-                    <a:lumOff val="80000"/>
-                    <a:alpha val="40000"/>
-                  </a:schemeClr>
-                </a:glow>
-              </a:effectLst>
-            </p:spPr>
-            <p:style>
-              <a:lnRef idx="2">
-                <a:schemeClr val="accent1">
-                  <a:shade val="50000"/>
-                </a:schemeClr>
-              </a:lnRef>
-              <a:fillRef idx="1">
-                <a:schemeClr val="accent1"/>
-              </a:fillRef>
-              <a:effectRef idx="0">
-                <a:schemeClr val="accent1"/>
-              </a:effectRef>
-              <a:fontRef idx="minor">
-                <a:schemeClr val="lt1"/>
-              </a:fontRef>
-            </p:style>
-            <p:txBody>
-              <a:bodyPr rtlCol="0" anchor="ctr"/>
-              <a:lstStyle/>
-              <a:p>
-                <a:pPr algn="ctr"/>
-                <a:endParaRPr lang="zh-CN" altLang="en-US"/>
-              </a:p>
-            </p:txBody>
-          </p:sp>
-          <p:sp>
-            <p:nvSpPr>
-              <p:cNvPr id="55" name="平行四边形 54">
-                <a:extLst>
-                  <a:ext uri="{FF2B5EF4-FFF2-40B4-BE49-F238E27FC236}">
-                    <a16:creationId xmlns:a16="http://schemas.microsoft.com/office/drawing/2014/main" id="{57A77358-FC28-43B0-9EF2-20EE52F4922A}"/>
-                  </a:ext>
-                </a:extLst>
-              </p:cNvPr>
-              <p:cNvSpPr/>
-              <p:nvPr/>
-            </p:nvSpPr>
-            <p:spPr>
-              <a:xfrm>
-                <a:off x="817012" y="1645346"/>
-                <a:ext cx="1546456" cy="673179"/>
-              </a:xfrm>
-              <a:prstGeom prst="parallelogram">
-                <a:avLst>
-                  <a:gd name="adj" fmla="val 64815"/>
-                </a:avLst>
-              </a:prstGeom>
-              <a:grpFill/>
-              <a:ln w="6350">
-                <a:solidFill>
-                  <a:schemeClr val="tx2">
-                    <a:lumMod val="75000"/>
-                  </a:schemeClr>
-                </a:solidFill>
-              </a:ln>
-              <a:effectLst>
-                <a:glow rad="38100">
-                  <a:schemeClr val="accent2">
-                    <a:lumMod val="20000"/>
-                    <a:lumOff val="80000"/>
-                    <a:alpha val="40000"/>
-                  </a:schemeClr>
-                </a:glow>
-              </a:effectLst>
-            </p:spPr>
-            <p:style>
-              <a:lnRef idx="2">
-                <a:schemeClr val="accent1">
-                  <a:shade val="50000"/>
-                </a:schemeClr>
-              </a:lnRef>
-              <a:fillRef idx="1">
-                <a:schemeClr val="accent1"/>
-              </a:fillRef>
-              <a:effectRef idx="0">
-                <a:schemeClr val="accent1"/>
-              </a:effectRef>
-              <a:fontRef idx="minor">
-                <a:schemeClr val="lt1"/>
-              </a:fontRef>
-            </p:style>
-            <p:txBody>
-              <a:bodyPr rtlCol="0" anchor="ctr"/>
-              <a:lstStyle/>
-              <a:p>
-                <a:pPr algn="ctr"/>
-                <a:endParaRPr lang="zh-CN" altLang="en-US"/>
-              </a:p>
-            </p:txBody>
-          </p:sp>
-          <p:sp>
-            <p:nvSpPr>
-              <p:cNvPr id="56" name="平行四边形 55">
-                <a:extLst>
-                  <a:ext uri="{FF2B5EF4-FFF2-40B4-BE49-F238E27FC236}">
-                    <a16:creationId xmlns:a16="http://schemas.microsoft.com/office/drawing/2014/main" id="{359DAEC0-3256-4402-BCF6-F5B9177683F3}"/>
-                  </a:ext>
-                </a:extLst>
-              </p:cNvPr>
-              <p:cNvSpPr/>
-              <p:nvPr/>
-            </p:nvSpPr>
-            <p:spPr>
-              <a:xfrm>
-                <a:off x="817012" y="1390076"/>
-                <a:ext cx="1546456" cy="673177"/>
-              </a:xfrm>
-              <a:prstGeom prst="parallelogram">
-                <a:avLst>
-                  <a:gd name="adj" fmla="val 64815"/>
-                </a:avLst>
-              </a:prstGeom>
-              <a:grpFill/>
-              <a:ln w="6350">
-                <a:solidFill>
-                  <a:schemeClr val="tx2">
-                    <a:lumMod val="75000"/>
-                  </a:schemeClr>
-                </a:solidFill>
-              </a:ln>
-              <a:effectLst>
-                <a:glow rad="38100">
-                  <a:schemeClr val="accent2">
-                    <a:lumMod val="20000"/>
-                    <a:lumOff val="80000"/>
-                    <a:alpha val="40000"/>
-                  </a:schemeClr>
-                </a:glow>
-              </a:effectLst>
-            </p:spPr>
-            <p:style>
-              <a:lnRef idx="2">
-                <a:schemeClr val="accent1">
-                  <a:shade val="50000"/>
-                </a:schemeClr>
-              </a:lnRef>
-              <a:fillRef idx="1">
-                <a:schemeClr val="accent1"/>
-              </a:fillRef>
-              <a:effectRef idx="0">
-                <a:schemeClr val="accent1"/>
-              </a:effectRef>
-              <a:fontRef idx="minor">
-                <a:schemeClr val="lt1"/>
-              </a:fontRef>
-            </p:style>
-            <p:txBody>
-              <a:bodyPr rtlCol="0" anchor="ctr"/>
-              <a:lstStyle/>
-              <a:p>
-                <a:pPr algn="ctr"/>
-                <a:endParaRPr lang="zh-CN" altLang="en-US"/>
-              </a:p>
-            </p:txBody>
-          </p:sp>
-        </p:grpSp>
-        <p:grpSp>
-          <p:nvGrpSpPr>
-            <p:cNvPr id="57" name="组合 56">
-              <a:extLst>
-                <a:ext uri="{FF2B5EF4-FFF2-40B4-BE49-F238E27FC236}">
-                  <a16:creationId xmlns:a16="http://schemas.microsoft.com/office/drawing/2014/main" id="{6B0C2073-8794-4D48-A9D0-EF9A1BB52FD0}"/>
-                </a:ext>
-              </a:extLst>
-            </p:cNvPr>
-            <p:cNvGrpSpPr/>
-            <p:nvPr/>
-          </p:nvGrpSpPr>
-          <p:grpSpPr>
-            <a:xfrm>
-              <a:off x="2985691" y="4112261"/>
-              <a:ext cx="333586" cy="324046"/>
-              <a:chOff x="817012" y="1390076"/>
-              <a:chExt cx="1546456" cy="1182449"/>
-            </a:xfrm>
-            <a:solidFill>
-              <a:srgbClr val="00FFFF">
-                <a:alpha val="58000"/>
-              </a:srgbClr>
-            </a:solidFill>
-          </p:grpSpPr>
-          <p:sp>
-            <p:nvSpPr>
-              <p:cNvPr id="58" name="平行四边形 57">
-                <a:extLst>
-                  <a:ext uri="{FF2B5EF4-FFF2-40B4-BE49-F238E27FC236}">
-                    <a16:creationId xmlns:a16="http://schemas.microsoft.com/office/drawing/2014/main" id="{F520B9FF-58F9-43FD-9B1E-0AA2D7B5B193}"/>
-                  </a:ext>
-                </a:extLst>
-              </p:cNvPr>
-              <p:cNvSpPr/>
-              <p:nvPr/>
-            </p:nvSpPr>
-            <p:spPr>
-              <a:xfrm>
-                <a:off x="817012" y="1899346"/>
-                <a:ext cx="1546456" cy="673179"/>
-              </a:xfrm>
-              <a:prstGeom prst="parallelogram">
-                <a:avLst>
-                  <a:gd name="adj" fmla="val 64815"/>
-                </a:avLst>
-              </a:prstGeom>
-              <a:grpFill/>
-              <a:ln w="6350">
-                <a:solidFill>
-                  <a:schemeClr val="tx2">
-                    <a:lumMod val="75000"/>
-                  </a:schemeClr>
-                </a:solidFill>
-              </a:ln>
-              <a:effectLst>
-                <a:glow rad="38100">
-                  <a:schemeClr val="accent2">
-                    <a:lumMod val="20000"/>
-                    <a:lumOff val="80000"/>
-                    <a:alpha val="40000"/>
-                  </a:schemeClr>
-                </a:glow>
-              </a:effectLst>
-            </p:spPr>
-            <p:style>
-              <a:lnRef idx="2">
-                <a:schemeClr val="accent1">
-                  <a:shade val="50000"/>
-                </a:schemeClr>
-              </a:lnRef>
-              <a:fillRef idx="1">
-                <a:schemeClr val="accent1"/>
-              </a:fillRef>
-              <a:effectRef idx="0">
-                <a:schemeClr val="accent1"/>
-              </a:effectRef>
-              <a:fontRef idx="minor">
-                <a:schemeClr val="lt1"/>
-              </a:fontRef>
-            </p:style>
-            <p:txBody>
-              <a:bodyPr rtlCol="0" anchor="ctr"/>
-              <a:lstStyle/>
-              <a:p>
-                <a:pPr algn="ctr"/>
-                <a:endParaRPr lang="zh-CN" altLang="en-US"/>
-              </a:p>
-            </p:txBody>
-          </p:sp>
-          <p:sp>
-            <p:nvSpPr>
-              <p:cNvPr id="59" name="平行四边形 58">
-                <a:extLst>
-                  <a:ext uri="{FF2B5EF4-FFF2-40B4-BE49-F238E27FC236}">
-                    <a16:creationId xmlns:a16="http://schemas.microsoft.com/office/drawing/2014/main" id="{CE147E72-5B96-4B9B-960B-8287A88E7E92}"/>
-                  </a:ext>
-                </a:extLst>
-              </p:cNvPr>
-              <p:cNvSpPr/>
-              <p:nvPr/>
-            </p:nvSpPr>
-            <p:spPr>
-              <a:xfrm>
-                <a:off x="817012" y="1645346"/>
-                <a:ext cx="1546456" cy="673179"/>
-              </a:xfrm>
-              <a:prstGeom prst="parallelogram">
-                <a:avLst>
-                  <a:gd name="adj" fmla="val 64815"/>
-                </a:avLst>
-              </a:prstGeom>
-              <a:grpFill/>
-              <a:ln w="6350">
-                <a:solidFill>
-                  <a:schemeClr val="tx2">
-                    <a:lumMod val="75000"/>
-                  </a:schemeClr>
-                </a:solidFill>
-              </a:ln>
-              <a:effectLst>
-                <a:glow rad="38100">
-                  <a:schemeClr val="accent2">
-                    <a:lumMod val="20000"/>
-                    <a:lumOff val="80000"/>
-                    <a:alpha val="40000"/>
-                  </a:schemeClr>
-                </a:glow>
-              </a:effectLst>
-            </p:spPr>
-            <p:style>
-              <a:lnRef idx="2">
-                <a:schemeClr val="accent1">
-                  <a:shade val="50000"/>
-                </a:schemeClr>
-              </a:lnRef>
-              <a:fillRef idx="1">
-                <a:schemeClr val="accent1"/>
-              </a:fillRef>
-              <a:effectRef idx="0">
-                <a:schemeClr val="accent1"/>
-              </a:effectRef>
-              <a:fontRef idx="minor">
-                <a:schemeClr val="lt1"/>
-              </a:fontRef>
-            </p:style>
-            <p:txBody>
-              <a:bodyPr rtlCol="0" anchor="ctr"/>
-              <a:lstStyle/>
-              <a:p>
-                <a:pPr algn="ctr"/>
-                <a:endParaRPr lang="zh-CN" altLang="en-US"/>
-              </a:p>
-            </p:txBody>
-          </p:sp>
-          <p:sp>
-            <p:nvSpPr>
-              <p:cNvPr id="60" name="平行四边形 59">
-                <a:extLst>
-                  <a:ext uri="{FF2B5EF4-FFF2-40B4-BE49-F238E27FC236}">
-                    <a16:creationId xmlns:a16="http://schemas.microsoft.com/office/drawing/2014/main" id="{F69DBC66-9B1D-4E4B-B885-DDAE4C197862}"/>
-                  </a:ext>
-                </a:extLst>
-              </p:cNvPr>
-              <p:cNvSpPr/>
-              <p:nvPr/>
-            </p:nvSpPr>
-            <p:spPr>
-              <a:xfrm>
-                <a:off x="817012" y="1390076"/>
-                <a:ext cx="1546456" cy="673177"/>
-              </a:xfrm>
-              <a:prstGeom prst="parallelogram">
-                <a:avLst>
-                  <a:gd name="adj" fmla="val 64815"/>
-                </a:avLst>
-              </a:prstGeom>
-              <a:grpFill/>
-              <a:ln w="6350">
-                <a:solidFill>
-                  <a:schemeClr val="tx2">
-                    <a:lumMod val="75000"/>
-                  </a:schemeClr>
-                </a:solidFill>
-              </a:ln>
-              <a:effectLst>
-                <a:glow rad="38100">
-                  <a:schemeClr val="accent2">
-                    <a:lumMod val="20000"/>
-                    <a:lumOff val="80000"/>
-                    <a:alpha val="40000"/>
-                  </a:schemeClr>
-                </a:glow>
-              </a:effectLst>
-            </p:spPr>
-            <p:style>
-              <a:lnRef idx="2">
-                <a:schemeClr val="accent1">
-                  <a:shade val="50000"/>
-                </a:schemeClr>
-              </a:lnRef>
-              <a:fillRef idx="1">
-                <a:schemeClr val="accent1"/>
-              </a:fillRef>
-              <a:effectRef idx="0">
-                <a:schemeClr val="accent1"/>
-              </a:effectRef>
-              <a:fontRef idx="minor">
-                <a:schemeClr val="lt1"/>
-              </a:fontRef>
-            </p:style>
-            <p:txBody>
-              <a:bodyPr rtlCol="0" anchor="ctr"/>
-              <a:lstStyle/>
-              <a:p>
-                <a:pPr algn="ctr"/>
-                <a:endParaRPr lang="zh-CN" altLang="en-US"/>
-              </a:p>
-            </p:txBody>
-          </p:sp>
-        </p:grpSp>
-      </p:grpSp>
-      <p:grpSp>
-        <p:nvGrpSpPr>
-          <p:cNvPr id="139" name="组合 138">
-            <a:extLst>
-              <a:ext uri="{FF2B5EF4-FFF2-40B4-BE49-F238E27FC236}">
-                <a16:creationId xmlns:a16="http://schemas.microsoft.com/office/drawing/2014/main" id="{4516A3C5-A925-4ECE-8D5F-CC8769ABC925}"/>
-              </a:ext>
-            </a:extLst>
-          </p:cNvPr>
-          <p:cNvGrpSpPr/>
-          <p:nvPr/>
-        </p:nvGrpSpPr>
-        <p:grpSpPr>
-          <a:xfrm>
-            <a:off x="8218559" y="663607"/>
-            <a:ext cx="1554079" cy="4766542"/>
-            <a:chOff x="4232285" y="35137"/>
-            <a:chExt cx="1554079" cy="4766542"/>
-          </a:xfrm>
-        </p:grpSpPr>
-        <p:grpSp>
-          <p:nvGrpSpPr>
-            <p:cNvPr id="133" name="组合 132">
-              <a:extLst>
-                <a:ext uri="{FF2B5EF4-FFF2-40B4-BE49-F238E27FC236}">
-                  <a16:creationId xmlns:a16="http://schemas.microsoft.com/office/drawing/2014/main" id="{DEB68EE3-81EF-4CBE-8C14-806F6C484377}"/>
-                </a:ext>
-              </a:extLst>
-            </p:cNvPr>
-            <p:cNvGrpSpPr/>
-            <p:nvPr/>
-          </p:nvGrpSpPr>
-          <p:grpSpPr>
-            <a:xfrm>
-              <a:off x="4232285" y="3619230"/>
-              <a:ext cx="1546456" cy="1182449"/>
-              <a:chOff x="817012" y="1390076"/>
-              <a:chExt cx="1546456" cy="1182449"/>
-            </a:xfrm>
-            <a:solidFill>
-              <a:srgbClr val="45F9F5">
-                <a:alpha val="39000"/>
-              </a:srgbClr>
-            </a:solidFill>
-          </p:grpSpPr>
-          <p:sp>
-            <p:nvSpPr>
-              <p:cNvPr id="134" name="平行四边形 133">
-                <a:extLst>
-                  <a:ext uri="{FF2B5EF4-FFF2-40B4-BE49-F238E27FC236}">
-                    <a16:creationId xmlns:a16="http://schemas.microsoft.com/office/drawing/2014/main" id="{817E30B6-343A-4275-9995-1D6CA51DB05B}"/>
-                  </a:ext>
-                </a:extLst>
-              </p:cNvPr>
-              <p:cNvSpPr/>
-              <p:nvPr/>
-            </p:nvSpPr>
-            <p:spPr>
-              <a:xfrm>
-                <a:off x="817012" y="1899346"/>
-                <a:ext cx="1546456" cy="673179"/>
-              </a:xfrm>
-              <a:prstGeom prst="parallelogram">
-                <a:avLst>
-                  <a:gd name="adj" fmla="val 64815"/>
-                </a:avLst>
-              </a:prstGeom>
-              <a:grpFill/>
-              <a:ln w="6350">
-                <a:solidFill>
-                  <a:schemeClr val="tx2">
-                    <a:lumMod val="75000"/>
-                  </a:schemeClr>
-                </a:solidFill>
-              </a:ln>
-              <a:effectLst>
-                <a:glow rad="38100">
-                  <a:schemeClr val="accent2">
-                    <a:lumMod val="20000"/>
-                    <a:lumOff val="80000"/>
-                    <a:alpha val="40000"/>
-                  </a:schemeClr>
-                </a:glow>
-              </a:effectLst>
-            </p:spPr>
-            <p:style>
-              <a:lnRef idx="2">
-                <a:schemeClr val="accent1">
-                  <a:shade val="50000"/>
-                </a:schemeClr>
-              </a:lnRef>
-              <a:fillRef idx="1">
-                <a:schemeClr val="accent1"/>
-              </a:fillRef>
-              <a:effectRef idx="0">
-                <a:schemeClr val="accent1"/>
-              </a:effectRef>
-              <a:fontRef idx="minor">
-                <a:schemeClr val="lt1"/>
-              </a:fontRef>
-            </p:style>
-            <p:txBody>
-              <a:bodyPr rtlCol="0" anchor="ctr"/>
-              <a:lstStyle/>
-              <a:p>
-                <a:pPr algn="ctr"/>
-                <a:endParaRPr lang="zh-CN" altLang="en-US"/>
-              </a:p>
-            </p:txBody>
-          </p:sp>
-          <p:sp>
-            <p:nvSpPr>
-              <p:cNvPr id="135" name="平行四边形 134">
-                <a:extLst>
-                  <a:ext uri="{FF2B5EF4-FFF2-40B4-BE49-F238E27FC236}">
-                    <a16:creationId xmlns:a16="http://schemas.microsoft.com/office/drawing/2014/main" id="{4FF1BC25-E6BF-4587-B530-7791E8855E80}"/>
-                  </a:ext>
-                </a:extLst>
-              </p:cNvPr>
-              <p:cNvSpPr/>
-              <p:nvPr/>
-            </p:nvSpPr>
-            <p:spPr>
-              <a:xfrm>
-                <a:off x="817012" y="1645346"/>
-                <a:ext cx="1546456" cy="673179"/>
-              </a:xfrm>
-              <a:prstGeom prst="parallelogram">
-                <a:avLst>
-                  <a:gd name="adj" fmla="val 64815"/>
-                </a:avLst>
-              </a:prstGeom>
-              <a:grpFill/>
-              <a:ln w="6350">
-                <a:solidFill>
-                  <a:schemeClr val="tx2">
-                    <a:lumMod val="75000"/>
-                  </a:schemeClr>
-                </a:solidFill>
-              </a:ln>
-              <a:effectLst>
-                <a:glow rad="38100">
-                  <a:schemeClr val="accent2">
-                    <a:lumMod val="20000"/>
-                    <a:lumOff val="80000"/>
-                    <a:alpha val="40000"/>
-                  </a:schemeClr>
-                </a:glow>
-              </a:effectLst>
-            </p:spPr>
-            <p:style>
-              <a:lnRef idx="2">
-                <a:schemeClr val="accent1">
-                  <a:shade val="50000"/>
-                </a:schemeClr>
-              </a:lnRef>
-              <a:fillRef idx="1">
-                <a:schemeClr val="accent1"/>
-              </a:fillRef>
-              <a:effectRef idx="0">
-                <a:schemeClr val="accent1"/>
-              </a:effectRef>
-              <a:fontRef idx="minor">
-                <a:schemeClr val="lt1"/>
-              </a:fontRef>
-            </p:style>
-            <p:txBody>
-              <a:bodyPr rtlCol="0" anchor="ctr"/>
-              <a:lstStyle/>
-              <a:p>
-                <a:pPr algn="ctr"/>
-                <a:endParaRPr lang="zh-CN" altLang="en-US"/>
-              </a:p>
-            </p:txBody>
-          </p:sp>
-          <p:sp>
-            <p:nvSpPr>
-              <p:cNvPr id="136" name="平行四边形 135">
-                <a:extLst>
-                  <a:ext uri="{FF2B5EF4-FFF2-40B4-BE49-F238E27FC236}">
-                    <a16:creationId xmlns:a16="http://schemas.microsoft.com/office/drawing/2014/main" id="{2D9DF9C0-5C28-4739-8F85-1FB0E2B3954F}"/>
+                    <a16:creationId xmlns:a16="http://schemas.microsoft.com/office/drawing/2014/main" id="{6CDE5499-4D85-48BC-B61C-2D125122B91D}"/>
                   </a:ext>
                 </a:extLst>
               </p:cNvPr>
@@ -3035,231 +3258,10 @@
         </p:grpSp>
         <p:grpSp>
           <p:nvGrpSpPr>
-            <p:cNvPr id="129" name="组合 128">
+            <p:cNvPr id="34" name="组合 33">
               <a:extLst>
                 <a:ext uri="{FF2B5EF4-FFF2-40B4-BE49-F238E27FC236}">
-                  <a16:creationId xmlns:a16="http://schemas.microsoft.com/office/drawing/2014/main" id="{0AA1A99C-5FE0-4C4C-BB40-5BCA01A4F002}"/>
-                </a:ext>
-              </a:extLst>
-            </p:cNvPr>
-            <p:cNvGrpSpPr/>
-            <p:nvPr/>
-          </p:nvGrpSpPr>
-          <p:grpSpPr>
-            <a:xfrm>
-              <a:off x="4234826" y="2773371"/>
-              <a:ext cx="1546456" cy="1182449"/>
-              <a:chOff x="817012" y="1390076"/>
-              <a:chExt cx="1546456" cy="1182449"/>
-            </a:xfrm>
-            <a:solidFill>
-              <a:srgbClr val="B676A3">
-                <a:alpha val="50000"/>
-              </a:srgbClr>
-            </a:solidFill>
-          </p:grpSpPr>
-          <p:sp>
-            <p:nvSpPr>
-              <p:cNvPr id="130" name="平行四边形 129">
-                <a:extLst>
-                  <a:ext uri="{FF2B5EF4-FFF2-40B4-BE49-F238E27FC236}">
-                    <a16:creationId xmlns:a16="http://schemas.microsoft.com/office/drawing/2014/main" id="{14D738EF-BF05-488D-9596-AA376571831F}"/>
-                  </a:ext>
-                </a:extLst>
-              </p:cNvPr>
-              <p:cNvSpPr/>
-              <p:nvPr/>
-            </p:nvSpPr>
-            <p:spPr>
-              <a:xfrm>
-                <a:off x="817012" y="1899346"/>
-                <a:ext cx="1546456" cy="673179"/>
-              </a:xfrm>
-              <a:prstGeom prst="parallelogram">
-                <a:avLst>
-                  <a:gd name="adj" fmla="val 64815"/>
-                </a:avLst>
-              </a:prstGeom>
-              <a:grpFill/>
-              <a:ln w="6350">
-                <a:solidFill>
-                  <a:schemeClr val="tx2">
-                    <a:lumMod val="75000"/>
-                  </a:schemeClr>
-                </a:solidFill>
-              </a:ln>
-              <a:effectLst>
-                <a:glow rad="38100">
-                  <a:schemeClr val="accent2">
-                    <a:lumMod val="20000"/>
-                    <a:lumOff val="80000"/>
-                    <a:alpha val="40000"/>
-                  </a:schemeClr>
-                </a:glow>
-              </a:effectLst>
-            </p:spPr>
-            <p:style>
-              <a:lnRef idx="2">
-                <a:schemeClr val="accent1">
-                  <a:shade val="50000"/>
-                </a:schemeClr>
-              </a:lnRef>
-              <a:fillRef idx="1">
-                <a:schemeClr val="accent1"/>
-              </a:fillRef>
-              <a:effectRef idx="0">
-                <a:schemeClr val="accent1"/>
-              </a:effectRef>
-              <a:fontRef idx="minor">
-                <a:schemeClr val="lt1"/>
-              </a:fontRef>
-            </p:style>
-            <p:txBody>
-              <a:bodyPr rtlCol="0" anchor="ctr"/>
-              <a:lstStyle/>
-              <a:p>
-                <a:pPr algn="ctr"/>
-                <a:endParaRPr lang="zh-CN" altLang="en-US"/>
-              </a:p>
-            </p:txBody>
-          </p:sp>
-          <p:sp>
-            <p:nvSpPr>
-              <p:cNvPr id="131" name="平行四边形 130">
-                <a:extLst>
-                  <a:ext uri="{FF2B5EF4-FFF2-40B4-BE49-F238E27FC236}">
-                    <a16:creationId xmlns:a16="http://schemas.microsoft.com/office/drawing/2014/main" id="{75E5EC9B-5447-46C3-8B71-EEAF8BF07C23}"/>
-                  </a:ext>
-                </a:extLst>
-              </p:cNvPr>
-              <p:cNvSpPr/>
-              <p:nvPr/>
-            </p:nvSpPr>
-            <p:spPr>
-              <a:xfrm>
-                <a:off x="817012" y="1645346"/>
-                <a:ext cx="1546456" cy="673179"/>
-              </a:xfrm>
-              <a:prstGeom prst="parallelogram">
-                <a:avLst>
-                  <a:gd name="adj" fmla="val 64815"/>
-                </a:avLst>
-              </a:prstGeom>
-              <a:grpFill/>
-              <a:ln w="6350">
-                <a:solidFill>
-                  <a:schemeClr val="tx2">
-                    <a:lumMod val="75000"/>
-                  </a:schemeClr>
-                </a:solidFill>
-              </a:ln>
-              <a:effectLst>
-                <a:glow rad="38100">
-                  <a:schemeClr val="accent2">
-                    <a:lumMod val="20000"/>
-                    <a:lumOff val="80000"/>
-                    <a:alpha val="40000"/>
-                  </a:schemeClr>
-                </a:glow>
-              </a:effectLst>
-            </p:spPr>
-            <p:style>
-              <a:lnRef idx="2">
-                <a:schemeClr val="accent1">
-                  <a:shade val="50000"/>
-                </a:schemeClr>
-              </a:lnRef>
-              <a:fillRef idx="1">
-                <a:schemeClr val="accent1"/>
-              </a:fillRef>
-              <a:effectRef idx="0">
-                <a:schemeClr val="accent1"/>
-              </a:effectRef>
-              <a:fontRef idx="minor">
-                <a:schemeClr val="lt1"/>
-              </a:fontRef>
-            </p:style>
-            <p:txBody>
-              <a:bodyPr rtlCol="0" anchor="ctr"/>
-              <a:lstStyle/>
-              <a:p>
-                <a:pPr algn="ctr"/>
-                <a:endParaRPr lang="zh-CN" altLang="en-US"/>
-              </a:p>
-            </p:txBody>
-          </p:sp>
-          <p:sp>
-            <p:nvSpPr>
-              <p:cNvPr id="132" name="平行四边形 131">
-                <a:extLst>
-                  <a:ext uri="{FF2B5EF4-FFF2-40B4-BE49-F238E27FC236}">
-                    <a16:creationId xmlns:a16="http://schemas.microsoft.com/office/drawing/2014/main" id="{E15AF190-9FE3-40D6-BBE8-FE7B4479CF2C}"/>
-                  </a:ext>
-                </a:extLst>
-              </p:cNvPr>
-              <p:cNvSpPr/>
-              <p:nvPr/>
-            </p:nvSpPr>
-            <p:spPr>
-              <a:xfrm>
-                <a:off x="817012" y="1390076"/>
-                <a:ext cx="1546456" cy="673179"/>
-              </a:xfrm>
-              <a:prstGeom prst="parallelogram">
-                <a:avLst>
-                  <a:gd name="adj" fmla="val 64815"/>
-                </a:avLst>
-              </a:prstGeom>
-              <a:grpFill/>
-              <a:ln w="6350">
-                <a:solidFill>
-                  <a:schemeClr val="tx2">
-                    <a:lumMod val="75000"/>
-                  </a:schemeClr>
-                </a:solidFill>
-              </a:ln>
-              <a:effectLst>
-                <a:glow rad="38100">
-                  <a:schemeClr val="accent2">
-                    <a:lumMod val="20000"/>
-                    <a:lumOff val="80000"/>
-                    <a:alpha val="40000"/>
-                  </a:schemeClr>
-                </a:glow>
-              </a:effectLst>
-            </p:spPr>
-            <p:style>
-              <a:lnRef idx="2">
-                <a:schemeClr val="accent1">
-                  <a:shade val="50000"/>
-                </a:schemeClr>
-              </a:lnRef>
-              <a:fillRef idx="1">
-                <a:schemeClr val="accent1"/>
-              </a:fillRef>
-              <a:effectRef idx="0">
-                <a:schemeClr val="accent1"/>
-              </a:effectRef>
-              <a:fontRef idx="minor">
-                <a:schemeClr val="lt1"/>
-              </a:fontRef>
-            </p:style>
-            <p:txBody>
-              <a:bodyPr rtlCol="0" anchor="ctr"/>
-              <a:lstStyle/>
-              <a:p>
-                <a:pPr algn="ctr"/>
-                <a:endParaRPr lang="zh-CN" altLang="en-US"/>
-              </a:p>
-            </p:txBody>
-          </p:sp>
-        </p:grpSp>
-        <p:grpSp>
-          <p:nvGrpSpPr>
-            <p:cNvPr id="125" name="组合 124">
-              <a:extLst>
-                <a:ext uri="{FF2B5EF4-FFF2-40B4-BE49-F238E27FC236}">
-                  <a16:creationId xmlns:a16="http://schemas.microsoft.com/office/drawing/2014/main" id="{AD0A2550-7DBA-4702-875A-046928B90CBC}"/>
+                  <a16:creationId xmlns:a16="http://schemas.microsoft.com/office/drawing/2014/main" id="{FC487FB0-760C-408C-A637-11445F3815F1}"/>
                 </a:ext>
               </a:extLst>
             </p:cNvPr>
@@ -3276,10 +3278,10 @@
           </p:grpSpPr>
           <p:sp>
             <p:nvSpPr>
-              <p:cNvPr id="126" name="平行四边形 125">
+              <p:cNvPr id="43" name="平行四边形 42">
                 <a:extLst>
                   <a:ext uri="{FF2B5EF4-FFF2-40B4-BE49-F238E27FC236}">
-                    <a16:creationId xmlns:a16="http://schemas.microsoft.com/office/drawing/2014/main" id="{0BA2DBAF-3BD6-438F-A27B-12E5270D739D}"/>
+                    <a16:creationId xmlns:a16="http://schemas.microsoft.com/office/drawing/2014/main" id="{AE94985C-3D75-44AC-B85E-B55A1996F1DC}"/>
                   </a:ext>
                 </a:extLst>
               </p:cNvPr>
@@ -3347,10 +3349,10 @@
           </p:sp>
           <p:sp>
             <p:nvSpPr>
-              <p:cNvPr id="127" name="平行四边形 126">
+              <p:cNvPr id="44" name="平行四边形 43">
                 <a:extLst>
                   <a:ext uri="{FF2B5EF4-FFF2-40B4-BE49-F238E27FC236}">
-                    <a16:creationId xmlns:a16="http://schemas.microsoft.com/office/drawing/2014/main" id="{B21E9AAB-F2A8-4FB5-AF9F-05091B3B2283}"/>
+                    <a16:creationId xmlns:a16="http://schemas.microsoft.com/office/drawing/2014/main" id="{FF6F9A38-0E3D-40FB-948A-009DBF102589}"/>
                   </a:ext>
                 </a:extLst>
               </p:cNvPr>
@@ -3418,10 +3420,10 @@
           </p:sp>
           <p:sp>
             <p:nvSpPr>
-              <p:cNvPr id="128" name="平行四边形 127">
+              <p:cNvPr id="45" name="平行四边形 44">
                 <a:extLst>
                   <a:ext uri="{FF2B5EF4-FFF2-40B4-BE49-F238E27FC236}">
-                    <a16:creationId xmlns:a16="http://schemas.microsoft.com/office/drawing/2014/main" id="{CEC6B47A-6659-4C47-8E38-DA917629C64D}"/>
+                    <a16:creationId xmlns:a16="http://schemas.microsoft.com/office/drawing/2014/main" id="{82858B5D-870B-4E35-B47F-512D6694FE87}"/>
                   </a:ext>
                 </a:extLst>
               </p:cNvPr>
@@ -3490,10 +3492,10 @@
         </p:grpSp>
         <p:grpSp>
           <p:nvGrpSpPr>
-            <p:cNvPr id="121" name="组合 120">
+            <p:cNvPr id="35" name="组合 34">
               <a:extLst>
                 <a:ext uri="{FF2B5EF4-FFF2-40B4-BE49-F238E27FC236}">
-                  <a16:creationId xmlns:a16="http://schemas.microsoft.com/office/drawing/2014/main" id="{F3949AA6-368D-40BA-B186-D706344D0D8F}"/>
+                  <a16:creationId xmlns:a16="http://schemas.microsoft.com/office/drawing/2014/main" id="{2E89A8CC-8ECD-4CA3-8BBB-5D7E58EF474A}"/>
                 </a:ext>
               </a:extLst>
             </p:cNvPr>
@@ -3515,10 +3517,10 @@
           </p:grpSpPr>
           <p:sp>
             <p:nvSpPr>
-              <p:cNvPr id="122" name="平行四边形 121">
+              <p:cNvPr id="40" name="平行四边形 39">
                 <a:extLst>
                   <a:ext uri="{FF2B5EF4-FFF2-40B4-BE49-F238E27FC236}">
-                    <a16:creationId xmlns:a16="http://schemas.microsoft.com/office/drawing/2014/main" id="{60B81B24-3F81-46A4-8513-138A17B59D28}"/>
+                    <a16:creationId xmlns:a16="http://schemas.microsoft.com/office/drawing/2014/main" id="{9BB07058-362F-4510-A2DC-B62E45850BE0}"/>
                   </a:ext>
                 </a:extLst>
               </p:cNvPr>
@@ -3580,10 +3582,10 @@
           </p:sp>
           <p:sp>
             <p:nvSpPr>
-              <p:cNvPr id="123" name="平行四边形 122">
+              <p:cNvPr id="41" name="平行四边形 40">
                 <a:extLst>
                   <a:ext uri="{FF2B5EF4-FFF2-40B4-BE49-F238E27FC236}">
-                    <a16:creationId xmlns:a16="http://schemas.microsoft.com/office/drawing/2014/main" id="{5D7DD72D-BBBA-4D5C-BBE1-DF3133113AF8}"/>
+                    <a16:creationId xmlns:a16="http://schemas.microsoft.com/office/drawing/2014/main" id="{0ECC8FA6-AF13-41AB-9CDE-242B1F268480}"/>
                   </a:ext>
                 </a:extLst>
               </p:cNvPr>
@@ -3645,10 +3647,10 @@
           </p:sp>
           <p:sp>
             <p:nvSpPr>
-              <p:cNvPr id="124" name="平行四边形 123">
+              <p:cNvPr id="42" name="平行四边形 41">
                 <a:extLst>
                   <a:ext uri="{FF2B5EF4-FFF2-40B4-BE49-F238E27FC236}">
-                    <a16:creationId xmlns:a16="http://schemas.microsoft.com/office/drawing/2014/main" id="{02CA9DB6-7FB6-4FFA-9B35-F96A9B9EF533}"/>
+                    <a16:creationId xmlns:a16="http://schemas.microsoft.com/office/drawing/2014/main" id="{594D98D4-E667-4555-815A-34D13F97E366}"/>
                   </a:ext>
                 </a:extLst>
               </p:cNvPr>
@@ -3711,10 +3713,10 @@
         </p:grpSp>
         <p:grpSp>
           <p:nvGrpSpPr>
-            <p:cNvPr id="61" name="组合 60">
+            <p:cNvPr id="36" name="组合 35">
               <a:extLst>
                 <a:ext uri="{FF2B5EF4-FFF2-40B4-BE49-F238E27FC236}">
-                  <a16:creationId xmlns:a16="http://schemas.microsoft.com/office/drawing/2014/main" id="{7DE722FD-ED0E-46D5-A80F-437D50E8966A}"/>
+                  <a16:creationId xmlns:a16="http://schemas.microsoft.com/office/drawing/2014/main" id="{E1028E91-D0AC-489F-B363-735AA8EBD957}"/>
                 </a:ext>
               </a:extLst>
             </p:cNvPr>
@@ -3736,10 +3738,10 @@
           </p:grpSpPr>
           <p:sp>
             <p:nvSpPr>
-              <p:cNvPr id="62" name="平行四边形 61">
+              <p:cNvPr id="37" name="平行四边形 36">
                 <a:extLst>
                   <a:ext uri="{FF2B5EF4-FFF2-40B4-BE49-F238E27FC236}">
-                    <a16:creationId xmlns:a16="http://schemas.microsoft.com/office/drawing/2014/main" id="{F2E119F9-2A3D-4536-BF0D-9C123BE84416}"/>
+                    <a16:creationId xmlns:a16="http://schemas.microsoft.com/office/drawing/2014/main" id="{DC995CFF-6831-42F3-ADA8-C24652E6743C}"/>
                   </a:ext>
                 </a:extLst>
               </p:cNvPr>
@@ -3801,10 +3803,10 @@
           </p:sp>
           <p:sp>
             <p:nvSpPr>
-              <p:cNvPr id="63" name="平行四边形 62">
+              <p:cNvPr id="38" name="平行四边形 37">
                 <a:extLst>
                   <a:ext uri="{FF2B5EF4-FFF2-40B4-BE49-F238E27FC236}">
-                    <a16:creationId xmlns:a16="http://schemas.microsoft.com/office/drawing/2014/main" id="{A783C4DA-FAC0-4532-8019-5CE99FCAC9E0}"/>
+                    <a16:creationId xmlns:a16="http://schemas.microsoft.com/office/drawing/2014/main" id="{B0333398-C203-4CE4-B0AE-0EF18F355F70}"/>
                   </a:ext>
                 </a:extLst>
               </p:cNvPr>
@@ -3866,10 +3868,10 @@
           </p:sp>
           <p:sp>
             <p:nvSpPr>
-              <p:cNvPr id="64" name="平行四边形 63">
+              <p:cNvPr id="39" name="平行四边形 38">
                 <a:extLst>
                   <a:ext uri="{FF2B5EF4-FFF2-40B4-BE49-F238E27FC236}">
-                    <a16:creationId xmlns:a16="http://schemas.microsoft.com/office/drawing/2014/main" id="{072D1C51-9E23-4ACC-980E-EA18AD66430F}"/>
+                    <a16:creationId xmlns:a16="http://schemas.microsoft.com/office/drawing/2014/main" id="{B1542569-F018-47AE-A25F-0FE689CDA2F9}"/>
                   </a:ext>
                 </a:extLst>
               </p:cNvPr>
@@ -3933,10 +3935,10 @@
       </p:grpSp>
       <p:cxnSp>
         <p:nvCxnSpPr>
-          <p:cNvPr id="141" name="连接符: 曲线 140">
+          <p:cNvPr id="52" name="连接符: 曲线 51">
             <a:extLst>
               <a:ext uri="{FF2B5EF4-FFF2-40B4-BE49-F238E27FC236}">
-                <a16:creationId xmlns:a16="http://schemas.microsoft.com/office/drawing/2014/main" id="{20A3A024-1C23-4979-859B-DBBDE5281E7E}"/>
+                <a16:creationId xmlns:a16="http://schemas.microsoft.com/office/drawing/2014/main" id="{1F0F3B38-8BC3-4929-B2F7-A5EDBBFB3F22}"/>
               </a:ext>
             </a:extLst>
           </p:cNvPr>
@@ -3947,7 +3949,7 @@
         </p:nvCxnSpPr>
         <p:spPr>
           <a:xfrm flipV="1">
-            <a:off x="4145299" y="1371683"/>
+            <a:off x="4137676" y="1190396"/>
             <a:ext cx="1795813" cy="1466361"/>
           </a:xfrm>
           <a:prstGeom prst="curvedConnector3">
@@ -3974,10 +3976,10 @@
       </p:cxnSp>
       <p:cxnSp>
         <p:nvCxnSpPr>
-          <p:cNvPr id="145" name="连接符: 曲线 144">
+          <p:cNvPr id="53" name="连接符: 曲线 52">
             <a:extLst>
               <a:ext uri="{FF2B5EF4-FFF2-40B4-BE49-F238E27FC236}">
-                <a16:creationId xmlns:a16="http://schemas.microsoft.com/office/drawing/2014/main" id="{7A7450BA-C823-4268-97B4-A9638BC2F93A}"/>
+                <a16:creationId xmlns:a16="http://schemas.microsoft.com/office/drawing/2014/main" id="{6ADD0FC1-C73D-4B83-A2EB-F50E27C980CB}"/>
               </a:ext>
             </a:extLst>
           </p:cNvPr>
@@ -3988,7 +3990,7 @@
         </p:nvCxnSpPr>
         <p:spPr>
           <a:xfrm flipV="1">
-            <a:off x="4128753" y="2257125"/>
+            <a:off x="4121130" y="2075838"/>
             <a:ext cx="1739833" cy="768158"/>
           </a:xfrm>
           <a:prstGeom prst="curvedConnector3">
@@ -4015,10 +4017,10 @@
       </p:cxnSp>
       <p:cxnSp>
         <p:nvCxnSpPr>
-          <p:cNvPr id="147" name="连接符: 曲线 146">
+          <p:cNvPr id="54" name="连接符: 曲线 53">
             <a:extLst>
               <a:ext uri="{FF2B5EF4-FFF2-40B4-BE49-F238E27FC236}">
-                <a16:creationId xmlns:a16="http://schemas.microsoft.com/office/drawing/2014/main" id="{46273ED7-80EB-4D88-A80D-7BFB684698AE}"/>
+                <a16:creationId xmlns:a16="http://schemas.microsoft.com/office/drawing/2014/main" id="{A1062B1C-A4C6-46A6-A972-2E50C88DAF6C}"/>
               </a:ext>
             </a:extLst>
           </p:cNvPr>
@@ -4029,7 +4031,7 @@
         </p:nvCxnSpPr>
         <p:spPr>
           <a:xfrm flipV="1">
-            <a:off x="4145299" y="3154285"/>
+            <a:off x="4137676" y="2972998"/>
             <a:ext cx="1671766" cy="27546"/>
           </a:xfrm>
           <a:prstGeom prst="curvedConnector3">
@@ -4056,10 +4058,10 @@
       </p:cxnSp>
       <p:cxnSp>
         <p:nvCxnSpPr>
-          <p:cNvPr id="159" name="连接符: 曲线 158">
+          <p:cNvPr id="55" name="连接符: 曲线 54">
             <a:extLst>
               <a:ext uri="{FF2B5EF4-FFF2-40B4-BE49-F238E27FC236}">
-                <a16:creationId xmlns:a16="http://schemas.microsoft.com/office/drawing/2014/main" id="{A6EDEF5D-A1B0-4549-97EE-A207FBAB3EB1}"/>
+                <a16:creationId xmlns:a16="http://schemas.microsoft.com/office/drawing/2014/main" id="{6D90F42D-415F-4D97-882D-FDDFB75DEEBE}"/>
               </a:ext>
             </a:extLst>
           </p:cNvPr>
@@ -4070,7 +4072,7 @@
         </p:nvCxnSpPr>
         <p:spPr>
           <a:xfrm>
-            <a:off x="4128753" y="3421159"/>
+            <a:off x="4121130" y="3239872"/>
             <a:ext cx="1688312" cy="536732"/>
           </a:xfrm>
           <a:prstGeom prst="curvedConnector3">
@@ -4097,10 +4099,10 @@
       </p:cxnSp>
       <p:cxnSp>
         <p:nvCxnSpPr>
-          <p:cNvPr id="161" name="连接符: 曲线 160">
+          <p:cNvPr id="56" name="连接符: 曲线 55">
             <a:extLst>
               <a:ext uri="{FF2B5EF4-FFF2-40B4-BE49-F238E27FC236}">
-                <a16:creationId xmlns:a16="http://schemas.microsoft.com/office/drawing/2014/main" id="{BEEA3891-A679-41C3-ACFC-804B52EB8BBF}"/>
+                <a16:creationId xmlns:a16="http://schemas.microsoft.com/office/drawing/2014/main" id="{7C94073D-F1D8-4153-9EC0-3ECAD0CBBA1B}"/>
               </a:ext>
             </a:extLst>
           </p:cNvPr>
@@ -4111,7 +4113,7 @@
         </p:nvCxnSpPr>
         <p:spPr>
           <a:xfrm>
-            <a:off x="4134826" y="3607806"/>
+            <a:off x="4127203" y="3426519"/>
             <a:ext cx="1610842" cy="1250444"/>
           </a:xfrm>
           <a:prstGeom prst="curvedConnector3">
@@ -4138,10 +4140,10 @@
       </p:cxnSp>
       <p:cxnSp>
         <p:nvCxnSpPr>
-          <p:cNvPr id="164" name="直接箭头连接符 163">
+          <p:cNvPr id="57" name="直接箭头连接符 56">
             <a:extLst>
               <a:ext uri="{FF2B5EF4-FFF2-40B4-BE49-F238E27FC236}">
-                <a16:creationId xmlns:a16="http://schemas.microsoft.com/office/drawing/2014/main" id="{9BF7E12D-125C-4071-9CE6-1FF30FEACF7A}"/>
+                <a16:creationId xmlns:a16="http://schemas.microsoft.com/office/drawing/2014/main" id="{37CC3502-E75D-4C6B-901A-86E5FA1DD134}"/>
               </a:ext>
             </a:extLst>
           </p:cNvPr>
@@ -4150,7 +4152,7 @@
         </p:nvCxnSpPr>
         <p:spPr>
           <a:xfrm>
-            <a:off x="6693275" y="1242681"/>
+            <a:off x="6685652" y="1061394"/>
             <a:ext cx="1336300" cy="0"/>
           </a:xfrm>
           <a:prstGeom prst="straightConnector1">
@@ -4177,10 +4179,10 @@
       </p:cxnSp>
       <p:cxnSp>
         <p:nvCxnSpPr>
-          <p:cNvPr id="165" name="直接箭头连接符 164">
+          <p:cNvPr id="58" name="直接箭头连接符 57">
             <a:extLst>
               <a:ext uri="{FF2B5EF4-FFF2-40B4-BE49-F238E27FC236}">
-                <a16:creationId xmlns:a16="http://schemas.microsoft.com/office/drawing/2014/main" id="{D6EA687C-7421-4FD5-B517-9380F17ACB48}"/>
+                <a16:creationId xmlns:a16="http://schemas.microsoft.com/office/drawing/2014/main" id="{8C06D6AC-2302-4A5A-A26E-36B427E418FC}"/>
               </a:ext>
             </a:extLst>
           </p:cNvPr>
@@ -4189,7 +4191,7 @@
         </p:nvCxnSpPr>
         <p:spPr>
           <a:xfrm>
-            <a:off x="6693275" y="2227964"/>
+            <a:off x="6685652" y="2046677"/>
             <a:ext cx="1336300" cy="0"/>
           </a:xfrm>
           <a:prstGeom prst="straightConnector1">
@@ -4216,10 +4218,10 @@
       </p:cxnSp>
       <p:cxnSp>
         <p:nvCxnSpPr>
-          <p:cNvPr id="166" name="直接箭头连接符 165">
+          <p:cNvPr id="59" name="直接箭头连接符 58">
             <a:extLst>
               <a:ext uri="{FF2B5EF4-FFF2-40B4-BE49-F238E27FC236}">
-                <a16:creationId xmlns:a16="http://schemas.microsoft.com/office/drawing/2014/main" id="{1F6B83E3-9094-4C0B-A5F8-1DE36FA1EFA3}"/>
+                <a16:creationId xmlns:a16="http://schemas.microsoft.com/office/drawing/2014/main" id="{AC90F04C-E976-4B46-ABF0-B1DBD816C61D}"/>
               </a:ext>
             </a:extLst>
           </p:cNvPr>
@@ -4228,7 +4230,7 @@
         </p:nvCxnSpPr>
         <p:spPr>
           <a:xfrm>
-            <a:off x="6693275" y="3181831"/>
+            <a:off x="6685652" y="3000544"/>
             <a:ext cx="1336300" cy="0"/>
           </a:xfrm>
           <a:prstGeom prst="straightConnector1">
@@ -4255,10 +4257,10 @@
       </p:cxnSp>
       <p:cxnSp>
         <p:nvCxnSpPr>
-          <p:cNvPr id="167" name="直接箭头连接符 166">
+          <p:cNvPr id="60" name="直接箭头连接符 59">
             <a:extLst>
               <a:ext uri="{FF2B5EF4-FFF2-40B4-BE49-F238E27FC236}">
-                <a16:creationId xmlns:a16="http://schemas.microsoft.com/office/drawing/2014/main" id="{9AAEBB4A-1C28-439F-AAF2-123A2D126C25}"/>
+                <a16:creationId xmlns:a16="http://schemas.microsoft.com/office/drawing/2014/main" id="{B414A15D-D82F-49D6-A549-812D951D04F0}"/>
               </a:ext>
             </a:extLst>
           </p:cNvPr>
@@ -4267,7 +4269,7 @@
         </p:nvCxnSpPr>
         <p:spPr>
           <a:xfrm>
-            <a:off x="6693275" y="4027847"/>
+            <a:off x="6685652" y="3846560"/>
             <a:ext cx="1336300" cy="0"/>
           </a:xfrm>
           <a:prstGeom prst="straightConnector1">
@@ -4294,10 +4296,10 @@
       </p:cxnSp>
       <p:cxnSp>
         <p:nvCxnSpPr>
-          <p:cNvPr id="168" name="直接箭头连接符 167">
+          <p:cNvPr id="61" name="直接箭头连接符 60">
             <a:extLst>
               <a:ext uri="{FF2B5EF4-FFF2-40B4-BE49-F238E27FC236}">
-                <a16:creationId xmlns:a16="http://schemas.microsoft.com/office/drawing/2014/main" id="{73F3E824-CF33-49DF-BA27-84883A69AAFA}"/>
+                <a16:creationId xmlns:a16="http://schemas.microsoft.com/office/drawing/2014/main" id="{9DD55208-8DE9-4FEA-B3D6-98F74DCE4790}"/>
               </a:ext>
             </a:extLst>
           </p:cNvPr>
@@ -4306,7 +4308,7 @@
         </p:nvCxnSpPr>
         <p:spPr>
           <a:xfrm>
-            <a:off x="6693275" y="4920879"/>
+            <a:off x="6685652" y="4739592"/>
             <a:ext cx="1336300" cy="0"/>
           </a:xfrm>
           <a:prstGeom prst="straightConnector1">
@@ -4333,10 +4335,10 @@
       </p:cxnSp>
       <p:sp>
         <p:nvSpPr>
-          <p:cNvPr id="172" name="矩形 171">
+          <p:cNvPr id="62" name="矩形 61">
             <a:extLst>
               <a:ext uri="{FF2B5EF4-FFF2-40B4-BE49-F238E27FC236}">
-                <a16:creationId xmlns:a16="http://schemas.microsoft.com/office/drawing/2014/main" id="{F08FAD88-2BC2-4D95-BE49-AF0A1B9765FF}"/>
+                <a16:creationId xmlns:a16="http://schemas.microsoft.com/office/drawing/2014/main" id="{F771B364-7E73-4903-A6CF-50EDF603B71C}"/>
               </a:ext>
             </a:extLst>
           </p:cNvPr>
@@ -4345,7 +4347,7 @@
         </p:nvSpPr>
         <p:spPr>
           <a:xfrm>
-            <a:off x="4485663" y="5392339"/>
+            <a:off x="4574297" y="5495838"/>
             <a:ext cx="3005951" cy="707886"/>
           </a:xfrm>
           <a:prstGeom prst="rect">
@@ -4396,10 +4398,5373 @@
           </a:p>
         </p:txBody>
       </p:sp>
+      <p:sp>
+        <p:nvSpPr>
+          <p:cNvPr id="63" name="平行四边形 62">
+            <a:extLst>
+              <a:ext uri="{FF2B5EF4-FFF2-40B4-BE49-F238E27FC236}">
+                <a16:creationId xmlns:a16="http://schemas.microsoft.com/office/drawing/2014/main" id="{6BAAD0D3-8F62-46E2-BEF6-631937697A2B}"/>
+              </a:ext>
+            </a:extLst>
+          </p:cNvPr>
+          <p:cNvSpPr/>
+          <p:nvPr/>
+        </p:nvSpPr>
+        <p:spPr>
+          <a:xfrm>
+            <a:off x="2257635" y="2933145"/>
+            <a:ext cx="333586" cy="184482"/>
+          </a:xfrm>
+          <a:prstGeom prst="parallelogram">
+            <a:avLst>
+              <a:gd name="adj" fmla="val 64815"/>
+            </a:avLst>
+          </a:prstGeom>
+          <a:solidFill>
+            <a:schemeClr val="accent4">
+              <a:lumMod val="20000"/>
+              <a:lumOff val="80000"/>
+            </a:schemeClr>
+          </a:solidFill>
+          <a:ln w="6350">
+            <a:solidFill>
+              <a:schemeClr val="tx2">
+                <a:lumMod val="75000"/>
+              </a:schemeClr>
+            </a:solidFill>
+          </a:ln>
+          <a:effectLst>
+            <a:glow rad="38100">
+              <a:schemeClr val="accent2">
+                <a:lumMod val="20000"/>
+                <a:lumOff val="80000"/>
+                <a:alpha val="40000"/>
+              </a:schemeClr>
+            </a:glow>
+          </a:effectLst>
+        </p:spPr>
+        <p:style>
+          <a:lnRef idx="2">
+            <a:schemeClr val="accent1">
+              <a:shade val="50000"/>
+            </a:schemeClr>
+          </a:lnRef>
+          <a:fillRef idx="1">
+            <a:schemeClr val="accent1"/>
+          </a:fillRef>
+          <a:effectRef idx="0">
+            <a:schemeClr val="accent1"/>
+          </a:effectRef>
+          <a:fontRef idx="minor">
+            <a:schemeClr val="lt1"/>
+          </a:fontRef>
+        </p:style>
+        <p:txBody>
+          <a:bodyPr rtlCol="0" anchor="ctr"/>
+          <a:lstStyle/>
+          <a:p>
+            <a:pPr algn="ctr"/>
+            <a:endParaRPr lang="zh-CN" altLang="en-US"/>
+          </a:p>
+        </p:txBody>
+      </p:sp>
+      <p:sp>
+        <p:nvSpPr>
+          <p:cNvPr id="64" name="平行四边形 63">
+            <a:extLst>
+              <a:ext uri="{FF2B5EF4-FFF2-40B4-BE49-F238E27FC236}">
+                <a16:creationId xmlns:a16="http://schemas.microsoft.com/office/drawing/2014/main" id="{51BD5EE9-472F-429C-8FBF-8DD52997BE12}"/>
+              </a:ext>
+            </a:extLst>
+          </p:cNvPr>
+          <p:cNvSpPr/>
+          <p:nvPr/>
+        </p:nvSpPr>
+        <p:spPr>
+          <a:xfrm>
+            <a:off x="2248558" y="3202614"/>
+            <a:ext cx="333586" cy="184482"/>
+          </a:xfrm>
+          <a:prstGeom prst="parallelogram">
+            <a:avLst>
+              <a:gd name="adj" fmla="val 64815"/>
+            </a:avLst>
+          </a:prstGeom>
+          <a:solidFill>
+            <a:schemeClr val="accent4">
+              <a:lumMod val="20000"/>
+              <a:lumOff val="80000"/>
+            </a:schemeClr>
+          </a:solidFill>
+          <a:ln w="6350">
+            <a:solidFill>
+              <a:schemeClr val="tx2">
+                <a:lumMod val="75000"/>
+              </a:schemeClr>
+            </a:solidFill>
+          </a:ln>
+          <a:effectLst>
+            <a:glow rad="38100">
+              <a:schemeClr val="accent2">
+                <a:lumMod val="20000"/>
+                <a:lumOff val="80000"/>
+                <a:alpha val="40000"/>
+              </a:schemeClr>
+            </a:glow>
+          </a:effectLst>
+        </p:spPr>
+        <p:style>
+          <a:lnRef idx="2">
+            <a:schemeClr val="accent1">
+              <a:shade val="50000"/>
+            </a:schemeClr>
+          </a:lnRef>
+          <a:fillRef idx="1">
+            <a:schemeClr val="accent1"/>
+          </a:fillRef>
+          <a:effectRef idx="0">
+            <a:schemeClr val="accent1"/>
+          </a:effectRef>
+          <a:fontRef idx="minor">
+            <a:schemeClr val="lt1"/>
+          </a:fontRef>
+        </p:style>
+        <p:txBody>
+          <a:bodyPr rtlCol="0" anchor="ctr"/>
+          <a:lstStyle/>
+          <a:p>
+            <a:pPr algn="ctr"/>
+            <a:endParaRPr lang="zh-CN" altLang="en-US"/>
+          </a:p>
+        </p:txBody>
+      </p:sp>
+      <p:sp>
+        <p:nvSpPr>
+          <p:cNvPr id="65" name="平行四边形 64">
+            <a:extLst>
+              <a:ext uri="{FF2B5EF4-FFF2-40B4-BE49-F238E27FC236}">
+                <a16:creationId xmlns:a16="http://schemas.microsoft.com/office/drawing/2014/main" id="{669F3374-71AA-4CE7-B08F-71828512E625}"/>
+              </a:ext>
+            </a:extLst>
+          </p:cNvPr>
+          <p:cNvSpPr/>
+          <p:nvPr/>
+        </p:nvSpPr>
+        <p:spPr>
+          <a:xfrm>
+            <a:off x="2265274" y="3436041"/>
+            <a:ext cx="333586" cy="184482"/>
+          </a:xfrm>
+          <a:prstGeom prst="parallelogram">
+            <a:avLst>
+              <a:gd name="adj" fmla="val 64815"/>
+            </a:avLst>
+          </a:prstGeom>
+          <a:solidFill>
+            <a:schemeClr val="accent4">
+              <a:lumMod val="20000"/>
+              <a:lumOff val="80000"/>
+            </a:schemeClr>
+          </a:solidFill>
+          <a:ln w="6350">
+            <a:solidFill>
+              <a:schemeClr val="tx2">
+                <a:lumMod val="75000"/>
+              </a:schemeClr>
+            </a:solidFill>
+          </a:ln>
+          <a:effectLst>
+            <a:glow rad="38100">
+              <a:schemeClr val="accent2">
+                <a:lumMod val="20000"/>
+                <a:lumOff val="80000"/>
+                <a:alpha val="40000"/>
+              </a:schemeClr>
+            </a:glow>
+          </a:effectLst>
+        </p:spPr>
+        <p:style>
+          <a:lnRef idx="2">
+            <a:schemeClr val="accent1">
+              <a:shade val="50000"/>
+            </a:schemeClr>
+          </a:lnRef>
+          <a:fillRef idx="1">
+            <a:schemeClr val="accent1"/>
+          </a:fillRef>
+          <a:effectRef idx="0">
+            <a:schemeClr val="accent1"/>
+          </a:effectRef>
+          <a:fontRef idx="minor">
+            <a:schemeClr val="lt1"/>
+          </a:fontRef>
+        </p:style>
+        <p:txBody>
+          <a:bodyPr rtlCol="0" anchor="ctr"/>
+          <a:lstStyle/>
+          <a:p>
+            <a:pPr algn="ctr"/>
+            <a:endParaRPr lang="zh-CN" altLang="en-US"/>
+          </a:p>
+        </p:txBody>
+      </p:sp>
+      <p:sp>
+        <p:nvSpPr>
+          <p:cNvPr id="69" name="文本框 68">
+            <a:extLst>
+              <a:ext uri="{FF2B5EF4-FFF2-40B4-BE49-F238E27FC236}">
+                <a16:creationId xmlns:a16="http://schemas.microsoft.com/office/drawing/2014/main" id="{13C80834-72F4-4829-8E11-C705A84ED282}"/>
+              </a:ext>
+            </a:extLst>
+          </p:cNvPr>
+          <p:cNvSpPr txBox="1"/>
+          <p:nvPr/>
+        </p:nvSpPr>
+        <p:spPr>
+          <a:xfrm>
+            <a:off x="8505825" y="5274418"/>
+            <a:ext cx="1790700" cy="369332"/>
+          </a:xfrm>
+          <a:prstGeom prst="rect">
+            <a:avLst/>
+          </a:prstGeom>
+          <a:noFill/>
+        </p:spPr>
+        <p:txBody>
+          <a:bodyPr wrap="square" rtlCol="0">
+            <a:spAutoFit/>
+          </a:bodyPr>
+          <a:lstStyle/>
+          <a:p>
+            <a:r>
+              <a:rPr lang="en-US" altLang="zh-CN"/>
+              <a:t>result</a:t>
+            </a:r>
+            <a:endParaRPr lang="zh-CN" altLang="en-US"/>
+          </a:p>
+        </p:txBody>
+      </p:sp>
+      <p:sp>
+        <p:nvSpPr>
+          <p:cNvPr id="70" name="文本框 69">
+            <a:extLst>
+              <a:ext uri="{FF2B5EF4-FFF2-40B4-BE49-F238E27FC236}">
+                <a16:creationId xmlns:a16="http://schemas.microsoft.com/office/drawing/2014/main" id="{135AFCCE-1DCE-45A4-A406-58EC62D48F33}"/>
+              </a:ext>
+            </a:extLst>
+          </p:cNvPr>
+          <p:cNvSpPr txBox="1"/>
+          <p:nvPr/>
+        </p:nvSpPr>
+        <p:spPr>
+          <a:xfrm>
+            <a:off x="2211310" y="3847364"/>
+            <a:ext cx="2032649" cy="369332"/>
+          </a:xfrm>
+          <a:prstGeom prst="rect">
+            <a:avLst/>
+          </a:prstGeom>
+          <a:noFill/>
+        </p:spPr>
+        <p:txBody>
+          <a:bodyPr wrap="square" rtlCol="0">
+            <a:spAutoFit/>
+          </a:bodyPr>
+          <a:lstStyle/>
+          <a:p>
+            <a:r>
+              <a:rPr lang="en-US" altLang="zh-CN"/>
+              <a:t>raw array data</a:t>
+            </a:r>
+            <a:endParaRPr lang="zh-CN" altLang="en-US"/>
+          </a:p>
+        </p:txBody>
+      </p:sp>
+      <p:sp>
+        <p:nvSpPr>
+          <p:cNvPr id="71" name="文本框 70">
+            <a:extLst>
+              <a:ext uri="{FF2B5EF4-FFF2-40B4-BE49-F238E27FC236}">
+                <a16:creationId xmlns:a16="http://schemas.microsoft.com/office/drawing/2014/main" id="{0F456ECD-45D6-435A-A209-37576D2F0119}"/>
+              </a:ext>
+            </a:extLst>
+          </p:cNvPr>
+          <p:cNvSpPr txBox="1"/>
+          <p:nvPr/>
+        </p:nvSpPr>
+        <p:spPr>
+          <a:xfrm>
+            <a:off x="5430394" y="5012822"/>
+            <a:ext cx="1790700" cy="369332"/>
+          </a:xfrm>
+          <a:prstGeom prst="rect">
+            <a:avLst/>
+          </a:prstGeom>
+          <a:noFill/>
+        </p:spPr>
+        <p:txBody>
+          <a:bodyPr wrap="square" rtlCol="0">
+            <a:spAutoFit/>
+          </a:bodyPr>
+          <a:lstStyle/>
+          <a:p>
+            <a:r>
+              <a:rPr lang="en-US" altLang="zh-CN"/>
+              <a:t>conv kernels</a:t>
+            </a:r>
+            <a:endParaRPr lang="zh-CN" altLang="en-US"/>
+          </a:p>
+        </p:txBody>
+      </p:sp>
+      <p:sp>
+        <p:nvSpPr>
+          <p:cNvPr id="72" name="文本框 71">
+            <a:extLst>
+              <a:ext uri="{FF2B5EF4-FFF2-40B4-BE49-F238E27FC236}">
+                <a16:creationId xmlns:a16="http://schemas.microsoft.com/office/drawing/2014/main" id="{412D643D-54ED-415C-BEB6-69BE8914D808}"/>
+              </a:ext>
+            </a:extLst>
+          </p:cNvPr>
+          <p:cNvSpPr txBox="1"/>
+          <p:nvPr/>
+        </p:nvSpPr>
+        <p:spPr>
+          <a:xfrm>
+            <a:off x="668302" y="711033"/>
+            <a:ext cx="4359234" cy="369332"/>
+          </a:xfrm>
+          <a:prstGeom prst="rect">
+            <a:avLst/>
+          </a:prstGeom>
+          <a:noFill/>
+        </p:spPr>
+        <p:txBody>
+          <a:bodyPr wrap="square" rtlCol="0">
+            <a:spAutoFit/>
+          </a:bodyPr>
+          <a:lstStyle/>
+          <a:p>
+            <a:r>
+              <a:rPr lang="en-US" altLang="zh-CN"/>
+              <a:t>gridDim(x,y,z) Z represent in diff layers</a:t>
+            </a:r>
+            <a:endParaRPr lang="zh-CN" altLang="en-US"/>
+          </a:p>
+        </p:txBody>
+      </p:sp>
+      <p:sp>
+        <p:nvSpPr>
+          <p:cNvPr id="73" name="文本框 72">
+            <a:extLst>
+              <a:ext uri="{FF2B5EF4-FFF2-40B4-BE49-F238E27FC236}">
+                <a16:creationId xmlns:a16="http://schemas.microsoft.com/office/drawing/2014/main" id="{297E88E1-5820-4005-8597-1762BE5A60FE}"/>
+              </a:ext>
+            </a:extLst>
+          </p:cNvPr>
+          <p:cNvSpPr txBox="1"/>
+          <p:nvPr/>
+        </p:nvSpPr>
+        <p:spPr>
+          <a:xfrm>
+            <a:off x="1194985" y="1267382"/>
+            <a:ext cx="2032649" cy="369332"/>
+          </a:xfrm>
+          <a:prstGeom prst="rect">
+            <a:avLst/>
+          </a:prstGeom>
+          <a:noFill/>
+        </p:spPr>
+        <p:txBody>
+          <a:bodyPr wrap="square" rtlCol="0">
+            <a:spAutoFit/>
+          </a:bodyPr>
+          <a:lstStyle/>
+          <a:p>
+            <a:r>
+              <a:rPr lang="en-US" altLang="zh-CN"/>
+              <a:t>blockDim(32,32)</a:t>
+            </a:r>
+            <a:endParaRPr lang="zh-CN" altLang="en-US"/>
+          </a:p>
+        </p:txBody>
+      </p:sp>
+      <p:cxnSp>
+        <p:nvCxnSpPr>
+          <p:cNvPr id="75" name="直接连接符 74">
+            <a:extLst>
+              <a:ext uri="{FF2B5EF4-FFF2-40B4-BE49-F238E27FC236}">
+                <a16:creationId xmlns:a16="http://schemas.microsoft.com/office/drawing/2014/main" id="{951DDDD9-0A14-4E7F-A565-8DDDADBC1D11}"/>
+              </a:ext>
+            </a:extLst>
+          </p:cNvPr>
+          <p:cNvCxnSpPr>
+            <a:cxnSpLocks/>
+          </p:cNvCxnSpPr>
+          <p:nvPr/>
+        </p:nvCxnSpPr>
+        <p:spPr>
+          <a:xfrm>
+            <a:off x="8366760" y="930431"/>
+            <a:ext cx="1110615" cy="0"/>
+          </a:xfrm>
+          <a:prstGeom prst="line">
+            <a:avLst/>
+          </a:prstGeom>
+        </p:spPr>
+        <p:style>
+          <a:lnRef idx="1">
+            <a:schemeClr val="accent1"/>
+          </a:lnRef>
+          <a:fillRef idx="0">
+            <a:schemeClr val="accent1"/>
+          </a:fillRef>
+          <a:effectRef idx="0">
+            <a:schemeClr val="accent1"/>
+          </a:effectRef>
+          <a:fontRef idx="minor">
+            <a:schemeClr val="tx1"/>
+          </a:fontRef>
+        </p:style>
+      </p:cxnSp>
+      <p:cxnSp>
+        <p:nvCxnSpPr>
+          <p:cNvPr id="77" name="直接连接符 76">
+            <a:extLst>
+              <a:ext uri="{FF2B5EF4-FFF2-40B4-BE49-F238E27FC236}">
+                <a16:creationId xmlns:a16="http://schemas.microsoft.com/office/drawing/2014/main" id="{532F4234-EEDF-4D2E-87DC-1F78AB8CE18D}"/>
+              </a:ext>
+            </a:extLst>
+          </p:cNvPr>
+          <p:cNvCxnSpPr>
+            <a:cxnSpLocks/>
+          </p:cNvCxnSpPr>
+          <p:nvPr/>
+        </p:nvCxnSpPr>
+        <p:spPr>
+          <a:xfrm>
+            <a:off x="8519160" y="694211"/>
+            <a:ext cx="1110615" cy="0"/>
+          </a:xfrm>
+          <a:prstGeom prst="line">
+            <a:avLst/>
+          </a:prstGeom>
+        </p:spPr>
+        <p:style>
+          <a:lnRef idx="1">
+            <a:schemeClr val="accent1"/>
+          </a:lnRef>
+          <a:fillRef idx="0">
+            <a:schemeClr val="accent1"/>
+          </a:fillRef>
+          <a:effectRef idx="0">
+            <a:schemeClr val="accent1"/>
+          </a:effectRef>
+          <a:fontRef idx="minor">
+            <a:schemeClr val="tx1"/>
+          </a:fontRef>
+        </p:style>
+      </p:cxnSp>
+      <p:cxnSp>
+        <p:nvCxnSpPr>
+          <p:cNvPr id="78" name="直接连接符 77">
+            <a:extLst>
+              <a:ext uri="{FF2B5EF4-FFF2-40B4-BE49-F238E27FC236}">
+                <a16:creationId xmlns:a16="http://schemas.microsoft.com/office/drawing/2014/main" id="{AAE16DA0-4004-4FF5-92FF-2E9049AA2BDD}"/>
+              </a:ext>
+            </a:extLst>
+          </p:cNvPr>
+          <p:cNvCxnSpPr>
+            <a:cxnSpLocks/>
+          </p:cNvCxnSpPr>
+          <p:nvPr/>
+        </p:nvCxnSpPr>
+        <p:spPr>
+          <a:xfrm flipH="1">
+            <a:off x="8539417" y="475555"/>
+            <a:ext cx="444747" cy="674856"/>
+          </a:xfrm>
+          <a:prstGeom prst="line">
+            <a:avLst/>
+          </a:prstGeom>
+        </p:spPr>
+        <p:style>
+          <a:lnRef idx="1">
+            <a:schemeClr val="accent1"/>
+          </a:lnRef>
+          <a:fillRef idx="0">
+            <a:schemeClr val="accent1"/>
+          </a:fillRef>
+          <a:effectRef idx="0">
+            <a:schemeClr val="accent1"/>
+          </a:effectRef>
+          <a:fontRef idx="minor">
+            <a:schemeClr val="tx1"/>
+          </a:fontRef>
+        </p:style>
+      </p:cxnSp>
+      <p:cxnSp>
+        <p:nvCxnSpPr>
+          <p:cNvPr id="82" name="直接连接符 81">
+            <a:extLst>
+              <a:ext uri="{FF2B5EF4-FFF2-40B4-BE49-F238E27FC236}">
+                <a16:creationId xmlns:a16="http://schemas.microsoft.com/office/drawing/2014/main" id="{3A6869E1-F799-4678-9F74-A097FFECFCBF}"/>
+              </a:ext>
+            </a:extLst>
+          </p:cNvPr>
+          <p:cNvCxnSpPr>
+            <a:cxnSpLocks/>
+          </p:cNvCxnSpPr>
+          <p:nvPr/>
+        </p:nvCxnSpPr>
+        <p:spPr>
+          <a:xfrm flipH="1">
+            <a:off x="8899334" y="479590"/>
+            <a:ext cx="444747" cy="674856"/>
+          </a:xfrm>
+          <a:prstGeom prst="line">
+            <a:avLst/>
+          </a:prstGeom>
+        </p:spPr>
+        <p:style>
+          <a:lnRef idx="1">
+            <a:schemeClr val="accent1"/>
+          </a:lnRef>
+          <a:fillRef idx="0">
+            <a:schemeClr val="accent1"/>
+          </a:fillRef>
+          <a:effectRef idx="0">
+            <a:schemeClr val="accent1"/>
+          </a:effectRef>
+          <a:fontRef idx="minor">
+            <a:schemeClr val="tx1"/>
+          </a:fontRef>
+        </p:style>
+      </p:cxnSp>
+      <p:sp>
+        <p:nvSpPr>
+          <p:cNvPr id="83" name="对话气泡: 矩形 82">
+            <a:extLst>
+              <a:ext uri="{FF2B5EF4-FFF2-40B4-BE49-F238E27FC236}">
+                <a16:creationId xmlns:a16="http://schemas.microsoft.com/office/drawing/2014/main" id="{76651B89-D268-449E-9C1D-6D8CB852FA3B}"/>
+              </a:ext>
+            </a:extLst>
+          </p:cNvPr>
+          <p:cNvSpPr/>
+          <p:nvPr/>
+        </p:nvSpPr>
+        <p:spPr>
+          <a:xfrm>
+            <a:off x="9765015" y="682684"/>
+            <a:ext cx="1737126" cy="499805"/>
+          </a:xfrm>
+          <a:prstGeom prst="wedgeRectCallout">
+            <a:avLst>
+              <a:gd name="adj1" fmla="val -74173"/>
+              <a:gd name="adj2" fmla="val 32390"/>
+            </a:avLst>
+          </a:prstGeom>
+          <a:solidFill>
+            <a:schemeClr val="bg1">
+              <a:lumMod val="95000"/>
+            </a:schemeClr>
+          </a:solidFill>
+        </p:spPr>
+        <p:style>
+          <a:lnRef idx="2">
+            <a:schemeClr val="accent1">
+              <a:shade val="50000"/>
+            </a:schemeClr>
+          </a:lnRef>
+          <a:fillRef idx="1">
+            <a:schemeClr val="accent1"/>
+          </a:fillRef>
+          <a:effectRef idx="0">
+            <a:schemeClr val="accent1"/>
+          </a:effectRef>
+          <a:fontRef idx="minor">
+            <a:schemeClr val="lt1"/>
+          </a:fontRef>
+        </p:style>
+        <p:txBody>
+          <a:bodyPr rtlCol="0" anchor="ctr"/>
+          <a:lstStyle/>
+          <a:p>
+            <a:pPr algn="ctr"/>
+            <a:r>
+              <a:rPr lang="en-US" altLang="zh-CN" sz="1400">
+                <a:solidFill>
+                  <a:schemeClr val="tx1">
+                    <a:lumMod val="85000"/>
+                    <a:lumOff val="15000"/>
+                  </a:schemeClr>
+                </a:solidFill>
+              </a:rPr>
+              <a:t>a block has threads with 2 Dim  </a:t>
+            </a:r>
+            <a:endParaRPr lang="zh-CN" altLang="en-US" sz="1400">
+              <a:solidFill>
+                <a:schemeClr val="tx1">
+                  <a:lumMod val="85000"/>
+                  <a:lumOff val="15000"/>
+                </a:schemeClr>
+              </a:solidFill>
+            </a:endParaRPr>
+          </a:p>
+        </p:txBody>
+      </p:sp>
     </p:spTree>
     <p:extLst>
       <p:ext uri="{BB962C8B-B14F-4D97-AF65-F5344CB8AC3E}">
-        <p14:creationId xmlns:p14="http://schemas.microsoft.com/office/powerpoint/2010/main" val="1598463328"/>
+        <p14:creationId xmlns:p14="http://schemas.microsoft.com/office/powerpoint/2010/main" val="2435176079"/>
+      </p:ext>
+    </p:extLst>
+  </p:cSld>
+  <p:clrMapOvr>
+    <a:masterClrMapping/>
+  </p:clrMapOvr>
+  <mc:AlternateContent xmlns:mc="http://schemas.openxmlformats.org/markup-compatibility/2006" xmlns:p14="http://schemas.microsoft.com/office/powerpoint/2010/main">
+    <mc:Choice Requires="p14">
+      <p:transition spd="med" p14:dur="700">
+        <p:fade/>
+      </p:transition>
+    </mc:Choice>
+    <mc:Fallback xmlns="">
+      <p:transition spd="med">
+        <p:fade/>
+      </p:transition>
+    </mc:Fallback>
+  </mc:AlternateContent>
+</p:sld>
+</file>
+
+<file path=ppt/slides/slide2.xml><?xml version="1.0" encoding="utf-8"?>
+<p:sld xmlns:a="http://schemas.openxmlformats.org/drawingml/2006/main" xmlns:r="http://schemas.openxmlformats.org/officeDocument/2006/relationships" xmlns:p="http://schemas.openxmlformats.org/presentationml/2006/main">
+  <p:cSld>
+    <p:spTree>
+      <p:nvGrpSpPr>
+        <p:cNvPr id="1" name=""/>
+        <p:cNvGrpSpPr/>
+        <p:nvPr/>
+      </p:nvGrpSpPr>
+      <p:grpSpPr>
+        <a:xfrm>
+          <a:off x="0" y="0"/>
+          <a:ext cx="0" cy="0"/>
+          <a:chOff x="0" y="0"/>
+          <a:chExt cx="0" cy="0"/>
+        </a:xfrm>
+      </p:grpSpPr>
+      <p:sp>
+        <p:nvSpPr>
+          <p:cNvPr id="47" name="平行四边形 46">
+            <a:extLst>
+              <a:ext uri="{FF2B5EF4-FFF2-40B4-BE49-F238E27FC236}">
+                <a16:creationId xmlns:a16="http://schemas.microsoft.com/office/drawing/2014/main" id="{7CAED6DE-38F9-40DA-A255-EE21E58B4361}"/>
+              </a:ext>
+            </a:extLst>
+          </p:cNvPr>
+          <p:cNvSpPr/>
+          <p:nvPr/>
+        </p:nvSpPr>
+        <p:spPr>
+          <a:xfrm>
+            <a:off x="8616690" y="3221459"/>
+            <a:ext cx="1546456" cy="673179"/>
+          </a:xfrm>
+          <a:prstGeom prst="parallelogram">
+            <a:avLst>
+              <a:gd name="adj" fmla="val 64815"/>
+            </a:avLst>
+          </a:prstGeom>
+          <a:solidFill>
+            <a:srgbClr val="45F9F5">
+              <a:alpha val="39000"/>
+            </a:srgbClr>
+          </a:solidFill>
+          <a:ln w="6350">
+            <a:solidFill>
+              <a:schemeClr val="tx2">
+                <a:lumMod val="75000"/>
+              </a:schemeClr>
+            </a:solidFill>
+          </a:ln>
+          <a:effectLst>
+            <a:glow rad="38100">
+              <a:schemeClr val="accent2">
+                <a:lumMod val="20000"/>
+                <a:lumOff val="80000"/>
+                <a:alpha val="40000"/>
+              </a:schemeClr>
+            </a:glow>
+          </a:effectLst>
+        </p:spPr>
+        <p:style>
+          <a:lnRef idx="2">
+            <a:schemeClr val="accent1">
+              <a:shade val="50000"/>
+            </a:schemeClr>
+          </a:lnRef>
+          <a:fillRef idx="1">
+            <a:schemeClr val="accent1"/>
+          </a:fillRef>
+          <a:effectRef idx="0">
+            <a:schemeClr val="accent1"/>
+          </a:effectRef>
+          <a:fontRef idx="minor">
+            <a:schemeClr val="lt1"/>
+          </a:fontRef>
+        </p:style>
+        <p:txBody>
+          <a:bodyPr rtlCol="0" anchor="ctr"/>
+          <a:lstStyle/>
+          <a:p>
+            <a:pPr algn="ctr"/>
+            <a:endParaRPr lang="zh-CN" altLang="en-US"/>
+          </a:p>
+        </p:txBody>
+      </p:sp>
+      <p:sp>
+        <p:nvSpPr>
+          <p:cNvPr id="46" name="平行四边形 45">
+            <a:extLst>
+              <a:ext uri="{FF2B5EF4-FFF2-40B4-BE49-F238E27FC236}">
+                <a16:creationId xmlns:a16="http://schemas.microsoft.com/office/drawing/2014/main" id="{F9B4EF96-EF9F-472C-A796-82D701E6F04C}"/>
+              </a:ext>
+            </a:extLst>
+          </p:cNvPr>
+          <p:cNvSpPr/>
+          <p:nvPr/>
+        </p:nvSpPr>
+        <p:spPr>
+          <a:xfrm>
+            <a:off x="8616690" y="2942450"/>
+            <a:ext cx="1546456" cy="673179"/>
+          </a:xfrm>
+          <a:prstGeom prst="parallelogram">
+            <a:avLst>
+              <a:gd name="adj" fmla="val 64815"/>
+            </a:avLst>
+          </a:prstGeom>
+          <a:solidFill>
+            <a:srgbClr val="B676A3">
+              <a:alpha val="50000"/>
+            </a:srgbClr>
+          </a:solidFill>
+          <a:ln w="6350">
+            <a:solidFill>
+              <a:schemeClr val="tx2">
+                <a:lumMod val="75000"/>
+              </a:schemeClr>
+            </a:solidFill>
+          </a:ln>
+          <a:effectLst>
+            <a:glow rad="38100">
+              <a:schemeClr val="accent2">
+                <a:lumMod val="20000"/>
+                <a:lumOff val="80000"/>
+                <a:alpha val="40000"/>
+              </a:schemeClr>
+            </a:glow>
+          </a:effectLst>
+        </p:spPr>
+        <p:style>
+          <a:lnRef idx="2">
+            <a:schemeClr val="accent1">
+              <a:shade val="50000"/>
+            </a:schemeClr>
+          </a:lnRef>
+          <a:fillRef idx="1">
+            <a:schemeClr val="accent1"/>
+          </a:fillRef>
+          <a:effectRef idx="0">
+            <a:schemeClr val="accent1"/>
+          </a:effectRef>
+          <a:fontRef idx="minor">
+            <a:schemeClr val="lt1"/>
+          </a:fontRef>
+        </p:style>
+        <p:txBody>
+          <a:bodyPr rtlCol="0" anchor="ctr"/>
+          <a:lstStyle/>
+          <a:p>
+            <a:pPr algn="ctr"/>
+            <a:endParaRPr lang="zh-CN" altLang="en-US"/>
+          </a:p>
+        </p:txBody>
+      </p:sp>
+      <p:sp>
+        <p:nvSpPr>
+          <p:cNvPr id="45" name="平行四边形 44">
+            <a:extLst>
+              <a:ext uri="{FF2B5EF4-FFF2-40B4-BE49-F238E27FC236}">
+                <a16:creationId xmlns:a16="http://schemas.microsoft.com/office/drawing/2014/main" id="{30B672F1-26E4-4FB8-8F61-8DD66DC06A92}"/>
+              </a:ext>
+            </a:extLst>
+          </p:cNvPr>
+          <p:cNvSpPr/>
+          <p:nvPr/>
+        </p:nvSpPr>
+        <p:spPr>
+          <a:xfrm>
+            <a:off x="8616690" y="2660079"/>
+            <a:ext cx="1546456" cy="673179"/>
+          </a:xfrm>
+          <a:prstGeom prst="parallelogram">
+            <a:avLst>
+              <a:gd name="adj" fmla="val 64815"/>
+            </a:avLst>
+          </a:prstGeom>
+          <a:solidFill>
+            <a:schemeClr val="accent1">
+              <a:lumMod val="40000"/>
+              <a:lumOff val="60000"/>
+              <a:alpha val="44000"/>
+            </a:schemeClr>
+          </a:solidFill>
+          <a:ln w="6350">
+            <a:solidFill>
+              <a:schemeClr val="tx2">
+                <a:lumMod val="75000"/>
+              </a:schemeClr>
+            </a:solidFill>
+          </a:ln>
+          <a:effectLst>
+            <a:glow rad="38100">
+              <a:schemeClr val="accent2">
+                <a:lumMod val="20000"/>
+                <a:lumOff val="80000"/>
+                <a:alpha val="40000"/>
+              </a:schemeClr>
+            </a:glow>
+          </a:effectLst>
+        </p:spPr>
+        <p:style>
+          <a:lnRef idx="2">
+            <a:schemeClr val="accent1">
+              <a:shade val="50000"/>
+            </a:schemeClr>
+          </a:lnRef>
+          <a:fillRef idx="1">
+            <a:schemeClr val="accent1"/>
+          </a:fillRef>
+          <a:effectRef idx="0">
+            <a:schemeClr val="accent1"/>
+          </a:effectRef>
+          <a:fontRef idx="minor">
+            <a:schemeClr val="lt1"/>
+          </a:fontRef>
+        </p:style>
+        <p:txBody>
+          <a:bodyPr rtlCol="0" anchor="ctr"/>
+          <a:lstStyle/>
+          <a:p>
+            <a:pPr algn="ctr"/>
+            <a:endParaRPr lang="zh-CN" altLang="en-US"/>
+          </a:p>
+        </p:txBody>
+      </p:sp>
+      <p:sp>
+        <p:nvSpPr>
+          <p:cNvPr id="44" name="平行四边形 43">
+            <a:extLst>
+              <a:ext uri="{FF2B5EF4-FFF2-40B4-BE49-F238E27FC236}">
+                <a16:creationId xmlns:a16="http://schemas.microsoft.com/office/drawing/2014/main" id="{2FBEC943-E9D2-48FA-AFC0-92CB471A4C42}"/>
+              </a:ext>
+            </a:extLst>
+          </p:cNvPr>
+          <p:cNvSpPr/>
+          <p:nvPr/>
+        </p:nvSpPr>
+        <p:spPr>
+          <a:xfrm>
+            <a:off x="8616690" y="2330713"/>
+            <a:ext cx="1546456" cy="673179"/>
+          </a:xfrm>
+          <a:prstGeom prst="parallelogram">
+            <a:avLst>
+              <a:gd name="adj" fmla="val 64815"/>
+            </a:avLst>
+          </a:prstGeom>
+          <a:solidFill>
+            <a:srgbClr val="CAE1B8">
+              <a:alpha val="65000"/>
+            </a:srgbClr>
+          </a:solidFill>
+          <a:ln w="6350">
+            <a:solidFill>
+              <a:schemeClr val="tx2">
+                <a:lumMod val="75000"/>
+              </a:schemeClr>
+            </a:solidFill>
+          </a:ln>
+          <a:effectLst>
+            <a:glow rad="38100">
+              <a:schemeClr val="accent2">
+                <a:lumMod val="20000"/>
+                <a:lumOff val="80000"/>
+                <a:alpha val="40000"/>
+              </a:schemeClr>
+            </a:glow>
+          </a:effectLst>
+        </p:spPr>
+        <p:style>
+          <a:lnRef idx="2">
+            <a:schemeClr val="accent1">
+              <a:shade val="50000"/>
+            </a:schemeClr>
+          </a:lnRef>
+          <a:fillRef idx="1">
+            <a:schemeClr val="accent1"/>
+          </a:fillRef>
+          <a:effectRef idx="0">
+            <a:schemeClr val="accent1"/>
+          </a:effectRef>
+          <a:fontRef idx="minor">
+            <a:schemeClr val="lt1"/>
+          </a:fontRef>
+        </p:style>
+        <p:txBody>
+          <a:bodyPr rtlCol="0" anchor="ctr"/>
+          <a:lstStyle/>
+          <a:p>
+            <a:pPr algn="ctr"/>
+            <a:endParaRPr lang="zh-CN" altLang="en-US"/>
+          </a:p>
+        </p:txBody>
+      </p:sp>
+      <p:sp>
+        <p:nvSpPr>
+          <p:cNvPr id="2" name="矩形 1">
+            <a:extLst>
+              <a:ext uri="{FF2B5EF4-FFF2-40B4-BE49-F238E27FC236}">
+                <a16:creationId xmlns:a16="http://schemas.microsoft.com/office/drawing/2014/main" id="{46F8772F-5AF5-4942-A891-E9B3D95147AC}"/>
+              </a:ext>
+            </a:extLst>
+          </p:cNvPr>
+          <p:cNvSpPr/>
+          <p:nvPr/>
+        </p:nvSpPr>
+        <p:spPr>
+          <a:xfrm>
+            <a:off x="4307663" y="5766622"/>
+            <a:ext cx="3005952" cy="707886"/>
+          </a:xfrm>
+          <a:prstGeom prst="rect">
+            <a:avLst/>
+          </a:prstGeom>
+          <a:noFill/>
+        </p:spPr>
+        <p:txBody>
+          <a:bodyPr wrap="none" lIns="91440" tIns="45720" rIns="91440" bIns="45720">
+            <a:spAutoFit/>
+          </a:bodyPr>
+          <a:lstStyle/>
+          <a:p>
+            <a:pPr algn="ctr"/>
+            <a:r>
+              <a:rPr lang="en-US" altLang="zh-CN" sz="4000" b="1" cap="none" spc="0">
+                <a:ln w="22225">
+                  <a:solidFill>
+                    <a:schemeClr val="accent2"/>
+                  </a:solidFill>
+                  <a:prstDash val="solid"/>
+                </a:ln>
+                <a:solidFill>
+                  <a:schemeClr val="accent2">
+                    <a:lumMod val="40000"/>
+                    <a:lumOff val="60000"/>
+                  </a:schemeClr>
+                </a:solidFill>
+                <a:effectLst/>
+              </a:rPr>
+              <a:t>conv_step2</a:t>
+            </a:r>
+            <a:endParaRPr lang="zh-CN" altLang="en-US" sz="4000" b="1" cap="none" spc="0">
+              <a:ln w="22225">
+                <a:solidFill>
+                  <a:schemeClr val="accent2"/>
+                </a:solidFill>
+                <a:prstDash val="solid"/>
+              </a:ln>
+              <a:solidFill>
+                <a:schemeClr val="accent2">
+                  <a:lumMod val="40000"/>
+                  <a:lumOff val="60000"/>
+                </a:schemeClr>
+              </a:solidFill>
+              <a:effectLst/>
+            </a:endParaRPr>
+          </a:p>
+        </p:txBody>
+      </p:sp>
+      <p:grpSp>
+        <p:nvGrpSpPr>
+          <p:cNvPr id="3" name="组合 2">
+            <a:extLst>
+              <a:ext uri="{FF2B5EF4-FFF2-40B4-BE49-F238E27FC236}">
+                <a16:creationId xmlns:a16="http://schemas.microsoft.com/office/drawing/2014/main" id="{3307D023-B6DF-49C1-8151-2CA5D96A39E5}"/>
+              </a:ext>
+            </a:extLst>
+          </p:cNvPr>
+          <p:cNvGrpSpPr/>
+          <p:nvPr/>
+        </p:nvGrpSpPr>
+        <p:grpSpPr>
+          <a:xfrm>
+            <a:off x="1932056" y="657114"/>
+            <a:ext cx="1554079" cy="4766542"/>
+            <a:chOff x="4232285" y="35137"/>
+            <a:chExt cx="1554079" cy="4766542"/>
+          </a:xfrm>
+        </p:grpSpPr>
+        <p:grpSp>
+          <p:nvGrpSpPr>
+            <p:cNvPr id="4" name="组合 3">
+              <a:extLst>
+                <a:ext uri="{FF2B5EF4-FFF2-40B4-BE49-F238E27FC236}">
+                  <a16:creationId xmlns:a16="http://schemas.microsoft.com/office/drawing/2014/main" id="{EE82D86F-AD17-40D8-A8FF-7A2BD186FB20}"/>
+                </a:ext>
+              </a:extLst>
+            </p:cNvPr>
+            <p:cNvGrpSpPr/>
+            <p:nvPr/>
+          </p:nvGrpSpPr>
+          <p:grpSpPr>
+            <a:xfrm>
+              <a:off x="4232285" y="3619230"/>
+              <a:ext cx="1546456" cy="1182449"/>
+              <a:chOff x="817012" y="1390076"/>
+              <a:chExt cx="1546456" cy="1182449"/>
+            </a:xfrm>
+            <a:solidFill>
+              <a:srgbClr val="45F9F5">
+                <a:alpha val="39000"/>
+              </a:srgbClr>
+            </a:solidFill>
+          </p:grpSpPr>
+          <p:sp>
+            <p:nvSpPr>
+              <p:cNvPr id="21" name="平行四边形 20">
+                <a:extLst>
+                  <a:ext uri="{FF2B5EF4-FFF2-40B4-BE49-F238E27FC236}">
+                    <a16:creationId xmlns:a16="http://schemas.microsoft.com/office/drawing/2014/main" id="{10783F9C-2F62-4340-9844-1D55545AFCBB}"/>
+                  </a:ext>
+                </a:extLst>
+              </p:cNvPr>
+              <p:cNvSpPr/>
+              <p:nvPr/>
+            </p:nvSpPr>
+            <p:spPr>
+              <a:xfrm>
+                <a:off x="817012" y="1899346"/>
+                <a:ext cx="1546456" cy="673179"/>
+              </a:xfrm>
+              <a:prstGeom prst="parallelogram">
+                <a:avLst>
+                  <a:gd name="adj" fmla="val 64815"/>
+                </a:avLst>
+              </a:prstGeom>
+              <a:grpFill/>
+              <a:ln w="6350">
+                <a:solidFill>
+                  <a:schemeClr val="tx2">
+                    <a:lumMod val="75000"/>
+                  </a:schemeClr>
+                </a:solidFill>
+              </a:ln>
+              <a:effectLst>
+                <a:glow rad="38100">
+                  <a:schemeClr val="accent2">
+                    <a:lumMod val="20000"/>
+                    <a:lumOff val="80000"/>
+                    <a:alpha val="40000"/>
+                  </a:schemeClr>
+                </a:glow>
+              </a:effectLst>
+            </p:spPr>
+            <p:style>
+              <a:lnRef idx="2">
+                <a:schemeClr val="accent1">
+                  <a:shade val="50000"/>
+                </a:schemeClr>
+              </a:lnRef>
+              <a:fillRef idx="1">
+                <a:schemeClr val="accent1"/>
+              </a:fillRef>
+              <a:effectRef idx="0">
+                <a:schemeClr val="accent1"/>
+              </a:effectRef>
+              <a:fontRef idx="minor">
+                <a:schemeClr val="lt1"/>
+              </a:fontRef>
+            </p:style>
+            <p:txBody>
+              <a:bodyPr rtlCol="0" anchor="ctr"/>
+              <a:lstStyle/>
+              <a:p>
+                <a:pPr algn="ctr"/>
+                <a:endParaRPr lang="zh-CN" altLang="en-US"/>
+              </a:p>
+            </p:txBody>
+          </p:sp>
+          <p:sp>
+            <p:nvSpPr>
+              <p:cNvPr id="22" name="平行四边形 21">
+                <a:extLst>
+                  <a:ext uri="{FF2B5EF4-FFF2-40B4-BE49-F238E27FC236}">
+                    <a16:creationId xmlns:a16="http://schemas.microsoft.com/office/drawing/2014/main" id="{58D4B104-FACD-4D08-9862-A0AB5CBD5B61}"/>
+                  </a:ext>
+                </a:extLst>
+              </p:cNvPr>
+              <p:cNvSpPr/>
+              <p:nvPr/>
+            </p:nvSpPr>
+            <p:spPr>
+              <a:xfrm>
+                <a:off x="817012" y="1645346"/>
+                <a:ext cx="1546456" cy="673179"/>
+              </a:xfrm>
+              <a:prstGeom prst="parallelogram">
+                <a:avLst>
+                  <a:gd name="adj" fmla="val 64815"/>
+                </a:avLst>
+              </a:prstGeom>
+              <a:grpFill/>
+              <a:ln w="6350">
+                <a:solidFill>
+                  <a:schemeClr val="tx2">
+                    <a:lumMod val="75000"/>
+                  </a:schemeClr>
+                </a:solidFill>
+              </a:ln>
+              <a:effectLst>
+                <a:glow rad="38100">
+                  <a:schemeClr val="accent2">
+                    <a:lumMod val="20000"/>
+                    <a:lumOff val="80000"/>
+                    <a:alpha val="40000"/>
+                  </a:schemeClr>
+                </a:glow>
+              </a:effectLst>
+            </p:spPr>
+            <p:style>
+              <a:lnRef idx="2">
+                <a:schemeClr val="accent1">
+                  <a:shade val="50000"/>
+                </a:schemeClr>
+              </a:lnRef>
+              <a:fillRef idx="1">
+                <a:schemeClr val="accent1"/>
+              </a:fillRef>
+              <a:effectRef idx="0">
+                <a:schemeClr val="accent1"/>
+              </a:effectRef>
+              <a:fontRef idx="minor">
+                <a:schemeClr val="lt1"/>
+              </a:fontRef>
+            </p:style>
+            <p:txBody>
+              <a:bodyPr rtlCol="0" anchor="ctr"/>
+              <a:lstStyle/>
+              <a:p>
+                <a:pPr algn="ctr"/>
+                <a:endParaRPr lang="zh-CN" altLang="en-US"/>
+              </a:p>
+            </p:txBody>
+          </p:sp>
+          <p:sp>
+            <p:nvSpPr>
+              <p:cNvPr id="23" name="平行四边形 22">
+                <a:extLst>
+                  <a:ext uri="{FF2B5EF4-FFF2-40B4-BE49-F238E27FC236}">
+                    <a16:creationId xmlns:a16="http://schemas.microsoft.com/office/drawing/2014/main" id="{64ED5EF6-1327-4358-80F3-2C3BD86B8C69}"/>
+                  </a:ext>
+                </a:extLst>
+              </p:cNvPr>
+              <p:cNvSpPr/>
+              <p:nvPr/>
+            </p:nvSpPr>
+            <p:spPr>
+              <a:xfrm>
+                <a:off x="817012" y="1390076"/>
+                <a:ext cx="1546456" cy="673179"/>
+              </a:xfrm>
+              <a:prstGeom prst="parallelogram">
+                <a:avLst>
+                  <a:gd name="adj" fmla="val 64815"/>
+                </a:avLst>
+              </a:prstGeom>
+              <a:grpFill/>
+              <a:ln w="6350">
+                <a:solidFill>
+                  <a:schemeClr val="tx2">
+                    <a:lumMod val="75000"/>
+                  </a:schemeClr>
+                </a:solidFill>
+              </a:ln>
+              <a:effectLst>
+                <a:glow rad="38100">
+                  <a:schemeClr val="accent2">
+                    <a:lumMod val="20000"/>
+                    <a:lumOff val="80000"/>
+                    <a:alpha val="40000"/>
+                  </a:schemeClr>
+                </a:glow>
+              </a:effectLst>
+            </p:spPr>
+            <p:style>
+              <a:lnRef idx="2">
+                <a:schemeClr val="accent1">
+                  <a:shade val="50000"/>
+                </a:schemeClr>
+              </a:lnRef>
+              <a:fillRef idx="1">
+                <a:schemeClr val="accent1"/>
+              </a:fillRef>
+              <a:effectRef idx="0">
+                <a:schemeClr val="accent1"/>
+              </a:effectRef>
+              <a:fontRef idx="minor">
+                <a:schemeClr val="lt1"/>
+              </a:fontRef>
+            </p:style>
+            <p:txBody>
+              <a:bodyPr rtlCol="0" anchor="ctr"/>
+              <a:lstStyle/>
+              <a:p>
+                <a:pPr algn="ctr"/>
+                <a:endParaRPr lang="zh-CN" altLang="en-US"/>
+              </a:p>
+            </p:txBody>
+          </p:sp>
+        </p:grpSp>
+        <p:grpSp>
+          <p:nvGrpSpPr>
+            <p:cNvPr id="5" name="组合 4">
+              <a:extLst>
+                <a:ext uri="{FF2B5EF4-FFF2-40B4-BE49-F238E27FC236}">
+                  <a16:creationId xmlns:a16="http://schemas.microsoft.com/office/drawing/2014/main" id="{F9A6FBC7-4287-4D96-80ED-F606E8B42A14}"/>
+                </a:ext>
+              </a:extLst>
+            </p:cNvPr>
+            <p:cNvGrpSpPr/>
+            <p:nvPr/>
+          </p:nvGrpSpPr>
+          <p:grpSpPr>
+            <a:xfrm>
+              <a:off x="4234826" y="2773371"/>
+              <a:ext cx="1546456" cy="1182449"/>
+              <a:chOff x="817012" y="1390076"/>
+              <a:chExt cx="1546456" cy="1182449"/>
+            </a:xfrm>
+            <a:solidFill>
+              <a:srgbClr val="B676A3">
+                <a:alpha val="50000"/>
+              </a:srgbClr>
+            </a:solidFill>
+          </p:grpSpPr>
+          <p:sp>
+            <p:nvSpPr>
+              <p:cNvPr id="18" name="平行四边形 17">
+                <a:extLst>
+                  <a:ext uri="{FF2B5EF4-FFF2-40B4-BE49-F238E27FC236}">
+                    <a16:creationId xmlns:a16="http://schemas.microsoft.com/office/drawing/2014/main" id="{6AC06C1B-8FE8-4FC4-A108-9FC4560BFC01}"/>
+                  </a:ext>
+                </a:extLst>
+              </p:cNvPr>
+              <p:cNvSpPr/>
+              <p:nvPr/>
+            </p:nvSpPr>
+            <p:spPr>
+              <a:xfrm>
+                <a:off x="817012" y="1899346"/>
+                <a:ext cx="1546456" cy="673179"/>
+              </a:xfrm>
+              <a:prstGeom prst="parallelogram">
+                <a:avLst>
+                  <a:gd name="adj" fmla="val 64815"/>
+                </a:avLst>
+              </a:prstGeom>
+              <a:grpFill/>
+              <a:ln w="6350">
+                <a:solidFill>
+                  <a:schemeClr val="tx2">
+                    <a:lumMod val="75000"/>
+                  </a:schemeClr>
+                </a:solidFill>
+              </a:ln>
+              <a:effectLst>
+                <a:glow rad="38100">
+                  <a:schemeClr val="accent2">
+                    <a:lumMod val="20000"/>
+                    <a:lumOff val="80000"/>
+                    <a:alpha val="40000"/>
+                  </a:schemeClr>
+                </a:glow>
+              </a:effectLst>
+            </p:spPr>
+            <p:style>
+              <a:lnRef idx="2">
+                <a:schemeClr val="accent1">
+                  <a:shade val="50000"/>
+                </a:schemeClr>
+              </a:lnRef>
+              <a:fillRef idx="1">
+                <a:schemeClr val="accent1"/>
+              </a:fillRef>
+              <a:effectRef idx="0">
+                <a:schemeClr val="accent1"/>
+              </a:effectRef>
+              <a:fontRef idx="minor">
+                <a:schemeClr val="lt1"/>
+              </a:fontRef>
+            </p:style>
+            <p:txBody>
+              <a:bodyPr rtlCol="0" anchor="ctr"/>
+              <a:lstStyle/>
+              <a:p>
+                <a:pPr algn="ctr"/>
+                <a:endParaRPr lang="zh-CN" altLang="en-US"/>
+              </a:p>
+            </p:txBody>
+          </p:sp>
+          <p:sp>
+            <p:nvSpPr>
+              <p:cNvPr id="19" name="平行四边形 18">
+                <a:extLst>
+                  <a:ext uri="{FF2B5EF4-FFF2-40B4-BE49-F238E27FC236}">
+                    <a16:creationId xmlns:a16="http://schemas.microsoft.com/office/drawing/2014/main" id="{9ECF9254-1824-4989-B311-475D62671723}"/>
+                  </a:ext>
+                </a:extLst>
+              </p:cNvPr>
+              <p:cNvSpPr/>
+              <p:nvPr/>
+            </p:nvSpPr>
+            <p:spPr>
+              <a:xfrm>
+                <a:off x="817012" y="1645346"/>
+                <a:ext cx="1546456" cy="673179"/>
+              </a:xfrm>
+              <a:prstGeom prst="parallelogram">
+                <a:avLst>
+                  <a:gd name="adj" fmla="val 64815"/>
+                </a:avLst>
+              </a:prstGeom>
+              <a:grpFill/>
+              <a:ln w="6350">
+                <a:solidFill>
+                  <a:schemeClr val="tx2">
+                    <a:lumMod val="75000"/>
+                  </a:schemeClr>
+                </a:solidFill>
+              </a:ln>
+              <a:effectLst>
+                <a:glow rad="38100">
+                  <a:schemeClr val="accent2">
+                    <a:lumMod val="20000"/>
+                    <a:lumOff val="80000"/>
+                    <a:alpha val="40000"/>
+                  </a:schemeClr>
+                </a:glow>
+              </a:effectLst>
+            </p:spPr>
+            <p:style>
+              <a:lnRef idx="2">
+                <a:schemeClr val="accent1">
+                  <a:shade val="50000"/>
+                </a:schemeClr>
+              </a:lnRef>
+              <a:fillRef idx="1">
+                <a:schemeClr val="accent1"/>
+              </a:fillRef>
+              <a:effectRef idx="0">
+                <a:schemeClr val="accent1"/>
+              </a:effectRef>
+              <a:fontRef idx="minor">
+                <a:schemeClr val="lt1"/>
+              </a:fontRef>
+            </p:style>
+            <p:txBody>
+              <a:bodyPr rtlCol="0" anchor="ctr"/>
+              <a:lstStyle/>
+              <a:p>
+                <a:pPr algn="ctr"/>
+                <a:endParaRPr lang="zh-CN" altLang="en-US"/>
+              </a:p>
+            </p:txBody>
+          </p:sp>
+          <p:sp>
+            <p:nvSpPr>
+              <p:cNvPr id="20" name="平行四边形 19">
+                <a:extLst>
+                  <a:ext uri="{FF2B5EF4-FFF2-40B4-BE49-F238E27FC236}">
+                    <a16:creationId xmlns:a16="http://schemas.microsoft.com/office/drawing/2014/main" id="{3B1F0263-E77F-4E80-BDD5-5203234EDABC}"/>
+                  </a:ext>
+                </a:extLst>
+              </p:cNvPr>
+              <p:cNvSpPr/>
+              <p:nvPr/>
+            </p:nvSpPr>
+            <p:spPr>
+              <a:xfrm>
+                <a:off x="817012" y="1390076"/>
+                <a:ext cx="1546456" cy="673179"/>
+              </a:xfrm>
+              <a:prstGeom prst="parallelogram">
+                <a:avLst>
+                  <a:gd name="adj" fmla="val 64815"/>
+                </a:avLst>
+              </a:prstGeom>
+              <a:grpFill/>
+              <a:ln w="6350">
+                <a:solidFill>
+                  <a:schemeClr val="tx2">
+                    <a:lumMod val="75000"/>
+                  </a:schemeClr>
+                </a:solidFill>
+              </a:ln>
+              <a:effectLst>
+                <a:glow rad="38100">
+                  <a:schemeClr val="accent2">
+                    <a:lumMod val="20000"/>
+                    <a:lumOff val="80000"/>
+                    <a:alpha val="40000"/>
+                  </a:schemeClr>
+                </a:glow>
+              </a:effectLst>
+            </p:spPr>
+            <p:style>
+              <a:lnRef idx="2">
+                <a:schemeClr val="accent1">
+                  <a:shade val="50000"/>
+                </a:schemeClr>
+              </a:lnRef>
+              <a:fillRef idx="1">
+                <a:schemeClr val="accent1"/>
+              </a:fillRef>
+              <a:effectRef idx="0">
+                <a:schemeClr val="accent1"/>
+              </a:effectRef>
+              <a:fontRef idx="minor">
+                <a:schemeClr val="lt1"/>
+              </a:fontRef>
+            </p:style>
+            <p:txBody>
+              <a:bodyPr rtlCol="0" anchor="ctr"/>
+              <a:lstStyle/>
+              <a:p>
+                <a:pPr algn="ctr"/>
+                <a:endParaRPr lang="zh-CN" altLang="en-US"/>
+              </a:p>
+            </p:txBody>
+          </p:sp>
+        </p:grpSp>
+        <p:grpSp>
+          <p:nvGrpSpPr>
+            <p:cNvPr id="6" name="组合 5">
+              <a:extLst>
+                <a:ext uri="{FF2B5EF4-FFF2-40B4-BE49-F238E27FC236}">
+                  <a16:creationId xmlns:a16="http://schemas.microsoft.com/office/drawing/2014/main" id="{E99B6E53-869A-4A94-9F39-C9CCB1FC6C5F}"/>
+                </a:ext>
+              </a:extLst>
+            </p:cNvPr>
+            <p:cNvGrpSpPr/>
+            <p:nvPr/>
+          </p:nvGrpSpPr>
+          <p:grpSpPr>
+            <a:xfrm>
+              <a:off x="4237367" y="1880182"/>
+              <a:ext cx="1546456" cy="1182449"/>
+              <a:chOff x="817012" y="1390076"/>
+              <a:chExt cx="1546456" cy="1182449"/>
+            </a:xfrm>
+          </p:grpSpPr>
+          <p:sp>
+            <p:nvSpPr>
+              <p:cNvPr id="15" name="平行四边形 14">
+                <a:extLst>
+                  <a:ext uri="{FF2B5EF4-FFF2-40B4-BE49-F238E27FC236}">
+                    <a16:creationId xmlns:a16="http://schemas.microsoft.com/office/drawing/2014/main" id="{6D712D7C-81CF-4E72-852C-871CC72BD939}"/>
+                  </a:ext>
+                </a:extLst>
+              </p:cNvPr>
+              <p:cNvSpPr/>
+              <p:nvPr/>
+            </p:nvSpPr>
+            <p:spPr>
+              <a:xfrm>
+                <a:off x="817012" y="1899346"/>
+                <a:ext cx="1546456" cy="673179"/>
+              </a:xfrm>
+              <a:prstGeom prst="parallelogram">
+                <a:avLst>
+                  <a:gd name="adj" fmla="val 64815"/>
+                </a:avLst>
+              </a:prstGeom>
+              <a:solidFill>
+                <a:schemeClr val="accent1">
+                  <a:lumMod val="40000"/>
+                  <a:lumOff val="60000"/>
+                  <a:alpha val="44000"/>
+                </a:schemeClr>
+              </a:solidFill>
+              <a:ln w="6350">
+                <a:solidFill>
+                  <a:schemeClr val="tx2">
+                    <a:lumMod val="75000"/>
+                  </a:schemeClr>
+                </a:solidFill>
+              </a:ln>
+              <a:effectLst>
+                <a:glow rad="38100">
+                  <a:schemeClr val="accent2">
+                    <a:lumMod val="20000"/>
+                    <a:lumOff val="80000"/>
+                    <a:alpha val="40000"/>
+                  </a:schemeClr>
+                </a:glow>
+              </a:effectLst>
+            </p:spPr>
+            <p:style>
+              <a:lnRef idx="2">
+                <a:schemeClr val="accent1">
+                  <a:shade val="50000"/>
+                </a:schemeClr>
+              </a:lnRef>
+              <a:fillRef idx="1">
+                <a:schemeClr val="accent1"/>
+              </a:fillRef>
+              <a:effectRef idx="0">
+                <a:schemeClr val="accent1"/>
+              </a:effectRef>
+              <a:fontRef idx="minor">
+                <a:schemeClr val="lt1"/>
+              </a:fontRef>
+            </p:style>
+            <p:txBody>
+              <a:bodyPr rtlCol="0" anchor="ctr"/>
+              <a:lstStyle/>
+              <a:p>
+                <a:pPr algn="ctr"/>
+                <a:endParaRPr lang="zh-CN" altLang="en-US"/>
+              </a:p>
+            </p:txBody>
+          </p:sp>
+          <p:sp>
+            <p:nvSpPr>
+              <p:cNvPr id="16" name="平行四边形 15">
+                <a:extLst>
+                  <a:ext uri="{FF2B5EF4-FFF2-40B4-BE49-F238E27FC236}">
+                    <a16:creationId xmlns:a16="http://schemas.microsoft.com/office/drawing/2014/main" id="{286EA17D-CDF5-4739-A37D-2131509F3B8F}"/>
+                  </a:ext>
+                </a:extLst>
+              </p:cNvPr>
+              <p:cNvSpPr/>
+              <p:nvPr/>
+            </p:nvSpPr>
+            <p:spPr>
+              <a:xfrm>
+                <a:off x="817012" y="1645346"/>
+                <a:ext cx="1546456" cy="673179"/>
+              </a:xfrm>
+              <a:prstGeom prst="parallelogram">
+                <a:avLst>
+                  <a:gd name="adj" fmla="val 64815"/>
+                </a:avLst>
+              </a:prstGeom>
+              <a:solidFill>
+                <a:schemeClr val="accent1">
+                  <a:lumMod val="40000"/>
+                  <a:lumOff val="60000"/>
+                  <a:alpha val="44000"/>
+                </a:schemeClr>
+              </a:solidFill>
+              <a:ln w="6350">
+                <a:solidFill>
+                  <a:schemeClr val="tx2">
+                    <a:lumMod val="75000"/>
+                  </a:schemeClr>
+                </a:solidFill>
+              </a:ln>
+              <a:effectLst>
+                <a:glow rad="38100">
+                  <a:schemeClr val="accent2">
+                    <a:lumMod val="20000"/>
+                    <a:lumOff val="80000"/>
+                    <a:alpha val="40000"/>
+                  </a:schemeClr>
+                </a:glow>
+              </a:effectLst>
+            </p:spPr>
+            <p:style>
+              <a:lnRef idx="2">
+                <a:schemeClr val="accent1">
+                  <a:shade val="50000"/>
+                </a:schemeClr>
+              </a:lnRef>
+              <a:fillRef idx="1">
+                <a:schemeClr val="accent1"/>
+              </a:fillRef>
+              <a:effectRef idx="0">
+                <a:schemeClr val="accent1"/>
+              </a:effectRef>
+              <a:fontRef idx="minor">
+                <a:schemeClr val="lt1"/>
+              </a:fontRef>
+            </p:style>
+            <p:txBody>
+              <a:bodyPr rtlCol="0" anchor="ctr"/>
+              <a:lstStyle/>
+              <a:p>
+                <a:pPr algn="ctr"/>
+                <a:endParaRPr lang="zh-CN" altLang="en-US"/>
+              </a:p>
+            </p:txBody>
+          </p:sp>
+          <p:sp>
+            <p:nvSpPr>
+              <p:cNvPr id="17" name="平行四边形 16">
+                <a:extLst>
+                  <a:ext uri="{FF2B5EF4-FFF2-40B4-BE49-F238E27FC236}">
+                    <a16:creationId xmlns:a16="http://schemas.microsoft.com/office/drawing/2014/main" id="{D25373D2-1A4F-408C-A046-269D39CCBF1C}"/>
+                  </a:ext>
+                </a:extLst>
+              </p:cNvPr>
+              <p:cNvSpPr/>
+              <p:nvPr/>
+            </p:nvSpPr>
+            <p:spPr>
+              <a:xfrm>
+                <a:off x="817012" y="1390076"/>
+                <a:ext cx="1546456" cy="673179"/>
+              </a:xfrm>
+              <a:prstGeom prst="parallelogram">
+                <a:avLst>
+                  <a:gd name="adj" fmla="val 64815"/>
+                </a:avLst>
+              </a:prstGeom>
+              <a:solidFill>
+                <a:schemeClr val="accent1">
+                  <a:lumMod val="40000"/>
+                  <a:lumOff val="60000"/>
+                  <a:alpha val="44000"/>
+                </a:schemeClr>
+              </a:solidFill>
+              <a:ln w="6350">
+                <a:solidFill>
+                  <a:schemeClr val="tx2">
+                    <a:lumMod val="75000"/>
+                  </a:schemeClr>
+                </a:solidFill>
+              </a:ln>
+              <a:effectLst>
+                <a:glow rad="38100">
+                  <a:schemeClr val="accent2">
+                    <a:lumMod val="20000"/>
+                    <a:lumOff val="80000"/>
+                    <a:alpha val="40000"/>
+                  </a:schemeClr>
+                </a:glow>
+              </a:effectLst>
+            </p:spPr>
+            <p:style>
+              <a:lnRef idx="2">
+                <a:schemeClr val="accent1">
+                  <a:shade val="50000"/>
+                </a:schemeClr>
+              </a:lnRef>
+              <a:fillRef idx="1">
+                <a:schemeClr val="accent1"/>
+              </a:fillRef>
+              <a:effectRef idx="0">
+                <a:schemeClr val="accent1"/>
+              </a:effectRef>
+              <a:fontRef idx="minor">
+                <a:schemeClr val="lt1"/>
+              </a:fontRef>
+            </p:style>
+            <p:txBody>
+              <a:bodyPr rtlCol="0" anchor="ctr"/>
+              <a:lstStyle/>
+              <a:p>
+                <a:pPr algn="ctr"/>
+                <a:endParaRPr lang="zh-CN" altLang="en-US"/>
+              </a:p>
+            </p:txBody>
+          </p:sp>
+        </p:grpSp>
+        <p:grpSp>
+          <p:nvGrpSpPr>
+            <p:cNvPr id="7" name="组合 6">
+              <a:extLst>
+                <a:ext uri="{FF2B5EF4-FFF2-40B4-BE49-F238E27FC236}">
+                  <a16:creationId xmlns:a16="http://schemas.microsoft.com/office/drawing/2014/main" id="{F3073749-94CD-41A1-8E95-75780C50E238}"/>
+                </a:ext>
+              </a:extLst>
+            </p:cNvPr>
+            <p:cNvGrpSpPr/>
+            <p:nvPr/>
+          </p:nvGrpSpPr>
+          <p:grpSpPr>
+            <a:xfrm>
+              <a:off x="4239908" y="951733"/>
+              <a:ext cx="1546456" cy="1182449"/>
+              <a:chOff x="817012" y="1390076"/>
+              <a:chExt cx="1546456" cy="1182449"/>
+            </a:xfrm>
+            <a:solidFill>
+              <a:srgbClr val="CAE1B8">
+                <a:alpha val="65000"/>
+              </a:srgbClr>
+            </a:solidFill>
+          </p:grpSpPr>
+          <p:sp>
+            <p:nvSpPr>
+              <p:cNvPr id="12" name="平行四边形 11">
+                <a:extLst>
+                  <a:ext uri="{FF2B5EF4-FFF2-40B4-BE49-F238E27FC236}">
+                    <a16:creationId xmlns:a16="http://schemas.microsoft.com/office/drawing/2014/main" id="{DDB94F80-034C-4AC7-9160-699423F23D49}"/>
+                  </a:ext>
+                </a:extLst>
+              </p:cNvPr>
+              <p:cNvSpPr/>
+              <p:nvPr/>
+            </p:nvSpPr>
+            <p:spPr>
+              <a:xfrm>
+                <a:off x="817012" y="1899346"/>
+                <a:ext cx="1546456" cy="673179"/>
+              </a:xfrm>
+              <a:prstGeom prst="parallelogram">
+                <a:avLst>
+                  <a:gd name="adj" fmla="val 64815"/>
+                </a:avLst>
+              </a:prstGeom>
+              <a:grpFill/>
+              <a:ln w="6350">
+                <a:solidFill>
+                  <a:schemeClr val="tx2">
+                    <a:lumMod val="75000"/>
+                  </a:schemeClr>
+                </a:solidFill>
+              </a:ln>
+              <a:effectLst>
+                <a:glow rad="38100">
+                  <a:schemeClr val="accent2">
+                    <a:lumMod val="20000"/>
+                    <a:lumOff val="80000"/>
+                    <a:alpha val="40000"/>
+                  </a:schemeClr>
+                </a:glow>
+              </a:effectLst>
+            </p:spPr>
+            <p:style>
+              <a:lnRef idx="2">
+                <a:schemeClr val="accent1">
+                  <a:shade val="50000"/>
+                </a:schemeClr>
+              </a:lnRef>
+              <a:fillRef idx="1">
+                <a:schemeClr val="accent1"/>
+              </a:fillRef>
+              <a:effectRef idx="0">
+                <a:schemeClr val="accent1"/>
+              </a:effectRef>
+              <a:fontRef idx="minor">
+                <a:schemeClr val="lt1"/>
+              </a:fontRef>
+            </p:style>
+            <p:txBody>
+              <a:bodyPr rtlCol="0" anchor="ctr"/>
+              <a:lstStyle/>
+              <a:p>
+                <a:pPr algn="ctr"/>
+                <a:endParaRPr lang="zh-CN" altLang="en-US"/>
+              </a:p>
+            </p:txBody>
+          </p:sp>
+          <p:sp>
+            <p:nvSpPr>
+              <p:cNvPr id="13" name="平行四边形 12">
+                <a:extLst>
+                  <a:ext uri="{FF2B5EF4-FFF2-40B4-BE49-F238E27FC236}">
+                    <a16:creationId xmlns:a16="http://schemas.microsoft.com/office/drawing/2014/main" id="{B04D0784-7B93-4ADE-8A1B-1D6ADE59CB9D}"/>
+                  </a:ext>
+                </a:extLst>
+              </p:cNvPr>
+              <p:cNvSpPr/>
+              <p:nvPr/>
+            </p:nvSpPr>
+            <p:spPr>
+              <a:xfrm>
+                <a:off x="817012" y="1645346"/>
+                <a:ext cx="1546456" cy="673179"/>
+              </a:xfrm>
+              <a:prstGeom prst="parallelogram">
+                <a:avLst>
+                  <a:gd name="adj" fmla="val 64815"/>
+                </a:avLst>
+              </a:prstGeom>
+              <a:grpFill/>
+              <a:ln w="6350">
+                <a:solidFill>
+                  <a:schemeClr val="tx2">
+                    <a:lumMod val="75000"/>
+                  </a:schemeClr>
+                </a:solidFill>
+              </a:ln>
+              <a:effectLst>
+                <a:glow rad="38100">
+                  <a:schemeClr val="accent2">
+                    <a:lumMod val="20000"/>
+                    <a:lumOff val="80000"/>
+                    <a:alpha val="40000"/>
+                  </a:schemeClr>
+                </a:glow>
+              </a:effectLst>
+            </p:spPr>
+            <p:style>
+              <a:lnRef idx="2">
+                <a:schemeClr val="accent1">
+                  <a:shade val="50000"/>
+                </a:schemeClr>
+              </a:lnRef>
+              <a:fillRef idx="1">
+                <a:schemeClr val="accent1"/>
+              </a:fillRef>
+              <a:effectRef idx="0">
+                <a:schemeClr val="accent1"/>
+              </a:effectRef>
+              <a:fontRef idx="minor">
+                <a:schemeClr val="lt1"/>
+              </a:fontRef>
+            </p:style>
+            <p:txBody>
+              <a:bodyPr rtlCol="0" anchor="ctr"/>
+              <a:lstStyle/>
+              <a:p>
+                <a:pPr algn="ctr"/>
+                <a:endParaRPr lang="zh-CN" altLang="en-US"/>
+              </a:p>
+            </p:txBody>
+          </p:sp>
+          <p:sp>
+            <p:nvSpPr>
+              <p:cNvPr id="14" name="平行四边形 13">
+                <a:extLst>
+                  <a:ext uri="{FF2B5EF4-FFF2-40B4-BE49-F238E27FC236}">
+                    <a16:creationId xmlns:a16="http://schemas.microsoft.com/office/drawing/2014/main" id="{993C12A9-16BA-4302-9587-0107B6FEAF44}"/>
+                  </a:ext>
+                </a:extLst>
+              </p:cNvPr>
+              <p:cNvSpPr/>
+              <p:nvPr/>
+            </p:nvSpPr>
+            <p:spPr>
+              <a:xfrm>
+                <a:off x="817012" y="1390076"/>
+                <a:ext cx="1546456" cy="673179"/>
+              </a:xfrm>
+              <a:prstGeom prst="parallelogram">
+                <a:avLst>
+                  <a:gd name="adj" fmla="val 64815"/>
+                </a:avLst>
+              </a:prstGeom>
+              <a:grpFill/>
+              <a:ln w="6350">
+                <a:solidFill>
+                  <a:schemeClr val="tx2">
+                    <a:lumMod val="75000"/>
+                  </a:schemeClr>
+                </a:solidFill>
+              </a:ln>
+              <a:effectLst>
+                <a:glow rad="38100">
+                  <a:schemeClr val="accent2">
+                    <a:lumMod val="20000"/>
+                    <a:lumOff val="80000"/>
+                    <a:alpha val="40000"/>
+                  </a:schemeClr>
+                </a:glow>
+              </a:effectLst>
+            </p:spPr>
+            <p:style>
+              <a:lnRef idx="2">
+                <a:schemeClr val="accent1">
+                  <a:shade val="50000"/>
+                </a:schemeClr>
+              </a:lnRef>
+              <a:fillRef idx="1">
+                <a:schemeClr val="accent1"/>
+              </a:fillRef>
+              <a:effectRef idx="0">
+                <a:schemeClr val="accent1"/>
+              </a:effectRef>
+              <a:fontRef idx="minor">
+                <a:schemeClr val="lt1"/>
+              </a:fontRef>
+            </p:style>
+            <p:txBody>
+              <a:bodyPr rtlCol="0" anchor="ctr"/>
+              <a:lstStyle/>
+              <a:p>
+                <a:pPr algn="ctr"/>
+                <a:endParaRPr lang="zh-CN" altLang="en-US"/>
+              </a:p>
+            </p:txBody>
+          </p:sp>
+        </p:grpSp>
+        <p:grpSp>
+          <p:nvGrpSpPr>
+            <p:cNvPr id="8" name="组合 7">
+              <a:extLst>
+                <a:ext uri="{FF2B5EF4-FFF2-40B4-BE49-F238E27FC236}">
+                  <a16:creationId xmlns:a16="http://schemas.microsoft.com/office/drawing/2014/main" id="{E34C2F62-7596-49EE-814C-7298C1A84A43}"/>
+                </a:ext>
+              </a:extLst>
+            </p:cNvPr>
+            <p:cNvGrpSpPr/>
+            <p:nvPr/>
+          </p:nvGrpSpPr>
+          <p:grpSpPr>
+            <a:xfrm>
+              <a:off x="4239908" y="35137"/>
+              <a:ext cx="1546456" cy="1182449"/>
+              <a:chOff x="817012" y="1390076"/>
+              <a:chExt cx="1546456" cy="1182449"/>
+            </a:xfrm>
+            <a:solidFill>
+              <a:srgbClr val="FFF2CC">
+                <a:alpha val="60000"/>
+              </a:srgbClr>
+            </a:solidFill>
+          </p:grpSpPr>
+          <p:sp>
+            <p:nvSpPr>
+              <p:cNvPr id="9" name="平行四边形 8">
+                <a:extLst>
+                  <a:ext uri="{FF2B5EF4-FFF2-40B4-BE49-F238E27FC236}">
+                    <a16:creationId xmlns:a16="http://schemas.microsoft.com/office/drawing/2014/main" id="{9111AD60-838F-4D62-A6A0-BEB5D03A17BE}"/>
+                  </a:ext>
+                </a:extLst>
+              </p:cNvPr>
+              <p:cNvSpPr/>
+              <p:nvPr/>
+            </p:nvSpPr>
+            <p:spPr>
+              <a:xfrm>
+                <a:off x="817012" y="1899346"/>
+                <a:ext cx="1546456" cy="673179"/>
+              </a:xfrm>
+              <a:prstGeom prst="parallelogram">
+                <a:avLst>
+                  <a:gd name="adj" fmla="val 64815"/>
+                </a:avLst>
+              </a:prstGeom>
+              <a:grpFill/>
+              <a:ln w="6350">
+                <a:solidFill>
+                  <a:schemeClr val="tx2">
+                    <a:lumMod val="75000"/>
+                  </a:schemeClr>
+                </a:solidFill>
+              </a:ln>
+              <a:effectLst>
+                <a:glow rad="38100">
+                  <a:schemeClr val="accent2">
+                    <a:lumMod val="20000"/>
+                    <a:lumOff val="80000"/>
+                    <a:alpha val="40000"/>
+                  </a:schemeClr>
+                </a:glow>
+              </a:effectLst>
+            </p:spPr>
+            <p:style>
+              <a:lnRef idx="2">
+                <a:schemeClr val="accent1">
+                  <a:shade val="50000"/>
+                </a:schemeClr>
+              </a:lnRef>
+              <a:fillRef idx="1">
+                <a:schemeClr val="accent1"/>
+              </a:fillRef>
+              <a:effectRef idx="0">
+                <a:schemeClr val="accent1"/>
+              </a:effectRef>
+              <a:fontRef idx="minor">
+                <a:schemeClr val="lt1"/>
+              </a:fontRef>
+            </p:style>
+            <p:txBody>
+              <a:bodyPr rtlCol="0" anchor="ctr"/>
+              <a:lstStyle/>
+              <a:p>
+                <a:pPr algn="ctr"/>
+                <a:endParaRPr lang="zh-CN" altLang="en-US"/>
+              </a:p>
+            </p:txBody>
+          </p:sp>
+          <p:sp>
+            <p:nvSpPr>
+              <p:cNvPr id="10" name="平行四边形 9">
+                <a:extLst>
+                  <a:ext uri="{FF2B5EF4-FFF2-40B4-BE49-F238E27FC236}">
+                    <a16:creationId xmlns:a16="http://schemas.microsoft.com/office/drawing/2014/main" id="{A97655CD-FD4A-4070-AB41-0B66D7114A01}"/>
+                  </a:ext>
+                </a:extLst>
+              </p:cNvPr>
+              <p:cNvSpPr/>
+              <p:nvPr/>
+            </p:nvSpPr>
+            <p:spPr>
+              <a:xfrm>
+                <a:off x="817012" y="1645346"/>
+                <a:ext cx="1546456" cy="673179"/>
+              </a:xfrm>
+              <a:prstGeom prst="parallelogram">
+                <a:avLst>
+                  <a:gd name="adj" fmla="val 64815"/>
+                </a:avLst>
+              </a:prstGeom>
+              <a:grpFill/>
+              <a:ln w="6350">
+                <a:solidFill>
+                  <a:schemeClr val="tx2">
+                    <a:lumMod val="75000"/>
+                  </a:schemeClr>
+                </a:solidFill>
+              </a:ln>
+              <a:effectLst>
+                <a:glow rad="38100">
+                  <a:schemeClr val="accent2">
+                    <a:lumMod val="20000"/>
+                    <a:lumOff val="80000"/>
+                    <a:alpha val="40000"/>
+                  </a:schemeClr>
+                </a:glow>
+              </a:effectLst>
+            </p:spPr>
+            <p:style>
+              <a:lnRef idx="2">
+                <a:schemeClr val="accent1">
+                  <a:shade val="50000"/>
+                </a:schemeClr>
+              </a:lnRef>
+              <a:fillRef idx="1">
+                <a:schemeClr val="accent1"/>
+              </a:fillRef>
+              <a:effectRef idx="0">
+                <a:schemeClr val="accent1"/>
+              </a:effectRef>
+              <a:fontRef idx="minor">
+                <a:schemeClr val="lt1"/>
+              </a:fontRef>
+            </p:style>
+            <p:txBody>
+              <a:bodyPr rtlCol="0" anchor="ctr"/>
+              <a:lstStyle/>
+              <a:p>
+                <a:pPr algn="ctr"/>
+                <a:endParaRPr lang="zh-CN" altLang="en-US"/>
+              </a:p>
+            </p:txBody>
+          </p:sp>
+          <p:sp>
+            <p:nvSpPr>
+              <p:cNvPr id="11" name="平行四边形 10">
+                <a:extLst>
+                  <a:ext uri="{FF2B5EF4-FFF2-40B4-BE49-F238E27FC236}">
+                    <a16:creationId xmlns:a16="http://schemas.microsoft.com/office/drawing/2014/main" id="{2D0CBDDA-F741-4CFD-BD62-AF3E087B408B}"/>
+                  </a:ext>
+                </a:extLst>
+              </p:cNvPr>
+              <p:cNvSpPr/>
+              <p:nvPr/>
+            </p:nvSpPr>
+            <p:spPr>
+              <a:xfrm>
+                <a:off x="817012" y="1390076"/>
+                <a:ext cx="1546456" cy="673179"/>
+              </a:xfrm>
+              <a:prstGeom prst="parallelogram">
+                <a:avLst>
+                  <a:gd name="adj" fmla="val 64815"/>
+                </a:avLst>
+              </a:prstGeom>
+              <a:grpFill/>
+              <a:ln w="6350">
+                <a:solidFill>
+                  <a:schemeClr val="tx2">
+                    <a:lumMod val="75000"/>
+                  </a:schemeClr>
+                </a:solidFill>
+              </a:ln>
+              <a:effectLst>
+                <a:glow rad="38100">
+                  <a:schemeClr val="accent2">
+                    <a:lumMod val="20000"/>
+                    <a:lumOff val="80000"/>
+                    <a:alpha val="40000"/>
+                  </a:schemeClr>
+                </a:glow>
+              </a:effectLst>
+            </p:spPr>
+            <p:style>
+              <a:lnRef idx="2">
+                <a:schemeClr val="accent1">
+                  <a:shade val="50000"/>
+                </a:schemeClr>
+              </a:lnRef>
+              <a:fillRef idx="1">
+                <a:schemeClr val="accent1"/>
+              </a:fillRef>
+              <a:effectRef idx="0">
+                <a:schemeClr val="accent1"/>
+              </a:effectRef>
+              <a:fontRef idx="minor">
+                <a:schemeClr val="lt1"/>
+              </a:fontRef>
+            </p:style>
+            <p:txBody>
+              <a:bodyPr rtlCol="0" anchor="ctr"/>
+              <a:lstStyle/>
+              <a:p>
+                <a:pPr algn="ctr"/>
+                <a:endParaRPr lang="zh-CN" altLang="en-US"/>
+              </a:p>
+            </p:txBody>
+          </p:sp>
+        </p:grpSp>
+      </p:grpSp>
+      <p:sp>
+        <p:nvSpPr>
+          <p:cNvPr id="27" name="右大括号 26">
+            <a:extLst>
+              <a:ext uri="{FF2B5EF4-FFF2-40B4-BE49-F238E27FC236}">
+                <a16:creationId xmlns:a16="http://schemas.microsoft.com/office/drawing/2014/main" id="{096A6A08-B67E-4153-BE83-0191AE44BB6E}"/>
+              </a:ext>
+            </a:extLst>
+          </p:cNvPr>
+          <p:cNvSpPr/>
+          <p:nvPr/>
+        </p:nvSpPr>
+        <p:spPr>
+          <a:xfrm>
+            <a:off x="4053989" y="698715"/>
+            <a:ext cx="391183" cy="869283"/>
+          </a:xfrm>
+          <a:prstGeom prst="rightBrace">
+            <a:avLst/>
+          </a:prstGeom>
+          <a:ln w="19050"/>
+        </p:spPr>
+        <p:style>
+          <a:lnRef idx="1">
+            <a:schemeClr val="accent1"/>
+          </a:lnRef>
+          <a:fillRef idx="0">
+            <a:schemeClr val="accent1"/>
+          </a:fillRef>
+          <a:effectRef idx="0">
+            <a:schemeClr val="accent1"/>
+          </a:effectRef>
+          <a:fontRef idx="minor">
+            <a:schemeClr val="tx1"/>
+          </a:fontRef>
+        </p:style>
+        <p:txBody>
+          <a:bodyPr rtlCol="0" anchor="ctr"/>
+          <a:lstStyle/>
+          <a:p>
+            <a:pPr algn="ctr"/>
+            <a:endParaRPr lang="zh-CN" altLang="en-US"/>
+          </a:p>
+        </p:txBody>
+      </p:sp>
+      <p:sp>
+        <p:nvSpPr>
+          <p:cNvPr id="30" name="右大括号 29">
+            <a:extLst>
+              <a:ext uri="{FF2B5EF4-FFF2-40B4-BE49-F238E27FC236}">
+                <a16:creationId xmlns:a16="http://schemas.microsoft.com/office/drawing/2014/main" id="{78AAFE1F-BD3C-4DF7-8D51-672D1D59175F}"/>
+              </a:ext>
+            </a:extLst>
+          </p:cNvPr>
+          <p:cNvSpPr/>
+          <p:nvPr/>
+        </p:nvSpPr>
+        <p:spPr>
+          <a:xfrm>
+            <a:off x="4053989" y="1619037"/>
+            <a:ext cx="391183" cy="869283"/>
+          </a:xfrm>
+          <a:prstGeom prst="rightBrace">
+            <a:avLst/>
+          </a:prstGeom>
+          <a:ln w="19050"/>
+        </p:spPr>
+        <p:style>
+          <a:lnRef idx="1">
+            <a:schemeClr val="accent1"/>
+          </a:lnRef>
+          <a:fillRef idx="0">
+            <a:schemeClr val="accent1"/>
+          </a:fillRef>
+          <a:effectRef idx="0">
+            <a:schemeClr val="accent1"/>
+          </a:effectRef>
+          <a:fontRef idx="minor">
+            <a:schemeClr val="tx1"/>
+          </a:fontRef>
+        </p:style>
+        <p:txBody>
+          <a:bodyPr rtlCol="0" anchor="ctr"/>
+          <a:lstStyle/>
+          <a:p>
+            <a:pPr algn="ctr"/>
+            <a:endParaRPr lang="zh-CN" altLang="en-US"/>
+          </a:p>
+        </p:txBody>
+      </p:sp>
+      <p:sp>
+        <p:nvSpPr>
+          <p:cNvPr id="31" name="右大括号 30">
+            <a:extLst>
+              <a:ext uri="{FF2B5EF4-FFF2-40B4-BE49-F238E27FC236}">
+                <a16:creationId xmlns:a16="http://schemas.microsoft.com/office/drawing/2014/main" id="{C9AE229B-39FB-4048-A10C-7E2125FA1E69}"/>
+              </a:ext>
+            </a:extLst>
+          </p:cNvPr>
+          <p:cNvSpPr/>
+          <p:nvPr/>
+        </p:nvSpPr>
+        <p:spPr>
+          <a:xfrm>
+            <a:off x="4053989" y="2539359"/>
+            <a:ext cx="391183" cy="869283"/>
+          </a:xfrm>
+          <a:prstGeom prst="rightBrace">
+            <a:avLst/>
+          </a:prstGeom>
+          <a:ln w="19050"/>
+        </p:spPr>
+        <p:style>
+          <a:lnRef idx="1">
+            <a:schemeClr val="accent1"/>
+          </a:lnRef>
+          <a:fillRef idx="0">
+            <a:schemeClr val="accent1"/>
+          </a:fillRef>
+          <a:effectRef idx="0">
+            <a:schemeClr val="accent1"/>
+          </a:effectRef>
+          <a:fontRef idx="minor">
+            <a:schemeClr val="tx1"/>
+          </a:fontRef>
+        </p:style>
+        <p:txBody>
+          <a:bodyPr rtlCol="0" anchor="ctr"/>
+          <a:lstStyle/>
+          <a:p>
+            <a:pPr algn="ctr"/>
+            <a:endParaRPr lang="zh-CN" altLang="en-US"/>
+          </a:p>
+        </p:txBody>
+      </p:sp>
+      <p:sp>
+        <p:nvSpPr>
+          <p:cNvPr id="32" name="右大括号 31">
+            <a:extLst>
+              <a:ext uri="{FF2B5EF4-FFF2-40B4-BE49-F238E27FC236}">
+                <a16:creationId xmlns:a16="http://schemas.microsoft.com/office/drawing/2014/main" id="{E826BBE9-61FE-49C2-AD1A-2ABB74873D82}"/>
+              </a:ext>
+            </a:extLst>
+          </p:cNvPr>
+          <p:cNvSpPr/>
+          <p:nvPr/>
+        </p:nvSpPr>
+        <p:spPr>
+          <a:xfrm>
+            <a:off x="4053988" y="3459682"/>
+            <a:ext cx="391183" cy="869283"/>
+          </a:xfrm>
+          <a:prstGeom prst="rightBrace">
+            <a:avLst/>
+          </a:prstGeom>
+          <a:ln w="19050"/>
+        </p:spPr>
+        <p:style>
+          <a:lnRef idx="1">
+            <a:schemeClr val="accent1"/>
+          </a:lnRef>
+          <a:fillRef idx="0">
+            <a:schemeClr val="accent1"/>
+          </a:fillRef>
+          <a:effectRef idx="0">
+            <a:schemeClr val="accent1"/>
+          </a:effectRef>
+          <a:fontRef idx="minor">
+            <a:schemeClr val="tx1"/>
+          </a:fontRef>
+        </p:style>
+        <p:txBody>
+          <a:bodyPr rtlCol="0" anchor="ctr"/>
+          <a:lstStyle/>
+          <a:p>
+            <a:pPr algn="ctr"/>
+            <a:endParaRPr lang="zh-CN" altLang="en-US"/>
+          </a:p>
+        </p:txBody>
+      </p:sp>
+      <p:sp>
+        <p:nvSpPr>
+          <p:cNvPr id="33" name="右大括号 32">
+            <a:extLst>
+              <a:ext uri="{FF2B5EF4-FFF2-40B4-BE49-F238E27FC236}">
+                <a16:creationId xmlns:a16="http://schemas.microsoft.com/office/drawing/2014/main" id="{2B0A696E-C966-4042-9BB8-5E935E0DCF23}"/>
+              </a:ext>
+            </a:extLst>
+          </p:cNvPr>
+          <p:cNvSpPr/>
+          <p:nvPr/>
+        </p:nvSpPr>
+        <p:spPr>
+          <a:xfrm>
+            <a:off x="4053989" y="4361162"/>
+            <a:ext cx="391183" cy="869283"/>
+          </a:xfrm>
+          <a:prstGeom prst="rightBrace">
+            <a:avLst/>
+          </a:prstGeom>
+          <a:ln w="19050"/>
+        </p:spPr>
+        <p:style>
+          <a:lnRef idx="1">
+            <a:schemeClr val="accent1"/>
+          </a:lnRef>
+          <a:fillRef idx="0">
+            <a:schemeClr val="accent1"/>
+          </a:fillRef>
+          <a:effectRef idx="0">
+            <a:schemeClr val="accent1"/>
+          </a:effectRef>
+          <a:fontRef idx="minor">
+            <a:schemeClr val="tx1"/>
+          </a:fontRef>
+        </p:style>
+        <p:txBody>
+          <a:bodyPr rtlCol="0" anchor="ctr"/>
+          <a:lstStyle/>
+          <a:p>
+            <a:pPr algn="ctr"/>
+            <a:endParaRPr lang="zh-CN" altLang="en-US"/>
+          </a:p>
+        </p:txBody>
+      </p:sp>
+      <p:sp>
+        <p:nvSpPr>
+          <p:cNvPr id="36" name="平行四边形 35">
+            <a:extLst>
+              <a:ext uri="{FF2B5EF4-FFF2-40B4-BE49-F238E27FC236}">
+                <a16:creationId xmlns:a16="http://schemas.microsoft.com/office/drawing/2014/main" id="{7048C1E0-0404-434E-912C-81B50A37DC62}"/>
+              </a:ext>
+            </a:extLst>
+          </p:cNvPr>
+          <p:cNvSpPr/>
+          <p:nvPr/>
+        </p:nvSpPr>
+        <p:spPr>
+          <a:xfrm>
+            <a:off x="5037411" y="896324"/>
+            <a:ext cx="1546456" cy="673179"/>
+          </a:xfrm>
+          <a:prstGeom prst="parallelogram">
+            <a:avLst>
+              <a:gd name="adj" fmla="val 64815"/>
+            </a:avLst>
+          </a:prstGeom>
+          <a:solidFill>
+            <a:srgbClr val="FFF2CC">
+              <a:alpha val="60000"/>
+            </a:srgbClr>
+          </a:solidFill>
+          <a:ln w="6350">
+            <a:solidFill>
+              <a:schemeClr val="tx2">
+                <a:lumMod val="75000"/>
+              </a:schemeClr>
+            </a:solidFill>
+          </a:ln>
+          <a:effectLst>
+            <a:glow rad="38100">
+              <a:schemeClr val="accent2">
+                <a:lumMod val="20000"/>
+                <a:lumOff val="80000"/>
+                <a:alpha val="40000"/>
+              </a:schemeClr>
+            </a:glow>
+          </a:effectLst>
+        </p:spPr>
+        <p:style>
+          <a:lnRef idx="2">
+            <a:schemeClr val="accent1">
+              <a:shade val="50000"/>
+            </a:schemeClr>
+          </a:lnRef>
+          <a:fillRef idx="1">
+            <a:schemeClr val="accent1"/>
+          </a:fillRef>
+          <a:effectRef idx="0">
+            <a:schemeClr val="accent1"/>
+          </a:effectRef>
+          <a:fontRef idx="minor">
+            <a:schemeClr val="lt1"/>
+          </a:fontRef>
+        </p:style>
+        <p:txBody>
+          <a:bodyPr rtlCol="0" anchor="ctr"/>
+          <a:lstStyle/>
+          <a:p>
+            <a:pPr algn="ctr"/>
+            <a:endParaRPr lang="zh-CN" altLang="en-US"/>
+          </a:p>
+        </p:txBody>
+      </p:sp>
+      <p:sp>
+        <p:nvSpPr>
+          <p:cNvPr id="37" name="平行四边形 36">
+            <a:extLst>
+              <a:ext uri="{FF2B5EF4-FFF2-40B4-BE49-F238E27FC236}">
+                <a16:creationId xmlns:a16="http://schemas.microsoft.com/office/drawing/2014/main" id="{28C5DEF6-A895-4A9E-8896-51A425F27708}"/>
+              </a:ext>
+            </a:extLst>
+          </p:cNvPr>
+          <p:cNvSpPr/>
+          <p:nvPr/>
+        </p:nvSpPr>
+        <p:spPr>
+          <a:xfrm>
+            <a:off x="5037411" y="1746390"/>
+            <a:ext cx="1546456" cy="673179"/>
+          </a:xfrm>
+          <a:prstGeom prst="parallelogram">
+            <a:avLst>
+              <a:gd name="adj" fmla="val 64815"/>
+            </a:avLst>
+          </a:prstGeom>
+          <a:solidFill>
+            <a:srgbClr val="CAE1B8">
+              <a:alpha val="65000"/>
+            </a:srgbClr>
+          </a:solidFill>
+          <a:ln w="6350">
+            <a:solidFill>
+              <a:schemeClr val="tx2">
+                <a:lumMod val="75000"/>
+              </a:schemeClr>
+            </a:solidFill>
+          </a:ln>
+          <a:effectLst>
+            <a:glow rad="38100">
+              <a:schemeClr val="accent2">
+                <a:lumMod val="20000"/>
+                <a:lumOff val="80000"/>
+                <a:alpha val="40000"/>
+              </a:schemeClr>
+            </a:glow>
+          </a:effectLst>
+        </p:spPr>
+        <p:style>
+          <a:lnRef idx="2">
+            <a:schemeClr val="accent1">
+              <a:shade val="50000"/>
+            </a:schemeClr>
+          </a:lnRef>
+          <a:fillRef idx="1">
+            <a:schemeClr val="accent1"/>
+          </a:fillRef>
+          <a:effectRef idx="0">
+            <a:schemeClr val="accent1"/>
+          </a:effectRef>
+          <a:fontRef idx="minor">
+            <a:schemeClr val="lt1"/>
+          </a:fontRef>
+        </p:style>
+        <p:txBody>
+          <a:bodyPr rtlCol="0" anchor="ctr"/>
+          <a:lstStyle/>
+          <a:p>
+            <a:pPr algn="ctr"/>
+            <a:endParaRPr lang="zh-CN" altLang="en-US"/>
+          </a:p>
+        </p:txBody>
+      </p:sp>
+      <p:sp>
+        <p:nvSpPr>
+          <p:cNvPr id="39" name="平行四边形 38">
+            <a:extLst>
+              <a:ext uri="{FF2B5EF4-FFF2-40B4-BE49-F238E27FC236}">
+                <a16:creationId xmlns:a16="http://schemas.microsoft.com/office/drawing/2014/main" id="{D2EF4065-E89C-47B1-AB0D-AF5558B05FCB}"/>
+              </a:ext>
+            </a:extLst>
+          </p:cNvPr>
+          <p:cNvSpPr/>
+          <p:nvPr/>
+        </p:nvSpPr>
+        <p:spPr>
+          <a:xfrm>
+            <a:off x="5037411" y="2670632"/>
+            <a:ext cx="1546456" cy="673179"/>
+          </a:xfrm>
+          <a:prstGeom prst="parallelogram">
+            <a:avLst>
+              <a:gd name="adj" fmla="val 64815"/>
+            </a:avLst>
+          </a:prstGeom>
+          <a:solidFill>
+            <a:schemeClr val="accent1">
+              <a:lumMod val="40000"/>
+              <a:lumOff val="60000"/>
+              <a:alpha val="44000"/>
+            </a:schemeClr>
+          </a:solidFill>
+          <a:ln w="6350">
+            <a:solidFill>
+              <a:schemeClr val="tx2">
+                <a:lumMod val="75000"/>
+              </a:schemeClr>
+            </a:solidFill>
+          </a:ln>
+          <a:effectLst>
+            <a:glow rad="38100">
+              <a:schemeClr val="accent2">
+                <a:lumMod val="20000"/>
+                <a:lumOff val="80000"/>
+                <a:alpha val="40000"/>
+              </a:schemeClr>
+            </a:glow>
+          </a:effectLst>
+        </p:spPr>
+        <p:style>
+          <a:lnRef idx="2">
+            <a:schemeClr val="accent1">
+              <a:shade val="50000"/>
+            </a:schemeClr>
+          </a:lnRef>
+          <a:fillRef idx="1">
+            <a:schemeClr val="accent1"/>
+          </a:fillRef>
+          <a:effectRef idx="0">
+            <a:schemeClr val="accent1"/>
+          </a:effectRef>
+          <a:fontRef idx="minor">
+            <a:schemeClr val="lt1"/>
+          </a:fontRef>
+        </p:style>
+        <p:txBody>
+          <a:bodyPr rtlCol="0" anchor="ctr"/>
+          <a:lstStyle/>
+          <a:p>
+            <a:pPr algn="ctr"/>
+            <a:endParaRPr lang="zh-CN" altLang="en-US"/>
+          </a:p>
+        </p:txBody>
+      </p:sp>
+      <p:sp>
+        <p:nvSpPr>
+          <p:cNvPr id="40" name="平行四边形 39">
+            <a:extLst>
+              <a:ext uri="{FF2B5EF4-FFF2-40B4-BE49-F238E27FC236}">
+                <a16:creationId xmlns:a16="http://schemas.microsoft.com/office/drawing/2014/main" id="{6B19B4F1-4AB8-4041-A5D7-21B66F59199E}"/>
+              </a:ext>
+            </a:extLst>
+          </p:cNvPr>
+          <p:cNvSpPr/>
+          <p:nvPr/>
+        </p:nvSpPr>
+        <p:spPr>
+          <a:xfrm>
+            <a:off x="5037411" y="3553055"/>
+            <a:ext cx="1546456" cy="673179"/>
+          </a:xfrm>
+          <a:prstGeom prst="parallelogram">
+            <a:avLst>
+              <a:gd name="adj" fmla="val 64815"/>
+            </a:avLst>
+          </a:prstGeom>
+          <a:solidFill>
+            <a:srgbClr val="B676A3">
+              <a:alpha val="50000"/>
+            </a:srgbClr>
+          </a:solidFill>
+          <a:ln w="6350">
+            <a:solidFill>
+              <a:schemeClr val="tx2">
+                <a:lumMod val="75000"/>
+              </a:schemeClr>
+            </a:solidFill>
+          </a:ln>
+          <a:effectLst>
+            <a:glow rad="38100">
+              <a:schemeClr val="accent2">
+                <a:lumMod val="20000"/>
+                <a:lumOff val="80000"/>
+                <a:alpha val="40000"/>
+              </a:schemeClr>
+            </a:glow>
+          </a:effectLst>
+        </p:spPr>
+        <p:style>
+          <a:lnRef idx="2">
+            <a:schemeClr val="accent1">
+              <a:shade val="50000"/>
+            </a:schemeClr>
+          </a:lnRef>
+          <a:fillRef idx="1">
+            <a:schemeClr val="accent1"/>
+          </a:fillRef>
+          <a:effectRef idx="0">
+            <a:schemeClr val="accent1"/>
+          </a:effectRef>
+          <a:fontRef idx="minor">
+            <a:schemeClr val="lt1"/>
+          </a:fontRef>
+        </p:style>
+        <p:txBody>
+          <a:bodyPr rtlCol="0" anchor="ctr"/>
+          <a:lstStyle/>
+          <a:p>
+            <a:pPr algn="ctr"/>
+            <a:endParaRPr lang="zh-CN" altLang="en-US"/>
+          </a:p>
+        </p:txBody>
+      </p:sp>
+      <p:sp>
+        <p:nvSpPr>
+          <p:cNvPr id="41" name="平行四边形 40">
+            <a:extLst>
+              <a:ext uri="{FF2B5EF4-FFF2-40B4-BE49-F238E27FC236}">
+                <a16:creationId xmlns:a16="http://schemas.microsoft.com/office/drawing/2014/main" id="{2B9F739A-3860-4EC8-9157-E6F8A41EC416}"/>
+              </a:ext>
+            </a:extLst>
+          </p:cNvPr>
+          <p:cNvSpPr/>
+          <p:nvPr/>
+        </p:nvSpPr>
+        <p:spPr>
+          <a:xfrm>
+            <a:off x="5037411" y="4460718"/>
+            <a:ext cx="1546456" cy="673179"/>
+          </a:xfrm>
+          <a:prstGeom prst="parallelogram">
+            <a:avLst>
+              <a:gd name="adj" fmla="val 64815"/>
+            </a:avLst>
+          </a:prstGeom>
+          <a:solidFill>
+            <a:srgbClr val="45F9F5">
+              <a:alpha val="39000"/>
+            </a:srgbClr>
+          </a:solidFill>
+          <a:ln w="6350">
+            <a:solidFill>
+              <a:schemeClr val="tx2">
+                <a:lumMod val="75000"/>
+              </a:schemeClr>
+            </a:solidFill>
+          </a:ln>
+          <a:effectLst>
+            <a:glow rad="38100">
+              <a:schemeClr val="accent2">
+                <a:lumMod val="20000"/>
+                <a:lumOff val="80000"/>
+                <a:alpha val="40000"/>
+              </a:schemeClr>
+            </a:glow>
+          </a:effectLst>
+        </p:spPr>
+        <p:style>
+          <a:lnRef idx="2">
+            <a:schemeClr val="accent1">
+              <a:shade val="50000"/>
+            </a:schemeClr>
+          </a:lnRef>
+          <a:fillRef idx="1">
+            <a:schemeClr val="accent1"/>
+          </a:fillRef>
+          <a:effectRef idx="0">
+            <a:schemeClr val="accent1"/>
+          </a:effectRef>
+          <a:fontRef idx="minor">
+            <a:schemeClr val="lt1"/>
+          </a:fontRef>
+        </p:style>
+        <p:txBody>
+          <a:bodyPr rtlCol="0" anchor="ctr"/>
+          <a:lstStyle/>
+          <a:p>
+            <a:pPr algn="ctr"/>
+            <a:endParaRPr lang="zh-CN" altLang="en-US"/>
+          </a:p>
+        </p:txBody>
+      </p:sp>
+      <p:sp>
+        <p:nvSpPr>
+          <p:cNvPr id="42" name="右大括号 41">
+            <a:extLst>
+              <a:ext uri="{FF2B5EF4-FFF2-40B4-BE49-F238E27FC236}">
+                <a16:creationId xmlns:a16="http://schemas.microsoft.com/office/drawing/2014/main" id="{0CB9AEA5-DE9B-4F94-BBEE-9567455D151E}"/>
+              </a:ext>
+            </a:extLst>
+          </p:cNvPr>
+          <p:cNvSpPr/>
+          <p:nvPr/>
+        </p:nvSpPr>
+        <p:spPr>
+          <a:xfrm>
+            <a:off x="7159783" y="1124567"/>
+            <a:ext cx="975360" cy="3625910"/>
+          </a:xfrm>
+          <a:prstGeom prst="rightBrace">
+            <a:avLst>
+              <a:gd name="adj1" fmla="val 8333"/>
+              <a:gd name="adj2" fmla="val 51121"/>
+            </a:avLst>
+          </a:prstGeom>
+          <a:ln w="19050"/>
+        </p:spPr>
+        <p:style>
+          <a:lnRef idx="1">
+            <a:schemeClr val="accent1"/>
+          </a:lnRef>
+          <a:fillRef idx="0">
+            <a:schemeClr val="accent1"/>
+          </a:fillRef>
+          <a:effectRef idx="0">
+            <a:schemeClr val="accent1"/>
+          </a:effectRef>
+          <a:fontRef idx="minor">
+            <a:schemeClr val="tx1"/>
+          </a:fontRef>
+        </p:style>
+        <p:txBody>
+          <a:bodyPr rtlCol="0" anchor="ctr"/>
+          <a:lstStyle/>
+          <a:p>
+            <a:pPr algn="ctr"/>
+            <a:endParaRPr lang="zh-CN" altLang="en-US"/>
+          </a:p>
+        </p:txBody>
+      </p:sp>
+      <p:sp>
+        <p:nvSpPr>
+          <p:cNvPr id="43" name="平行四边形 42">
+            <a:extLst>
+              <a:ext uri="{FF2B5EF4-FFF2-40B4-BE49-F238E27FC236}">
+                <a16:creationId xmlns:a16="http://schemas.microsoft.com/office/drawing/2014/main" id="{EE8C7CDF-ADE3-4552-BF21-5EEC199475CD}"/>
+              </a:ext>
+            </a:extLst>
+          </p:cNvPr>
+          <p:cNvSpPr/>
+          <p:nvPr/>
+        </p:nvSpPr>
+        <p:spPr>
+          <a:xfrm>
+            <a:off x="8616690" y="2059022"/>
+            <a:ext cx="1546456" cy="673179"/>
+          </a:xfrm>
+          <a:prstGeom prst="parallelogram">
+            <a:avLst>
+              <a:gd name="adj" fmla="val 64815"/>
+            </a:avLst>
+          </a:prstGeom>
+          <a:solidFill>
+            <a:srgbClr val="FFF2CC">
+              <a:alpha val="60000"/>
+            </a:srgbClr>
+          </a:solidFill>
+          <a:ln w="6350">
+            <a:solidFill>
+              <a:schemeClr val="tx2">
+                <a:lumMod val="75000"/>
+              </a:schemeClr>
+            </a:solidFill>
+          </a:ln>
+          <a:effectLst>
+            <a:glow rad="38100">
+              <a:schemeClr val="accent2">
+                <a:lumMod val="20000"/>
+                <a:lumOff val="80000"/>
+                <a:alpha val="40000"/>
+              </a:schemeClr>
+            </a:glow>
+          </a:effectLst>
+        </p:spPr>
+        <p:style>
+          <a:lnRef idx="2">
+            <a:schemeClr val="accent1">
+              <a:shade val="50000"/>
+            </a:schemeClr>
+          </a:lnRef>
+          <a:fillRef idx="1">
+            <a:schemeClr val="accent1"/>
+          </a:fillRef>
+          <a:effectRef idx="0">
+            <a:schemeClr val="accent1"/>
+          </a:effectRef>
+          <a:fontRef idx="minor">
+            <a:schemeClr val="lt1"/>
+          </a:fontRef>
+        </p:style>
+        <p:txBody>
+          <a:bodyPr rtlCol="0" anchor="ctr"/>
+          <a:lstStyle/>
+          <a:p>
+            <a:pPr algn="ctr"/>
+            <a:endParaRPr lang="zh-CN" altLang="en-US"/>
+          </a:p>
+        </p:txBody>
+      </p:sp>
+      <p:cxnSp>
+        <p:nvCxnSpPr>
+          <p:cNvPr id="49" name="直接连接符 48">
+            <a:extLst>
+              <a:ext uri="{FF2B5EF4-FFF2-40B4-BE49-F238E27FC236}">
+                <a16:creationId xmlns:a16="http://schemas.microsoft.com/office/drawing/2014/main" id="{5B52B0AD-7A6B-4309-B5F4-104F42B85BB3}"/>
+              </a:ext>
+            </a:extLst>
+          </p:cNvPr>
+          <p:cNvCxnSpPr>
+            <a:cxnSpLocks/>
+          </p:cNvCxnSpPr>
+          <p:nvPr/>
+        </p:nvCxnSpPr>
+        <p:spPr>
+          <a:xfrm>
+            <a:off x="2045970" y="1166384"/>
+            <a:ext cx="246380" cy="0"/>
+          </a:xfrm>
+          <a:prstGeom prst="line">
+            <a:avLst/>
+          </a:prstGeom>
+        </p:spPr>
+        <p:style>
+          <a:lnRef idx="1">
+            <a:schemeClr val="accent1"/>
+          </a:lnRef>
+          <a:fillRef idx="0">
+            <a:schemeClr val="accent1"/>
+          </a:fillRef>
+          <a:effectRef idx="0">
+            <a:schemeClr val="accent1"/>
+          </a:effectRef>
+          <a:fontRef idx="minor">
+            <a:schemeClr val="tx1"/>
+          </a:fontRef>
+        </p:style>
+      </p:cxnSp>
+      <p:cxnSp>
+        <p:nvCxnSpPr>
+          <p:cNvPr id="51" name="直接连接符 50">
+            <a:extLst>
+              <a:ext uri="{FF2B5EF4-FFF2-40B4-BE49-F238E27FC236}">
+                <a16:creationId xmlns:a16="http://schemas.microsoft.com/office/drawing/2014/main" id="{997CB2B7-47D8-4BE4-B2EE-926249082E7C}"/>
+              </a:ext>
+            </a:extLst>
+          </p:cNvPr>
+          <p:cNvCxnSpPr>
+            <a:cxnSpLocks/>
+          </p:cNvCxnSpPr>
+          <p:nvPr/>
+        </p:nvCxnSpPr>
+        <p:spPr>
+          <a:xfrm flipH="1">
+            <a:off x="2194560" y="1166384"/>
+            <a:ext cx="101600" cy="172681"/>
+          </a:xfrm>
+          <a:prstGeom prst="line">
+            <a:avLst/>
+          </a:prstGeom>
+        </p:spPr>
+        <p:style>
+          <a:lnRef idx="1">
+            <a:schemeClr val="accent1"/>
+          </a:lnRef>
+          <a:fillRef idx="0">
+            <a:schemeClr val="accent1"/>
+          </a:fillRef>
+          <a:effectRef idx="0">
+            <a:schemeClr val="accent1"/>
+          </a:effectRef>
+          <a:fontRef idx="minor">
+            <a:schemeClr val="tx1"/>
+          </a:fontRef>
+        </p:style>
+      </p:cxnSp>
+      <p:cxnSp>
+        <p:nvCxnSpPr>
+          <p:cNvPr id="54" name="直接连接符 53">
+            <a:extLst>
+              <a:ext uri="{FF2B5EF4-FFF2-40B4-BE49-F238E27FC236}">
+                <a16:creationId xmlns:a16="http://schemas.microsoft.com/office/drawing/2014/main" id="{B1BC5E54-1F1B-4A87-81DC-B966F71F608F}"/>
+              </a:ext>
+            </a:extLst>
+          </p:cNvPr>
+          <p:cNvCxnSpPr>
+            <a:cxnSpLocks/>
+          </p:cNvCxnSpPr>
+          <p:nvPr/>
+        </p:nvCxnSpPr>
+        <p:spPr>
+          <a:xfrm>
+            <a:off x="2045970" y="1425909"/>
+            <a:ext cx="246380" cy="0"/>
+          </a:xfrm>
+          <a:prstGeom prst="line">
+            <a:avLst/>
+          </a:prstGeom>
+        </p:spPr>
+        <p:style>
+          <a:lnRef idx="1">
+            <a:schemeClr val="accent1"/>
+          </a:lnRef>
+          <a:fillRef idx="0">
+            <a:schemeClr val="accent1"/>
+          </a:fillRef>
+          <a:effectRef idx="0">
+            <a:schemeClr val="accent1"/>
+          </a:effectRef>
+          <a:fontRef idx="minor">
+            <a:schemeClr val="tx1"/>
+          </a:fontRef>
+        </p:style>
+      </p:cxnSp>
+      <p:cxnSp>
+        <p:nvCxnSpPr>
+          <p:cNvPr id="55" name="直接连接符 54">
+            <a:extLst>
+              <a:ext uri="{FF2B5EF4-FFF2-40B4-BE49-F238E27FC236}">
+                <a16:creationId xmlns:a16="http://schemas.microsoft.com/office/drawing/2014/main" id="{81FF151C-84E6-4036-B68E-9381AB651746}"/>
+              </a:ext>
+            </a:extLst>
+          </p:cNvPr>
+          <p:cNvCxnSpPr>
+            <a:cxnSpLocks/>
+          </p:cNvCxnSpPr>
+          <p:nvPr/>
+        </p:nvCxnSpPr>
+        <p:spPr>
+          <a:xfrm flipH="1">
+            <a:off x="2190750" y="1421654"/>
+            <a:ext cx="101600" cy="172681"/>
+          </a:xfrm>
+          <a:prstGeom prst="line">
+            <a:avLst/>
+          </a:prstGeom>
+        </p:spPr>
+        <p:style>
+          <a:lnRef idx="1">
+            <a:schemeClr val="accent1"/>
+          </a:lnRef>
+          <a:fillRef idx="0">
+            <a:schemeClr val="accent1"/>
+          </a:fillRef>
+          <a:effectRef idx="0">
+            <a:schemeClr val="accent1"/>
+          </a:effectRef>
+          <a:fontRef idx="minor">
+            <a:schemeClr val="tx1"/>
+          </a:fontRef>
+        </p:style>
+      </p:cxnSp>
+      <p:cxnSp>
+        <p:nvCxnSpPr>
+          <p:cNvPr id="56" name="直接连接符 55">
+            <a:extLst>
+              <a:ext uri="{FF2B5EF4-FFF2-40B4-BE49-F238E27FC236}">
+                <a16:creationId xmlns:a16="http://schemas.microsoft.com/office/drawing/2014/main" id="{D9859836-4FA4-4786-824D-69EE521E287E}"/>
+              </a:ext>
+            </a:extLst>
+          </p:cNvPr>
+          <p:cNvCxnSpPr>
+            <a:cxnSpLocks/>
+          </p:cNvCxnSpPr>
+          <p:nvPr/>
+        </p:nvCxnSpPr>
+        <p:spPr>
+          <a:xfrm>
+            <a:off x="2045970" y="1679344"/>
+            <a:ext cx="246380" cy="0"/>
+          </a:xfrm>
+          <a:prstGeom prst="line">
+            <a:avLst/>
+          </a:prstGeom>
+        </p:spPr>
+        <p:style>
+          <a:lnRef idx="1">
+            <a:schemeClr val="accent1"/>
+          </a:lnRef>
+          <a:fillRef idx="0">
+            <a:schemeClr val="accent1"/>
+          </a:fillRef>
+          <a:effectRef idx="0">
+            <a:schemeClr val="accent1"/>
+          </a:effectRef>
+          <a:fontRef idx="minor">
+            <a:schemeClr val="tx1"/>
+          </a:fontRef>
+        </p:style>
+      </p:cxnSp>
+      <p:cxnSp>
+        <p:nvCxnSpPr>
+          <p:cNvPr id="57" name="直接连接符 56">
+            <a:extLst>
+              <a:ext uri="{FF2B5EF4-FFF2-40B4-BE49-F238E27FC236}">
+                <a16:creationId xmlns:a16="http://schemas.microsoft.com/office/drawing/2014/main" id="{C5E382A0-0F58-4514-945F-27F987FB39C2}"/>
+              </a:ext>
+            </a:extLst>
+          </p:cNvPr>
+          <p:cNvCxnSpPr>
+            <a:cxnSpLocks/>
+          </p:cNvCxnSpPr>
+          <p:nvPr/>
+        </p:nvCxnSpPr>
+        <p:spPr>
+          <a:xfrm flipH="1">
+            <a:off x="2190750" y="1675089"/>
+            <a:ext cx="101600" cy="172681"/>
+          </a:xfrm>
+          <a:prstGeom prst="line">
+            <a:avLst/>
+          </a:prstGeom>
+        </p:spPr>
+        <p:style>
+          <a:lnRef idx="1">
+            <a:schemeClr val="accent1"/>
+          </a:lnRef>
+          <a:fillRef idx="0">
+            <a:schemeClr val="accent1"/>
+          </a:fillRef>
+          <a:effectRef idx="0">
+            <a:schemeClr val="accent1"/>
+          </a:effectRef>
+          <a:fontRef idx="minor">
+            <a:schemeClr val="tx1"/>
+          </a:fontRef>
+        </p:style>
+      </p:cxnSp>
+      <p:cxnSp>
+        <p:nvCxnSpPr>
+          <p:cNvPr id="58" name="直接连接符 57">
+            <a:extLst>
+              <a:ext uri="{FF2B5EF4-FFF2-40B4-BE49-F238E27FC236}">
+                <a16:creationId xmlns:a16="http://schemas.microsoft.com/office/drawing/2014/main" id="{C0C91E48-8DE5-4EB2-B460-1D7D9F50EBE8}"/>
+              </a:ext>
+            </a:extLst>
+          </p:cNvPr>
+          <p:cNvCxnSpPr>
+            <a:cxnSpLocks/>
+          </p:cNvCxnSpPr>
+          <p:nvPr/>
+        </p:nvCxnSpPr>
+        <p:spPr>
+          <a:xfrm>
+            <a:off x="5130037" y="1415358"/>
+            <a:ext cx="246380" cy="0"/>
+          </a:xfrm>
+          <a:prstGeom prst="line">
+            <a:avLst/>
+          </a:prstGeom>
+        </p:spPr>
+        <p:style>
+          <a:lnRef idx="1">
+            <a:schemeClr val="accent1"/>
+          </a:lnRef>
+          <a:fillRef idx="0">
+            <a:schemeClr val="accent1"/>
+          </a:fillRef>
+          <a:effectRef idx="0">
+            <a:schemeClr val="accent1"/>
+          </a:effectRef>
+          <a:fontRef idx="minor">
+            <a:schemeClr val="tx1"/>
+          </a:fontRef>
+        </p:style>
+      </p:cxnSp>
+      <p:cxnSp>
+        <p:nvCxnSpPr>
+          <p:cNvPr id="59" name="直接连接符 58">
+            <a:extLst>
+              <a:ext uri="{FF2B5EF4-FFF2-40B4-BE49-F238E27FC236}">
+                <a16:creationId xmlns:a16="http://schemas.microsoft.com/office/drawing/2014/main" id="{4013D906-0A1B-4CB3-9C87-26E6EF436611}"/>
+              </a:ext>
+            </a:extLst>
+          </p:cNvPr>
+          <p:cNvCxnSpPr>
+            <a:cxnSpLocks/>
+          </p:cNvCxnSpPr>
+          <p:nvPr/>
+        </p:nvCxnSpPr>
+        <p:spPr>
+          <a:xfrm flipH="1">
+            <a:off x="5278627" y="1415358"/>
+            <a:ext cx="101600" cy="172681"/>
+          </a:xfrm>
+          <a:prstGeom prst="line">
+            <a:avLst/>
+          </a:prstGeom>
+        </p:spPr>
+        <p:style>
+          <a:lnRef idx="1">
+            <a:schemeClr val="accent1"/>
+          </a:lnRef>
+          <a:fillRef idx="0">
+            <a:schemeClr val="accent1"/>
+          </a:fillRef>
+          <a:effectRef idx="0">
+            <a:schemeClr val="accent1"/>
+          </a:effectRef>
+          <a:fontRef idx="minor">
+            <a:schemeClr val="tx1"/>
+          </a:fontRef>
+        </p:style>
+      </p:cxnSp>
+      <p:cxnSp>
+        <p:nvCxnSpPr>
+          <p:cNvPr id="60" name="直接连接符 59">
+            <a:extLst>
+              <a:ext uri="{FF2B5EF4-FFF2-40B4-BE49-F238E27FC236}">
+                <a16:creationId xmlns:a16="http://schemas.microsoft.com/office/drawing/2014/main" id="{E3FFFF92-81B3-4279-859E-380FC82D304A}"/>
+              </a:ext>
+            </a:extLst>
+          </p:cNvPr>
+          <p:cNvCxnSpPr>
+            <a:cxnSpLocks/>
+          </p:cNvCxnSpPr>
+          <p:nvPr/>
+        </p:nvCxnSpPr>
+        <p:spPr>
+          <a:xfrm>
+            <a:off x="8711059" y="2559471"/>
+            <a:ext cx="246380" cy="0"/>
+          </a:xfrm>
+          <a:prstGeom prst="line">
+            <a:avLst/>
+          </a:prstGeom>
+        </p:spPr>
+        <p:style>
+          <a:lnRef idx="1">
+            <a:schemeClr val="accent1"/>
+          </a:lnRef>
+          <a:fillRef idx="0">
+            <a:schemeClr val="accent1"/>
+          </a:fillRef>
+          <a:effectRef idx="0">
+            <a:schemeClr val="accent1"/>
+          </a:effectRef>
+          <a:fontRef idx="minor">
+            <a:schemeClr val="tx1"/>
+          </a:fontRef>
+        </p:style>
+      </p:cxnSp>
+      <p:cxnSp>
+        <p:nvCxnSpPr>
+          <p:cNvPr id="61" name="直接连接符 60">
+            <a:extLst>
+              <a:ext uri="{FF2B5EF4-FFF2-40B4-BE49-F238E27FC236}">
+                <a16:creationId xmlns:a16="http://schemas.microsoft.com/office/drawing/2014/main" id="{84CB8F98-FAC3-4A0B-A99C-306D81387A68}"/>
+              </a:ext>
+            </a:extLst>
+          </p:cNvPr>
+          <p:cNvCxnSpPr>
+            <a:cxnSpLocks/>
+          </p:cNvCxnSpPr>
+          <p:nvPr/>
+        </p:nvCxnSpPr>
+        <p:spPr>
+          <a:xfrm flipH="1">
+            <a:off x="8859649" y="2559471"/>
+            <a:ext cx="101600" cy="172681"/>
+          </a:xfrm>
+          <a:prstGeom prst="line">
+            <a:avLst/>
+          </a:prstGeom>
+        </p:spPr>
+        <p:style>
+          <a:lnRef idx="1">
+            <a:schemeClr val="accent1"/>
+          </a:lnRef>
+          <a:fillRef idx="0">
+            <a:schemeClr val="accent1"/>
+          </a:fillRef>
+          <a:effectRef idx="0">
+            <a:schemeClr val="accent1"/>
+          </a:effectRef>
+          <a:fontRef idx="minor">
+            <a:schemeClr val="tx1"/>
+          </a:fontRef>
+        </p:style>
+      </p:cxnSp>
+      <p:sp>
+        <p:nvSpPr>
+          <p:cNvPr id="62" name="文本框 61">
+            <a:extLst>
+              <a:ext uri="{FF2B5EF4-FFF2-40B4-BE49-F238E27FC236}">
+                <a16:creationId xmlns:a16="http://schemas.microsoft.com/office/drawing/2014/main" id="{E0B2327E-BE55-4221-82A7-C1ABB33C9874}"/>
+              </a:ext>
+            </a:extLst>
+          </p:cNvPr>
+          <p:cNvSpPr txBox="1"/>
+          <p:nvPr/>
+        </p:nvSpPr>
+        <p:spPr>
+          <a:xfrm>
+            <a:off x="8030048" y="4144299"/>
+            <a:ext cx="3445368" cy="369332"/>
+          </a:xfrm>
+          <a:prstGeom prst="rect">
+            <a:avLst/>
+          </a:prstGeom>
+          <a:noFill/>
+        </p:spPr>
+        <p:txBody>
+          <a:bodyPr wrap="square" rtlCol="0">
+            <a:spAutoFit/>
+          </a:bodyPr>
+          <a:lstStyle/>
+          <a:p>
+            <a:r>
+              <a:rPr lang="en-US" altLang="zh-CN"/>
+              <a:t>the final result got from conv </a:t>
+            </a:r>
+            <a:endParaRPr lang="zh-CN" altLang="en-US"/>
+          </a:p>
+        </p:txBody>
+      </p:sp>
+      <p:sp>
+        <p:nvSpPr>
+          <p:cNvPr id="63" name="文本框 62">
+            <a:extLst>
+              <a:ext uri="{FF2B5EF4-FFF2-40B4-BE49-F238E27FC236}">
+                <a16:creationId xmlns:a16="http://schemas.microsoft.com/office/drawing/2014/main" id="{748417DB-DEAB-453C-8E8C-F7D141514715}"/>
+              </a:ext>
+            </a:extLst>
+          </p:cNvPr>
+          <p:cNvSpPr txBox="1"/>
+          <p:nvPr/>
+        </p:nvSpPr>
+        <p:spPr>
+          <a:xfrm>
+            <a:off x="4053988" y="5269511"/>
+            <a:ext cx="4367111" cy="646331"/>
+          </a:xfrm>
+          <a:prstGeom prst="rect">
+            <a:avLst/>
+          </a:prstGeom>
+          <a:noFill/>
+        </p:spPr>
+        <p:txBody>
+          <a:bodyPr wrap="square" rtlCol="0">
+            <a:spAutoFit/>
+          </a:bodyPr>
+          <a:lstStyle/>
+          <a:p>
+            <a:r>
+              <a:rPr lang="en-US" altLang="zh-CN"/>
+              <a:t>     accumulate datas in the same </a:t>
+            </a:r>
+          </a:p>
+          <a:p>
+            <a:r>
+              <a:rPr lang="en-US" altLang="zh-CN"/>
+              <a:t> location from layers from diff kernel</a:t>
+            </a:r>
+            <a:endParaRPr lang="zh-CN" altLang="en-US"/>
+          </a:p>
+        </p:txBody>
+      </p:sp>
+    </p:spTree>
+    <p:extLst>
+      <p:ext uri="{BB962C8B-B14F-4D97-AF65-F5344CB8AC3E}">
+        <p14:creationId xmlns:p14="http://schemas.microsoft.com/office/powerpoint/2010/main" val="4255283974"/>
+      </p:ext>
+    </p:extLst>
+  </p:cSld>
+  <p:clrMapOvr>
+    <a:masterClrMapping/>
+  </p:clrMapOvr>
+  <mc:AlternateContent xmlns:mc="http://schemas.openxmlformats.org/markup-compatibility/2006" xmlns:p14="http://schemas.microsoft.com/office/powerpoint/2010/main">
+    <mc:Choice Requires="p14">
+      <p:transition spd="med" p14:dur="700">
+        <p:fade/>
+      </p:transition>
+    </mc:Choice>
+    <mc:Fallback xmlns="">
+      <p:transition spd="med">
+        <p:fade/>
+      </p:transition>
+    </mc:Fallback>
+  </mc:AlternateContent>
+</p:sld>
+</file>
+
+<file path=ppt/slides/slide3.xml><?xml version="1.0" encoding="utf-8"?>
+<p:sld xmlns:a="http://schemas.openxmlformats.org/drawingml/2006/main" xmlns:r="http://schemas.openxmlformats.org/officeDocument/2006/relationships" xmlns:p="http://schemas.openxmlformats.org/presentationml/2006/main">
+  <p:cSld>
+    <p:spTree>
+      <p:nvGrpSpPr>
+        <p:cNvPr id="1" name=""/>
+        <p:cNvGrpSpPr/>
+        <p:nvPr/>
+      </p:nvGrpSpPr>
+      <p:grpSpPr>
+        <a:xfrm>
+          <a:off x="0" y="0"/>
+          <a:ext cx="0" cy="0"/>
+          <a:chOff x="0" y="0"/>
+          <a:chExt cx="0" cy="0"/>
+        </a:xfrm>
+      </p:grpSpPr>
+      <p:sp>
+        <p:nvSpPr>
+          <p:cNvPr id="73" name="平行四边形 72">
+            <a:extLst>
+              <a:ext uri="{FF2B5EF4-FFF2-40B4-BE49-F238E27FC236}">
+                <a16:creationId xmlns:a16="http://schemas.microsoft.com/office/drawing/2014/main" id="{0EF3E4C8-CD40-46AE-A552-39D7458D4783}"/>
+              </a:ext>
+            </a:extLst>
+          </p:cNvPr>
+          <p:cNvSpPr/>
+          <p:nvPr/>
+        </p:nvSpPr>
+        <p:spPr>
+          <a:xfrm>
+            <a:off x="6920710" y="3079331"/>
+            <a:ext cx="1415703" cy="675704"/>
+          </a:xfrm>
+          <a:prstGeom prst="parallelogram">
+            <a:avLst>
+              <a:gd name="adj" fmla="val 64815"/>
+            </a:avLst>
+          </a:prstGeom>
+          <a:solidFill>
+            <a:srgbClr val="45F9F5">
+              <a:alpha val="39000"/>
+            </a:srgbClr>
+          </a:solidFill>
+          <a:ln w="6350">
+            <a:solidFill>
+              <a:schemeClr val="tx2">
+                <a:lumMod val="75000"/>
+              </a:schemeClr>
+            </a:solidFill>
+          </a:ln>
+          <a:effectLst>
+            <a:glow rad="38100">
+              <a:schemeClr val="accent2">
+                <a:lumMod val="20000"/>
+                <a:lumOff val="80000"/>
+                <a:alpha val="40000"/>
+              </a:schemeClr>
+            </a:glow>
+          </a:effectLst>
+        </p:spPr>
+        <p:style>
+          <a:lnRef idx="2">
+            <a:schemeClr val="accent1">
+              <a:shade val="50000"/>
+            </a:schemeClr>
+          </a:lnRef>
+          <a:fillRef idx="1">
+            <a:schemeClr val="accent1"/>
+          </a:fillRef>
+          <a:effectRef idx="0">
+            <a:schemeClr val="accent1"/>
+          </a:effectRef>
+          <a:fontRef idx="minor">
+            <a:schemeClr val="lt1"/>
+          </a:fontRef>
+        </p:style>
+        <p:txBody>
+          <a:bodyPr rtlCol="0" anchor="ctr"/>
+          <a:lstStyle/>
+          <a:p>
+            <a:pPr algn="ctr"/>
+            <a:endParaRPr lang="zh-CN" altLang="en-US"/>
+          </a:p>
+        </p:txBody>
+      </p:sp>
+      <p:sp>
+        <p:nvSpPr>
+          <p:cNvPr id="71" name="平行四边形 70">
+            <a:extLst>
+              <a:ext uri="{FF2B5EF4-FFF2-40B4-BE49-F238E27FC236}">
+                <a16:creationId xmlns:a16="http://schemas.microsoft.com/office/drawing/2014/main" id="{F0CFABA9-6A15-4AA8-9C32-8F6290EA5EAD}"/>
+              </a:ext>
+            </a:extLst>
+          </p:cNvPr>
+          <p:cNvSpPr/>
+          <p:nvPr/>
+        </p:nvSpPr>
+        <p:spPr>
+          <a:xfrm>
+            <a:off x="6914042" y="2610788"/>
+            <a:ext cx="1409037" cy="645490"/>
+          </a:xfrm>
+          <a:prstGeom prst="parallelogram">
+            <a:avLst>
+              <a:gd name="adj" fmla="val 64815"/>
+            </a:avLst>
+          </a:prstGeom>
+          <a:solidFill>
+            <a:schemeClr val="accent1">
+              <a:lumMod val="40000"/>
+              <a:lumOff val="60000"/>
+              <a:alpha val="44000"/>
+            </a:schemeClr>
+          </a:solidFill>
+          <a:ln w="6350">
+            <a:solidFill>
+              <a:schemeClr val="tx2">
+                <a:lumMod val="75000"/>
+              </a:schemeClr>
+            </a:solidFill>
+          </a:ln>
+          <a:effectLst>
+            <a:glow rad="38100">
+              <a:schemeClr val="accent2">
+                <a:lumMod val="20000"/>
+                <a:lumOff val="80000"/>
+                <a:alpha val="40000"/>
+              </a:schemeClr>
+            </a:glow>
+          </a:effectLst>
+        </p:spPr>
+        <p:style>
+          <a:lnRef idx="2">
+            <a:schemeClr val="accent1">
+              <a:shade val="50000"/>
+            </a:schemeClr>
+          </a:lnRef>
+          <a:fillRef idx="1">
+            <a:schemeClr val="accent1"/>
+          </a:fillRef>
+          <a:effectRef idx="0">
+            <a:schemeClr val="accent1"/>
+          </a:effectRef>
+          <a:fontRef idx="minor">
+            <a:schemeClr val="lt1"/>
+          </a:fontRef>
+        </p:style>
+        <p:txBody>
+          <a:bodyPr rtlCol="0" anchor="ctr"/>
+          <a:lstStyle/>
+          <a:p>
+            <a:pPr algn="ctr"/>
+            <a:endParaRPr lang="zh-CN" altLang="en-US"/>
+          </a:p>
+        </p:txBody>
+      </p:sp>
+      <p:sp>
+        <p:nvSpPr>
+          <p:cNvPr id="2" name="矩形 1">
+            <a:extLst>
+              <a:ext uri="{FF2B5EF4-FFF2-40B4-BE49-F238E27FC236}">
+                <a16:creationId xmlns:a16="http://schemas.microsoft.com/office/drawing/2014/main" id="{37A01CD2-C74C-406A-8C60-033E56428AAF}"/>
+              </a:ext>
+            </a:extLst>
+          </p:cNvPr>
+          <p:cNvSpPr/>
+          <p:nvPr/>
+        </p:nvSpPr>
+        <p:spPr>
+          <a:xfrm>
+            <a:off x="3114568" y="4921311"/>
+            <a:ext cx="4458273" cy="707886"/>
+          </a:xfrm>
+          <a:prstGeom prst="rect">
+            <a:avLst/>
+          </a:prstGeom>
+          <a:noFill/>
+        </p:spPr>
+        <p:txBody>
+          <a:bodyPr wrap="square" lIns="91440" tIns="45720" rIns="91440" bIns="45720">
+            <a:spAutoFit/>
+          </a:bodyPr>
+          <a:lstStyle/>
+          <a:p>
+            <a:pPr algn="ctr"/>
+            <a:r>
+              <a:rPr lang="en-US" altLang="zh-CN" sz="4000" b="1" cap="none" spc="0">
+                <a:ln w="22225">
+                  <a:solidFill>
+                    <a:schemeClr val="accent2"/>
+                  </a:solidFill>
+                  <a:prstDash val="solid"/>
+                </a:ln>
+                <a:solidFill>
+                  <a:schemeClr val="accent2">
+                    <a:lumMod val="40000"/>
+                    <a:lumOff val="60000"/>
+                  </a:schemeClr>
+                </a:solidFill>
+                <a:effectLst/>
+              </a:rPr>
+              <a:t>Pooling</a:t>
+            </a:r>
+            <a:endParaRPr lang="zh-CN" altLang="en-US" sz="4000" b="1" cap="none" spc="0">
+              <a:ln w="22225">
+                <a:solidFill>
+                  <a:schemeClr val="accent2"/>
+                </a:solidFill>
+                <a:prstDash val="solid"/>
+              </a:ln>
+              <a:solidFill>
+                <a:schemeClr val="accent2">
+                  <a:lumMod val="40000"/>
+                  <a:lumOff val="60000"/>
+                </a:schemeClr>
+              </a:solidFill>
+              <a:effectLst/>
+            </a:endParaRPr>
+          </a:p>
+        </p:txBody>
+      </p:sp>
+      <p:sp>
+        <p:nvSpPr>
+          <p:cNvPr id="7" name="平行四边形 6">
+            <a:extLst>
+              <a:ext uri="{FF2B5EF4-FFF2-40B4-BE49-F238E27FC236}">
+                <a16:creationId xmlns:a16="http://schemas.microsoft.com/office/drawing/2014/main" id="{2378E51B-CA2F-401B-A7C2-6BFE35350A81}"/>
+              </a:ext>
+            </a:extLst>
+          </p:cNvPr>
+          <p:cNvSpPr/>
+          <p:nvPr/>
+        </p:nvSpPr>
+        <p:spPr>
+          <a:xfrm>
+            <a:off x="1693447" y="3292138"/>
+            <a:ext cx="2927611" cy="1236583"/>
+          </a:xfrm>
+          <a:prstGeom prst="parallelogram">
+            <a:avLst>
+              <a:gd name="adj" fmla="val 64815"/>
+            </a:avLst>
+          </a:prstGeom>
+          <a:solidFill>
+            <a:srgbClr val="45F9F5">
+              <a:alpha val="39000"/>
+            </a:srgbClr>
+          </a:solidFill>
+          <a:ln w="6350">
+            <a:solidFill>
+              <a:schemeClr val="tx2">
+                <a:lumMod val="75000"/>
+              </a:schemeClr>
+            </a:solidFill>
+          </a:ln>
+          <a:effectLst>
+            <a:glow rad="38100">
+              <a:schemeClr val="accent2">
+                <a:lumMod val="20000"/>
+                <a:lumOff val="80000"/>
+                <a:alpha val="40000"/>
+              </a:schemeClr>
+            </a:glow>
+          </a:effectLst>
+        </p:spPr>
+        <p:style>
+          <a:lnRef idx="2">
+            <a:schemeClr val="accent1">
+              <a:shade val="50000"/>
+            </a:schemeClr>
+          </a:lnRef>
+          <a:fillRef idx="1">
+            <a:schemeClr val="accent1"/>
+          </a:fillRef>
+          <a:effectRef idx="0">
+            <a:schemeClr val="accent1"/>
+          </a:effectRef>
+          <a:fontRef idx="minor">
+            <a:schemeClr val="lt1"/>
+          </a:fontRef>
+        </p:style>
+        <p:txBody>
+          <a:bodyPr rtlCol="0" anchor="ctr"/>
+          <a:lstStyle/>
+          <a:p>
+            <a:pPr algn="ctr"/>
+            <a:endParaRPr lang="zh-CN" altLang="en-US"/>
+          </a:p>
+        </p:txBody>
+      </p:sp>
+      <p:sp>
+        <p:nvSpPr>
+          <p:cNvPr id="9" name="平行四边形 8">
+            <a:extLst>
+              <a:ext uri="{FF2B5EF4-FFF2-40B4-BE49-F238E27FC236}">
+                <a16:creationId xmlns:a16="http://schemas.microsoft.com/office/drawing/2014/main" id="{CBC26931-27DB-48DA-850C-44332A429595}"/>
+              </a:ext>
+            </a:extLst>
+          </p:cNvPr>
+          <p:cNvSpPr/>
+          <p:nvPr/>
+        </p:nvSpPr>
+        <p:spPr>
+          <a:xfrm>
+            <a:off x="1693448" y="2407512"/>
+            <a:ext cx="2927611" cy="1236583"/>
+          </a:xfrm>
+          <a:prstGeom prst="parallelogram">
+            <a:avLst>
+              <a:gd name="adj" fmla="val 64815"/>
+            </a:avLst>
+          </a:prstGeom>
+          <a:solidFill>
+            <a:schemeClr val="accent1">
+              <a:lumMod val="40000"/>
+              <a:lumOff val="60000"/>
+              <a:alpha val="44000"/>
+            </a:schemeClr>
+          </a:solidFill>
+          <a:ln w="6350">
+            <a:solidFill>
+              <a:schemeClr val="tx2">
+                <a:lumMod val="75000"/>
+              </a:schemeClr>
+            </a:solidFill>
+          </a:ln>
+          <a:effectLst>
+            <a:glow rad="38100">
+              <a:schemeClr val="accent2">
+                <a:lumMod val="20000"/>
+                <a:lumOff val="80000"/>
+                <a:alpha val="40000"/>
+              </a:schemeClr>
+            </a:glow>
+          </a:effectLst>
+        </p:spPr>
+        <p:style>
+          <a:lnRef idx="2">
+            <a:schemeClr val="accent1">
+              <a:shade val="50000"/>
+            </a:schemeClr>
+          </a:lnRef>
+          <a:fillRef idx="1">
+            <a:schemeClr val="accent1"/>
+          </a:fillRef>
+          <a:effectRef idx="0">
+            <a:schemeClr val="accent1"/>
+          </a:effectRef>
+          <a:fontRef idx="minor">
+            <a:schemeClr val="lt1"/>
+          </a:fontRef>
+        </p:style>
+        <p:txBody>
+          <a:bodyPr rtlCol="0" anchor="ctr"/>
+          <a:lstStyle/>
+          <a:p>
+            <a:pPr algn="ctr"/>
+            <a:endParaRPr lang="zh-CN" altLang="en-US"/>
+          </a:p>
+        </p:txBody>
+      </p:sp>
+      <p:grpSp>
+        <p:nvGrpSpPr>
+          <p:cNvPr id="65" name="组合 64">
+            <a:extLst>
+              <a:ext uri="{FF2B5EF4-FFF2-40B4-BE49-F238E27FC236}">
+                <a16:creationId xmlns:a16="http://schemas.microsoft.com/office/drawing/2014/main" id="{27FB2F5B-42E0-4297-B06D-E95025581E02}"/>
+              </a:ext>
+            </a:extLst>
+          </p:cNvPr>
+          <p:cNvGrpSpPr/>
+          <p:nvPr/>
+        </p:nvGrpSpPr>
+        <p:grpSpPr>
+          <a:xfrm>
+            <a:off x="1694295" y="1490161"/>
+            <a:ext cx="2929108" cy="1306934"/>
+            <a:chOff x="1691952" y="1674877"/>
+            <a:chExt cx="2929108" cy="1306934"/>
+          </a:xfrm>
+        </p:grpSpPr>
+        <p:sp>
+          <p:nvSpPr>
+            <p:cNvPr id="11" name="平行四边形 10">
+              <a:extLst>
+                <a:ext uri="{FF2B5EF4-FFF2-40B4-BE49-F238E27FC236}">
+                  <a16:creationId xmlns:a16="http://schemas.microsoft.com/office/drawing/2014/main" id="{56BE2E46-72E8-4CF6-91E0-B19AC1C4DDBC}"/>
+                </a:ext>
+              </a:extLst>
+            </p:cNvPr>
+            <p:cNvSpPr/>
+            <p:nvPr/>
+          </p:nvSpPr>
+          <p:spPr>
+            <a:xfrm>
+              <a:off x="1693449" y="1707059"/>
+              <a:ext cx="2927611" cy="1236583"/>
+            </a:xfrm>
+            <a:prstGeom prst="parallelogram">
+              <a:avLst>
+                <a:gd name="adj" fmla="val 64815"/>
+              </a:avLst>
+            </a:prstGeom>
+            <a:solidFill>
+              <a:srgbClr val="FFF2CC">
+                <a:alpha val="60000"/>
+              </a:srgbClr>
+            </a:solidFill>
+            <a:ln w="6350">
+              <a:solidFill>
+                <a:schemeClr val="tx2">
+                  <a:lumMod val="75000"/>
+                </a:schemeClr>
+              </a:solidFill>
+            </a:ln>
+            <a:effectLst>
+              <a:glow rad="38100">
+                <a:schemeClr val="accent2">
+                  <a:lumMod val="20000"/>
+                  <a:lumOff val="80000"/>
+                  <a:alpha val="40000"/>
+                </a:schemeClr>
+              </a:glow>
+            </a:effectLst>
+          </p:spPr>
+          <p:style>
+            <a:lnRef idx="2">
+              <a:schemeClr val="accent1">
+                <a:shade val="50000"/>
+              </a:schemeClr>
+            </a:lnRef>
+            <a:fillRef idx="1">
+              <a:schemeClr val="accent1"/>
+            </a:fillRef>
+            <a:effectRef idx="0">
+              <a:schemeClr val="accent1"/>
+            </a:effectRef>
+            <a:fontRef idx="minor">
+              <a:schemeClr val="lt1"/>
+            </a:fontRef>
+          </p:style>
+          <p:txBody>
+            <a:bodyPr rtlCol="0" anchor="ctr"/>
+            <a:lstStyle/>
+            <a:p>
+              <a:pPr algn="ctr"/>
+              <a:endParaRPr lang="zh-CN" altLang="en-US"/>
+            </a:p>
+          </p:txBody>
+        </p:sp>
+        <p:cxnSp>
+          <p:nvCxnSpPr>
+            <p:cNvPr id="21" name="直接连接符 20">
+              <a:extLst>
+                <a:ext uri="{FF2B5EF4-FFF2-40B4-BE49-F238E27FC236}">
+                  <a16:creationId xmlns:a16="http://schemas.microsoft.com/office/drawing/2014/main" id="{C2EACA5C-B013-4182-84F3-551E7E4786FF}"/>
+                </a:ext>
+              </a:extLst>
+            </p:cNvPr>
+            <p:cNvCxnSpPr>
+              <a:cxnSpLocks/>
+            </p:cNvCxnSpPr>
+            <p:nvPr/>
+          </p:nvCxnSpPr>
+          <p:spPr>
+            <a:xfrm>
+              <a:off x="2096735" y="2317778"/>
+              <a:ext cx="2126119" cy="0"/>
+            </a:xfrm>
+            <a:prstGeom prst="line">
+              <a:avLst/>
+            </a:prstGeom>
+          </p:spPr>
+          <p:style>
+            <a:lnRef idx="1">
+              <a:schemeClr val="accent1"/>
+            </a:lnRef>
+            <a:fillRef idx="0">
+              <a:schemeClr val="accent1"/>
+            </a:fillRef>
+            <a:effectRef idx="0">
+              <a:schemeClr val="accent1"/>
+            </a:effectRef>
+            <a:fontRef idx="minor">
+              <a:schemeClr val="tx1"/>
+            </a:fontRef>
+          </p:style>
+        </p:cxnSp>
+        <p:cxnSp>
+          <p:nvCxnSpPr>
+            <p:cNvPr id="22" name="直接连接符 21">
+              <a:extLst>
+                <a:ext uri="{FF2B5EF4-FFF2-40B4-BE49-F238E27FC236}">
+                  <a16:creationId xmlns:a16="http://schemas.microsoft.com/office/drawing/2014/main" id="{ACB26FBE-5431-40B5-B525-2873C3039F3F}"/>
+                </a:ext>
+              </a:extLst>
+            </p:cNvPr>
+            <p:cNvCxnSpPr/>
+            <p:nvPr/>
+          </p:nvCxnSpPr>
+          <p:spPr>
+            <a:xfrm>
+              <a:off x="2305367" y="2011026"/>
+              <a:ext cx="2126119" cy="0"/>
+            </a:xfrm>
+            <a:prstGeom prst="line">
+              <a:avLst/>
+            </a:prstGeom>
+          </p:spPr>
+          <p:style>
+            <a:lnRef idx="1">
+              <a:schemeClr val="accent1"/>
+            </a:lnRef>
+            <a:fillRef idx="0">
+              <a:schemeClr val="accent1"/>
+            </a:fillRef>
+            <a:effectRef idx="0">
+              <a:schemeClr val="accent1"/>
+            </a:effectRef>
+            <a:fontRef idx="minor">
+              <a:schemeClr val="tx1"/>
+            </a:fontRef>
+          </p:style>
+        </p:cxnSp>
+        <p:cxnSp>
+          <p:nvCxnSpPr>
+            <p:cNvPr id="23" name="直接连接符 22">
+              <a:extLst>
+                <a:ext uri="{FF2B5EF4-FFF2-40B4-BE49-F238E27FC236}">
+                  <a16:creationId xmlns:a16="http://schemas.microsoft.com/office/drawing/2014/main" id="{97541740-1BF3-4955-B346-7EEA7DB0A492}"/>
+                </a:ext>
+              </a:extLst>
+            </p:cNvPr>
+            <p:cNvCxnSpPr/>
+            <p:nvPr/>
+          </p:nvCxnSpPr>
+          <p:spPr>
+            <a:xfrm>
+              <a:off x="1880835" y="2638406"/>
+              <a:ext cx="2126119" cy="0"/>
+            </a:xfrm>
+            <a:prstGeom prst="line">
+              <a:avLst/>
+            </a:prstGeom>
+          </p:spPr>
+          <p:style>
+            <a:lnRef idx="1">
+              <a:schemeClr val="accent1"/>
+            </a:lnRef>
+            <a:fillRef idx="0">
+              <a:schemeClr val="accent1"/>
+            </a:fillRef>
+            <a:effectRef idx="0">
+              <a:schemeClr val="accent1"/>
+            </a:effectRef>
+            <a:fontRef idx="minor">
+              <a:schemeClr val="tx1"/>
+            </a:fontRef>
+          </p:style>
+        </p:cxnSp>
+        <p:cxnSp>
+          <p:nvCxnSpPr>
+            <p:cNvPr id="24" name="直接连接符 23">
+              <a:extLst>
+                <a:ext uri="{FF2B5EF4-FFF2-40B4-BE49-F238E27FC236}">
+                  <a16:creationId xmlns:a16="http://schemas.microsoft.com/office/drawing/2014/main" id="{78027ECD-D223-4A01-8DE4-2CB484F69238}"/>
+                </a:ext>
+              </a:extLst>
+            </p:cNvPr>
+            <p:cNvCxnSpPr>
+              <a:cxnSpLocks/>
+            </p:cNvCxnSpPr>
+            <p:nvPr/>
+          </p:nvCxnSpPr>
+          <p:spPr>
+            <a:xfrm flipV="1">
+              <a:off x="2209529" y="1707058"/>
+              <a:ext cx="805616" cy="1236584"/>
+            </a:xfrm>
+            <a:prstGeom prst="line">
+              <a:avLst/>
+            </a:prstGeom>
+          </p:spPr>
+          <p:style>
+            <a:lnRef idx="1">
+              <a:schemeClr val="accent1"/>
+            </a:lnRef>
+            <a:fillRef idx="0">
+              <a:schemeClr val="accent1"/>
+            </a:fillRef>
+            <a:effectRef idx="0">
+              <a:schemeClr val="accent1"/>
+            </a:effectRef>
+            <a:fontRef idx="minor">
+              <a:schemeClr val="tx1"/>
+            </a:fontRef>
+          </p:style>
+        </p:cxnSp>
+        <p:cxnSp>
+          <p:nvCxnSpPr>
+            <p:cNvPr id="27" name="直接连接符 26">
+              <a:extLst>
+                <a:ext uri="{FF2B5EF4-FFF2-40B4-BE49-F238E27FC236}">
+                  <a16:creationId xmlns:a16="http://schemas.microsoft.com/office/drawing/2014/main" id="{4A2062CF-FFAB-4090-9E28-89B89828C62F}"/>
+                </a:ext>
+              </a:extLst>
+            </p:cNvPr>
+            <p:cNvCxnSpPr>
+              <a:cxnSpLocks/>
+            </p:cNvCxnSpPr>
+            <p:nvPr/>
+          </p:nvCxnSpPr>
+          <p:spPr>
+            <a:xfrm flipV="1">
+              <a:off x="2725924" y="1712296"/>
+              <a:ext cx="794862" cy="1226109"/>
+            </a:xfrm>
+            <a:prstGeom prst="line">
+              <a:avLst/>
+            </a:prstGeom>
+          </p:spPr>
+          <p:style>
+            <a:lnRef idx="1">
+              <a:schemeClr val="accent1"/>
+            </a:lnRef>
+            <a:fillRef idx="0">
+              <a:schemeClr val="accent1"/>
+            </a:fillRef>
+            <a:effectRef idx="0">
+              <a:schemeClr val="accent1"/>
+            </a:effectRef>
+            <a:fontRef idx="minor">
+              <a:schemeClr val="tx1"/>
+            </a:fontRef>
+          </p:style>
+        </p:cxnSp>
+        <p:cxnSp>
+          <p:nvCxnSpPr>
+            <p:cNvPr id="28" name="直接连接符 27">
+              <a:extLst>
+                <a:ext uri="{FF2B5EF4-FFF2-40B4-BE49-F238E27FC236}">
+                  <a16:creationId xmlns:a16="http://schemas.microsoft.com/office/drawing/2014/main" id="{D12069DE-8EDA-4FCD-A942-5860F77459EA}"/>
+                </a:ext>
+              </a:extLst>
+            </p:cNvPr>
+            <p:cNvCxnSpPr>
+              <a:cxnSpLocks/>
+            </p:cNvCxnSpPr>
+            <p:nvPr/>
+          </p:nvCxnSpPr>
+          <p:spPr>
+            <a:xfrm flipV="1">
+              <a:off x="3816809" y="1717533"/>
+              <a:ext cx="794195" cy="1220872"/>
+            </a:xfrm>
+            <a:prstGeom prst="line">
+              <a:avLst/>
+            </a:prstGeom>
+          </p:spPr>
+          <p:style>
+            <a:lnRef idx="1">
+              <a:schemeClr val="accent1"/>
+            </a:lnRef>
+            <a:fillRef idx="0">
+              <a:schemeClr val="accent1"/>
+            </a:fillRef>
+            <a:effectRef idx="0">
+              <a:schemeClr val="accent1"/>
+            </a:effectRef>
+            <a:fontRef idx="minor">
+              <a:schemeClr val="tx1"/>
+            </a:fontRef>
+          </p:style>
+        </p:cxnSp>
+        <p:cxnSp>
+          <p:nvCxnSpPr>
+            <p:cNvPr id="35" name="直接连接符 34">
+              <a:extLst>
+                <a:ext uri="{FF2B5EF4-FFF2-40B4-BE49-F238E27FC236}">
+                  <a16:creationId xmlns:a16="http://schemas.microsoft.com/office/drawing/2014/main" id="{4B601A93-FC56-4B91-B810-C18B2443D84A}"/>
+                </a:ext>
+              </a:extLst>
+            </p:cNvPr>
+            <p:cNvCxnSpPr>
+              <a:cxnSpLocks/>
+            </p:cNvCxnSpPr>
+            <p:nvPr/>
+          </p:nvCxnSpPr>
+          <p:spPr>
+            <a:xfrm flipV="1">
+              <a:off x="3252542" y="1717533"/>
+              <a:ext cx="794195" cy="1220872"/>
+            </a:xfrm>
+            <a:prstGeom prst="line">
+              <a:avLst/>
+            </a:prstGeom>
+          </p:spPr>
+          <p:style>
+            <a:lnRef idx="1">
+              <a:schemeClr val="accent1"/>
+            </a:lnRef>
+            <a:fillRef idx="0">
+              <a:schemeClr val="accent1"/>
+            </a:fillRef>
+            <a:effectRef idx="0">
+              <a:schemeClr val="accent1"/>
+            </a:effectRef>
+            <a:fontRef idx="minor">
+              <a:schemeClr val="tx1"/>
+            </a:fontRef>
+          </p:style>
+        </p:cxnSp>
+        <p:sp>
+          <p:nvSpPr>
+            <p:cNvPr id="37" name="文本框 36">
+              <a:extLst>
+                <a:ext uri="{FF2B5EF4-FFF2-40B4-BE49-F238E27FC236}">
+                  <a16:creationId xmlns:a16="http://schemas.microsoft.com/office/drawing/2014/main" id="{7F2B324A-5FD9-46FD-9600-75CA7C6CECA2}"/>
+                </a:ext>
+              </a:extLst>
+            </p:cNvPr>
+            <p:cNvSpPr txBox="1"/>
+            <p:nvPr/>
+          </p:nvSpPr>
+          <p:spPr>
+            <a:xfrm>
+              <a:off x="2483718" y="1674877"/>
+              <a:ext cx="252366" cy="369332"/>
+            </a:xfrm>
+            <a:prstGeom prst="rect">
+              <a:avLst/>
+            </a:prstGeom>
+            <a:noFill/>
+          </p:spPr>
+          <p:txBody>
+            <a:bodyPr wrap="square" rtlCol="0">
+              <a:spAutoFit/>
+            </a:bodyPr>
+            <a:lstStyle/>
+            <a:p>
+              <a:r>
+                <a:rPr lang="en-US" altLang="zh-CN"/>
+                <a:t>1</a:t>
+              </a:r>
+              <a:endParaRPr lang="zh-CN" altLang="en-US"/>
+            </a:p>
+          </p:txBody>
+        </p:sp>
+        <p:sp>
+          <p:nvSpPr>
+            <p:cNvPr id="38" name="文本框 37">
+              <a:extLst>
+                <a:ext uri="{FF2B5EF4-FFF2-40B4-BE49-F238E27FC236}">
+                  <a16:creationId xmlns:a16="http://schemas.microsoft.com/office/drawing/2014/main" id="{E85EECDF-9DCD-4E37-87E5-02C274E5116C}"/>
+                </a:ext>
+              </a:extLst>
+            </p:cNvPr>
+            <p:cNvSpPr txBox="1"/>
+            <p:nvPr/>
+          </p:nvSpPr>
+          <p:spPr>
+            <a:xfrm>
+              <a:off x="3000807" y="1681270"/>
+              <a:ext cx="252366" cy="369332"/>
+            </a:xfrm>
+            <a:prstGeom prst="rect">
+              <a:avLst/>
+            </a:prstGeom>
+            <a:noFill/>
+          </p:spPr>
+          <p:txBody>
+            <a:bodyPr wrap="square" rtlCol="0">
+              <a:spAutoFit/>
+            </a:bodyPr>
+            <a:lstStyle/>
+            <a:p>
+              <a:r>
+                <a:rPr lang="en-US" altLang="zh-CN"/>
+                <a:t>3</a:t>
+              </a:r>
+              <a:endParaRPr lang="zh-CN" altLang="en-US"/>
+            </a:p>
+          </p:txBody>
+        </p:sp>
+        <p:sp>
+          <p:nvSpPr>
+            <p:cNvPr id="39" name="文本框 38">
+              <a:extLst>
+                <a:ext uri="{FF2B5EF4-FFF2-40B4-BE49-F238E27FC236}">
+                  <a16:creationId xmlns:a16="http://schemas.microsoft.com/office/drawing/2014/main" id="{61D7FAC0-E45B-457E-9903-354FDB2E35FA}"/>
+                </a:ext>
+              </a:extLst>
+            </p:cNvPr>
+            <p:cNvSpPr txBox="1"/>
+            <p:nvPr/>
+          </p:nvSpPr>
+          <p:spPr>
+            <a:xfrm>
+              <a:off x="2283345" y="1993138"/>
+              <a:ext cx="252366" cy="369332"/>
+            </a:xfrm>
+            <a:prstGeom prst="rect">
+              <a:avLst/>
+            </a:prstGeom>
+            <a:noFill/>
+          </p:spPr>
+          <p:txBody>
+            <a:bodyPr wrap="square" rtlCol="0">
+              <a:spAutoFit/>
+            </a:bodyPr>
+            <a:lstStyle/>
+            <a:p>
+              <a:r>
+                <a:rPr lang="en-US" altLang="zh-CN"/>
+                <a:t>2</a:t>
+              </a:r>
+              <a:endParaRPr lang="zh-CN" altLang="en-US"/>
+            </a:p>
+          </p:txBody>
+        </p:sp>
+        <p:sp>
+          <p:nvSpPr>
+            <p:cNvPr id="40" name="文本框 39">
+              <a:extLst>
+                <a:ext uri="{FF2B5EF4-FFF2-40B4-BE49-F238E27FC236}">
+                  <a16:creationId xmlns:a16="http://schemas.microsoft.com/office/drawing/2014/main" id="{62941F9F-FDA0-4AF6-97BB-B870396971B0}"/>
+                </a:ext>
+              </a:extLst>
+            </p:cNvPr>
+            <p:cNvSpPr txBox="1"/>
+            <p:nvPr/>
+          </p:nvSpPr>
+          <p:spPr>
+            <a:xfrm>
+              <a:off x="2804198" y="1968419"/>
+              <a:ext cx="252366" cy="369332"/>
+            </a:xfrm>
+            <a:prstGeom prst="rect">
+              <a:avLst/>
+            </a:prstGeom>
+            <a:noFill/>
+          </p:spPr>
+          <p:txBody>
+            <a:bodyPr wrap="square" rtlCol="0">
+              <a:spAutoFit/>
+            </a:bodyPr>
+            <a:lstStyle/>
+            <a:p>
+              <a:r>
+                <a:rPr lang="en-US" altLang="zh-CN"/>
+                <a:t>9</a:t>
+              </a:r>
+              <a:endParaRPr lang="zh-CN" altLang="en-US"/>
+            </a:p>
+          </p:txBody>
+        </p:sp>
+        <p:sp>
+          <p:nvSpPr>
+            <p:cNvPr id="41" name="文本框 40">
+              <a:extLst>
+                <a:ext uri="{FF2B5EF4-FFF2-40B4-BE49-F238E27FC236}">
+                  <a16:creationId xmlns:a16="http://schemas.microsoft.com/office/drawing/2014/main" id="{13255D5F-E24B-4403-91B6-BDC558C640B0}"/>
+                </a:ext>
+              </a:extLst>
+            </p:cNvPr>
+            <p:cNvSpPr txBox="1"/>
+            <p:nvPr/>
+          </p:nvSpPr>
+          <p:spPr>
+            <a:xfrm>
+              <a:off x="3515541" y="1681776"/>
+              <a:ext cx="252366" cy="369332"/>
+            </a:xfrm>
+            <a:prstGeom prst="rect">
+              <a:avLst/>
+            </a:prstGeom>
+            <a:noFill/>
+          </p:spPr>
+          <p:txBody>
+            <a:bodyPr wrap="square" rtlCol="0">
+              <a:spAutoFit/>
+            </a:bodyPr>
+            <a:lstStyle/>
+            <a:p>
+              <a:r>
+                <a:rPr lang="en-US" altLang="zh-CN"/>
+                <a:t>2</a:t>
+              </a:r>
+              <a:endParaRPr lang="zh-CN" altLang="en-US"/>
+            </a:p>
+          </p:txBody>
+        </p:sp>
+        <p:sp>
+          <p:nvSpPr>
+            <p:cNvPr id="42" name="文本框 41">
+              <a:extLst>
+                <a:ext uri="{FF2B5EF4-FFF2-40B4-BE49-F238E27FC236}">
+                  <a16:creationId xmlns:a16="http://schemas.microsoft.com/office/drawing/2014/main" id="{0E9565F0-915E-4A5B-A217-BD006DBEA7AE}"/>
+                </a:ext>
+              </a:extLst>
+            </p:cNvPr>
+            <p:cNvSpPr txBox="1"/>
+            <p:nvPr/>
+          </p:nvSpPr>
+          <p:spPr>
+            <a:xfrm>
+              <a:off x="3320656" y="1990774"/>
+              <a:ext cx="252366" cy="369332"/>
+            </a:xfrm>
+            <a:prstGeom prst="rect">
+              <a:avLst/>
+            </a:prstGeom>
+            <a:noFill/>
+          </p:spPr>
+          <p:txBody>
+            <a:bodyPr wrap="square" rtlCol="0">
+              <a:spAutoFit/>
+            </a:bodyPr>
+            <a:lstStyle/>
+            <a:p>
+              <a:r>
+                <a:rPr lang="en-US" altLang="zh-CN"/>
+                <a:t>1</a:t>
+              </a:r>
+              <a:endParaRPr lang="zh-CN" altLang="en-US"/>
+            </a:p>
+          </p:txBody>
+        </p:sp>
+        <p:sp>
+          <p:nvSpPr>
+            <p:cNvPr id="43" name="文本框 42">
+              <a:extLst>
+                <a:ext uri="{FF2B5EF4-FFF2-40B4-BE49-F238E27FC236}">
+                  <a16:creationId xmlns:a16="http://schemas.microsoft.com/office/drawing/2014/main" id="{C590C16D-764E-4F5F-843B-587BAE402AD8}"/>
+                </a:ext>
+              </a:extLst>
+            </p:cNvPr>
+            <p:cNvSpPr txBox="1"/>
+            <p:nvPr/>
+          </p:nvSpPr>
+          <p:spPr>
+            <a:xfrm>
+              <a:off x="4068300" y="1693191"/>
+              <a:ext cx="252366" cy="369332"/>
+            </a:xfrm>
+            <a:prstGeom prst="rect">
+              <a:avLst/>
+            </a:prstGeom>
+            <a:noFill/>
+          </p:spPr>
+          <p:txBody>
+            <a:bodyPr wrap="square" rtlCol="0">
+              <a:spAutoFit/>
+            </a:bodyPr>
+            <a:lstStyle/>
+            <a:p>
+              <a:r>
+                <a:rPr lang="en-US" altLang="zh-CN"/>
+                <a:t>1</a:t>
+              </a:r>
+              <a:endParaRPr lang="zh-CN" altLang="en-US"/>
+            </a:p>
+          </p:txBody>
+        </p:sp>
+        <p:sp>
+          <p:nvSpPr>
+            <p:cNvPr id="44" name="文本框 43">
+              <a:extLst>
+                <a:ext uri="{FF2B5EF4-FFF2-40B4-BE49-F238E27FC236}">
+                  <a16:creationId xmlns:a16="http://schemas.microsoft.com/office/drawing/2014/main" id="{393E9A50-8E45-4B11-91DC-0F4108DA5403}"/>
+                </a:ext>
+              </a:extLst>
+            </p:cNvPr>
+            <p:cNvSpPr txBox="1"/>
+            <p:nvPr/>
+          </p:nvSpPr>
+          <p:spPr>
+            <a:xfrm>
+              <a:off x="3818822" y="1986675"/>
+              <a:ext cx="252366" cy="369332"/>
+            </a:xfrm>
+            <a:prstGeom prst="rect">
+              <a:avLst/>
+            </a:prstGeom>
+            <a:noFill/>
+          </p:spPr>
+          <p:txBody>
+            <a:bodyPr wrap="square" rtlCol="0">
+              <a:spAutoFit/>
+            </a:bodyPr>
+            <a:lstStyle/>
+            <a:p>
+              <a:r>
+                <a:rPr lang="en-US" altLang="zh-CN"/>
+                <a:t>1</a:t>
+              </a:r>
+              <a:endParaRPr lang="zh-CN" altLang="en-US"/>
+            </a:p>
+          </p:txBody>
+        </p:sp>
+        <p:sp>
+          <p:nvSpPr>
+            <p:cNvPr id="45" name="文本框 44">
+              <a:extLst>
+                <a:ext uri="{FF2B5EF4-FFF2-40B4-BE49-F238E27FC236}">
+                  <a16:creationId xmlns:a16="http://schemas.microsoft.com/office/drawing/2014/main" id="{807560C6-89E8-4A7C-B9B6-89F594637723}"/>
+                </a:ext>
+              </a:extLst>
+            </p:cNvPr>
+            <p:cNvSpPr txBox="1"/>
+            <p:nvPr/>
+          </p:nvSpPr>
+          <p:spPr>
+            <a:xfrm>
+              <a:off x="2085296" y="2307725"/>
+              <a:ext cx="252366" cy="369332"/>
+            </a:xfrm>
+            <a:prstGeom prst="rect">
+              <a:avLst/>
+            </a:prstGeom>
+            <a:noFill/>
+          </p:spPr>
+          <p:txBody>
+            <a:bodyPr wrap="square" rtlCol="0">
+              <a:spAutoFit/>
+            </a:bodyPr>
+            <a:lstStyle/>
+            <a:p>
+              <a:r>
+                <a:rPr lang="en-US" altLang="zh-CN"/>
+                <a:t>1</a:t>
+              </a:r>
+              <a:endParaRPr lang="zh-CN" altLang="en-US"/>
+            </a:p>
+          </p:txBody>
+        </p:sp>
+        <p:sp>
+          <p:nvSpPr>
+            <p:cNvPr id="46" name="文本框 45">
+              <a:extLst>
+                <a:ext uri="{FF2B5EF4-FFF2-40B4-BE49-F238E27FC236}">
+                  <a16:creationId xmlns:a16="http://schemas.microsoft.com/office/drawing/2014/main" id="{33F85FD3-CBE5-4D2E-950F-EEE78417FCF7}"/>
+                </a:ext>
+              </a:extLst>
+            </p:cNvPr>
+            <p:cNvSpPr txBox="1"/>
+            <p:nvPr/>
+          </p:nvSpPr>
+          <p:spPr>
+            <a:xfrm>
+              <a:off x="2906483" y="2612479"/>
+              <a:ext cx="252366" cy="369332"/>
+            </a:xfrm>
+            <a:prstGeom prst="rect">
+              <a:avLst/>
+            </a:prstGeom>
+            <a:noFill/>
+          </p:spPr>
+          <p:txBody>
+            <a:bodyPr wrap="square" rtlCol="0">
+              <a:spAutoFit/>
+            </a:bodyPr>
+            <a:lstStyle/>
+            <a:p>
+              <a:r>
+                <a:rPr lang="en-US" altLang="zh-CN"/>
+                <a:t>1</a:t>
+              </a:r>
+              <a:endParaRPr lang="zh-CN" altLang="en-US"/>
+            </a:p>
+          </p:txBody>
+        </p:sp>
+        <p:sp>
+          <p:nvSpPr>
+            <p:cNvPr id="47" name="文本框 46">
+              <a:extLst>
+                <a:ext uri="{FF2B5EF4-FFF2-40B4-BE49-F238E27FC236}">
+                  <a16:creationId xmlns:a16="http://schemas.microsoft.com/office/drawing/2014/main" id="{02672C32-6EF8-4C4B-B65F-7CB499A60097}"/>
+                </a:ext>
+              </a:extLst>
+            </p:cNvPr>
+            <p:cNvSpPr txBox="1"/>
+            <p:nvPr/>
+          </p:nvSpPr>
+          <p:spPr>
+            <a:xfrm>
+              <a:off x="3112225" y="2306651"/>
+              <a:ext cx="252366" cy="369332"/>
+            </a:xfrm>
+            <a:prstGeom prst="rect">
+              <a:avLst/>
+            </a:prstGeom>
+            <a:noFill/>
+          </p:spPr>
+          <p:txBody>
+            <a:bodyPr wrap="square" rtlCol="0">
+              <a:spAutoFit/>
+            </a:bodyPr>
+            <a:lstStyle/>
+            <a:p>
+              <a:r>
+                <a:rPr lang="en-US" altLang="zh-CN"/>
+                <a:t>2</a:t>
+              </a:r>
+              <a:endParaRPr lang="zh-CN" altLang="en-US"/>
+            </a:p>
+          </p:txBody>
+        </p:sp>
+        <p:sp>
+          <p:nvSpPr>
+            <p:cNvPr id="48" name="文本框 47">
+              <a:extLst>
+                <a:ext uri="{FF2B5EF4-FFF2-40B4-BE49-F238E27FC236}">
+                  <a16:creationId xmlns:a16="http://schemas.microsoft.com/office/drawing/2014/main" id="{A5C1FD5F-0DEF-43B6-B841-146D39431F59}"/>
+                </a:ext>
+              </a:extLst>
+            </p:cNvPr>
+            <p:cNvSpPr txBox="1"/>
+            <p:nvPr/>
+          </p:nvSpPr>
+          <p:spPr>
+            <a:xfrm>
+              <a:off x="3459733" y="2594581"/>
+              <a:ext cx="252366" cy="369332"/>
+            </a:xfrm>
+            <a:prstGeom prst="rect">
+              <a:avLst/>
+            </a:prstGeom>
+            <a:noFill/>
+          </p:spPr>
+          <p:txBody>
+            <a:bodyPr wrap="square" rtlCol="0">
+              <a:spAutoFit/>
+            </a:bodyPr>
+            <a:lstStyle/>
+            <a:p>
+              <a:r>
+                <a:rPr lang="en-US" altLang="zh-CN"/>
+                <a:t>2</a:t>
+              </a:r>
+              <a:endParaRPr lang="zh-CN" altLang="en-US"/>
+            </a:p>
+          </p:txBody>
+        </p:sp>
+        <p:sp>
+          <p:nvSpPr>
+            <p:cNvPr id="49" name="文本框 48">
+              <a:extLst>
+                <a:ext uri="{FF2B5EF4-FFF2-40B4-BE49-F238E27FC236}">
+                  <a16:creationId xmlns:a16="http://schemas.microsoft.com/office/drawing/2014/main" id="{247B7E76-C0CE-4C90-91C1-DCBAA2697BB9}"/>
+                </a:ext>
+              </a:extLst>
+            </p:cNvPr>
+            <p:cNvSpPr txBox="1"/>
+            <p:nvPr/>
+          </p:nvSpPr>
+          <p:spPr>
+            <a:xfrm>
+              <a:off x="3634965" y="2311966"/>
+              <a:ext cx="252366" cy="369332"/>
+            </a:xfrm>
+            <a:prstGeom prst="rect">
+              <a:avLst/>
+            </a:prstGeom>
+            <a:noFill/>
+          </p:spPr>
+          <p:txBody>
+            <a:bodyPr wrap="square" rtlCol="0">
+              <a:spAutoFit/>
+            </a:bodyPr>
+            <a:lstStyle/>
+            <a:p>
+              <a:r>
+                <a:rPr lang="en-US" altLang="zh-CN"/>
+                <a:t>3</a:t>
+              </a:r>
+              <a:endParaRPr lang="zh-CN" altLang="en-US"/>
+            </a:p>
+          </p:txBody>
+        </p:sp>
+        <p:sp>
+          <p:nvSpPr>
+            <p:cNvPr id="50" name="文本框 49">
+              <a:extLst>
+                <a:ext uri="{FF2B5EF4-FFF2-40B4-BE49-F238E27FC236}">
+                  <a16:creationId xmlns:a16="http://schemas.microsoft.com/office/drawing/2014/main" id="{67AF8FB2-AEB2-4A2E-99CB-AEB13560B46F}"/>
+                </a:ext>
+              </a:extLst>
+            </p:cNvPr>
+            <p:cNvSpPr txBox="1"/>
+            <p:nvPr/>
+          </p:nvSpPr>
+          <p:spPr>
+            <a:xfrm>
+              <a:off x="2604502" y="2316533"/>
+              <a:ext cx="252366" cy="369332"/>
+            </a:xfrm>
+            <a:prstGeom prst="rect">
+              <a:avLst/>
+            </a:prstGeom>
+            <a:noFill/>
+          </p:spPr>
+          <p:txBody>
+            <a:bodyPr wrap="square" rtlCol="0">
+              <a:spAutoFit/>
+            </a:bodyPr>
+            <a:lstStyle/>
+            <a:p>
+              <a:r>
+                <a:rPr lang="en-US" altLang="zh-CN"/>
+                <a:t>3</a:t>
+              </a:r>
+              <a:endParaRPr lang="zh-CN" altLang="en-US"/>
+            </a:p>
+          </p:txBody>
+        </p:sp>
+        <p:sp>
+          <p:nvSpPr>
+            <p:cNvPr id="51" name="文本框 50">
+              <a:extLst>
+                <a:ext uri="{FF2B5EF4-FFF2-40B4-BE49-F238E27FC236}">
+                  <a16:creationId xmlns:a16="http://schemas.microsoft.com/office/drawing/2014/main" id="{549E6D75-6114-47D8-90A7-9344021605A8}"/>
+                </a:ext>
+              </a:extLst>
+            </p:cNvPr>
+            <p:cNvSpPr txBox="1"/>
+            <p:nvPr/>
+          </p:nvSpPr>
+          <p:spPr>
+            <a:xfrm>
+              <a:off x="1894673" y="2608071"/>
+              <a:ext cx="252366" cy="369332"/>
+            </a:xfrm>
+            <a:prstGeom prst="rect">
+              <a:avLst/>
+            </a:prstGeom>
+            <a:noFill/>
+          </p:spPr>
+          <p:txBody>
+            <a:bodyPr wrap="square" rtlCol="0">
+              <a:spAutoFit/>
+            </a:bodyPr>
+            <a:lstStyle/>
+            <a:p>
+              <a:r>
+                <a:rPr lang="en-US" altLang="zh-CN"/>
+                <a:t>5</a:t>
+              </a:r>
+              <a:endParaRPr lang="zh-CN" altLang="en-US"/>
+            </a:p>
+          </p:txBody>
+        </p:sp>
+        <p:sp>
+          <p:nvSpPr>
+            <p:cNvPr id="52" name="文本框 51">
+              <a:extLst>
+                <a:ext uri="{FF2B5EF4-FFF2-40B4-BE49-F238E27FC236}">
+                  <a16:creationId xmlns:a16="http://schemas.microsoft.com/office/drawing/2014/main" id="{3FD21736-EBE5-4F0B-8DD4-F1681A97384C}"/>
+                </a:ext>
+              </a:extLst>
+            </p:cNvPr>
+            <p:cNvSpPr txBox="1"/>
+            <p:nvPr/>
+          </p:nvSpPr>
+          <p:spPr>
+            <a:xfrm>
+              <a:off x="2403953" y="2602182"/>
+              <a:ext cx="252366" cy="369332"/>
+            </a:xfrm>
+            <a:prstGeom prst="rect">
+              <a:avLst/>
+            </a:prstGeom>
+            <a:noFill/>
+          </p:spPr>
+          <p:txBody>
+            <a:bodyPr wrap="square" rtlCol="0">
+              <a:spAutoFit/>
+            </a:bodyPr>
+            <a:lstStyle/>
+            <a:p>
+              <a:r>
+                <a:rPr lang="en-US" altLang="zh-CN"/>
+                <a:t>6</a:t>
+              </a:r>
+              <a:endParaRPr lang="zh-CN" altLang="en-US"/>
+            </a:p>
+          </p:txBody>
+        </p:sp>
+        <p:sp>
+          <p:nvSpPr>
+            <p:cNvPr id="58" name="平行四边形 57">
+              <a:extLst>
+                <a:ext uri="{FF2B5EF4-FFF2-40B4-BE49-F238E27FC236}">
+                  <a16:creationId xmlns:a16="http://schemas.microsoft.com/office/drawing/2014/main" id="{53597865-85E2-40C4-A12B-8E2C687CBD38}"/>
+                </a:ext>
+              </a:extLst>
+            </p:cNvPr>
+            <p:cNvSpPr/>
+            <p:nvPr/>
+          </p:nvSpPr>
+          <p:spPr>
+            <a:xfrm>
+              <a:off x="2117016" y="1721257"/>
+              <a:ext cx="1407129" cy="581578"/>
+            </a:xfrm>
+            <a:prstGeom prst="parallelogram">
+              <a:avLst>
+                <a:gd name="adj" fmla="val 64815"/>
+              </a:avLst>
+            </a:prstGeom>
+            <a:solidFill>
+              <a:srgbClr val="CAE1B8">
+                <a:alpha val="33000"/>
+              </a:srgbClr>
+            </a:solidFill>
+            <a:ln w="6350">
+              <a:solidFill>
+                <a:schemeClr val="tx2">
+                  <a:lumMod val="75000"/>
+                </a:schemeClr>
+              </a:solidFill>
+            </a:ln>
+            <a:effectLst>
+              <a:glow rad="38100">
+                <a:schemeClr val="accent2">
+                  <a:lumMod val="20000"/>
+                  <a:lumOff val="80000"/>
+                  <a:alpha val="40000"/>
+                </a:schemeClr>
+              </a:glow>
+            </a:effectLst>
+          </p:spPr>
+          <p:style>
+            <a:lnRef idx="2">
+              <a:schemeClr val="accent1">
+                <a:shade val="50000"/>
+              </a:schemeClr>
+            </a:lnRef>
+            <a:fillRef idx="1">
+              <a:schemeClr val="accent1"/>
+            </a:fillRef>
+            <a:effectRef idx="0">
+              <a:schemeClr val="accent1"/>
+            </a:effectRef>
+            <a:fontRef idx="minor">
+              <a:schemeClr val="lt1"/>
+            </a:fontRef>
+          </p:style>
+          <p:txBody>
+            <a:bodyPr rtlCol="0" anchor="ctr"/>
+            <a:lstStyle/>
+            <a:p>
+              <a:pPr algn="ctr"/>
+              <a:endParaRPr lang="zh-CN" altLang="en-US"/>
+            </a:p>
+          </p:txBody>
+        </p:sp>
+        <p:sp>
+          <p:nvSpPr>
+            <p:cNvPr id="59" name="平行四边形 58">
+              <a:extLst>
+                <a:ext uri="{FF2B5EF4-FFF2-40B4-BE49-F238E27FC236}">
+                  <a16:creationId xmlns:a16="http://schemas.microsoft.com/office/drawing/2014/main" id="{6E21F06D-FA98-4D9E-8A25-5CF0824EAAB7}"/>
+                </a:ext>
+              </a:extLst>
+            </p:cNvPr>
+            <p:cNvSpPr/>
+            <p:nvPr/>
+          </p:nvSpPr>
+          <p:spPr>
+            <a:xfrm>
+              <a:off x="1691952" y="2297764"/>
+              <a:ext cx="1440967" cy="641007"/>
+            </a:xfrm>
+            <a:prstGeom prst="parallelogram">
+              <a:avLst>
+                <a:gd name="adj" fmla="val 64815"/>
+              </a:avLst>
+            </a:prstGeom>
+            <a:solidFill>
+              <a:schemeClr val="accent1">
+                <a:lumMod val="40000"/>
+                <a:lumOff val="60000"/>
+                <a:alpha val="32000"/>
+              </a:schemeClr>
+            </a:solidFill>
+            <a:ln w="6350">
+              <a:solidFill>
+                <a:schemeClr val="tx2">
+                  <a:lumMod val="75000"/>
+                </a:schemeClr>
+              </a:solidFill>
+            </a:ln>
+            <a:effectLst>
+              <a:glow rad="38100">
+                <a:schemeClr val="accent2">
+                  <a:lumMod val="20000"/>
+                  <a:lumOff val="80000"/>
+                  <a:alpha val="40000"/>
+                </a:schemeClr>
+              </a:glow>
+            </a:effectLst>
+          </p:spPr>
+          <p:style>
+            <a:lnRef idx="2">
+              <a:schemeClr val="accent1">
+                <a:shade val="50000"/>
+              </a:schemeClr>
+            </a:lnRef>
+            <a:fillRef idx="1">
+              <a:schemeClr val="accent1"/>
+            </a:fillRef>
+            <a:effectRef idx="0">
+              <a:schemeClr val="accent1"/>
+            </a:effectRef>
+            <a:fontRef idx="minor">
+              <a:schemeClr val="lt1"/>
+            </a:fontRef>
+          </p:style>
+          <p:txBody>
+            <a:bodyPr rtlCol="0" anchor="ctr"/>
+            <a:lstStyle/>
+            <a:p>
+              <a:pPr algn="ctr"/>
+              <a:endParaRPr lang="zh-CN" altLang="en-US"/>
+            </a:p>
+          </p:txBody>
+        </p:sp>
+        <p:sp>
+          <p:nvSpPr>
+            <p:cNvPr id="60" name="平行四边形 59">
+              <a:extLst>
+                <a:ext uri="{FF2B5EF4-FFF2-40B4-BE49-F238E27FC236}">
+                  <a16:creationId xmlns:a16="http://schemas.microsoft.com/office/drawing/2014/main" id="{C5A94978-5A26-4AFE-818E-F7935313E5C5}"/>
+                </a:ext>
+              </a:extLst>
+            </p:cNvPr>
+            <p:cNvSpPr/>
+            <p:nvPr/>
+          </p:nvSpPr>
+          <p:spPr>
+            <a:xfrm>
+              <a:off x="3144209" y="1717533"/>
+              <a:ext cx="1462925" cy="583881"/>
+            </a:xfrm>
+            <a:prstGeom prst="parallelogram">
+              <a:avLst>
+                <a:gd name="adj" fmla="val 64815"/>
+              </a:avLst>
+            </a:prstGeom>
+            <a:solidFill>
+              <a:srgbClr val="B676A3">
+                <a:alpha val="40000"/>
+              </a:srgbClr>
+            </a:solidFill>
+            <a:ln w="6350">
+              <a:solidFill>
+                <a:schemeClr val="tx2">
+                  <a:lumMod val="75000"/>
+                </a:schemeClr>
+              </a:solidFill>
+            </a:ln>
+            <a:effectLst>
+              <a:glow rad="38100">
+                <a:schemeClr val="accent2">
+                  <a:lumMod val="20000"/>
+                  <a:lumOff val="80000"/>
+                  <a:alpha val="40000"/>
+                </a:schemeClr>
+              </a:glow>
+            </a:effectLst>
+          </p:spPr>
+          <p:style>
+            <a:lnRef idx="2">
+              <a:schemeClr val="accent1">
+                <a:shade val="50000"/>
+              </a:schemeClr>
+            </a:lnRef>
+            <a:fillRef idx="1">
+              <a:schemeClr val="accent1"/>
+            </a:fillRef>
+            <a:effectRef idx="0">
+              <a:schemeClr val="accent1"/>
+            </a:effectRef>
+            <a:fontRef idx="minor">
+              <a:schemeClr val="lt1"/>
+            </a:fontRef>
+          </p:style>
+          <p:txBody>
+            <a:bodyPr rtlCol="0" anchor="ctr"/>
+            <a:lstStyle/>
+            <a:p>
+              <a:pPr algn="ctr"/>
+              <a:endParaRPr lang="zh-CN" altLang="en-US"/>
+            </a:p>
+          </p:txBody>
+        </p:sp>
+        <p:sp>
+          <p:nvSpPr>
+            <p:cNvPr id="61" name="平行四边形 60">
+              <a:extLst>
+                <a:ext uri="{FF2B5EF4-FFF2-40B4-BE49-F238E27FC236}">
+                  <a16:creationId xmlns:a16="http://schemas.microsoft.com/office/drawing/2014/main" id="{5EAAB9E8-A43F-473A-B8C6-C024BE2A3ED0}"/>
+                </a:ext>
+              </a:extLst>
+            </p:cNvPr>
+            <p:cNvSpPr/>
+            <p:nvPr/>
+          </p:nvSpPr>
+          <p:spPr>
+            <a:xfrm>
+              <a:off x="2722565" y="2327841"/>
+              <a:ext cx="1500289" cy="610564"/>
+            </a:xfrm>
+            <a:prstGeom prst="parallelogram">
+              <a:avLst>
+                <a:gd name="adj" fmla="val 64815"/>
+              </a:avLst>
+            </a:prstGeom>
+            <a:solidFill>
+              <a:srgbClr val="45F9F5">
+                <a:alpha val="35000"/>
+              </a:srgbClr>
+            </a:solidFill>
+            <a:ln w="6350">
+              <a:solidFill>
+                <a:schemeClr val="tx2">
+                  <a:lumMod val="75000"/>
+                </a:schemeClr>
+              </a:solidFill>
+            </a:ln>
+            <a:effectLst>
+              <a:glow rad="38100">
+                <a:schemeClr val="accent2">
+                  <a:lumMod val="20000"/>
+                  <a:lumOff val="80000"/>
+                  <a:alpha val="40000"/>
+                </a:schemeClr>
+              </a:glow>
+            </a:effectLst>
+          </p:spPr>
+          <p:style>
+            <a:lnRef idx="2">
+              <a:schemeClr val="accent1">
+                <a:shade val="50000"/>
+              </a:schemeClr>
+            </a:lnRef>
+            <a:fillRef idx="1">
+              <a:schemeClr val="accent1"/>
+            </a:fillRef>
+            <a:effectRef idx="0">
+              <a:schemeClr val="accent1"/>
+            </a:effectRef>
+            <a:fontRef idx="minor">
+              <a:schemeClr val="lt1"/>
+            </a:fontRef>
+          </p:style>
+          <p:txBody>
+            <a:bodyPr rtlCol="0" anchor="ctr"/>
+            <a:lstStyle/>
+            <a:p>
+              <a:pPr algn="ctr"/>
+              <a:endParaRPr lang="zh-CN" altLang="en-US"/>
+            </a:p>
+          </p:txBody>
+        </p:sp>
+      </p:grpSp>
+      <p:sp>
+        <p:nvSpPr>
+          <p:cNvPr id="64" name="右大括号 63">
+            <a:extLst>
+              <a:ext uri="{FF2B5EF4-FFF2-40B4-BE49-F238E27FC236}">
+                <a16:creationId xmlns:a16="http://schemas.microsoft.com/office/drawing/2014/main" id="{122D5BA6-E419-4F53-9F6A-0A086A4E0504}"/>
+              </a:ext>
+            </a:extLst>
+          </p:cNvPr>
+          <p:cNvSpPr/>
+          <p:nvPr/>
+        </p:nvSpPr>
+        <p:spPr>
+          <a:xfrm>
+            <a:off x="5485859" y="1694475"/>
+            <a:ext cx="584042" cy="2696153"/>
+          </a:xfrm>
+          <a:prstGeom prst="rightBrace">
+            <a:avLst>
+              <a:gd name="adj1" fmla="val 120147"/>
+              <a:gd name="adj2" fmla="val 51121"/>
+            </a:avLst>
+          </a:prstGeom>
+          <a:ln w="19050"/>
+        </p:spPr>
+        <p:style>
+          <a:lnRef idx="1">
+            <a:schemeClr val="accent1"/>
+          </a:lnRef>
+          <a:fillRef idx="0">
+            <a:schemeClr val="accent1"/>
+          </a:fillRef>
+          <a:effectRef idx="0">
+            <a:schemeClr val="accent1"/>
+          </a:effectRef>
+          <a:fontRef idx="minor">
+            <a:schemeClr val="tx1"/>
+          </a:fontRef>
+        </p:style>
+        <p:txBody>
+          <a:bodyPr rtlCol="0" anchor="ctr"/>
+          <a:lstStyle/>
+          <a:p>
+            <a:pPr algn="ctr"/>
+            <a:endParaRPr lang="zh-CN" altLang="en-US"/>
+          </a:p>
+        </p:txBody>
+      </p:sp>
+      <p:grpSp>
+        <p:nvGrpSpPr>
+          <p:cNvPr id="72" name="组合 71">
+            <a:extLst>
+              <a:ext uri="{FF2B5EF4-FFF2-40B4-BE49-F238E27FC236}">
+                <a16:creationId xmlns:a16="http://schemas.microsoft.com/office/drawing/2014/main" id="{33FFBEDE-B064-464C-B272-4861CD6E1B28}"/>
+              </a:ext>
+            </a:extLst>
+          </p:cNvPr>
+          <p:cNvGrpSpPr/>
+          <p:nvPr/>
+        </p:nvGrpSpPr>
+        <p:grpSpPr>
+          <a:xfrm>
+            <a:off x="6912139" y="2113048"/>
+            <a:ext cx="1410940" cy="671202"/>
+            <a:chOff x="6698757" y="2038349"/>
+            <a:chExt cx="1410940" cy="671202"/>
+          </a:xfrm>
+        </p:grpSpPr>
+        <p:sp>
+          <p:nvSpPr>
+            <p:cNvPr id="66" name="平行四边形 65">
+              <a:extLst>
+                <a:ext uri="{FF2B5EF4-FFF2-40B4-BE49-F238E27FC236}">
+                  <a16:creationId xmlns:a16="http://schemas.microsoft.com/office/drawing/2014/main" id="{0E772F3A-CEE5-4350-AACF-5C1D89EACF7B}"/>
+                </a:ext>
+              </a:extLst>
+            </p:cNvPr>
+            <p:cNvSpPr/>
+            <p:nvPr/>
+          </p:nvSpPr>
+          <p:spPr>
+            <a:xfrm>
+              <a:off x="6911186" y="2038349"/>
+              <a:ext cx="703565" cy="335601"/>
+            </a:xfrm>
+            <a:prstGeom prst="parallelogram">
+              <a:avLst>
+                <a:gd name="adj" fmla="val 64815"/>
+              </a:avLst>
+            </a:prstGeom>
+            <a:solidFill>
+              <a:srgbClr val="CAE1B8">
+                <a:alpha val="33000"/>
+              </a:srgbClr>
+            </a:solidFill>
+            <a:ln w="6350">
+              <a:solidFill>
+                <a:schemeClr val="tx2">
+                  <a:lumMod val="75000"/>
+                </a:schemeClr>
+              </a:solidFill>
+            </a:ln>
+            <a:effectLst>
+              <a:glow rad="38100">
+                <a:schemeClr val="accent2">
+                  <a:lumMod val="20000"/>
+                  <a:lumOff val="80000"/>
+                  <a:alpha val="40000"/>
+                </a:schemeClr>
+              </a:glow>
+            </a:effectLst>
+          </p:spPr>
+          <p:style>
+            <a:lnRef idx="2">
+              <a:schemeClr val="accent1">
+                <a:shade val="50000"/>
+              </a:schemeClr>
+            </a:lnRef>
+            <a:fillRef idx="1">
+              <a:schemeClr val="accent1"/>
+            </a:fillRef>
+            <a:effectRef idx="0">
+              <a:schemeClr val="accent1"/>
+            </a:effectRef>
+            <a:fontRef idx="minor">
+              <a:schemeClr val="lt1"/>
+            </a:fontRef>
+          </p:style>
+          <p:txBody>
+            <a:bodyPr rtlCol="0" anchor="ctr"/>
+            <a:lstStyle/>
+            <a:p>
+              <a:pPr algn="ctr"/>
+              <a:endParaRPr lang="zh-CN" altLang="en-US"/>
+            </a:p>
+          </p:txBody>
+        </p:sp>
+        <p:sp>
+          <p:nvSpPr>
+            <p:cNvPr id="67" name="平行四边形 66">
+              <a:extLst>
+                <a:ext uri="{FF2B5EF4-FFF2-40B4-BE49-F238E27FC236}">
+                  <a16:creationId xmlns:a16="http://schemas.microsoft.com/office/drawing/2014/main" id="{BFCBD3D5-8C31-4FCD-A5C0-35E2E652C00F}"/>
+                </a:ext>
+              </a:extLst>
+            </p:cNvPr>
+            <p:cNvSpPr/>
+            <p:nvPr/>
+          </p:nvSpPr>
+          <p:spPr>
+            <a:xfrm>
+              <a:off x="7406132" y="2039685"/>
+              <a:ext cx="703565" cy="335601"/>
+            </a:xfrm>
+            <a:prstGeom prst="parallelogram">
+              <a:avLst>
+                <a:gd name="adj" fmla="val 64815"/>
+              </a:avLst>
+            </a:prstGeom>
+            <a:solidFill>
+              <a:srgbClr val="B676A3">
+                <a:alpha val="40000"/>
+              </a:srgbClr>
+            </a:solidFill>
+            <a:ln w="6350">
+              <a:solidFill>
+                <a:schemeClr val="tx2">
+                  <a:lumMod val="75000"/>
+                </a:schemeClr>
+              </a:solidFill>
+            </a:ln>
+            <a:effectLst>
+              <a:glow rad="38100">
+                <a:schemeClr val="accent2">
+                  <a:lumMod val="20000"/>
+                  <a:lumOff val="80000"/>
+                  <a:alpha val="40000"/>
+                </a:schemeClr>
+              </a:glow>
+            </a:effectLst>
+          </p:spPr>
+          <p:style>
+            <a:lnRef idx="2">
+              <a:schemeClr val="accent1">
+                <a:shade val="50000"/>
+              </a:schemeClr>
+            </a:lnRef>
+            <a:fillRef idx="1">
+              <a:schemeClr val="accent1"/>
+            </a:fillRef>
+            <a:effectRef idx="0">
+              <a:schemeClr val="accent1"/>
+            </a:effectRef>
+            <a:fontRef idx="minor">
+              <a:schemeClr val="lt1"/>
+            </a:fontRef>
+          </p:style>
+          <p:txBody>
+            <a:bodyPr rtlCol="0" anchor="ctr"/>
+            <a:lstStyle/>
+            <a:p>
+              <a:pPr algn="ctr"/>
+              <a:endParaRPr lang="zh-CN" altLang="en-US"/>
+            </a:p>
+          </p:txBody>
+        </p:sp>
+        <p:sp>
+          <p:nvSpPr>
+            <p:cNvPr id="68" name="平行四边形 67">
+              <a:extLst>
+                <a:ext uri="{FF2B5EF4-FFF2-40B4-BE49-F238E27FC236}">
+                  <a16:creationId xmlns:a16="http://schemas.microsoft.com/office/drawing/2014/main" id="{C041B688-35A7-4D3E-BC69-972ADBE35298}"/>
+                </a:ext>
+              </a:extLst>
+            </p:cNvPr>
+            <p:cNvSpPr/>
+            <p:nvPr/>
+          </p:nvSpPr>
+          <p:spPr>
+            <a:xfrm>
+              <a:off x="6698757" y="2373950"/>
+              <a:ext cx="703565" cy="335601"/>
+            </a:xfrm>
+            <a:prstGeom prst="parallelogram">
+              <a:avLst>
+                <a:gd name="adj" fmla="val 64815"/>
+              </a:avLst>
+            </a:prstGeom>
+            <a:solidFill>
+              <a:srgbClr val="E6E1DE"/>
+            </a:solidFill>
+            <a:ln w="6350">
+              <a:solidFill>
+                <a:schemeClr val="tx2">
+                  <a:lumMod val="75000"/>
+                </a:schemeClr>
+              </a:solidFill>
+            </a:ln>
+            <a:effectLst>
+              <a:glow rad="38100">
+                <a:schemeClr val="accent2">
+                  <a:lumMod val="20000"/>
+                  <a:lumOff val="80000"/>
+                  <a:alpha val="40000"/>
+                </a:schemeClr>
+              </a:glow>
+            </a:effectLst>
+          </p:spPr>
+          <p:style>
+            <a:lnRef idx="2">
+              <a:schemeClr val="accent1">
+                <a:shade val="50000"/>
+              </a:schemeClr>
+            </a:lnRef>
+            <a:fillRef idx="1">
+              <a:schemeClr val="accent1"/>
+            </a:fillRef>
+            <a:effectRef idx="0">
+              <a:schemeClr val="accent1"/>
+            </a:effectRef>
+            <a:fontRef idx="minor">
+              <a:schemeClr val="lt1"/>
+            </a:fontRef>
+          </p:style>
+          <p:txBody>
+            <a:bodyPr rtlCol="0" anchor="ctr"/>
+            <a:lstStyle/>
+            <a:p>
+              <a:pPr algn="ctr"/>
+              <a:endParaRPr lang="zh-CN" altLang="en-US"/>
+            </a:p>
+          </p:txBody>
+        </p:sp>
+        <p:sp>
+          <p:nvSpPr>
+            <p:cNvPr id="69" name="平行四边形 68">
+              <a:extLst>
+                <a:ext uri="{FF2B5EF4-FFF2-40B4-BE49-F238E27FC236}">
+                  <a16:creationId xmlns:a16="http://schemas.microsoft.com/office/drawing/2014/main" id="{3D4ED33E-531E-41C6-80E0-8C8A93F82509}"/>
+                </a:ext>
+              </a:extLst>
+            </p:cNvPr>
+            <p:cNvSpPr/>
+            <p:nvPr/>
+          </p:nvSpPr>
+          <p:spPr>
+            <a:xfrm>
+              <a:off x="7197513" y="2364424"/>
+              <a:ext cx="703565" cy="335601"/>
+            </a:xfrm>
+            <a:prstGeom prst="parallelogram">
+              <a:avLst>
+                <a:gd name="adj" fmla="val 64815"/>
+              </a:avLst>
+            </a:prstGeom>
+            <a:solidFill>
+              <a:srgbClr val="B9EFE1"/>
+            </a:solidFill>
+            <a:ln w="6350">
+              <a:solidFill>
+                <a:schemeClr val="tx2">
+                  <a:lumMod val="75000"/>
+                </a:schemeClr>
+              </a:solidFill>
+            </a:ln>
+            <a:effectLst>
+              <a:glow rad="38100">
+                <a:schemeClr val="accent2">
+                  <a:lumMod val="20000"/>
+                  <a:lumOff val="80000"/>
+                  <a:alpha val="40000"/>
+                </a:schemeClr>
+              </a:glow>
+            </a:effectLst>
+          </p:spPr>
+          <p:style>
+            <a:lnRef idx="2">
+              <a:schemeClr val="accent1">
+                <a:shade val="50000"/>
+              </a:schemeClr>
+            </a:lnRef>
+            <a:fillRef idx="1">
+              <a:schemeClr val="accent1"/>
+            </a:fillRef>
+            <a:effectRef idx="0">
+              <a:schemeClr val="accent1"/>
+            </a:effectRef>
+            <a:fontRef idx="minor">
+              <a:schemeClr val="lt1"/>
+            </a:fontRef>
+          </p:style>
+          <p:txBody>
+            <a:bodyPr rtlCol="0" anchor="ctr"/>
+            <a:lstStyle/>
+            <a:p>
+              <a:pPr algn="ctr"/>
+              <a:endParaRPr lang="zh-CN" altLang="en-US"/>
+            </a:p>
+          </p:txBody>
+        </p:sp>
+      </p:grpSp>
+      <p:sp>
+        <p:nvSpPr>
+          <p:cNvPr id="74" name="文本框 73">
+            <a:extLst>
+              <a:ext uri="{FF2B5EF4-FFF2-40B4-BE49-F238E27FC236}">
+                <a16:creationId xmlns:a16="http://schemas.microsoft.com/office/drawing/2014/main" id="{9480BABA-0F49-4BBE-85BA-3A7DD442811C}"/>
+              </a:ext>
+            </a:extLst>
+          </p:cNvPr>
+          <p:cNvSpPr txBox="1"/>
+          <p:nvPr/>
+        </p:nvSpPr>
+        <p:spPr>
+          <a:xfrm>
+            <a:off x="7319198" y="2118119"/>
+            <a:ext cx="351783" cy="369332"/>
+          </a:xfrm>
+          <a:prstGeom prst="rect">
+            <a:avLst/>
+          </a:prstGeom>
+          <a:noFill/>
+        </p:spPr>
+        <p:txBody>
+          <a:bodyPr wrap="square" rtlCol="0">
+            <a:spAutoFit/>
+          </a:bodyPr>
+          <a:lstStyle/>
+          <a:p>
+            <a:r>
+              <a:rPr lang="en-US" altLang="zh-CN"/>
+              <a:t>9</a:t>
+            </a:r>
+            <a:endParaRPr lang="zh-CN" altLang="en-US"/>
+          </a:p>
+        </p:txBody>
+      </p:sp>
+      <p:sp>
+        <p:nvSpPr>
+          <p:cNvPr id="75" name="文本框 74">
+            <a:extLst>
+              <a:ext uri="{FF2B5EF4-FFF2-40B4-BE49-F238E27FC236}">
+                <a16:creationId xmlns:a16="http://schemas.microsoft.com/office/drawing/2014/main" id="{F692C13E-9760-4F39-BA7D-B2E398E82BF9}"/>
+              </a:ext>
+            </a:extLst>
+          </p:cNvPr>
+          <p:cNvSpPr txBox="1"/>
+          <p:nvPr/>
+        </p:nvSpPr>
+        <p:spPr>
+          <a:xfrm>
+            <a:off x="7806381" y="2109806"/>
+            <a:ext cx="351783" cy="369332"/>
+          </a:xfrm>
+          <a:prstGeom prst="rect">
+            <a:avLst/>
+          </a:prstGeom>
+          <a:noFill/>
+        </p:spPr>
+        <p:txBody>
+          <a:bodyPr wrap="square" rtlCol="0">
+            <a:spAutoFit/>
+          </a:bodyPr>
+          <a:lstStyle/>
+          <a:p>
+            <a:r>
+              <a:rPr lang="en-US" altLang="zh-CN"/>
+              <a:t>2</a:t>
+            </a:r>
+            <a:endParaRPr lang="zh-CN" altLang="en-US"/>
+          </a:p>
+        </p:txBody>
+      </p:sp>
+      <p:sp>
+        <p:nvSpPr>
+          <p:cNvPr id="76" name="文本框 75">
+            <a:extLst>
+              <a:ext uri="{FF2B5EF4-FFF2-40B4-BE49-F238E27FC236}">
+                <a16:creationId xmlns:a16="http://schemas.microsoft.com/office/drawing/2014/main" id="{800C5FC5-FD08-4651-98D6-94C9595AAC31}"/>
+              </a:ext>
+            </a:extLst>
+          </p:cNvPr>
+          <p:cNvSpPr txBox="1"/>
+          <p:nvPr/>
+        </p:nvSpPr>
+        <p:spPr>
+          <a:xfrm>
+            <a:off x="7113591" y="2444658"/>
+            <a:ext cx="351783" cy="369332"/>
+          </a:xfrm>
+          <a:prstGeom prst="rect">
+            <a:avLst/>
+          </a:prstGeom>
+          <a:noFill/>
+        </p:spPr>
+        <p:txBody>
+          <a:bodyPr wrap="square" rtlCol="0">
+            <a:spAutoFit/>
+          </a:bodyPr>
+          <a:lstStyle/>
+          <a:p>
+            <a:r>
+              <a:rPr lang="en-US" altLang="zh-CN"/>
+              <a:t>6</a:t>
+            </a:r>
+            <a:endParaRPr lang="zh-CN" altLang="en-US"/>
+          </a:p>
+        </p:txBody>
+      </p:sp>
+      <p:sp>
+        <p:nvSpPr>
+          <p:cNvPr id="77" name="文本框 76">
+            <a:extLst>
+              <a:ext uri="{FF2B5EF4-FFF2-40B4-BE49-F238E27FC236}">
+                <a16:creationId xmlns:a16="http://schemas.microsoft.com/office/drawing/2014/main" id="{CC2FCD6D-56FE-45E1-A0F8-17C55F003200}"/>
+              </a:ext>
+            </a:extLst>
+          </p:cNvPr>
+          <p:cNvSpPr txBox="1"/>
+          <p:nvPr/>
+        </p:nvSpPr>
+        <p:spPr>
+          <a:xfrm>
+            <a:off x="7608537" y="2444658"/>
+            <a:ext cx="351783" cy="369332"/>
+          </a:xfrm>
+          <a:prstGeom prst="rect">
+            <a:avLst/>
+          </a:prstGeom>
+          <a:noFill/>
+        </p:spPr>
+        <p:txBody>
+          <a:bodyPr wrap="square" rtlCol="0">
+            <a:spAutoFit/>
+          </a:bodyPr>
+          <a:lstStyle/>
+          <a:p>
+            <a:r>
+              <a:rPr lang="en-US" altLang="zh-CN"/>
+              <a:t>3</a:t>
+            </a:r>
+            <a:endParaRPr lang="zh-CN" altLang="en-US"/>
+          </a:p>
+        </p:txBody>
+      </p:sp>
+    </p:spTree>
+    <p:extLst>
+      <p:ext uri="{BB962C8B-B14F-4D97-AF65-F5344CB8AC3E}">
+        <p14:creationId xmlns:p14="http://schemas.microsoft.com/office/powerpoint/2010/main" val="2230238990"/>
       </p:ext>
     </p:extLst>
   </p:cSld>

--- a/CUDA画图.pptx
+++ b/CUDA画图.pptx
@@ -5,20 +5,21 @@
     <p:sldMasterId id="2147483648" r:id="rId1"/>
   </p:sldMasterIdLst>
   <p:notesMasterIdLst>
-    <p:notesMasterId r:id="rId5"/>
+    <p:notesMasterId r:id="rId6"/>
   </p:notesMasterIdLst>
   <p:handoutMasterIdLst>
-    <p:handoutMasterId r:id="rId6"/>
+    <p:handoutMasterId r:id="rId7"/>
   </p:handoutMasterIdLst>
   <p:sldIdLst>
     <p:sldId id="258" r:id="rId2"/>
     <p:sldId id="257" r:id="rId3"/>
     <p:sldId id="259" r:id="rId4"/>
+    <p:sldId id="260" r:id="rId5"/>
   </p:sldIdLst>
   <p:sldSz cx="12192000" cy="6858000"/>
   <p:notesSz cx="6858000" cy="9144000"/>
   <p:custDataLst>
-    <p:tags r:id="rId7"/>
+    <p:tags r:id="rId8"/>
   </p:custDataLst>
   <p:defaultTextStyle>
     <a:defPPr>
@@ -208,7 +209,7 @@
           <a:p>
             <a:fld id="{A84B3C7D-7ED1-A34F-BCFC-1C01389AE58C}" type="datetimeFigureOut">
               <a:rPr kumimoji="1" lang="zh-CN" altLang="en-US" smtClean="0"/>
-              <a:t>2021/6/4</a:t>
+              <a:t>2021/6/8</a:t>
             </a:fld>
             <a:endParaRPr kumimoji="1" lang="zh-CN" altLang="en-US"/>
           </a:p>
@@ -373,7 +374,7 @@
           <a:p>
             <a:fld id="{B0ACF2CF-5EF1-D24F-8F8B-C67282AA038A}" type="datetimeFigureOut">
               <a:rPr kumimoji="1" lang="zh-CN" altLang="en-US" smtClean="0"/>
-              <a:t>2021/6/4</a:t>
+              <a:t>2021/6/8</a:t>
             </a:fld>
             <a:endParaRPr kumimoji="1" lang="zh-CN" altLang="en-US"/>
           </a:p>
@@ -1274,7 +1275,7 @@
         </p:nvGrpSpPr>
         <p:grpSpPr>
           <a:xfrm>
-            <a:off x="2251099" y="2459917"/>
+            <a:off x="2444376" y="2643811"/>
             <a:ext cx="1546456" cy="1197194"/>
             <a:chOff x="817012" y="1390076"/>
             <a:chExt cx="1546456" cy="1197194"/>
@@ -1679,7 +1680,7 @@
         </p:nvGrpSpPr>
         <p:grpSpPr>
           <a:xfrm>
-            <a:off x="6077273" y="930431"/>
+            <a:off x="6270550" y="1114325"/>
             <a:ext cx="337067" cy="3895599"/>
             <a:chOff x="2982210" y="540708"/>
             <a:chExt cx="337067" cy="3895599"/>
@@ -2808,7 +2809,7 @@
         </p:nvGrpSpPr>
         <p:grpSpPr>
           <a:xfrm>
-            <a:off x="8210936" y="482320"/>
+            <a:off x="8404213" y="666214"/>
             <a:ext cx="1554079" cy="4766542"/>
             <a:chOff x="4232285" y="35137"/>
             <a:chExt cx="1554079" cy="4766542"/>
@@ -3949,7 +3950,7 @@
         </p:nvCxnSpPr>
         <p:spPr>
           <a:xfrm flipV="1">
-            <a:off x="4137676" y="1190396"/>
+            <a:off x="4330953" y="1374290"/>
             <a:ext cx="1795813" cy="1466361"/>
           </a:xfrm>
           <a:prstGeom prst="curvedConnector3">
@@ -3990,7 +3991,7 @@
         </p:nvCxnSpPr>
         <p:spPr>
           <a:xfrm flipV="1">
-            <a:off x="4121130" y="2075838"/>
+            <a:off x="4314407" y="2259732"/>
             <a:ext cx="1739833" cy="768158"/>
           </a:xfrm>
           <a:prstGeom prst="curvedConnector3">
@@ -4031,7 +4032,7 @@
         </p:nvCxnSpPr>
         <p:spPr>
           <a:xfrm flipV="1">
-            <a:off x="4137676" y="2972998"/>
+            <a:off x="4330953" y="3156892"/>
             <a:ext cx="1671766" cy="27546"/>
           </a:xfrm>
           <a:prstGeom prst="curvedConnector3">
@@ -4072,7 +4073,7 @@
         </p:nvCxnSpPr>
         <p:spPr>
           <a:xfrm>
-            <a:off x="4121130" y="3239872"/>
+            <a:off x="4314407" y="3423766"/>
             <a:ext cx="1688312" cy="536732"/>
           </a:xfrm>
           <a:prstGeom prst="curvedConnector3">
@@ -4113,7 +4114,7 @@
         </p:nvCxnSpPr>
         <p:spPr>
           <a:xfrm>
-            <a:off x="4127203" y="3426519"/>
+            <a:off x="4320480" y="3610413"/>
             <a:ext cx="1610842" cy="1250444"/>
           </a:xfrm>
           <a:prstGeom prst="curvedConnector3">
@@ -4152,7 +4153,7 @@
         </p:nvCxnSpPr>
         <p:spPr>
           <a:xfrm>
-            <a:off x="6685652" y="1061394"/>
+            <a:off x="6878929" y="1245288"/>
             <a:ext cx="1336300" cy="0"/>
           </a:xfrm>
           <a:prstGeom prst="straightConnector1">
@@ -4191,7 +4192,7 @@
         </p:nvCxnSpPr>
         <p:spPr>
           <a:xfrm>
-            <a:off x="6685652" y="2046677"/>
+            <a:off x="6878929" y="2230571"/>
             <a:ext cx="1336300" cy="0"/>
           </a:xfrm>
           <a:prstGeom prst="straightConnector1">
@@ -4230,7 +4231,7 @@
         </p:nvCxnSpPr>
         <p:spPr>
           <a:xfrm>
-            <a:off x="6685652" y="3000544"/>
+            <a:off x="6878929" y="3184438"/>
             <a:ext cx="1336300" cy="0"/>
           </a:xfrm>
           <a:prstGeom prst="straightConnector1">
@@ -4269,7 +4270,7 @@
         </p:nvCxnSpPr>
         <p:spPr>
           <a:xfrm>
-            <a:off x="6685652" y="3846560"/>
+            <a:off x="6878929" y="4030454"/>
             <a:ext cx="1336300" cy="0"/>
           </a:xfrm>
           <a:prstGeom prst="straightConnector1">
@@ -4308,7 +4309,7 @@
         </p:nvCxnSpPr>
         <p:spPr>
           <a:xfrm>
-            <a:off x="6685652" y="4739592"/>
+            <a:off x="6878929" y="4923486"/>
             <a:ext cx="1336300" cy="0"/>
           </a:xfrm>
           <a:prstGeom prst="straightConnector1">
@@ -4347,7 +4348,7 @@
         </p:nvSpPr>
         <p:spPr>
           <a:xfrm>
-            <a:off x="4574297" y="5495838"/>
+            <a:off x="4767574" y="5679732"/>
             <a:ext cx="3005951" cy="707886"/>
           </a:xfrm>
           <a:prstGeom prst="rect">
@@ -4412,7 +4413,7 @@
         </p:nvSpPr>
         <p:spPr>
           <a:xfrm>
-            <a:off x="2257635" y="2933145"/>
+            <a:off x="2450912" y="3117039"/>
             <a:ext cx="333586" cy="184482"/>
           </a:xfrm>
           <a:prstGeom prst="parallelogram">
@@ -4482,7 +4483,7 @@
         </p:nvSpPr>
         <p:spPr>
           <a:xfrm>
-            <a:off x="2248558" y="3202614"/>
+            <a:off x="2441835" y="3386508"/>
             <a:ext cx="333586" cy="184482"/>
           </a:xfrm>
           <a:prstGeom prst="parallelogram">
@@ -4552,7 +4553,7 @@
         </p:nvSpPr>
         <p:spPr>
           <a:xfrm>
-            <a:off x="2265274" y="3436041"/>
+            <a:off x="2458551" y="3619935"/>
             <a:ext cx="333586" cy="184482"/>
           </a:xfrm>
           <a:prstGeom prst="parallelogram">
@@ -4622,7 +4623,7 @@
         </p:nvSpPr>
         <p:spPr>
           <a:xfrm>
-            <a:off x="8505825" y="5274418"/>
+            <a:off x="8699102" y="5458312"/>
             <a:ext cx="1790700" cy="369332"/>
           </a:xfrm>
           <a:prstGeom prst="rect">
@@ -4658,7 +4659,7 @@
         </p:nvSpPr>
         <p:spPr>
           <a:xfrm>
-            <a:off x="2211310" y="3847364"/>
+            <a:off x="2404587" y="4031258"/>
             <a:ext cx="2032649" cy="369332"/>
           </a:xfrm>
           <a:prstGeom prst="rect">
@@ -4694,7 +4695,7 @@
         </p:nvSpPr>
         <p:spPr>
           <a:xfrm>
-            <a:off x="5430394" y="5012822"/>
+            <a:off x="5623671" y="5196716"/>
             <a:ext cx="1790700" cy="369332"/>
           </a:xfrm>
           <a:prstGeom prst="rect">
@@ -4730,7 +4731,7 @@
         </p:nvSpPr>
         <p:spPr>
           <a:xfrm>
-            <a:off x="668302" y="711033"/>
+            <a:off x="861579" y="894927"/>
             <a:ext cx="4359234" cy="369332"/>
           </a:xfrm>
           <a:prstGeom prst="rect">
@@ -4766,7 +4767,7 @@
         </p:nvSpPr>
         <p:spPr>
           <a:xfrm>
-            <a:off x="1194985" y="1267382"/>
+            <a:off x="1388262" y="1451276"/>
             <a:ext cx="2032649" cy="369332"/>
           </a:xfrm>
           <a:prstGeom prst="rect">
@@ -4804,7 +4805,7 @@
         </p:nvCxnSpPr>
         <p:spPr>
           <a:xfrm>
-            <a:off x="8366760" y="930431"/>
+            <a:off x="8560037" y="1114325"/>
             <a:ext cx="1110615" cy="0"/>
           </a:xfrm>
           <a:prstGeom prst="line">
@@ -4842,7 +4843,7 @@
         </p:nvCxnSpPr>
         <p:spPr>
           <a:xfrm>
-            <a:off x="8519160" y="694211"/>
+            <a:off x="8712437" y="878105"/>
             <a:ext cx="1110615" cy="0"/>
           </a:xfrm>
           <a:prstGeom prst="line">
@@ -4880,7 +4881,7 @@
         </p:nvCxnSpPr>
         <p:spPr>
           <a:xfrm flipH="1">
-            <a:off x="8539417" y="475555"/>
+            <a:off x="8732694" y="659449"/>
             <a:ext cx="444747" cy="674856"/>
           </a:xfrm>
           <a:prstGeom prst="line">
@@ -4918,7 +4919,7 @@
         </p:nvCxnSpPr>
         <p:spPr>
           <a:xfrm flipH="1">
-            <a:off x="8899334" y="479590"/>
+            <a:off x="9092611" y="663484"/>
             <a:ext cx="444747" cy="674856"/>
           </a:xfrm>
           <a:prstGeom prst="line">
@@ -4954,7 +4955,7 @@
         </p:nvSpPr>
         <p:spPr>
           <a:xfrm>
-            <a:off x="9765015" y="682684"/>
+            <a:off x="9958292" y="866578"/>
             <a:ext cx="1737126" cy="499805"/>
           </a:xfrm>
           <a:prstGeom prst="wedgeRectCallout">
@@ -5068,7 +5069,7 @@
         </p:nvSpPr>
         <p:spPr>
           <a:xfrm>
-            <a:off x="8616690" y="3221459"/>
+            <a:off x="8484901" y="3074315"/>
             <a:ext cx="1546456" cy="673179"/>
           </a:xfrm>
           <a:prstGeom prst="parallelogram">
@@ -5137,7 +5138,7 @@
         </p:nvSpPr>
         <p:spPr>
           <a:xfrm>
-            <a:off x="8616690" y="2942450"/>
+            <a:off x="8484901" y="2795306"/>
             <a:ext cx="1546456" cy="673179"/>
           </a:xfrm>
           <a:prstGeom prst="parallelogram">
@@ -5206,7 +5207,7 @@
         </p:nvSpPr>
         <p:spPr>
           <a:xfrm>
-            <a:off x="8616690" y="2660079"/>
+            <a:off x="8484901" y="2512935"/>
             <a:ext cx="1546456" cy="673179"/>
           </a:xfrm>
           <a:prstGeom prst="parallelogram">
@@ -5277,7 +5278,7 @@
         </p:nvSpPr>
         <p:spPr>
           <a:xfrm>
-            <a:off x="8616690" y="2330713"/>
+            <a:off x="8484901" y="2183569"/>
             <a:ext cx="1546456" cy="673179"/>
           </a:xfrm>
           <a:prstGeom prst="parallelogram">
@@ -5346,7 +5347,7 @@
         </p:nvSpPr>
         <p:spPr>
           <a:xfrm>
-            <a:off x="4307663" y="5766622"/>
+            <a:off x="4175874" y="5619478"/>
             <a:ext cx="3005952" cy="707886"/>
           </a:xfrm>
           <a:prstGeom prst="rect">
@@ -5411,7 +5412,7 @@
         </p:nvGrpSpPr>
         <p:grpSpPr>
           <a:xfrm>
-            <a:off x="1932056" y="657114"/>
+            <a:off x="1800267" y="509970"/>
             <a:ext cx="1554079" cy="4766542"/>
             <a:chOff x="4232285" y="35137"/>
             <a:chExt cx="1554079" cy="4766542"/>
@@ -6550,7 +6551,7 @@
         </p:nvSpPr>
         <p:spPr>
           <a:xfrm>
-            <a:off x="4053989" y="698715"/>
+            <a:off x="3922200" y="551571"/>
             <a:ext cx="391183" cy="869283"/>
           </a:xfrm>
           <a:prstGeom prst="rightBrace">
@@ -6595,7 +6596,7 @@
         </p:nvSpPr>
         <p:spPr>
           <a:xfrm>
-            <a:off x="4053989" y="1619037"/>
+            <a:off x="3922200" y="1471893"/>
             <a:ext cx="391183" cy="869283"/>
           </a:xfrm>
           <a:prstGeom prst="rightBrace">
@@ -6640,7 +6641,7 @@
         </p:nvSpPr>
         <p:spPr>
           <a:xfrm>
-            <a:off x="4053989" y="2539359"/>
+            <a:off x="3922200" y="2392215"/>
             <a:ext cx="391183" cy="869283"/>
           </a:xfrm>
           <a:prstGeom prst="rightBrace">
@@ -6685,7 +6686,7 @@
         </p:nvSpPr>
         <p:spPr>
           <a:xfrm>
-            <a:off x="4053988" y="3459682"/>
+            <a:off x="3922199" y="3312538"/>
             <a:ext cx="391183" cy="869283"/>
           </a:xfrm>
           <a:prstGeom prst="rightBrace">
@@ -6730,7 +6731,7 @@
         </p:nvSpPr>
         <p:spPr>
           <a:xfrm>
-            <a:off x="4053989" y="4361162"/>
+            <a:off x="3922200" y="4214018"/>
             <a:ext cx="391183" cy="869283"/>
           </a:xfrm>
           <a:prstGeom prst="rightBrace">
@@ -6775,7 +6776,7 @@
         </p:nvSpPr>
         <p:spPr>
           <a:xfrm>
-            <a:off x="5037411" y="896324"/>
+            <a:off x="4905622" y="749180"/>
             <a:ext cx="1546456" cy="673179"/>
           </a:xfrm>
           <a:prstGeom prst="parallelogram">
@@ -6844,7 +6845,7 @@
         </p:nvSpPr>
         <p:spPr>
           <a:xfrm>
-            <a:off x="5037411" y="1746390"/>
+            <a:off x="4905622" y="1599246"/>
             <a:ext cx="1546456" cy="673179"/>
           </a:xfrm>
           <a:prstGeom prst="parallelogram">
@@ -6913,7 +6914,7 @@
         </p:nvSpPr>
         <p:spPr>
           <a:xfrm>
-            <a:off x="5037411" y="2670632"/>
+            <a:off x="4905622" y="2523488"/>
             <a:ext cx="1546456" cy="673179"/>
           </a:xfrm>
           <a:prstGeom prst="parallelogram">
@@ -6984,7 +6985,7 @@
         </p:nvSpPr>
         <p:spPr>
           <a:xfrm>
-            <a:off x="5037411" y="3553055"/>
+            <a:off x="4905622" y="3405911"/>
             <a:ext cx="1546456" cy="673179"/>
           </a:xfrm>
           <a:prstGeom prst="parallelogram">
@@ -7053,7 +7054,7 @@
         </p:nvSpPr>
         <p:spPr>
           <a:xfrm>
-            <a:off x="5037411" y="4460718"/>
+            <a:off x="4905622" y="4313574"/>
             <a:ext cx="1546456" cy="673179"/>
           </a:xfrm>
           <a:prstGeom prst="parallelogram">
@@ -7122,7 +7123,7 @@
         </p:nvSpPr>
         <p:spPr>
           <a:xfrm>
-            <a:off x="7159783" y="1124567"/>
+            <a:off x="7027994" y="977423"/>
             <a:ext cx="975360" cy="3625910"/>
           </a:xfrm>
           <a:prstGeom prst="rightBrace">
@@ -7170,7 +7171,7 @@
         </p:nvSpPr>
         <p:spPr>
           <a:xfrm>
-            <a:off x="8616690" y="2059022"/>
+            <a:off x="8484901" y="1911878"/>
             <a:ext cx="1546456" cy="673179"/>
           </a:xfrm>
           <a:prstGeom prst="parallelogram">
@@ -7241,7 +7242,7 @@
         </p:nvCxnSpPr>
         <p:spPr>
           <a:xfrm>
-            <a:off x="2045970" y="1166384"/>
+            <a:off x="1914181" y="1019240"/>
             <a:ext cx="246380" cy="0"/>
           </a:xfrm>
           <a:prstGeom prst="line">
@@ -7279,7 +7280,7 @@
         </p:nvCxnSpPr>
         <p:spPr>
           <a:xfrm flipH="1">
-            <a:off x="2194560" y="1166384"/>
+            <a:off x="2062771" y="1019240"/>
             <a:ext cx="101600" cy="172681"/>
           </a:xfrm>
           <a:prstGeom prst="line">
@@ -7317,7 +7318,7 @@
         </p:nvCxnSpPr>
         <p:spPr>
           <a:xfrm>
-            <a:off x="2045970" y="1425909"/>
+            <a:off x="1914181" y="1278765"/>
             <a:ext cx="246380" cy="0"/>
           </a:xfrm>
           <a:prstGeom prst="line">
@@ -7355,7 +7356,7 @@
         </p:nvCxnSpPr>
         <p:spPr>
           <a:xfrm flipH="1">
-            <a:off x="2190750" y="1421654"/>
+            <a:off x="2058961" y="1274510"/>
             <a:ext cx="101600" cy="172681"/>
           </a:xfrm>
           <a:prstGeom prst="line">
@@ -7393,7 +7394,7 @@
         </p:nvCxnSpPr>
         <p:spPr>
           <a:xfrm>
-            <a:off x="2045970" y="1679344"/>
+            <a:off x="1914181" y="1532200"/>
             <a:ext cx="246380" cy="0"/>
           </a:xfrm>
           <a:prstGeom prst="line">
@@ -7431,7 +7432,7 @@
         </p:nvCxnSpPr>
         <p:spPr>
           <a:xfrm flipH="1">
-            <a:off x="2190750" y="1675089"/>
+            <a:off x="2058961" y="1527945"/>
             <a:ext cx="101600" cy="172681"/>
           </a:xfrm>
           <a:prstGeom prst="line">
@@ -7469,7 +7470,7 @@
         </p:nvCxnSpPr>
         <p:spPr>
           <a:xfrm>
-            <a:off x="5130037" y="1415358"/>
+            <a:off x="4998248" y="1268214"/>
             <a:ext cx="246380" cy="0"/>
           </a:xfrm>
           <a:prstGeom prst="line">
@@ -7507,7 +7508,7 @@
         </p:nvCxnSpPr>
         <p:spPr>
           <a:xfrm flipH="1">
-            <a:off x="5278627" y="1415358"/>
+            <a:off x="5146838" y="1268214"/>
             <a:ext cx="101600" cy="172681"/>
           </a:xfrm>
           <a:prstGeom prst="line">
@@ -7545,7 +7546,7 @@
         </p:nvCxnSpPr>
         <p:spPr>
           <a:xfrm>
-            <a:off x="8711059" y="2559471"/>
+            <a:off x="8579270" y="2412327"/>
             <a:ext cx="246380" cy="0"/>
           </a:xfrm>
           <a:prstGeom prst="line">
@@ -7583,7 +7584,7 @@
         </p:nvCxnSpPr>
         <p:spPr>
           <a:xfrm flipH="1">
-            <a:off x="8859649" y="2559471"/>
+            <a:off x="8727860" y="2412327"/>
             <a:ext cx="101600" cy="172681"/>
           </a:xfrm>
           <a:prstGeom prst="line">
@@ -7619,7 +7620,7 @@
         </p:nvSpPr>
         <p:spPr>
           <a:xfrm>
-            <a:off x="8030048" y="4144299"/>
+            <a:off x="7898259" y="3997155"/>
             <a:ext cx="3445368" cy="369332"/>
           </a:xfrm>
           <a:prstGeom prst="rect">
@@ -7655,7 +7656,7 @@
         </p:nvSpPr>
         <p:spPr>
           <a:xfrm>
-            <a:off x="4053988" y="5269511"/>
+            <a:off x="3922199" y="5122367"/>
             <a:ext cx="4367111" cy="646331"/>
           </a:xfrm>
           <a:prstGeom prst="rect">
@@ -7739,7 +7740,7 @@
         </p:nvSpPr>
         <p:spPr>
           <a:xfrm>
-            <a:off x="6920710" y="3079331"/>
+            <a:off x="7990287" y="3060795"/>
             <a:ext cx="1415703" cy="675704"/>
           </a:xfrm>
           <a:prstGeom prst="parallelogram">
@@ -7808,7 +7809,7 @@
         </p:nvSpPr>
         <p:spPr>
           <a:xfrm>
-            <a:off x="6914042" y="2610788"/>
+            <a:off x="7983619" y="2592252"/>
             <a:ext cx="1409037" cy="645490"/>
           </a:xfrm>
           <a:prstGeom prst="parallelogram">
@@ -7879,7 +7880,7 @@
         </p:nvSpPr>
         <p:spPr>
           <a:xfrm>
-            <a:off x="3114568" y="4921311"/>
+            <a:off x="4128484" y="4676647"/>
             <a:ext cx="4458273" cy="707886"/>
           </a:xfrm>
           <a:prstGeom prst="rect">
@@ -7944,7 +7945,7 @@
         </p:nvSpPr>
         <p:spPr>
           <a:xfrm>
-            <a:off x="1693447" y="3292138"/>
+            <a:off x="2763024" y="3273602"/>
             <a:ext cx="2927611" cy="1236583"/>
           </a:xfrm>
           <a:prstGeom prst="parallelogram">
@@ -8013,7 +8014,7 @@
         </p:nvSpPr>
         <p:spPr>
           <a:xfrm>
-            <a:off x="1693448" y="2407512"/>
+            <a:off x="2763025" y="2388976"/>
             <a:ext cx="2927611" cy="1236583"/>
           </a:xfrm>
           <a:prstGeom prst="parallelogram">
@@ -8084,7 +8085,7 @@
         </p:nvGrpSpPr>
         <p:grpSpPr>
           <a:xfrm>
-            <a:off x="1694295" y="1490161"/>
+            <a:off x="2763872" y="1471625"/>
             <a:ext cx="2929108" cy="1306934"/>
             <a:chOff x="1691952" y="1674877"/>
             <a:chExt cx="2929108" cy="1306934"/>
@@ -9290,7 +9291,7 @@
         </p:nvSpPr>
         <p:spPr>
           <a:xfrm>
-            <a:off x="5485859" y="1694475"/>
+            <a:off x="6555436" y="1675939"/>
             <a:ext cx="584042" cy="2696153"/>
           </a:xfrm>
           <a:prstGeom prst="rightBrace">
@@ -9338,7 +9339,7 @@
         </p:nvGrpSpPr>
         <p:grpSpPr>
           <a:xfrm>
-            <a:off x="6912139" y="2113048"/>
+            <a:off x="7981716" y="2094512"/>
             <a:ext cx="1410940" cy="671202"/>
             <a:chOff x="6698757" y="2038349"/>
             <a:chExt cx="1410940" cy="671202"/>
@@ -9631,7 +9632,7 @@
         </p:nvSpPr>
         <p:spPr>
           <a:xfrm>
-            <a:off x="7319198" y="2118119"/>
+            <a:off x="8388775" y="2099583"/>
             <a:ext cx="351783" cy="369332"/>
           </a:xfrm>
           <a:prstGeom prst="rect">
@@ -9667,7 +9668,7 @@
         </p:nvSpPr>
         <p:spPr>
           <a:xfrm>
-            <a:off x="7806381" y="2109806"/>
+            <a:off x="8875958" y="2091270"/>
             <a:ext cx="351783" cy="369332"/>
           </a:xfrm>
           <a:prstGeom prst="rect">
@@ -9703,7 +9704,7 @@
         </p:nvSpPr>
         <p:spPr>
           <a:xfrm>
-            <a:off x="7113591" y="2444658"/>
+            <a:off x="8183168" y="2426122"/>
             <a:ext cx="351783" cy="369332"/>
           </a:xfrm>
           <a:prstGeom prst="rect">
@@ -9739,7 +9740,7 @@
         </p:nvSpPr>
         <p:spPr>
           <a:xfrm>
-            <a:off x="7608537" y="2444658"/>
+            <a:off x="8678114" y="2426122"/>
             <a:ext cx="351783" cy="369332"/>
           </a:xfrm>
           <a:prstGeom prst="rect">
@@ -9765,6 +9766,6118 @@
     <p:extLst>
       <p:ext uri="{BB962C8B-B14F-4D97-AF65-F5344CB8AC3E}">
         <p14:creationId xmlns:p14="http://schemas.microsoft.com/office/powerpoint/2010/main" val="2230238990"/>
+      </p:ext>
+    </p:extLst>
+  </p:cSld>
+  <p:clrMapOvr>
+    <a:masterClrMapping/>
+  </p:clrMapOvr>
+  <mc:AlternateContent xmlns:mc="http://schemas.openxmlformats.org/markup-compatibility/2006" xmlns:p14="http://schemas.microsoft.com/office/powerpoint/2010/main">
+    <mc:Choice Requires="p14">
+      <p:transition spd="med" p14:dur="700">
+        <p:fade/>
+      </p:transition>
+    </mc:Choice>
+    <mc:Fallback xmlns="">
+      <p:transition spd="med">
+        <p:fade/>
+      </p:transition>
+    </mc:Fallback>
+  </mc:AlternateContent>
+</p:sld>
+</file>
+
+<file path=ppt/slides/slide4.xml><?xml version="1.0" encoding="utf-8"?>
+<p:sld xmlns:a="http://schemas.openxmlformats.org/drawingml/2006/main" xmlns:r="http://schemas.openxmlformats.org/officeDocument/2006/relationships" xmlns:p="http://schemas.openxmlformats.org/presentationml/2006/main">
+  <p:cSld>
+    <p:spTree>
+      <p:nvGrpSpPr>
+        <p:cNvPr id="1" name=""/>
+        <p:cNvGrpSpPr/>
+        <p:nvPr/>
+      </p:nvGrpSpPr>
+      <p:grpSpPr>
+        <a:xfrm>
+          <a:off x="0" y="0"/>
+          <a:ext cx="0" cy="0"/>
+          <a:chOff x="0" y="0"/>
+          <a:chExt cx="0" cy="0"/>
+        </a:xfrm>
+      </p:grpSpPr>
+      <p:sp>
+        <p:nvSpPr>
+          <p:cNvPr id="18" name="右大括号 17">
+            <a:extLst>
+              <a:ext uri="{FF2B5EF4-FFF2-40B4-BE49-F238E27FC236}">
+                <a16:creationId xmlns:a16="http://schemas.microsoft.com/office/drawing/2014/main" id="{D9BD7FBD-7BC1-4261-96AF-71312D230116}"/>
+              </a:ext>
+            </a:extLst>
+          </p:cNvPr>
+          <p:cNvSpPr/>
+          <p:nvPr/>
+        </p:nvSpPr>
+        <p:spPr>
+          <a:xfrm>
+            <a:off x="8528088" y="2068183"/>
+            <a:ext cx="342497" cy="4456287"/>
+          </a:xfrm>
+          <a:prstGeom prst="rightBrace">
+            <a:avLst>
+              <a:gd name="adj1" fmla="val 42447"/>
+              <a:gd name="adj2" fmla="val 50000"/>
+            </a:avLst>
+          </a:prstGeom>
+        </p:spPr>
+        <p:style>
+          <a:lnRef idx="1">
+            <a:schemeClr val="accent1"/>
+          </a:lnRef>
+          <a:fillRef idx="0">
+            <a:schemeClr val="accent1"/>
+          </a:fillRef>
+          <a:effectRef idx="0">
+            <a:schemeClr val="accent1"/>
+          </a:effectRef>
+          <a:fontRef idx="minor">
+            <a:schemeClr val="tx1"/>
+          </a:fontRef>
+        </p:style>
+        <p:txBody>
+          <a:bodyPr rtlCol="0" anchor="ctr"/>
+          <a:lstStyle/>
+          <a:p>
+            <a:pPr algn="ctr"/>
+            <a:endParaRPr lang="zh-CN" altLang="en-US"/>
+          </a:p>
+        </p:txBody>
+      </p:sp>
+      <p:sp>
+        <p:nvSpPr>
+          <p:cNvPr id="20" name="矩形 19">
+            <a:extLst>
+              <a:ext uri="{FF2B5EF4-FFF2-40B4-BE49-F238E27FC236}">
+                <a16:creationId xmlns:a16="http://schemas.microsoft.com/office/drawing/2014/main" id="{98232613-8341-4ECF-96F9-382BCCED303A}"/>
+              </a:ext>
+            </a:extLst>
+          </p:cNvPr>
+          <p:cNvSpPr/>
+          <p:nvPr/>
+        </p:nvSpPr>
+        <p:spPr>
+          <a:xfrm>
+            <a:off x="8835040" y="4082049"/>
+            <a:ext cx="397865" cy="400110"/>
+          </a:xfrm>
+          <a:prstGeom prst="rect">
+            <a:avLst/>
+          </a:prstGeom>
+          <a:noFill/>
+        </p:spPr>
+        <p:txBody>
+          <a:bodyPr wrap="none" lIns="91440" tIns="45720" rIns="91440" bIns="45720">
+            <a:spAutoFit/>
+          </a:bodyPr>
+          <a:lstStyle/>
+          <a:p>
+            <a:pPr algn="ctr"/>
+            <a:r>
+              <a:rPr lang="en-US" altLang="zh-CN" sz="2000" b="0" cap="none" spc="0">
+                <a:ln w="0"/>
+                <a:solidFill>
+                  <a:schemeClr val="accent1"/>
+                </a:solidFill>
+                <a:effectLst>
+                  <a:outerShdw blurRad="38100" dist="25400" dir="5400000" algn="ctr" rotWithShape="0">
+                    <a:srgbClr val="6E747A">
+                      <a:alpha val="43000"/>
+                    </a:srgbClr>
+                  </a:outerShdw>
+                </a:effectLst>
+              </a:rPr>
+              <a:t>M</a:t>
+            </a:r>
+            <a:endParaRPr lang="zh-CN" altLang="en-US" sz="2000" b="0" cap="none" spc="0">
+              <a:ln w="0"/>
+              <a:solidFill>
+                <a:schemeClr val="accent1"/>
+              </a:solidFill>
+              <a:effectLst>
+                <a:outerShdw blurRad="38100" dist="25400" dir="5400000" algn="ctr" rotWithShape="0">
+                  <a:srgbClr val="6E747A">
+                    <a:alpha val="43000"/>
+                  </a:srgbClr>
+                </a:outerShdw>
+              </a:effectLst>
+            </a:endParaRPr>
+          </a:p>
+        </p:txBody>
+      </p:sp>
+      <p:sp>
+        <p:nvSpPr>
+          <p:cNvPr id="21" name="矩形 20">
+            <a:extLst>
+              <a:ext uri="{FF2B5EF4-FFF2-40B4-BE49-F238E27FC236}">
+                <a16:creationId xmlns:a16="http://schemas.microsoft.com/office/drawing/2014/main" id="{2A2B3434-B514-4739-9073-98C3225C63D5}"/>
+              </a:ext>
+            </a:extLst>
+          </p:cNvPr>
+          <p:cNvSpPr/>
+          <p:nvPr/>
+        </p:nvSpPr>
+        <p:spPr>
+          <a:xfrm>
+            <a:off x="5645801" y="3862139"/>
+            <a:ext cx="540086" cy="584775"/>
+          </a:xfrm>
+          <a:prstGeom prst="rect">
+            <a:avLst/>
+          </a:prstGeom>
+          <a:noFill/>
+        </p:spPr>
+        <p:txBody>
+          <a:bodyPr wrap="square" lIns="91440" tIns="45720" rIns="91440" bIns="45720">
+            <a:spAutoFit/>
+          </a:bodyPr>
+          <a:lstStyle/>
+          <a:p>
+            <a:pPr algn="ctr"/>
+            <a:r>
+              <a:rPr lang="en-US" altLang="zh-CN" sz="3200" b="0" cap="none" spc="0">
+                <a:ln w="0"/>
+                <a:solidFill>
+                  <a:schemeClr val="accent1"/>
+                </a:solidFill>
+                <a:effectLst>
+                  <a:outerShdw blurRad="38100" dist="25400" dir="5400000" algn="ctr" rotWithShape="0">
+                    <a:srgbClr val="6E747A">
+                      <a:alpha val="43000"/>
+                    </a:srgbClr>
+                  </a:outerShdw>
+                </a:effectLst>
+              </a:rPr>
+              <a:t>X</a:t>
+            </a:r>
+            <a:endParaRPr lang="zh-CN" altLang="en-US" sz="3200" b="0" cap="none" spc="0">
+              <a:ln w="0"/>
+              <a:solidFill>
+                <a:schemeClr val="accent1"/>
+              </a:solidFill>
+              <a:effectLst>
+                <a:outerShdw blurRad="38100" dist="25400" dir="5400000" algn="ctr" rotWithShape="0">
+                  <a:srgbClr val="6E747A">
+                    <a:alpha val="43000"/>
+                  </a:srgbClr>
+                </a:outerShdw>
+              </a:effectLst>
+            </a:endParaRPr>
+          </a:p>
+        </p:txBody>
+      </p:sp>
+      <p:grpSp>
+        <p:nvGrpSpPr>
+          <p:cNvPr id="122" name="组合 121">
+            <a:extLst>
+              <a:ext uri="{FF2B5EF4-FFF2-40B4-BE49-F238E27FC236}">
+                <a16:creationId xmlns:a16="http://schemas.microsoft.com/office/drawing/2014/main" id="{22C3CE34-0B1F-46F2-879E-0F0672E6F471}"/>
+              </a:ext>
+            </a:extLst>
+          </p:cNvPr>
+          <p:cNvGrpSpPr/>
+          <p:nvPr/>
+        </p:nvGrpSpPr>
+        <p:grpSpPr>
+          <a:xfrm>
+            <a:off x="6371077" y="1969223"/>
+            <a:ext cx="2209550" cy="4594856"/>
+            <a:chOff x="4713491" y="868682"/>
+            <a:chExt cx="2209550" cy="4594856"/>
+          </a:xfrm>
+        </p:grpSpPr>
+        <p:sp>
+          <p:nvSpPr>
+            <p:cNvPr id="23" name="矩形: 圆角 22">
+              <a:extLst>
+                <a:ext uri="{FF2B5EF4-FFF2-40B4-BE49-F238E27FC236}">
+                  <a16:creationId xmlns:a16="http://schemas.microsoft.com/office/drawing/2014/main" id="{AF530A08-458F-4710-B1B4-5F0931D2ECAE}"/>
+                </a:ext>
+              </a:extLst>
+            </p:cNvPr>
+            <p:cNvSpPr/>
+            <p:nvPr/>
+          </p:nvSpPr>
+          <p:spPr>
+            <a:xfrm rot="5400000">
+              <a:off x="3520838" y="2061335"/>
+              <a:ext cx="4594856" cy="2209550"/>
+            </a:xfrm>
+            <a:prstGeom prst="roundRect">
+              <a:avLst>
+                <a:gd name="adj" fmla="val 8106"/>
+              </a:avLst>
+            </a:prstGeom>
+            <a:solidFill>
+              <a:schemeClr val="accent1">
+                <a:lumMod val="20000"/>
+                <a:lumOff val="80000"/>
+              </a:schemeClr>
+            </a:solidFill>
+            <a:ln>
+              <a:solidFill>
+                <a:schemeClr val="tx2">
+                  <a:lumMod val="60000"/>
+                  <a:lumOff val="40000"/>
+                </a:schemeClr>
+              </a:solidFill>
+            </a:ln>
+          </p:spPr>
+          <p:style>
+            <a:lnRef idx="2">
+              <a:schemeClr val="accent1">
+                <a:shade val="50000"/>
+              </a:schemeClr>
+            </a:lnRef>
+            <a:fillRef idx="1">
+              <a:schemeClr val="accent1"/>
+            </a:fillRef>
+            <a:effectRef idx="0">
+              <a:schemeClr val="accent1"/>
+            </a:effectRef>
+            <a:fontRef idx="minor">
+              <a:schemeClr val="lt1"/>
+            </a:fontRef>
+          </p:style>
+          <p:txBody>
+            <a:bodyPr rtlCol="0" anchor="ctr"/>
+            <a:lstStyle/>
+            <a:p>
+              <a:pPr algn="ctr"/>
+              <a:endParaRPr lang="zh-CN" altLang="en-US"/>
+            </a:p>
+          </p:txBody>
+        </p:sp>
+        <p:sp>
+          <p:nvSpPr>
+            <p:cNvPr id="24" name="椭圆 23">
+              <a:extLst>
+                <a:ext uri="{FF2B5EF4-FFF2-40B4-BE49-F238E27FC236}">
+                  <a16:creationId xmlns:a16="http://schemas.microsoft.com/office/drawing/2014/main" id="{EBF2DDE5-CC1B-4A63-9CAD-9B9B4EB169EF}"/>
+                </a:ext>
+              </a:extLst>
+            </p:cNvPr>
+            <p:cNvSpPr/>
+            <p:nvPr/>
+          </p:nvSpPr>
+          <p:spPr>
+            <a:xfrm rot="5400000">
+              <a:off x="4815630" y="1766175"/>
+              <a:ext cx="289560" cy="274320"/>
+            </a:xfrm>
+            <a:prstGeom prst="ellipse">
+              <a:avLst/>
+            </a:prstGeom>
+            <a:solidFill>
+              <a:schemeClr val="accent1">
+                <a:alpha val="94000"/>
+              </a:schemeClr>
+            </a:solidFill>
+          </p:spPr>
+          <p:style>
+            <a:lnRef idx="2">
+              <a:schemeClr val="accent1">
+                <a:shade val="50000"/>
+              </a:schemeClr>
+            </a:lnRef>
+            <a:fillRef idx="1">
+              <a:schemeClr val="accent1"/>
+            </a:fillRef>
+            <a:effectRef idx="0">
+              <a:schemeClr val="accent1"/>
+            </a:effectRef>
+            <a:fontRef idx="minor">
+              <a:schemeClr val="lt1"/>
+            </a:fontRef>
+          </p:style>
+          <p:txBody>
+            <a:bodyPr rtlCol="0" anchor="ctr"/>
+            <a:lstStyle/>
+            <a:p>
+              <a:pPr algn="ctr"/>
+              <a:endParaRPr lang="zh-CN" altLang="en-US"/>
+            </a:p>
+          </p:txBody>
+        </p:sp>
+        <p:sp>
+          <p:nvSpPr>
+            <p:cNvPr id="25" name="椭圆 24">
+              <a:extLst>
+                <a:ext uri="{FF2B5EF4-FFF2-40B4-BE49-F238E27FC236}">
+                  <a16:creationId xmlns:a16="http://schemas.microsoft.com/office/drawing/2014/main" id="{BF7EB84A-ABCE-4F24-86C5-4DD4DD2D2BEF}"/>
+                </a:ext>
+              </a:extLst>
+            </p:cNvPr>
+            <p:cNvSpPr/>
+            <p:nvPr/>
+          </p:nvSpPr>
+          <p:spPr>
+            <a:xfrm rot="5400000">
+              <a:off x="4815630" y="2160511"/>
+              <a:ext cx="289560" cy="274320"/>
+            </a:xfrm>
+            <a:prstGeom prst="ellipse">
+              <a:avLst/>
+            </a:prstGeom>
+            <a:solidFill>
+              <a:schemeClr val="accent1">
+                <a:alpha val="94000"/>
+              </a:schemeClr>
+            </a:solidFill>
+          </p:spPr>
+          <p:style>
+            <a:lnRef idx="2">
+              <a:schemeClr val="accent1">
+                <a:shade val="50000"/>
+              </a:schemeClr>
+            </a:lnRef>
+            <a:fillRef idx="1">
+              <a:schemeClr val="accent1"/>
+            </a:fillRef>
+            <a:effectRef idx="0">
+              <a:schemeClr val="accent1"/>
+            </a:effectRef>
+            <a:fontRef idx="minor">
+              <a:schemeClr val="lt1"/>
+            </a:fontRef>
+          </p:style>
+          <p:txBody>
+            <a:bodyPr rtlCol="0" anchor="ctr"/>
+            <a:lstStyle/>
+            <a:p>
+              <a:pPr algn="ctr"/>
+              <a:endParaRPr lang="zh-CN" altLang="en-US"/>
+            </a:p>
+          </p:txBody>
+        </p:sp>
+        <p:sp>
+          <p:nvSpPr>
+            <p:cNvPr id="26" name="椭圆 25">
+              <a:extLst>
+                <a:ext uri="{FF2B5EF4-FFF2-40B4-BE49-F238E27FC236}">
+                  <a16:creationId xmlns:a16="http://schemas.microsoft.com/office/drawing/2014/main" id="{50E087B8-1D91-41EF-A9B0-0163A970635B}"/>
+                </a:ext>
+              </a:extLst>
+            </p:cNvPr>
+            <p:cNvSpPr/>
+            <p:nvPr/>
+          </p:nvSpPr>
+          <p:spPr>
+            <a:xfrm rot="5400000">
+              <a:off x="4815630" y="2554847"/>
+              <a:ext cx="289560" cy="274320"/>
+            </a:xfrm>
+            <a:prstGeom prst="ellipse">
+              <a:avLst/>
+            </a:prstGeom>
+            <a:solidFill>
+              <a:schemeClr val="accent1">
+                <a:alpha val="94000"/>
+              </a:schemeClr>
+            </a:solidFill>
+          </p:spPr>
+          <p:style>
+            <a:lnRef idx="2">
+              <a:schemeClr val="accent1">
+                <a:shade val="50000"/>
+              </a:schemeClr>
+            </a:lnRef>
+            <a:fillRef idx="1">
+              <a:schemeClr val="accent1"/>
+            </a:fillRef>
+            <a:effectRef idx="0">
+              <a:schemeClr val="accent1"/>
+            </a:effectRef>
+            <a:fontRef idx="minor">
+              <a:schemeClr val="lt1"/>
+            </a:fontRef>
+          </p:style>
+          <p:txBody>
+            <a:bodyPr rtlCol="0" anchor="ctr"/>
+            <a:lstStyle/>
+            <a:p>
+              <a:pPr algn="ctr"/>
+              <a:endParaRPr lang="zh-CN" altLang="en-US"/>
+            </a:p>
+          </p:txBody>
+        </p:sp>
+        <p:sp>
+          <p:nvSpPr>
+            <p:cNvPr id="27" name="椭圆 26">
+              <a:extLst>
+                <a:ext uri="{FF2B5EF4-FFF2-40B4-BE49-F238E27FC236}">
+                  <a16:creationId xmlns:a16="http://schemas.microsoft.com/office/drawing/2014/main" id="{48B4FBFD-D077-42FC-8520-A90CF0045A3F}"/>
+                </a:ext>
+              </a:extLst>
+            </p:cNvPr>
+            <p:cNvSpPr/>
+            <p:nvPr/>
+          </p:nvSpPr>
+          <p:spPr>
+            <a:xfrm rot="5400000">
+              <a:off x="4823250" y="2949183"/>
+              <a:ext cx="289560" cy="274320"/>
+            </a:xfrm>
+            <a:prstGeom prst="ellipse">
+              <a:avLst/>
+            </a:prstGeom>
+            <a:solidFill>
+              <a:schemeClr val="accent1">
+                <a:alpha val="94000"/>
+              </a:schemeClr>
+            </a:solidFill>
+          </p:spPr>
+          <p:style>
+            <a:lnRef idx="2">
+              <a:schemeClr val="accent1">
+                <a:shade val="50000"/>
+              </a:schemeClr>
+            </a:lnRef>
+            <a:fillRef idx="1">
+              <a:schemeClr val="accent1"/>
+            </a:fillRef>
+            <a:effectRef idx="0">
+              <a:schemeClr val="accent1"/>
+            </a:effectRef>
+            <a:fontRef idx="minor">
+              <a:schemeClr val="lt1"/>
+            </a:fontRef>
+          </p:style>
+          <p:txBody>
+            <a:bodyPr rtlCol="0" anchor="ctr"/>
+            <a:lstStyle/>
+            <a:p>
+              <a:pPr algn="ctr"/>
+              <a:endParaRPr lang="zh-CN" altLang="en-US"/>
+            </a:p>
+          </p:txBody>
+        </p:sp>
+        <p:sp>
+          <p:nvSpPr>
+            <p:cNvPr id="28" name="椭圆 27">
+              <a:extLst>
+                <a:ext uri="{FF2B5EF4-FFF2-40B4-BE49-F238E27FC236}">
+                  <a16:creationId xmlns:a16="http://schemas.microsoft.com/office/drawing/2014/main" id="{3E71B2BF-9AAD-4575-B8BC-6574AF3F2327}"/>
+                </a:ext>
+              </a:extLst>
+            </p:cNvPr>
+            <p:cNvSpPr/>
+            <p:nvPr/>
+          </p:nvSpPr>
+          <p:spPr>
+            <a:xfrm rot="5400000">
+              <a:off x="4823250" y="3346373"/>
+              <a:ext cx="289560" cy="274320"/>
+            </a:xfrm>
+            <a:prstGeom prst="ellipse">
+              <a:avLst/>
+            </a:prstGeom>
+            <a:solidFill>
+              <a:schemeClr val="accent1">
+                <a:alpha val="94000"/>
+              </a:schemeClr>
+            </a:solidFill>
+          </p:spPr>
+          <p:style>
+            <a:lnRef idx="2">
+              <a:schemeClr val="accent1">
+                <a:shade val="50000"/>
+              </a:schemeClr>
+            </a:lnRef>
+            <a:fillRef idx="1">
+              <a:schemeClr val="accent1"/>
+            </a:fillRef>
+            <a:effectRef idx="0">
+              <a:schemeClr val="accent1"/>
+            </a:effectRef>
+            <a:fontRef idx="minor">
+              <a:schemeClr val="lt1"/>
+            </a:fontRef>
+          </p:style>
+          <p:txBody>
+            <a:bodyPr rtlCol="0" anchor="ctr"/>
+            <a:lstStyle/>
+            <a:p>
+              <a:pPr algn="ctr"/>
+              <a:endParaRPr lang="zh-CN" altLang="en-US"/>
+            </a:p>
+          </p:txBody>
+        </p:sp>
+        <p:sp>
+          <p:nvSpPr>
+            <p:cNvPr id="29" name="椭圆 28">
+              <a:extLst>
+                <a:ext uri="{FF2B5EF4-FFF2-40B4-BE49-F238E27FC236}">
+                  <a16:creationId xmlns:a16="http://schemas.microsoft.com/office/drawing/2014/main" id="{47C87515-84E7-4128-8355-5DCE9482EC07}"/>
+                </a:ext>
+              </a:extLst>
+            </p:cNvPr>
+            <p:cNvSpPr/>
+            <p:nvPr/>
+          </p:nvSpPr>
+          <p:spPr>
+            <a:xfrm rot="5400000">
+              <a:off x="4815630" y="4277445"/>
+              <a:ext cx="289560" cy="274320"/>
+            </a:xfrm>
+            <a:prstGeom prst="ellipse">
+              <a:avLst/>
+            </a:prstGeom>
+            <a:solidFill>
+              <a:schemeClr val="accent1">
+                <a:alpha val="94000"/>
+              </a:schemeClr>
+            </a:solidFill>
+          </p:spPr>
+          <p:style>
+            <a:lnRef idx="2">
+              <a:schemeClr val="accent1">
+                <a:shade val="50000"/>
+              </a:schemeClr>
+            </a:lnRef>
+            <a:fillRef idx="1">
+              <a:schemeClr val="accent1"/>
+            </a:fillRef>
+            <a:effectRef idx="0">
+              <a:schemeClr val="accent1"/>
+            </a:effectRef>
+            <a:fontRef idx="minor">
+              <a:schemeClr val="lt1"/>
+            </a:fontRef>
+          </p:style>
+          <p:txBody>
+            <a:bodyPr rtlCol="0" anchor="ctr"/>
+            <a:lstStyle/>
+            <a:p>
+              <a:pPr algn="ctr"/>
+              <a:endParaRPr lang="zh-CN" altLang="en-US"/>
+            </a:p>
+          </p:txBody>
+        </p:sp>
+        <p:sp>
+          <p:nvSpPr>
+            <p:cNvPr id="30" name="椭圆 29">
+              <a:extLst>
+                <a:ext uri="{FF2B5EF4-FFF2-40B4-BE49-F238E27FC236}">
+                  <a16:creationId xmlns:a16="http://schemas.microsoft.com/office/drawing/2014/main" id="{429C8848-7681-40B3-AFA2-67030C92CE86}"/>
+                </a:ext>
+              </a:extLst>
+            </p:cNvPr>
+            <p:cNvSpPr/>
+            <p:nvPr/>
+          </p:nvSpPr>
+          <p:spPr>
+            <a:xfrm rot="5400000">
+              <a:off x="4945170" y="3672359"/>
+              <a:ext cx="45719" cy="53340"/>
+            </a:xfrm>
+            <a:prstGeom prst="ellipse">
+              <a:avLst/>
+            </a:prstGeom>
+            <a:solidFill>
+              <a:schemeClr val="accent1">
+                <a:alpha val="94000"/>
+              </a:schemeClr>
+            </a:solidFill>
+          </p:spPr>
+          <p:style>
+            <a:lnRef idx="2">
+              <a:schemeClr val="accent1">
+                <a:shade val="50000"/>
+              </a:schemeClr>
+            </a:lnRef>
+            <a:fillRef idx="1">
+              <a:schemeClr val="accent1"/>
+            </a:fillRef>
+            <a:effectRef idx="0">
+              <a:schemeClr val="accent1"/>
+            </a:effectRef>
+            <a:fontRef idx="minor">
+              <a:schemeClr val="lt1"/>
+            </a:fontRef>
+          </p:style>
+          <p:txBody>
+            <a:bodyPr rtlCol="0" anchor="ctr"/>
+            <a:lstStyle/>
+            <a:p>
+              <a:pPr algn="ctr"/>
+              <a:endParaRPr lang="zh-CN" altLang="en-US"/>
+            </a:p>
+          </p:txBody>
+        </p:sp>
+        <p:sp>
+          <p:nvSpPr>
+            <p:cNvPr id="31" name="椭圆 30">
+              <a:extLst>
+                <a:ext uri="{FF2B5EF4-FFF2-40B4-BE49-F238E27FC236}">
+                  <a16:creationId xmlns:a16="http://schemas.microsoft.com/office/drawing/2014/main" id="{2312B7CC-BEF5-493E-B4ED-8DE89D9917CD}"/>
+                </a:ext>
+              </a:extLst>
+            </p:cNvPr>
+            <p:cNvSpPr/>
+            <p:nvPr/>
+          </p:nvSpPr>
+          <p:spPr>
+            <a:xfrm rot="5400000">
+              <a:off x="4945170" y="3767620"/>
+              <a:ext cx="45719" cy="53340"/>
+            </a:xfrm>
+            <a:prstGeom prst="ellipse">
+              <a:avLst/>
+            </a:prstGeom>
+            <a:solidFill>
+              <a:schemeClr val="accent1">
+                <a:alpha val="94000"/>
+              </a:schemeClr>
+            </a:solidFill>
+          </p:spPr>
+          <p:style>
+            <a:lnRef idx="2">
+              <a:schemeClr val="accent1">
+                <a:shade val="50000"/>
+              </a:schemeClr>
+            </a:lnRef>
+            <a:fillRef idx="1">
+              <a:schemeClr val="accent1"/>
+            </a:fillRef>
+            <a:effectRef idx="0">
+              <a:schemeClr val="accent1"/>
+            </a:effectRef>
+            <a:fontRef idx="minor">
+              <a:schemeClr val="lt1"/>
+            </a:fontRef>
+          </p:style>
+          <p:txBody>
+            <a:bodyPr rtlCol="0" anchor="ctr"/>
+            <a:lstStyle/>
+            <a:p>
+              <a:pPr algn="ctr"/>
+              <a:endParaRPr lang="zh-CN" altLang="en-US"/>
+            </a:p>
+          </p:txBody>
+        </p:sp>
+        <p:sp>
+          <p:nvSpPr>
+            <p:cNvPr id="32" name="椭圆 31">
+              <a:extLst>
+                <a:ext uri="{FF2B5EF4-FFF2-40B4-BE49-F238E27FC236}">
+                  <a16:creationId xmlns:a16="http://schemas.microsoft.com/office/drawing/2014/main" id="{E1661CC2-CF26-4574-A8C2-DFD93B1B22C2}"/>
+                </a:ext>
+              </a:extLst>
+            </p:cNvPr>
+            <p:cNvSpPr/>
+            <p:nvPr/>
+          </p:nvSpPr>
+          <p:spPr>
+            <a:xfrm rot="5400000">
+              <a:off x="4945170" y="3868600"/>
+              <a:ext cx="45719" cy="53340"/>
+            </a:xfrm>
+            <a:prstGeom prst="ellipse">
+              <a:avLst/>
+            </a:prstGeom>
+            <a:solidFill>
+              <a:schemeClr val="accent1">
+                <a:alpha val="94000"/>
+              </a:schemeClr>
+            </a:solidFill>
+          </p:spPr>
+          <p:style>
+            <a:lnRef idx="2">
+              <a:schemeClr val="accent1">
+                <a:shade val="50000"/>
+              </a:schemeClr>
+            </a:lnRef>
+            <a:fillRef idx="1">
+              <a:schemeClr val="accent1"/>
+            </a:fillRef>
+            <a:effectRef idx="0">
+              <a:schemeClr val="accent1"/>
+            </a:effectRef>
+            <a:fontRef idx="minor">
+              <a:schemeClr val="lt1"/>
+            </a:fontRef>
+          </p:style>
+          <p:txBody>
+            <a:bodyPr rtlCol="0" anchor="ctr"/>
+            <a:lstStyle/>
+            <a:p>
+              <a:pPr algn="ctr"/>
+              <a:endParaRPr lang="zh-CN" altLang="en-US"/>
+            </a:p>
+          </p:txBody>
+        </p:sp>
+        <p:sp>
+          <p:nvSpPr>
+            <p:cNvPr id="33" name="椭圆 32">
+              <a:extLst>
+                <a:ext uri="{FF2B5EF4-FFF2-40B4-BE49-F238E27FC236}">
+                  <a16:creationId xmlns:a16="http://schemas.microsoft.com/office/drawing/2014/main" id="{731DA396-C9AD-4518-962C-D77160CE94FA}"/>
+                </a:ext>
+              </a:extLst>
+            </p:cNvPr>
+            <p:cNvSpPr/>
+            <p:nvPr/>
+          </p:nvSpPr>
+          <p:spPr>
+            <a:xfrm rot="5400000">
+              <a:off x="4945170" y="3966215"/>
+              <a:ext cx="45719" cy="53340"/>
+            </a:xfrm>
+            <a:prstGeom prst="ellipse">
+              <a:avLst/>
+            </a:prstGeom>
+            <a:solidFill>
+              <a:schemeClr val="accent1">
+                <a:alpha val="94000"/>
+              </a:schemeClr>
+            </a:solidFill>
+          </p:spPr>
+          <p:style>
+            <a:lnRef idx="2">
+              <a:schemeClr val="accent1">
+                <a:shade val="50000"/>
+              </a:schemeClr>
+            </a:lnRef>
+            <a:fillRef idx="1">
+              <a:schemeClr val="accent1"/>
+            </a:fillRef>
+            <a:effectRef idx="0">
+              <a:schemeClr val="accent1"/>
+            </a:effectRef>
+            <a:fontRef idx="minor">
+              <a:schemeClr val="lt1"/>
+            </a:fontRef>
+          </p:style>
+          <p:txBody>
+            <a:bodyPr rtlCol="0" anchor="ctr"/>
+            <a:lstStyle/>
+            <a:p>
+              <a:pPr algn="ctr"/>
+              <a:endParaRPr lang="zh-CN" altLang="en-US"/>
+            </a:p>
+          </p:txBody>
+        </p:sp>
+        <p:sp>
+          <p:nvSpPr>
+            <p:cNvPr id="34" name="椭圆 33">
+              <a:extLst>
+                <a:ext uri="{FF2B5EF4-FFF2-40B4-BE49-F238E27FC236}">
+                  <a16:creationId xmlns:a16="http://schemas.microsoft.com/office/drawing/2014/main" id="{4A496D77-08A3-401D-B631-34D85B879295}"/>
+                </a:ext>
+              </a:extLst>
+            </p:cNvPr>
+            <p:cNvSpPr/>
+            <p:nvPr/>
+          </p:nvSpPr>
+          <p:spPr>
+            <a:xfrm rot="5400000">
+              <a:off x="4945170" y="4069326"/>
+              <a:ext cx="45719" cy="53340"/>
+            </a:xfrm>
+            <a:prstGeom prst="ellipse">
+              <a:avLst/>
+            </a:prstGeom>
+            <a:solidFill>
+              <a:schemeClr val="accent1">
+                <a:alpha val="94000"/>
+              </a:schemeClr>
+            </a:solidFill>
+          </p:spPr>
+          <p:style>
+            <a:lnRef idx="2">
+              <a:schemeClr val="accent1">
+                <a:shade val="50000"/>
+              </a:schemeClr>
+            </a:lnRef>
+            <a:fillRef idx="1">
+              <a:schemeClr val="accent1"/>
+            </a:fillRef>
+            <a:effectRef idx="0">
+              <a:schemeClr val="accent1"/>
+            </a:effectRef>
+            <a:fontRef idx="minor">
+              <a:schemeClr val="lt1"/>
+            </a:fontRef>
+          </p:style>
+          <p:txBody>
+            <a:bodyPr rtlCol="0" anchor="ctr"/>
+            <a:lstStyle/>
+            <a:p>
+              <a:pPr algn="ctr"/>
+              <a:endParaRPr lang="zh-CN" altLang="en-US"/>
+            </a:p>
+          </p:txBody>
+        </p:sp>
+        <p:sp>
+          <p:nvSpPr>
+            <p:cNvPr id="35" name="椭圆 34">
+              <a:extLst>
+                <a:ext uri="{FF2B5EF4-FFF2-40B4-BE49-F238E27FC236}">
+                  <a16:creationId xmlns:a16="http://schemas.microsoft.com/office/drawing/2014/main" id="{72CA911B-5CCB-4DB6-B5B2-DD747A9F8EFB}"/>
+                </a:ext>
+              </a:extLst>
+            </p:cNvPr>
+            <p:cNvSpPr/>
+            <p:nvPr/>
+          </p:nvSpPr>
+          <p:spPr>
+            <a:xfrm rot="5400000">
+              <a:off x="4945170" y="4172437"/>
+              <a:ext cx="45719" cy="53340"/>
+            </a:xfrm>
+            <a:prstGeom prst="ellipse">
+              <a:avLst/>
+            </a:prstGeom>
+            <a:solidFill>
+              <a:schemeClr val="accent1">
+                <a:alpha val="94000"/>
+              </a:schemeClr>
+            </a:solidFill>
+          </p:spPr>
+          <p:style>
+            <a:lnRef idx="2">
+              <a:schemeClr val="accent1">
+                <a:shade val="50000"/>
+              </a:schemeClr>
+            </a:lnRef>
+            <a:fillRef idx="1">
+              <a:schemeClr val="accent1"/>
+            </a:fillRef>
+            <a:effectRef idx="0">
+              <a:schemeClr val="accent1"/>
+            </a:effectRef>
+            <a:fontRef idx="minor">
+              <a:schemeClr val="lt1"/>
+            </a:fontRef>
+          </p:style>
+          <p:txBody>
+            <a:bodyPr rtlCol="0" anchor="ctr"/>
+            <a:lstStyle/>
+            <a:p>
+              <a:pPr algn="ctr"/>
+              <a:endParaRPr lang="zh-CN" altLang="en-US"/>
+            </a:p>
+          </p:txBody>
+        </p:sp>
+        <p:sp>
+          <p:nvSpPr>
+            <p:cNvPr id="36" name="椭圆 35">
+              <a:extLst>
+                <a:ext uri="{FF2B5EF4-FFF2-40B4-BE49-F238E27FC236}">
+                  <a16:creationId xmlns:a16="http://schemas.microsoft.com/office/drawing/2014/main" id="{7CBC6B20-55F8-4E3A-8296-CEFD3B57A2FA}"/>
+                </a:ext>
+              </a:extLst>
+            </p:cNvPr>
+            <p:cNvSpPr/>
+            <p:nvPr/>
+          </p:nvSpPr>
+          <p:spPr>
+            <a:xfrm rot="5400000">
+              <a:off x="4815630" y="1401131"/>
+              <a:ext cx="289560" cy="274320"/>
+            </a:xfrm>
+            <a:prstGeom prst="ellipse">
+              <a:avLst/>
+            </a:prstGeom>
+            <a:solidFill>
+              <a:schemeClr val="accent1">
+                <a:alpha val="94000"/>
+              </a:schemeClr>
+            </a:solidFill>
+          </p:spPr>
+          <p:style>
+            <a:lnRef idx="2">
+              <a:schemeClr val="accent1">
+                <a:shade val="50000"/>
+              </a:schemeClr>
+            </a:lnRef>
+            <a:fillRef idx="1">
+              <a:schemeClr val="accent1"/>
+            </a:fillRef>
+            <a:effectRef idx="0">
+              <a:schemeClr val="accent1"/>
+            </a:effectRef>
+            <a:fontRef idx="minor">
+              <a:schemeClr val="lt1"/>
+            </a:fontRef>
+          </p:style>
+          <p:txBody>
+            <a:bodyPr rtlCol="0" anchor="ctr"/>
+            <a:lstStyle/>
+            <a:p>
+              <a:pPr algn="ctr"/>
+              <a:endParaRPr lang="zh-CN" altLang="en-US"/>
+            </a:p>
+          </p:txBody>
+        </p:sp>
+        <p:sp>
+          <p:nvSpPr>
+            <p:cNvPr id="37" name="椭圆 36">
+              <a:extLst>
+                <a:ext uri="{FF2B5EF4-FFF2-40B4-BE49-F238E27FC236}">
+                  <a16:creationId xmlns:a16="http://schemas.microsoft.com/office/drawing/2014/main" id="{94994C93-A876-4CBC-9E47-5A012722E2B1}"/>
+                </a:ext>
+              </a:extLst>
+            </p:cNvPr>
+            <p:cNvSpPr/>
+            <p:nvPr/>
+          </p:nvSpPr>
+          <p:spPr>
+            <a:xfrm rot="5400000">
+              <a:off x="4808010" y="1003941"/>
+              <a:ext cx="289560" cy="274320"/>
+            </a:xfrm>
+            <a:prstGeom prst="ellipse">
+              <a:avLst/>
+            </a:prstGeom>
+            <a:solidFill>
+              <a:schemeClr val="accent1">
+                <a:alpha val="94000"/>
+              </a:schemeClr>
+            </a:solidFill>
+          </p:spPr>
+          <p:style>
+            <a:lnRef idx="2">
+              <a:schemeClr val="accent1">
+                <a:shade val="50000"/>
+              </a:schemeClr>
+            </a:lnRef>
+            <a:fillRef idx="1">
+              <a:schemeClr val="accent1"/>
+            </a:fillRef>
+            <a:effectRef idx="0">
+              <a:schemeClr val="accent1"/>
+            </a:effectRef>
+            <a:fontRef idx="minor">
+              <a:schemeClr val="lt1"/>
+            </a:fontRef>
+          </p:style>
+          <p:txBody>
+            <a:bodyPr rtlCol="0" anchor="ctr"/>
+            <a:lstStyle/>
+            <a:p>
+              <a:pPr algn="ctr"/>
+              <a:endParaRPr lang="zh-CN" altLang="en-US"/>
+            </a:p>
+          </p:txBody>
+        </p:sp>
+        <p:sp>
+          <p:nvSpPr>
+            <p:cNvPr id="38" name="椭圆 37">
+              <a:extLst>
+                <a:ext uri="{FF2B5EF4-FFF2-40B4-BE49-F238E27FC236}">
+                  <a16:creationId xmlns:a16="http://schemas.microsoft.com/office/drawing/2014/main" id="{793C25F0-9B3F-4C18-8A2E-C081A0A0499B}"/>
+                </a:ext>
+              </a:extLst>
+            </p:cNvPr>
+            <p:cNvSpPr/>
+            <p:nvPr/>
+          </p:nvSpPr>
+          <p:spPr>
+            <a:xfrm rot="5400000">
+              <a:off x="4823250" y="4668685"/>
+              <a:ext cx="289560" cy="274320"/>
+            </a:xfrm>
+            <a:prstGeom prst="ellipse">
+              <a:avLst/>
+            </a:prstGeom>
+            <a:solidFill>
+              <a:schemeClr val="accent1">
+                <a:alpha val="94000"/>
+              </a:schemeClr>
+            </a:solidFill>
+          </p:spPr>
+          <p:style>
+            <a:lnRef idx="2">
+              <a:schemeClr val="accent1">
+                <a:shade val="50000"/>
+              </a:schemeClr>
+            </a:lnRef>
+            <a:fillRef idx="1">
+              <a:schemeClr val="accent1"/>
+            </a:fillRef>
+            <a:effectRef idx="0">
+              <a:schemeClr val="accent1"/>
+            </a:effectRef>
+            <a:fontRef idx="minor">
+              <a:schemeClr val="lt1"/>
+            </a:fontRef>
+          </p:style>
+          <p:txBody>
+            <a:bodyPr rtlCol="0" anchor="ctr"/>
+            <a:lstStyle/>
+            <a:p>
+              <a:pPr algn="ctr"/>
+              <a:endParaRPr lang="zh-CN" altLang="en-US"/>
+            </a:p>
+          </p:txBody>
+        </p:sp>
+        <p:sp>
+          <p:nvSpPr>
+            <p:cNvPr id="39" name="椭圆 38">
+              <a:extLst>
+                <a:ext uri="{FF2B5EF4-FFF2-40B4-BE49-F238E27FC236}">
+                  <a16:creationId xmlns:a16="http://schemas.microsoft.com/office/drawing/2014/main" id="{C1588E89-82F2-4E51-B724-88154D2E6486}"/>
+                </a:ext>
+              </a:extLst>
+            </p:cNvPr>
+            <p:cNvSpPr/>
+            <p:nvPr/>
+          </p:nvSpPr>
+          <p:spPr>
+            <a:xfrm rot="5400000">
+              <a:off x="4823250" y="5061608"/>
+              <a:ext cx="289560" cy="274320"/>
+            </a:xfrm>
+            <a:prstGeom prst="ellipse">
+              <a:avLst/>
+            </a:prstGeom>
+            <a:solidFill>
+              <a:schemeClr val="accent1">
+                <a:alpha val="94000"/>
+              </a:schemeClr>
+            </a:solidFill>
+          </p:spPr>
+          <p:style>
+            <a:lnRef idx="2">
+              <a:schemeClr val="accent1">
+                <a:shade val="50000"/>
+              </a:schemeClr>
+            </a:lnRef>
+            <a:fillRef idx="1">
+              <a:schemeClr val="accent1"/>
+            </a:fillRef>
+            <a:effectRef idx="0">
+              <a:schemeClr val="accent1"/>
+            </a:effectRef>
+            <a:fontRef idx="minor">
+              <a:schemeClr val="lt1"/>
+            </a:fontRef>
+          </p:style>
+          <p:txBody>
+            <a:bodyPr rtlCol="0" anchor="ctr"/>
+            <a:lstStyle/>
+            <a:p>
+              <a:pPr algn="ctr"/>
+              <a:endParaRPr lang="zh-CN" altLang="en-US"/>
+            </a:p>
+          </p:txBody>
+        </p:sp>
+        <p:sp>
+          <p:nvSpPr>
+            <p:cNvPr id="40" name="椭圆 39">
+              <a:extLst>
+                <a:ext uri="{FF2B5EF4-FFF2-40B4-BE49-F238E27FC236}">
+                  <a16:creationId xmlns:a16="http://schemas.microsoft.com/office/drawing/2014/main" id="{D184EAF4-104A-4133-B7FD-DEE8688E5959}"/>
+                </a:ext>
+              </a:extLst>
+            </p:cNvPr>
+            <p:cNvSpPr/>
+            <p:nvPr/>
+          </p:nvSpPr>
+          <p:spPr>
+            <a:xfrm rot="5400000">
+              <a:off x="5210658" y="1773795"/>
+              <a:ext cx="289560" cy="274320"/>
+            </a:xfrm>
+            <a:prstGeom prst="ellipse">
+              <a:avLst/>
+            </a:prstGeom>
+            <a:solidFill>
+              <a:schemeClr val="accent2">
+                <a:lumMod val="40000"/>
+                <a:lumOff val="60000"/>
+                <a:alpha val="94000"/>
+              </a:schemeClr>
+            </a:solidFill>
+          </p:spPr>
+          <p:style>
+            <a:lnRef idx="2">
+              <a:schemeClr val="accent1">
+                <a:shade val="50000"/>
+              </a:schemeClr>
+            </a:lnRef>
+            <a:fillRef idx="1">
+              <a:schemeClr val="accent1"/>
+            </a:fillRef>
+            <a:effectRef idx="0">
+              <a:schemeClr val="accent1"/>
+            </a:effectRef>
+            <a:fontRef idx="minor">
+              <a:schemeClr val="lt1"/>
+            </a:fontRef>
+          </p:style>
+          <p:txBody>
+            <a:bodyPr rtlCol="0" anchor="ctr"/>
+            <a:lstStyle/>
+            <a:p>
+              <a:pPr algn="ctr"/>
+              <a:endParaRPr lang="zh-CN" altLang="en-US"/>
+            </a:p>
+          </p:txBody>
+        </p:sp>
+        <p:sp>
+          <p:nvSpPr>
+            <p:cNvPr id="41" name="椭圆 40">
+              <a:extLst>
+                <a:ext uri="{FF2B5EF4-FFF2-40B4-BE49-F238E27FC236}">
+                  <a16:creationId xmlns:a16="http://schemas.microsoft.com/office/drawing/2014/main" id="{19407BA3-525C-4F3E-B39F-DEDE03CD4C1D}"/>
+                </a:ext>
+              </a:extLst>
+            </p:cNvPr>
+            <p:cNvSpPr/>
+            <p:nvPr/>
+          </p:nvSpPr>
+          <p:spPr>
+            <a:xfrm rot="5400000">
+              <a:off x="5210658" y="2168131"/>
+              <a:ext cx="289560" cy="274320"/>
+            </a:xfrm>
+            <a:prstGeom prst="ellipse">
+              <a:avLst/>
+            </a:prstGeom>
+            <a:solidFill>
+              <a:schemeClr val="accent2">
+                <a:lumMod val="40000"/>
+                <a:lumOff val="60000"/>
+                <a:alpha val="94000"/>
+              </a:schemeClr>
+            </a:solidFill>
+          </p:spPr>
+          <p:style>
+            <a:lnRef idx="2">
+              <a:schemeClr val="accent1">
+                <a:shade val="50000"/>
+              </a:schemeClr>
+            </a:lnRef>
+            <a:fillRef idx="1">
+              <a:schemeClr val="accent1"/>
+            </a:fillRef>
+            <a:effectRef idx="0">
+              <a:schemeClr val="accent1"/>
+            </a:effectRef>
+            <a:fontRef idx="minor">
+              <a:schemeClr val="lt1"/>
+            </a:fontRef>
+          </p:style>
+          <p:txBody>
+            <a:bodyPr rtlCol="0" anchor="ctr"/>
+            <a:lstStyle/>
+            <a:p>
+              <a:pPr algn="ctr"/>
+              <a:endParaRPr lang="zh-CN" altLang="en-US"/>
+            </a:p>
+          </p:txBody>
+        </p:sp>
+        <p:sp>
+          <p:nvSpPr>
+            <p:cNvPr id="42" name="椭圆 41">
+              <a:extLst>
+                <a:ext uri="{FF2B5EF4-FFF2-40B4-BE49-F238E27FC236}">
+                  <a16:creationId xmlns:a16="http://schemas.microsoft.com/office/drawing/2014/main" id="{99F522D3-CD9E-407F-B0A3-D19F6D6C848C}"/>
+                </a:ext>
+              </a:extLst>
+            </p:cNvPr>
+            <p:cNvSpPr/>
+            <p:nvPr/>
+          </p:nvSpPr>
+          <p:spPr>
+            <a:xfrm rot="5400000">
+              <a:off x="5210658" y="2562467"/>
+              <a:ext cx="289560" cy="274320"/>
+            </a:xfrm>
+            <a:prstGeom prst="ellipse">
+              <a:avLst/>
+            </a:prstGeom>
+            <a:solidFill>
+              <a:schemeClr val="accent2">
+                <a:lumMod val="40000"/>
+                <a:lumOff val="60000"/>
+                <a:alpha val="94000"/>
+              </a:schemeClr>
+            </a:solidFill>
+          </p:spPr>
+          <p:style>
+            <a:lnRef idx="2">
+              <a:schemeClr val="accent1">
+                <a:shade val="50000"/>
+              </a:schemeClr>
+            </a:lnRef>
+            <a:fillRef idx="1">
+              <a:schemeClr val="accent1"/>
+            </a:fillRef>
+            <a:effectRef idx="0">
+              <a:schemeClr val="accent1"/>
+            </a:effectRef>
+            <a:fontRef idx="minor">
+              <a:schemeClr val="lt1"/>
+            </a:fontRef>
+          </p:style>
+          <p:txBody>
+            <a:bodyPr rtlCol="0" anchor="ctr"/>
+            <a:lstStyle/>
+            <a:p>
+              <a:pPr algn="ctr"/>
+              <a:endParaRPr lang="zh-CN" altLang="en-US"/>
+            </a:p>
+          </p:txBody>
+        </p:sp>
+        <p:sp>
+          <p:nvSpPr>
+            <p:cNvPr id="43" name="椭圆 42">
+              <a:extLst>
+                <a:ext uri="{FF2B5EF4-FFF2-40B4-BE49-F238E27FC236}">
+                  <a16:creationId xmlns:a16="http://schemas.microsoft.com/office/drawing/2014/main" id="{0C69D47D-EF65-41D2-9CC9-82C7D621EC70}"/>
+                </a:ext>
+              </a:extLst>
+            </p:cNvPr>
+            <p:cNvSpPr/>
+            <p:nvPr/>
+          </p:nvSpPr>
+          <p:spPr>
+            <a:xfrm rot="5400000">
+              <a:off x="5218278" y="2956803"/>
+              <a:ext cx="289560" cy="274320"/>
+            </a:xfrm>
+            <a:prstGeom prst="ellipse">
+              <a:avLst/>
+            </a:prstGeom>
+            <a:solidFill>
+              <a:schemeClr val="accent2">
+                <a:lumMod val="40000"/>
+                <a:lumOff val="60000"/>
+                <a:alpha val="94000"/>
+              </a:schemeClr>
+            </a:solidFill>
+          </p:spPr>
+          <p:style>
+            <a:lnRef idx="2">
+              <a:schemeClr val="accent1">
+                <a:shade val="50000"/>
+              </a:schemeClr>
+            </a:lnRef>
+            <a:fillRef idx="1">
+              <a:schemeClr val="accent1"/>
+            </a:fillRef>
+            <a:effectRef idx="0">
+              <a:schemeClr val="accent1"/>
+            </a:effectRef>
+            <a:fontRef idx="minor">
+              <a:schemeClr val="lt1"/>
+            </a:fontRef>
+          </p:style>
+          <p:txBody>
+            <a:bodyPr rtlCol="0" anchor="ctr"/>
+            <a:lstStyle/>
+            <a:p>
+              <a:pPr algn="ctr"/>
+              <a:endParaRPr lang="zh-CN" altLang="en-US"/>
+            </a:p>
+          </p:txBody>
+        </p:sp>
+        <p:sp>
+          <p:nvSpPr>
+            <p:cNvPr id="44" name="椭圆 43">
+              <a:extLst>
+                <a:ext uri="{FF2B5EF4-FFF2-40B4-BE49-F238E27FC236}">
+                  <a16:creationId xmlns:a16="http://schemas.microsoft.com/office/drawing/2014/main" id="{FD6BFD33-41B2-4AAE-A72E-C92FFEFEE1D8}"/>
+                </a:ext>
+              </a:extLst>
+            </p:cNvPr>
+            <p:cNvSpPr/>
+            <p:nvPr/>
+          </p:nvSpPr>
+          <p:spPr>
+            <a:xfrm rot="5400000">
+              <a:off x="5218278" y="3353993"/>
+              <a:ext cx="289560" cy="274320"/>
+            </a:xfrm>
+            <a:prstGeom prst="ellipse">
+              <a:avLst/>
+            </a:prstGeom>
+            <a:solidFill>
+              <a:schemeClr val="accent2">
+                <a:lumMod val="40000"/>
+                <a:lumOff val="60000"/>
+                <a:alpha val="94000"/>
+              </a:schemeClr>
+            </a:solidFill>
+          </p:spPr>
+          <p:style>
+            <a:lnRef idx="2">
+              <a:schemeClr val="accent1">
+                <a:shade val="50000"/>
+              </a:schemeClr>
+            </a:lnRef>
+            <a:fillRef idx="1">
+              <a:schemeClr val="accent1"/>
+            </a:fillRef>
+            <a:effectRef idx="0">
+              <a:schemeClr val="accent1"/>
+            </a:effectRef>
+            <a:fontRef idx="minor">
+              <a:schemeClr val="lt1"/>
+            </a:fontRef>
+          </p:style>
+          <p:txBody>
+            <a:bodyPr rtlCol="0" anchor="ctr"/>
+            <a:lstStyle/>
+            <a:p>
+              <a:pPr algn="ctr"/>
+              <a:endParaRPr lang="zh-CN" altLang="en-US"/>
+            </a:p>
+          </p:txBody>
+        </p:sp>
+        <p:sp>
+          <p:nvSpPr>
+            <p:cNvPr id="45" name="椭圆 44">
+              <a:extLst>
+                <a:ext uri="{FF2B5EF4-FFF2-40B4-BE49-F238E27FC236}">
+                  <a16:creationId xmlns:a16="http://schemas.microsoft.com/office/drawing/2014/main" id="{38420840-FFE9-4393-999A-E9BEAFE34FB6}"/>
+                </a:ext>
+              </a:extLst>
+            </p:cNvPr>
+            <p:cNvSpPr/>
+            <p:nvPr/>
+          </p:nvSpPr>
+          <p:spPr>
+            <a:xfrm rot="5400000">
+              <a:off x="5210658" y="4285065"/>
+              <a:ext cx="289560" cy="274320"/>
+            </a:xfrm>
+            <a:prstGeom prst="ellipse">
+              <a:avLst/>
+            </a:prstGeom>
+            <a:solidFill>
+              <a:schemeClr val="accent2">
+                <a:lumMod val="40000"/>
+                <a:lumOff val="60000"/>
+                <a:alpha val="94000"/>
+              </a:schemeClr>
+            </a:solidFill>
+          </p:spPr>
+          <p:style>
+            <a:lnRef idx="2">
+              <a:schemeClr val="accent1">
+                <a:shade val="50000"/>
+              </a:schemeClr>
+            </a:lnRef>
+            <a:fillRef idx="1">
+              <a:schemeClr val="accent1"/>
+            </a:fillRef>
+            <a:effectRef idx="0">
+              <a:schemeClr val="accent1"/>
+            </a:effectRef>
+            <a:fontRef idx="minor">
+              <a:schemeClr val="lt1"/>
+            </a:fontRef>
+          </p:style>
+          <p:txBody>
+            <a:bodyPr rtlCol="0" anchor="ctr"/>
+            <a:lstStyle/>
+            <a:p>
+              <a:pPr algn="ctr"/>
+              <a:endParaRPr lang="zh-CN" altLang="en-US"/>
+            </a:p>
+          </p:txBody>
+        </p:sp>
+        <p:sp>
+          <p:nvSpPr>
+            <p:cNvPr id="46" name="椭圆 45">
+              <a:extLst>
+                <a:ext uri="{FF2B5EF4-FFF2-40B4-BE49-F238E27FC236}">
+                  <a16:creationId xmlns:a16="http://schemas.microsoft.com/office/drawing/2014/main" id="{8833D7AD-903B-401B-BF29-9D0379C0B4A7}"/>
+                </a:ext>
+              </a:extLst>
+            </p:cNvPr>
+            <p:cNvSpPr/>
+            <p:nvPr/>
+          </p:nvSpPr>
+          <p:spPr>
+            <a:xfrm rot="5400000">
+              <a:off x="5340198" y="3679979"/>
+              <a:ext cx="45719" cy="53340"/>
+            </a:xfrm>
+            <a:prstGeom prst="ellipse">
+              <a:avLst/>
+            </a:prstGeom>
+            <a:solidFill>
+              <a:schemeClr val="accent2">
+                <a:lumMod val="40000"/>
+                <a:lumOff val="60000"/>
+                <a:alpha val="94000"/>
+              </a:schemeClr>
+            </a:solidFill>
+          </p:spPr>
+          <p:style>
+            <a:lnRef idx="2">
+              <a:schemeClr val="accent1">
+                <a:shade val="50000"/>
+              </a:schemeClr>
+            </a:lnRef>
+            <a:fillRef idx="1">
+              <a:schemeClr val="accent1"/>
+            </a:fillRef>
+            <a:effectRef idx="0">
+              <a:schemeClr val="accent1"/>
+            </a:effectRef>
+            <a:fontRef idx="minor">
+              <a:schemeClr val="lt1"/>
+            </a:fontRef>
+          </p:style>
+          <p:txBody>
+            <a:bodyPr rtlCol="0" anchor="ctr"/>
+            <a:lstStyle/>
+            <a:p>
+              <a:pPr algn="ctr"/>
+              <a:endParaRPr lang="zh-CN" altLang="en-US"/>
+            </a:p>
+          </p:txBody>
+        </p:sp>
+        <p:sp>
+          <p:nvSpPr>
+            <p:cNvPr id="47" name="椭圆 46">
+              <a:extLst>
+                <a:ext uri="{FF2B5EF4-FFF2-40B4-BE49-F238E27FC236}">
+                  <a16:creationId xmlns:a16="http://schemas.microsoft.com/office/drawing/2014/main" id="{74F5A153-C602-4BD5-8F22-E675A67FDE9D}"/>
+                </a:ext>
+              </a:extLst>
+            </p:cNvPr>
+            <p:cNvSpPr/>
+            <p:nvPr/>
+          </p:nvSpPr>
+          <p:spPr>
+            <a:xfrm rot="5400000">
+              <a:off x="5340198" y="3775240"/>
+              <a:ext cx="45719" cy="53340"/>
+            </a:xfrm>
+            <a:prstGeom prst="ellipse">
+              <a:avLst/>
+            </a:prstGeom>
+            <a:solidFill>
+              <a:schemeClr val="accent2">
+                <a:lumMod val="40000"/>
+                <a:lumOff val="60000"/>
+                <a:alpha val="94000"/>
+              </a:schemeClr>
+            </a:solidFill>
+          </p:spPr>
+          <p:style>
+            <a:lnRef idx="2">
+              <a:schemeClr val="accent1">
+                <a:shade val="50000"/>
+              </a:schemeClr>
+            </a:lnRef>
+            <a:fillRef idx="1">
+              <a:schemeClr val="accent1"/>
+            </a:fillRef>
+            <a:effectRef idx="0">
+              <a:schemeClr val="accent1"/>
+            </a:effectRef>
+            <a:fontRef idx="minor">
+              <a:schemeClr val="lt1"/>
+            </a:fontRef>
+          </p:style>
+          <p:txBody>
+            <a:bodyPr rtlCol="0" anchor="ctr"/>
+            <a:lstStyle/>
+            <a:p>
+              <a:pPr algn="ctr"/>
+              <a:endParaRPr lang="zh-CN" altLang="en-US"/>
+            </a:p>
+          </p:txBody>
+        </p:sp>
+        <p:sp>
+          <p:nvSpPr>
+            <p:cNvPr id="48" name="椭圆 47">
+              <a:extLst>
+                <a:ext uri="{FF2B5EF4-FFF2-40B4-BE49-F238E27FC236}">
+                  <a16:creationId xmlns:a16="http://schemas.microsoft.com/office/drawing/2014/main" id="{94BB8ECB-A28A-44C0-A33B-D232AFD5B882}"/>
+                </a:ext>
+              </a:extLst>
+            </p:cNvPr>
+            <p:cNvSpPr/>
+            <p:nvPr/>
+          </p:nvSpPr>
+          <p:spPr>
+            <a:xfrm rot="5400000">
+              <a:off x="5340198" y="3876220"/>
+              <a:ext cx="45719" cy="53340"/>
+            </a:xfrm>
+            <a:prstGeom prst="ellipse">
+              <a:avLst/>
+            </a:prstGeom>
+            <a:solidFill>
+              <a:schemeClr val="accent2">
+                <a:lumMod val="40000"/>
+                <a:lumOff val="60000"/>
+                <a:alpha val="94000"/>
+              </a:schemeClr>
+            </a:solidFill>
+          </p:spPr>
+          <p:style>
+            <a:lnRef idx="2">
+              <a:schemeClr val="accent1">
+                <a:shade val="50000"/>
+              </a:schemeClr>
+            </a:lnRef>
+            <a:fillRef idx="1">
+              <a:schemeClr val="accent1"/>
+            </a:fillRef>
+            <a:effectRef idx="0">
+              <a:schemeClr val="accent1"/>
+            </a:effectRef>
+            <a:fontRef idx="minor">
+              <a:schemeClr val="lt1"/>
+            </a:fontRef>
+          </p:style>
+          <p:txBody>
+            <a:bodyPr rtlCol="0" anchor="ctr"/>
+            <a:lstStyle/>
+            <a:p>
+              <a:pPr algn="ctr"/>
+              <a:endParaRPr lang="zh-CN" altLang="en-US"/>
+            </a:p>
+          </p:txBody>
+        </p:sp>
+        <p:sp>
+          <p:nvSpPr>
+            <p:cNvPr id="49" name="椭圆 48">
+              <a:extLst>
+                <a:ext uri="{FF2B5EF4-FFF2-40B4-BE49-F238E27FC236}">
+                  <a16:creationId xmlns:a16="http://schemas.microsoft.com/office/drawing/2014/main" id="{C0944781-AFBA-43F5-ABA3-30DF7E09D64D}"/>
+                </a:ext>
+              </a:extLst>
+            </p:cNvPr>
+            <p:cNvSpPr/>
+            <p:nvPr/>
+          </p:nvSpPr>
+          <p:spPr>
+            <a:xfrm rot="5400000">
+              <a:off x="5340198" y="3973835"/>
+              <a:ext cx="45719" cy="53340"/>
+            </a:xfrm>
+            <a:prstGeom prst="ellipse">
+              <a:avLst/>
+            </a:prstGeom>
+            <a:solidFill>
+              <a:schemeClr val="accent2">
+                <a:lumMod val="40000"/>
+                <a:lumOff val="60000"/>
+                <a:alpha val="94000"/>
+              </a:schemeClr>
+            </a:solidFill>
+          </p:spPr>
+          <p:style>
+            <a:lnRef idx="2">
+              <a:schemeClr val="accent1">
+                <a:shade val="50000"/>
+              </a:schemeClr>
+            </a:lnRef>
+            <a:fillRef idx="1">
+              <a:schemeClr val="accent1"/>
+            </a:fillRef>
+            <a:effectRef idx="0">
+              <a:schemeClr val="accent1"/>
+            </a:effectRef>
+            <a:fontRef idx="minor">
+              <a:schemeClr val="lt1"/>
+            </a:fontRef>
+          </p:style>
+          <p:txBody>
+            <a:bodyPr rtlCol="0" anchor="ctr"/>
+            <a:lstStyle/>
+            <a:p>
+              <a:pPr algn="ctr"/>
+              <a:endParaRPr lang="zh-CN" altLang="en-US"/>
+            </a:p>
+          </p:txBody>
+        </p:sp>
+        <p:sp>
+          <p:nvSpPr>
+            <p:cNvPr id="50" name="椭圆 49">
+              <a:extLst>
+                <a:ext uri="{FF2B5EF4-FFF2-40B4-BE49-F238E27FC236}">
+                  <a16:creationId xmlns:a16="http://schemas.microsoft.com/office/drawing/2014/main" id="{7084D20C-5813-47F0-AEAF-E7D0D846C36C}"/>
+                </a:ext>
+              </a:extLst>
+            </p:cNvPr>
+            <p:cNvSpPr/>
+            <p:nvPr/>
+          </p:nvSpPr>
+          <p:spPr>
+            <a:xfrm rot="5400000">
+              <a:off x="5340198" y="4076946"/>
+              <a:ext cx="45719" cy="53340"/>
+            </a:xfrm>
+            <a:prstGeom prst="ellipse">
+              <a:avLst/>
+            </a:prstGeom>
+            <a:solidFill>
+              <a:schemeClr val="accent2">
+                <a:lumMod val="40000"/>
+                <a:lumOff val="60000"/>
+                <a:alpha val="94000"/>
+              </a:schemeClr>
+            </a:solidFill>
+          </p:spPr>
+          <p:style>
+            <a:lnRef idx="2">
+              <a:schemeClr val="accent1">
+                <a:shade val="50000"/>
+              </a:schemeClr>
+            </a:lnRef>
+            <a:fillRef idx="1">
+              <a:schemeClr val="accent1"/>
+            </a:fillRef>
+            <a:effectRef idx="0">
+              <a:schemeClr val="accent1"/>
+            </a:effectRef>
+            <a:fontRef idx="minor">
+              <a:schemeClr val="lt1"/>
+            </a:fontRef>
+          </p:style>
+          <p:txBody>
+            <a:bodyPr rtlCol="0" anchor="ctr"/>
+            <a:lstStyle/>
+            <a:p>
+              <a:pPr algn="ctr"/>
+              <a:endParaRPr lang="zh-CN" altLang="en-US"/>
+            </a:p>
+          </p:txBody>
+        </p:sp>
+        <p:sp>
+          <p:nvSpPr>
+            <p:cNvPr id="51" name="椭圆 50">
+              <a:extLst>
+                <a:ext uri="{FF2B5EF4-FFF2-40B4-BE49-F238E27FC236}">
+                  <a16:creationId xmlns:a16="http://schemas.microsoft.com/office/drawing/2014/main" id="{387F67EE-4C04-4EF1-A2D6-F2C3237177B8}"/>
+                </a:ext>
+              </a:extLst>
+            </p:cNvPr>
+            <p:cNvSpPr/>
+            <p:nvPr/>
+          </p:nvSpPr>
+          <p:spPr>
+            <a:xfrm rot="5400000">
+              <a:off x="5340198" y="4180057"/>
+              <a:ext cx="45719" cy="53340"/>
+            </a:xfrm>
+            <a:prstGeom prst="ellipse">
+              <a:avLst/>
+            </a:prstGeom>
+            <a:solidFill>
+              <a:schemeClr val="accent2">
+                <a:lumMod val="40000"/>
+                <a:lumOff val="60000"/>
+                <a:alpha val="94000"/>
+              </a:schemeClr>
+            </a:solidFill>
+          </p:spPr>
+          <p:style>
+            <a:lnRef idx="2">
+              <a:schemeClr val="accent1">
+                <a:shade val="50000"/>
+              </a:schemeClr>
+            </a:lnRef>
+            <a:fillRef idx="1">
+              <a:schemeClr val="accent1"/>
+            </a:fillRef>
+            <a:effectRef idx="0">
+              <a:schemeClr val="accent1"/>
+            </a:effectRef>
+            <a:fontRef idx="minor">
+              <a:schemeClr val="lt1"/>
+            </a:fontRef>
+          </p:style>
+          <p:txBody>
+            <a:bodyPr rtlCol="0" anchor="ctr"/>
+            <a:lstStyle/>
+            <a:p>
+              <a:pPr algn="ctr"/>
+              <a:endParaRPr lang="zh-CN" altLang="en-US"/>
+            </a:p>
+          </p:txBody>
+        </p:sp>
+        <p:sp>
+          <p:nvSpPr>
+            <p:cNvPr id="52" name="椭圆 51">
+              <a:extLst>
+                <a:ext uri="{FF2B5EF4-FFF2-40B4-BE49-F238E27FC236}">
+                  <a16:creationId xmlns:a16="http://schemas.microsoft.com/office/drawing/2014/main" id="{CCC7BE5B-839F-4250-AD8D-835F53123DBF}"/>
+                </a:ext>
+              </a:extLst>
+            </p:cNvPr>
+            <p:cNvSpPr/>
+            <p:nvPr/>
+          </p:nvSpPr>
+          <p:spPr>
+            <a:xfrm rot="5400000">
+              <a:off x="5210658" y="1408751"/>
+              <a:ext cx="289560" cy="274320"/>
+            </a:xfrm>
+            <a:prstGeom prst="ellipse">
+              <a:avLst/>
+            </a:prstGeom>
+            <a:solidFill>
+              <a:schemeClr val="accent2">
+                <a:lumMod val="40000"/>
+                <a:lumOff val="60000"/>
+                <a:alpha val="94000"/>
+              </a:schemeClr>
+            </a:solidFill>
+          </p:spPr>
+          <p:style>
+            <a:lnRef idx="2">
+              <a:schemeClr val="accent1">
+                <a:shade val="50000"/>
+              </a:schemeClr>
+            </a:lnRef>
+            <a:fillRef idx="1">
+              <a:schemeClr val="accent1"/>
+            </a:fillRef>
+            <a:effectRef idx="0">
+              <a:schemeClr val="accent1"/>
+            </a:effectRef>
+            <a:fontRef idx="minor">
+              <a:schemeClr val="lt1"/>
+            </a:fontRef>
+          </p:style>
+          <p:txBody>
+            <a:bodyPr rtlCol="0" anchor="ctr"/>
+            <a:lstStyle/>
+            <a:p>
+              <a:pPr algn="ctr"/>
+              <a:endParaRPr lang="zh-CN" altLang="en-US"/>
+            </a:p>
+          </p:txBody>
+        </p:sp>
+        <p:sp>
+          <p:nvSpPr>
+            <p:cNvPr id="53" name="椭圆 52">
+              <a:extLst>
+                <a:ext uri="{FF2B5EF4-FFF2-40B4-BE49-F238E27FC236}">
+                  <a16:creationId xmlns:a16="http://schemas.microsoft.com/office/drawing/2014/main" id="{625CE6D8-C535-49B8-A2E4-61632818B408}"/>
+                </a:ext>
+              </a:extLst>
+            </p:cNvPr>
+            <p:cNvSpPr/>
+            <p:nvPr/>
+          </p:nvSpPr>
+          <p:spPr>
+            <a:xfrm rot="5400000">
+              <a:off x="5203038" y="1011561"/>
+              <a:ext cx="289560" cy="274320"/>
+            </a:xfrm>
+            <a:prstGeom prst="ellipse">
+              <a:avLst/>
+            </a:prstGeom>
+            <a:solidFill>
+              <a:schemeClr val="accent2">
+                <a:lumMod val="40000"/>
+                <a:lumOff val="60000"/>
+                <a:alpha val="94000"/>
+              </a:schemeClr>
+            </a:solidFill>
+          </p:spPr>
+          <p:style>
+            <a:lnRef idx="2">
+              <a:schemeClr val="accent1">
+                <a:shade val="50000"/>
+              </a:schemeClr>
+            </a:lnRef>
+            <a:fillRef idx="1">
+              <a:schemeClr val="accent1"/>
+            </a:fillRef>
+            <a:effectRef idx="0">
+              <a:schemeClr val="accent1"/>
+            </a:effectRef>
+            <a:fontRef idx="minor">
+              <a:schemeClr val="lt1"/>
+            </a:fontRef>
+          </p:style>
+          <p:txBody>
+            <a:bodyPr rtlCol="0" anchor="ctr"/>
+            <a:lstStyle/>
+            <a:p>
+              <a:pPr algn="ctr"/>
+              <a:endParaRPr lang="zh-CN" altLang="en-US"/>
+            </a:p>
+          </p:txBody>
+        </p:sp>
+        <p:sp>
+          <p:nvSpPr>
+            <p:cNvPr id="54" name="椭圆 53">
+              <a:extLst>
+                <a:ext uri="{FF2B5EF4-FFF2-40B4-BE49-F238E27FC236}">
+                  <a16:creationId xmlns:a16="http://schemas.microsoft.com/office/drawing/2014/main" id="{C491C8B5-259F-4E97-8F2C-160C7199D426}"/>
+                </a:ext>
+              </a:extLst>
+            </p:cNvPr>
+            <p:cNvSpPr/>
+            <p:nvPr/>
+          </p:nvSpPr>
+          <p:spPr>
+            <a:xfrm rot="5400000">
+              <a:off x="5218278" y="4676305"/>
+              <a:ext cx="289560" cy="274320"/>
+            </a:xfrm>
+            <a:prstGeom prst="ellipse">
+              <a:avLst/>
+            </a:prstGeom>
+            <a:solidFill>
+              <a:schemeClr val="accent2">
+                <a:lumMod val="40000"/>
+                <a:lumOff val="60000"/>
+                <a:alpha val="94000"/>
+              </a:schemeClr>
+            </a:solidFill>
+          </p:spPr>
+          <p:style>
+            <a:lnRef idx="2">
+              <a:schemeClr val="accent1">
+                <a:shade val="50000"/>
+              </a:schemeClr>
+            </a:lnRef>
+            <a:fillRef idx="1">
+              <a:schemeClr val="accent1"/>
+            </a:fillRef>
+            <a:effectRef idx="0">
+              <a:schemeClr val="accent1"/>
+            </a:effectRef>
+            <a:fontRef idx="minor">
+              <a:schemeClr val="lt1"/>
+            </a:fontRef>
+          </p:style>
+          <p:txBody>
+            <a:bodyPr rtlCol="0" anchor="ctr"/>
+            <a:lstStyle/>
+            <a:p>
+              <a:pPr algn="ctr"/>
+              <a:endParaRPr lang="zh-CN" altLang="en-US"/>
+            </a:p>
+          </p:txBody>
+        </p:sp>
+        <p:sp>
+          <p:nvSpPr>
+            <p:cNvPr id="55" name="椭圆 54">
+              <a:extLst>
+                <a:ext uri="{FF2B5EF4-FFF2-40B4-BE49-F238E27FC236}">
+                  <a16:creationId xmlns:a16="http://schemas.microsoft.com/office/drawing/2014/main" id="{397AEAAE-4C60-4596-A871-B6A2ACCEF254}"/>
+                </a:ext>
+              </a:extLst>
+            </p:cNvPr>
+            <p:cNvSpPr/>
+            <p:nvPr/>
+          </p:nvSpPr>
+          <p:spPr>
+            <a:xfrm rot="5400000">
+              <a:off x="5218278" y="5069228"/>
+              <a:ext cx="289560" cy="274320"/>
+            </a:xfrm>
+            <a:prstGeom prst="ellipse">
+              <a:avLst/>
+            </a:prstGeom>
+            <a:solidFill>
+              <a:schemeClr val="accent2">
+                <a:lumMod val="40000"/>
+                <a:lumOff val="60000"/>
+                <a:alpha val="94000"/>
+              </a:schemeClr>
+            </a:solidFill>
+          </p:spPr>
+          <p:style>
+            <a:lnRef idx="2">
+              <a:schemeClr val="accent1">
+                <a:shade val="50000"/>
+              </a:schemeClr>
+            </a:lnRef>
+            <a:fillRef idx="1">
+              <a:schemeClr val="accent1"/>
+            </a:fillRef>
+            <a:effectRef idx="0">
+              <a:schemeClr val="accent1"/>
+            </a:effectRef>
+            <a:fontRef idx="minor">
+              <a:schemeClr val="lt1"/>
+            </a:fontRef>
+          </p:style>
+          <p:txBody>
+            <a:bodyPr rtlCol="0" anchor="ctr"/>
+            <a:lstStyle/>
+            <a:p>
+              <a:pPr algn="ctr"/>
+              <a:endParaRPr lang="zh-CN" altLang="en-US"/>
+            </a:p>
+          </p:txBody>
+        </p:sp>
+        <p:sp>
+          <p:nvSpPr>
+            <p:cNvPr id="56" name="椭圆 55">
+              <a:extLst>
+                <a:ext uri="{FF2B5EF4-FFF2-40B4-BE49-F238E27FC236}">
+                  <a16:creationId xmlns:a16="http://schemas.microsoft.com/office/drawing/2014/main" id="{D599E600-D1AD-4DEB-B848-28784F4FD4ED}"/>
+                </a:ext>
+              </a:extLst>
+            </p:cNvPr>
+            <p:cNvSpPr/>
+            <p:nvPr/>
+          </p:nvSpPr>
+          <p:spPr>
+            <a:xfrm rot="5400000">
+              <a:off x="5646450" y="1773795"/>
+              <a:ext cx="289560" cy="274320"/>
+            </a:xfrm>
+            <a:prstGeom prst="ellipse">
+              <a:avLst/>
+            </a:prstGeom>
+            <a:solidFill>
+              <a:schemeClr val="accent6">
+                <a:lumMod val="40000"/>
+                <a:lumOff val="60000"/>
+                <a:alpha val="94000"/>
+              </a:schemeClr>
+            </a:solidFill>
+          </p:spPr>
+          <p:style>
+            <a:lnRef idx="2">
+              <a:schemeClr val="accent1">
+                <a:shade val="50000"/>
+              </a:schemeClr>
+            </a:lnRef>
+            <a:fillRef idx="1">
+              <a:schemeClr val="accent1"/>
+            </a:fillRef>
+            <a:effectRef idx="0">
+              <a:schemeClr val="accent1"/>
+            </a:effectRef>
+            <a:fontRef idx="minor">
+              <a:schemeClr val="lt1"/>
+            </a:fontRef>
+          </p:style>
+          <p:txBody>
+            <a:bodyPr rtlCol="0" anchor="ctr"/>
+            <a:lstStyle/>
+            <a:p>
+              <a:pPr algn="ctr"/>
+              <a:endParaRPr lang="zh-CN" altLang="en-US"/>
+            </a:p>
+          </p:txBody>
+        </p:sp>
+        <p:sp>
+          <p:nvSpPr>
+            <p:cNvPr id="57" name="椭圆 56">
+              <a:extLst>
+                <a:ext uri="{FF2B5EF4-FFF2-40B4-BE49-F238E27FC236}">
+                  <a16:creationId xmlns:a16="http://schemas.microsoft.com/office/drawing/2014/main" id="{8B1EE529-BF81-438A-B191-BA5FE4E4BC74}"/>
+                </a:ext>
+              </a:extLst>
+            </p:cNvPr>
+            <p:cNvSpPr/>
+            <p:nvPr/>
+          </p:nvSpPr>
+          <p:spPr>
+            <a:xfrm rot="5400000">
+              <a:off x="5646450" y="2168131"/>
+              <a:ext cx="289560" cy="274320"/>
+            </a:xfrm>
+            <a:prstGeom prst="ellipse">
+              <a:avLst/>
+            </a:prstGeom>
+            <a:solidFill>
+              <a:schemeClr val="accent6">
+                <a:lumMod val="40000"/>
+                <a:lumOff val="60000"/>
+                <a:alpha val="94000"/>
+              </a:schemeClr>
+            </a:solidFill>
+          </p:spPr>
+          <p:style>
+            <a:lnRef idx="2">
+              <a:schemeClr val="accent1">
+                <a:shade val="50000"/>
+              </a:schemeClr>
+            </a:lnRef>
+            <a:fillRef idx="1">
+              <a:schemeClr val="accent1"/>
+            </a:fillRef>
+            <a:effectRef idx="0">
+              <a:schemeClr val="accent1"/>
+            </a:effectRef>
+            <a:fontRef idx="minor">
+              <a:schemeClr val="lt1"/>
+            </a:fontRef>
+          </p:style>
+          <p:txBody>
+            <a:bodyPr rtlCol="0" anchor="ctr"/>
+            <a:lstStyle/>
+            <a:p>
+              <a:pPr algn="ctr"/>
+              <a:endParaRPr lang="zh-CN" altLang="en-US"/>
+            </a:p>
+          </p:txBody>
+        </p:sp>
+        <p:sp>
+          <p:nvSpPr>
+            <p:cNvPr id="58" name="椭圆 57">
+              <a:extLst>
+                <a:ext uri="{FF2B5EF4-FFF2-40B4-BE49-F238E27FC236}">
+                  <a16:creationId xmlns:a16="http://schemas.microsoft.com/office/drawing/2014/main" id="{3F9BA1C3-2F7A-483D-898B-A014D04ABA77}"/>
+                </a:ext>
+              </a:extLst>
+            </p:cNvPr>
+            <p:cNvSpPr/>
+            <p:nvPr/>
+          </p:nvSpPr>
+          <p:spPr>
+            <a:xfrm rot="5400000">
+              <a:off x="5646450" y="2562467"/>
+              <a:ext cx="289560" cy="274320"/>
+            </a:xfrm>
+            <a:prstGeom prst="ellipse">
+              <a:avLst/>
+            </a:prstGeom>
+            <a:solidFill>
+              <a:schemeClr val="accent6">
+                <a:lumMod val="40000"/>
+                <a:lumOff val="60000"/>
+                <a:alpha val="94000"/>
+              </a:schemeClr>
+            </a:solidFill>
+          </p:spPr>
+          <p:style>
+            <a:lnRef idx="2">
+              <a:schemeClr val="accent1">
+                <a:shade val="50000"/>
+              </a:schemeClr>
+            </a:lnRef>
+            <a:fillRef idx="1">
+              <a:schemeClr val="accent1"/>
+            </a:fillRef>
+            <a:effectRef idx="0">
+              <a:schemeClr val="accent1"/>
+            </a:effectRef>
+            <a:fontRef idx="minor">
+              <a:schemeClr val="lt1"/>
+            </a:fontRef>
+          </p:style>
+          <p:txBody>
+            <a:bodyPr rtlCol="0" anchor="ctr"/>
+            <a:lstStyle/>
+            <a:p>
+              <a:pPr algn="ctr"/>
+              <a:endParaRPr lang="zh-CN" altLang="en-US"/>
+            </a:p>
+          </p:txBody>
+        </p:sp>
+        <p:sp>
+          <p:nvSpPr>
+            <p:cNvPr id="59" name="椭圆 58">
+              <a:extLst>
+                <a:ext uri="{FF2B5EF4-FFF2-40B4-BE49-F238E27FC236}">
+                  <a16:creationId xmlns:a16="http://schemas.microsoft.com/office/drawing/2014/main" id="{4A8B6104-DEB8-4869-A139-915C78BC81BC}"/>
+                </a:ext>
+              </a:extLst>
+            </p:cNvPr>
+            <p:cNvSpPr/>
+            <p:nvPr/>
+          </p:nvSpPr>
+          <p:spPr>
+            <a:xfrm rot="5400000">
+              <a:off x="5654070" y="2956803"/>
+              <a:ext cx="289560" cy="274320"/>
+            </a:xfrm>
+            <a:prstGeom prst="ellipse">
+              <a:avLst/>
+            </a:prstGeom>
+            <a:solidFill>
+              <a:schemeClr val="accent6">
+                <a:lumMod val="40000"/>
+                <a:lumOff val="60000"/>
+                <a:alpha val="94000"/>
+              </a:schemeClr>
+            </a:solidFill>
+          </p:spPr>
+          <p:style>
+            <a:lnRef idx="2">
+              <a:schemeClr val="accent1">
+                <a:shade val="50000"/>
+              </a:schemeClr>
+            </a:lnRef>
+            <a:fillRef idx="1">
+              <a:schemeClr val="accent1"/>
+            </a:fillRef>
+            <a:effectRef idx="0">
+              <a:schemeClr val="accent1"/>
+            </a:effectRef>
+            <a:fontRef idx="minor">
+              <a:schemeClr val="lt1"/>
+            </a:fontRef>
+          </p:style>
+          <p:txBody>
+            <a:bodyPr rtlCol="0" anchor="ctr"/>
+            <a:lstStyle/>
+            <a:p>
+              <a:pPr algn="ctr"/>
+              <a:endParaRPr lang="zh-CN" altLang="en-US"/>
+            </a:p>
+          </p:txBody>
+        </p:sp>
+        <p:sp>
+          <p:nvSpPr>
+            <p:cNvPr id="60" name="椭圆 59">
+              <a:extLst>
+                <a:ext uri="{FF2B5EF4-FFF2-40B4-BE49-F238E27FC236}">
+                  <a16:creationId xmlns:a16="http://schemas.microsoft.com/office/drawing/2014/main" id="{CDD55E2A-93BB-4EEB-9553-5150F1AEB2E5}"/>
+                </a:ext>
+              </a:extLst>
+            </p:cNvPr>
+            <p:cNvSpPr/>
+            <p:nvPr/>
+          </p:nvSpPr>
+          <p:spPr>
+            <a:xfrm rot="5400000">
+              <a:off x="5654070" y="3353993"/>
+              <a:ext cx="289560" cy="274320"/>
+            </a:xfrm>
+            <a:prstGeom prst="ellipse">
+              <a:avLst/>
+            </a:prstGeom>
+            <a:solidFill>
+              <a:schemeClr val="accent6">
+                <a:lumMod val="40000"/>
+                <a:lumOff val="60000"/>
+                <a:alpha val="94000"/>
+              </a:schemeClr>
+            </a:solidFill>
+          </p:spPr>
+          <p:style>
+            <a:lnRef idx="2">
+              <a:schemeClr val="accent1">
+                <a:shade val="50000"/>
+              </a:schemeClr>
+            </a:lnRef>
+            <a:fillRef idx="1">
+              <a:schemeClr val="accent1"/>
+            </a:fillRef>
+            <a:effectRef idx="0">
+              <a:schemeClr val="accent1"/>
+            </a:effectRef>
+            <a:fontRef idx="minor">
+              <a:schemeClr val="lt1"/>
+            </a:fontRef>
+          </p:style>
+          <p:txBody>
+            <a:bodyPr rtlCol="0" anchor="ctr"/>
+            <a:lstStyle/>
+            <a:p>
+              <a:pPr algn="ctr"/>
+              <a:endParaRPr lang="zh-CN" altLang="en-US"/>
+            </a:p>
+          </p:txBody>
+        </p:sp>
+        <p:sp>
+          <p:nvSpPr>
+            <p:cNvPr id="61" name="椭圆 60">
+              <a:extLst>
+                <a:ext uri="{FF2B5EF4-FFF2-40B4-BE49-F238E27FC236}">
+                  <a16:creationId xmlns:a16="http://schemas.microsoft.com/office/drawing/2014/main" id="{0E78D12B-42A1-4E24-B0D7-3574AE5F821E}"/>
+                </a:ext>
+              </a:extLst>
+            </p:cNvPr>
+            <p:cNvSpPr/>
+            <p:nvPr/>
+          </p:nvSpPr>
+          <p:spPr>
+            <a:xfrm rot="5400000">
+              <a:off x="5646450" y="4285065"/>
+              <a:ext cx="289560" cy="274320"/>
+            </a:xfrm>
+            <a:prstGeom prst="ellipse">
+              <a:avLst/>
+            </a:prstGeom>
+            <a:solidFill>
+              <a:schemeClr val="accent6">
+                <a:lumMod val="40000"/>
+                <a:lumOff val="60000"/>
+                <a:alpha val="94000"/>
+              </a:schemeClr>
+            </a:solidFill>
+          </p:spPr>
+          <p:style>
+            <a:lnRef idx="2">
+              <a:schemeClr val="accent1">
+                <a:shade val="50000"/>
+              </a:schemeClr>
+            </a:lnRef>
+            <a:fillRef idx="1">
+              <a:schemeClr val="accent1"/>
+            </a:fillRef>
+            <a:effectRef idx="0">
+              <a:schemeClr val="accent1"/>
+            </a:effectRef>
+            <a:fontRef idx="minor">
+              <a:schemeClr val="lt1"/>
+            </a:fontRef>
+          </p:style>
+          <p:txBody>
+            <a:bodyPr rtlCol="0" anchor="ctr"/>
+            <a:lstStyle/>
+            <a:p>
+              <a:pPr algn="ctr"/>
+              <a:endParaRPr lang="zh-CN" altLang="en-US"/>
+            </a:p>
+          </p:txBody>
+        </p:sp>
+        <p:sp>
+          <p:nvSpPr>
+            <p:cNvPr id="62" name="椭圆 61">
+              <a:extLst>
+                <a:ext uri="{FF2B5EF4-FFF2-40B4-BE49-F238E27FC236}">
+                  <a16:creationId xmlns:a16="http://schemas.microsoft.com/office/drawing/2014/main" id="{03B65660-A2F2-4E7C-84CF-E9B222C514EA}"/>
+                </a:ext>
+              </a:extLst>
+            </p:cNvPr>
+            <p:cNvSpPr/>
+            <p:nvPr/>
+          </p:nvSpPr>
+          <p:spPr>
+            <a:xfrm rot="5400000">
+              <a:off x="5775990" y="3679979"/>
+              <a:ext cx="45719" cy="53340"/>
+            </a:xfrm>
+            <a:prstGeom prst="ellipse">
+              <a:avLst/>
+            </a:prstGeom>
+            <a:solidFill>
+              <a:schemeClr val="accent6">
+                <a:lumMod val="40000"/>
+                <a:lumOff val="60000"/>
+                <a:alpha val="94000"/>
+              </a:schemeClr>
+            </a:solidFill>
+          </p:spPr>
+          <p:style>
+            <a:lnRef idx="2">
+              <a:schemeClr val="accent1">
+                <a:shade val="50000"/>
+              </a:schemeClr>
+            </a:lnRef>
+            <a:fillRef idx="1">
+              <a:schemeClr val="accent1"/>
+            </a:fillRef>
+            <a:effectRef idx="0">
+              <a:schemeClr val="accent1"/>
+            </a:effectRef>
+            <a:fontRef idx="minor">
+              <a:schemeClr val="lt1"/>
+            </a:fontRef>
+          </p:style>
+          <p:txBody>
+            <a:bodyPr rtlCol="0" anchor="ctr"/>
+            <a:lstStyle/>
+            <a:p>
+              <a:pPr algn="ctr"/>
+              <a:endParaRPr lang="zh-CN" altLang="en-US"/>
+            </a:p>
+          </p:txBody>
+        </p:sp>
+        <p:sp>
+          <p:nvSpPr>
+            <p:cNvPr id="63" name="椭圆 62">
+              <a:extLst>
+                <a:ext uri="{FF2B5EF4-FFF2-40B4-BE49-F238E27FC236}">
+                  <a16:creationId xmlns:a16="http://schemas.microsoft.com/office/drawing/2014/main" id="{C6DF5882-271C-4DCA-8125-21BE36F1A9AD}"/>
+                </a:ext>
+              </a:extLst>
+            </p:cNvPr>
+            <p:cNvSpPr/>
+            <p:nvPr/>
+          </p:nvSpPr>
+          <p:spPr>
+            <a:xfrm rot="5400000">
+              <a:off x="5775990" y="3775240"/>
+              <a:ext cx="45719" cy="53340"/>
+            </a:xfrm>
+            <a:prstGeom prst="ellipse">
+              <a:avLst/>
+            </a:prstGeom>
+            <a:solidFill>
+              <a:schemeClr val="accent6">
+                <a:lumMod val="40000"/>
+                <a:lumOff val="60000"/>
+                <a:alpha val="94000"/>
+              </a:schemeClr>
+            </a:solidFill>
+          </p:spPr>
+          <p:style>
+            <a:lnRef idx="2">
+              <a:schemeClr val="accent1">
+                <a:shade val="50000"/>
+              </a:schemeClr>
+            </a:lnRef>
+            <a:fillRef idx="1">
+              <a:schemeClr val="accent1"/>
+            </a:fillRef>
+            <a:effectRef idx="0">
+              <a:schemeClr val="accent1"/>
+            </a:effectRef>
+            <a:fontRef idx="minor">
+              <a:schemeClr val="lt1"/>
+            </a:fontRef>
+          </p:style>
+          <p:txBody>
+            <a:bodyPr rtlCol="0" anchor="ctr"/>
+            <a:lstStyle/>
+            <a:p>
+              <a:pPr algn="ctr"/>
+              <a:endParaRPr lang="zh-CN" altLang="en-US"/>
+            </a:p>
+          </p:txBody>
+        </p:sp>
+        <p:sp>
+          <p:nvSpPr>
+            <p:cNvPr id="64" name="椭圆 63">
+              <a:extLst>
+                <a:ext uri="{FF2B5EF4-FFF2-40B4-BE49-F238E27FC236}">
+                  <a16:creationId xmlns:a16="http://schemas.microsoft.com/office/drawing/2014/main" id="{1A752D8B-3594-44F7-90E8-664DB8B2390F}"/>
+                </a:ext>
+              </a:extLst>
+            </p:cNvPr>
+            <p:cNvSpPr/>
+            <p:nvPr/>
+          </p:nvSpPr>
+          <p:spPr>
+            <a:xfrm rot="5400000">
+              <a:off x="5775990" y="3876220"/>
+              <a:ext cx="45719" cy="53340"/>
+            </a:xfrm>
+            <a:prstGeom prst="ellipse">
+              <a:avLst/>
+            </a:prstGeom>
+            <a:solidFill>
+              <a:schemeClr val="accent6">
+                <a:lumMod val="40000"/>
+                <a:lumOff val="60000"/>
+                <a:alpha val="94000"/>
+              </a:schemeClr>
+            </a:solidFill>
+          </p:spPr>
+          <p:style>
+            <a:lnRef idx="2">
+              <a:schemeClr val="accent1">
+                <a:shade val="50000"/>
+              </a:schemeClr>
+            </a:lnRef>
+            <a:fillRef idx="1">
+              <a:schemeClr val="accent1"/>
+            </a:fillRef>
+            <a:effectRef idx="0">
+              <a:schemeClr val="accent1"/>
+            </a:effectRef>
+            <a:fontRef idx="minor">
+              <a:schemeClr val="lt1"/>
+            </a:fontRef>
+          </p:style>
+          <p:txBody>
+            <a:bodyPr rtlCol="0" anchor="ctr"/>
+            <a:lstStyle/>
+            <a:p>
+              <a:pPr algn="ctr"/>
+              <a:endParaRPr lang="zh-CN" altLang="en-US"/>
+            </a:p>
+          </p:txBody>
+        </p:sp>
+        <p:sp>
+          <p:nvSpPr>
+            <p:cNvPr id="65" name="椭圆 64">
+              <a:extLst>
+                <a:ext uri="{FF2B5EF4-FFF2-40B4-BE49-F238E27FC236}">
+                  <a16:creationId xmlns:a16="http://schemas.microsoft.com/office/drawing/2014/main" id="{C2F5D0C5-8074-4700-8733-A2E39C3D50E7}"/>
+                </a:ext>
+              </a:extLst>
+            </p:cNvPr>
+            <p:cNvSpPr/>
+            <p:nvPr/>
+          </p:nvSpPr>
+          <p:spPr>
+            <a:xfrm rot="5400000">
+              <a:off x="5775990" y="3973835"/>
+              <a:ext cx="45719" cy="53340"/>
+            </a:xfrm>
+            <a:prstGeom prst="ellipse">
+              <a:avLst/>
+            </a:prstGeom>
+            <a:solidFill>
+              <a:schemeClr val="accent6">
+                <a:lumMod val="40000"/>
+                <a:lumOff val="60000"/>
+                <a:alpha val="94000"/>
+              </a:schemeClr>
+            </a:solidFill>
+          </p:spPr>
+          <p:style>
+            <a:lnRef idx="2">
+              <a:schemeClr val="accent1">
+                <a:shade val="50000"/>
+              </a:schemeClr>
+            </a:lnRef>
+            <a:fillRef idx="1">
+              <a:schemeClr val="accent1"/>
+            </a:fillRef>
+            <a:effectRef idx="0">
+              <a:schemeClr val="accent1"/>
+            </a:effectRef>
+            <a:fontRef idx="minor">
+              <a:schemeClr val="lt1"/>
+            </a:fontRef>
+          </p:style>
+          <p:txBody>
+            <a:bodyPr rtlCol="0" anchor="ctr"/>
+            <a:lstStyle/>
+            <a:p>
+              <a:pPr algn="ctr"/>
+              <a:endParaRPr lang="zh-CN" altLang="en-US"/>
+            </a:p>
+          </p:txBody>
+        </p:sp>
+        <p:sp>
+          <p:nvSpPr>
+            <p:cNvPr id="66" name="椭圆 65">
+              <a:extLst>
+                <a:ext uri="{FF2B5EF4-FFF2-40B4-BE49-F238E27FC236}">
+                  <a16:creationId xmlns:a16="http://schemas.microsoft.com/office/drawing/2014/main" id="{B2AB3E9A-8A62-4A6B-8866-7AE72A595A66}"/>
+                </a:ext>
+              </a:extLst>
+            </p:cNvPr>
+            <p:cNvSpPr/>
+            <p:nvPr/>
+          </p:nvSpPr>
+          <p:spPr>
+            <a:xfrm rot="5400000">
+              <a:off x="5775990" y="4076946"/>
+              <a:ext cx="45719" cy="53340"/>
+            </a:xfrm>
+            <a:prstGeom prst="ellipse">
+              <a:avLst/>
+            </a:prstGeom>
+            <a:solidFill>
+              <a:schemeClr val="accent6">
+                <a:lumMod val="40000"/>
+                <a:lumOff val="60000"/>
+                <a:alpha val="94000"/>
+              </a:schemeClr>
+            </a:solidFill>
+          </p:spPr>
+          <p:style>
+            <a:lnRef idx="2">
+              <a:schemeClr val="accent1">
+                <a:shade val="50000"/>
+              </a:schemeClr>
+            </a:lnRef>
+            <a:fillRef idx="1">
+              <a:schemeClr val="accent1"/>
+            </a:fillRef>
+            <a:effectRef idx="0">
+              <a:schemeClr val="accent1"/>
+            </a:effectRef>
+            <a:fontRef idx="minor">
+              <a:schemeClr val="lt1"/>
+            </a:fontRef>
+          </p:style>
+          <p:txBody>
+            <a:bodyPr rtlCol="0" anchor="ctr"/>
+            <a:lstStyle/>
+            <a:p>
+              <a:pPr algn="ctr"/>
+              <a:endParaRPr lang="zh-CN" altLang="en-US"/>
+            </a:p>
+          </p:txBody>
+        </p:sp>
+        <p:sp>
+          <p:nvSpPr>
+            <p:cNvPr id="67" name="椭圆 66">
+              <a:extLst>
+                <a:ext uri="{FF2B5EF4-FFF2-40B4-BE49-F238E27FC236}">
+                  <a16:creationId xmlns:a16="http://schemas.microsoft.com/office/drawing/2014/main" id="{0B68CE3E-8FD0-4651-B00B-D5BC9ECF71F9}"/>
+                </a:ext>
+              </a:extLst>
+            </p:cNvPr>
+            <p:cNvSpPr/>
+            <p:nvPr/>
+          </p:nvSpPr>
+          <p:spPr>
+            <a:xfrm rot="5400000">
+              <a:off x="5775990" y="4180057"/>
+              <a:ext cx="45719" cy="53340"/>
+            </a:xfrm>
+            <a:prstGeom prst="ellipse">
+              <a:avLst/>
+            </a:prstGeom>
+            <a:solidFill>
+              <a:schemeClr val="accent6">
+                <a:lumMod val="40000"/>
+                <a:lumOff val="60000"/>
+                <a:alpha val="94000"/>
+              </a:schemeClr>
+            </a:solidFill>
+          </p:spPr>
+          <p:style>
+            <a:lnRef idx="2">
+              <a:schemeClr val="accent1">
+                <a:shade val="50000"/>
+              </a:schemeClr>
+            </a:lnRef>
+            <a:fillRef idx="1">
+              <a:schemeClr val="accent1"/>
+            </a:fillRef>
+            <a:effectRef idx="0">
+              <a:schemeClr val="accent1"/>
+            </a:effectRef>
+            <a:fontRef idx="minor">
+              <a:schemeClr val="lt1"/>
+            </a:fontRef>
+          </p:style>
+          <p:txBody>
+            <a:bodyPr rtlCol="0" anchor="ctr"/>
+            <a:lstStyle/>
+            <a:p>
+              <a:pPr algn="ctr"/>
+              <a:endParaRPr lang="zh-CN" altLang="en-US"/>
+            </a:p>
+          </p:txBody>
+        </p:sp>
+        <p:sp>
+          <p:nvSpPr>
+            <p:cNvPr id="68" name="椭圆 67">
+              <a:extLst>
+                <a:ext uri="{FF2B5EF4-FFF2-40B4-BE49-F238E27FC236}">
+                  <a16:creationId xmlns:a16="http://schemas.microsoft.com/office/drawing/2014/main" id="{69AB2277-877D-4BA1-A6A6-4964FFC58D80}"/>
+                </a:ext>
+              </a:extLst>
+            </p:cNvPr>
+            <p:cNvSpPr/>
+            <p:nvPr/>
+          </p:nvSpPr>
+          <p:spPr>
+            <a:xfrm rot="5400000">
+              <a:off x="5646450" y="1408751"/>
+              <a:ext cx="289560" cy="274320"/>
+            </a:xfrm>
+            <a:prstGeom prst="ellipse">
+              <a:avLst/>
+            </a:prstGeom>
+            <a:solidFill>
+              <a:schemeClr val="accent6">
+                <a:lumMod val="40000"/>
+                <a:lumOff val="60000"/>
+                <a:alpha val="94000"/>
+              </a:schemeClr>
+            </a:solidFill>
+          </p:spPr>
+          <p:style>
+            <a:lnRef idx="2">
+              <a:schemeClr val="accent1">
+                <a:shade val="50000"/>
+              </a:schemeClr>
+            </a:lnRef>
+            <a:fillRef idx="1">
+              <a:schemeClr val="accent1"/>
+            </a:fillRef>
+            <a:effectRef idx="0">
+              <a:schemeClr val="accent1"/>
+            </a:effectRef>
+            <a:fontRef idx="minor">
+              <a:schemeClr val="lt1"/>
+            </a:fontRef>
+          </p:style>
+          <p:txBody>
+            <a:bodyPr rtlCol="0" anchor="ctr"/>
+            <a:lstStyle/>
+            <a:p>
+              <a:pPr algn="ctr"/>
+              <a:endParaRPr lang="zh-CN" altLang="en-US"/>
+            </a:p>
+          </p:txBody>
+        </p:sp>
+        <p:sp>
+          <p:nvSpPr>
+            <p:cNvPr id="69" name="椭圆 68">
+              <a:extLst>
+                <a:ext uri="{FF2B5EF4-FFF2-40B4-BE49-F238E27FC236}">
+                  <a16:creationId xmlns:a16="http://schemas.microsoft.com/office/drawing/2014/main" id="{72E9D93F-BD82-4617-A258-E2394C3B52E5}"/>
+                </a:ext>
+              </a:extLst>
+            </p:cNvPr>
+            <p:cNvSpPr/>
+            <p:nvPr/>
+          </p:nvSpPr>
+          <p:spPr>
+            <a:xfrm rot="5400000">
+              <a:off x="5638830" y="1011561"/>
+              <a:ext cx="289560" cy="274320"/>
+            </a:xfrm>
+            <a:prstGeom prst="ellipse">
+              <a:avLst/>
+            </a:prstGeom>
+            <a:solidFill>
+              <a:schemeClr val="accent6">
+                <a:lumMod val="40000"/>
+                <a:lumOff val="60000"/>
+                <a:alpha val="94000"/>
+              </a:schemeClr>
+            </a:solidFill>
+          </p:spPr>
+          <p:style>
+            <a:lnRef idx="2">
+              <a:schemeClr val="accent1">
+                <a:shade val="50000"/>
+              </a:schemeClr>
+            </a:lnRef>
+            <a:fillRef idx="1">
+              <a:schemeClr val="accent1"/>
+            </a:fillRef>
+            <a:effectRef idx="0">
+              <a:schemeClr val="accent1"/>
+            </a:effectRef>
+            <a:fontRef idx="minor">
+              <a:schemeClr val="lt1"/>
+            </a:fontRef>
+          </p:style>
+          <p:txBody>
+            <a:bodyPr rtlCol="0" anchor="ctr"/>
+            <a:lstStyle/>
+            <a:p>
+              <a:pPr algn="ctr"/>
+              <a:endParaRPr lang="zh-CN" altLang="en-US"/>
+            </a:p>
+          </p:txBody>
+        </p:sp>
+        <p:sp>
+          <p:nvSpPr>
+            <p:cNvPr id="70" name="椭圆 69">
+              <a:extLst>
+                <a:ext uri="{FF2B5EF4-FFF2-40B4-BE49-F238E27FC236}">
+                  <a16:creationId xmlns:a16="http://schemas.microsoft.com/office/drawing/2014/main" id="{912F3EAB-C2F1-48AF-9D20-BA00B8281155}"/>
+                </a:ext>
+              </a:extLst>
+            </p:cNvPr>
+            <p:cNvSpPr/>
+            <p:nvPr/>
+          </p:nvSpPr>
+          <p:spPr>
+            <a:xfrm rot="5400000">
+              <a:off x="5654070" y="4676305"/>
+              <a:ext cx="289560" cy="274320"/>
+            </a:xfrm>
+            <a:prstGeom prst="ellipse">
+              <a:avLst/>
+            </a:prstGeom>
+            <a:solidFill>
+              <a:schemeClr val="accent6">
+                <a:lumMod val="40000"/>
+                <a:lumOff val="60000"/>
+                <a:alpha val="94000"/>
+              </a:schemeClr>
+            </a:solidFill>
+          </p:spPr>
+          <p:style>
+            <a:lnRef idx="2">
+              <a:schemeClr val="accent1">
+                <a:shade val="50000"/>
+              </a:schemeClr>
+            </a:lnRef>
+            <a:fillRef idx="1">
+              <a:schemeClr val="accent1"/>
+            </a:fillRef>
+            <a:effectRef idx="0">
+              <a:schemeClr val="accent1"/>
+            </a:effectRef>
+            <a:fontRef idx="minor">
+              <a:schemeClr val="lt1"/>
+            </a:fontRef>
+          </p:style>
+          <p:txBody>
+            <a:bodyPr rtlCol="0" anchor="ctr"/>
+            <a:lstStyle/>
+            <a:p>
+              <a:pPr algn="ctr"/>
+              <a:endParaRPr lang="zh-CN" altLang="en-US"/>
+            </a:p>
+          </p:txBody>
+        </p:sp>
+        <p:sp>
+          <p:nvSpPr>
+            <p:cNvPr id="71" name="椭圆 70">
+              <a:extLst>
+                <a:ext uri="{FF2B5EF4-FFF2-40B4-BE49-F238E27FC236}">
+                  <a16:creationId xmlns:a16="http://schemas.microsoft.com/office/drawing/2014/main" id="{B40E1248-9932-423E-81AC-DBE56B337351}"/>
+                </a:ext>
+              </a:extLst>
+            </p:cNvPr>
+            <p:cNvSpPr/>
+            <p:nvPr/>
+          </p:nvSpPr>
+          <p:spPr>
+            <a:xfrm rot="5400000">
+              <a:off x="5654070" y="5069228"/>
+              <a:ext cx="289560" cy="274320"/>
+            </a:xfrm>
+            <a:prstGeom prst="ellipse">
+              <a:avLst/>
+            </a:prstGeom>
+            <a:solidFill>
+              <a:schemeClr val="accent6">
+                <a:lumMod val="40000"/>
+                <a:lumOff val="60000"/>
+                <a:alpha val="94000"/>
+              </a:schemeClr>
+            </a:solidFill>
+          </p:spPr>
+          <p:style>
+            <a:lnRef idx="2">
+              <a:schemeClr val="accent1">
+                <a:shade val="50000"/>
+              </a:schemeClr>
+            </a:lnRef>
+            <a:fillRef idx="1">
+              <a:schemeClr val="accent1"/>
+            </a:fillRef>
+            <a:effectRef idx="0">
+              <a:schemeClr val="accent1"/>
+            </a:effectRef>
+            <a:fontRef idx="minor">
+              <a:schemeClr val="lt1"/>
+            </a:fontRef>
+          </p:style>
+          <p:txBody>
+            <a:bodyPr rtlCol="0" anchor="ctr"/>
+            <a:lstStyle/>
+            <a:p>
+              <a:pPr algn="ctr"/>
+              <a:endParaRPr lang="zh-CN" altLang="en-US"/>
+            </a:p>
+          </p:txBody>
+        </p:sp>
+        <p:sp>
+          <p:nvSpPr>
+            <p:cNvPr id="72" name="椭圆 71">
+              <a:extLst>
+                <a:ext uri="{FF2B5EF4-FFF2-40B4-BE49-F238E27FC236}">
+                  <a16:creationId xmlns:a16="http://schemas.microsoft.com/office/drawing/2014/main" id="{204E942D-604D-41FB-A80D-A1FBAD6E12E2}"/>
+                </a:ext>
+              </a:extLst>
+            </p:cNvPr>
+            <p:cNvSpPr/>
+            <p:nvPr/>
+          </p:nvSpPr>
+          <p:spPr>
+            <a:xfrm rot="5400000">
+              <a:off x="6060386" y="1766122"/>
+              <a:ext cx="289560" cy="274320"/>
+            </a:xfrm>
+            <a:prstGeom prst="ellipse">
+              <a:avLst/>
+            </a:prstGeom>
+            <a:solidFill>
+              <a:schemeClr val="bg2">
+                <a:lumMod val="75000"/>
+                <a:alpha val="94000"/>
+              </a:schemeClr>
+            </a:solidFill>
+          </p:spPr>
+          <p:style>
+            <a:lnRef idx="2">
+              <a:schemeClr val="accent1">
+                <a:shade val="50000"/>
+              </a:schemeClr>
+            </a:lnRef>
+            <a:fillRef idx="1">
+              <a:schemeClr val="accent1"/>
+            </a:fillRef>
+            <a:effectRef idx="0">
+              <a:schemeClr val="accent1"/>
+            </a:effectRef>
+            <a:fontRef idx="minor">
+              <a:schemeClr val="lt1"/>
+            </a:fontRef>
+          </p:style>
+          <p:txBody>
+            <a:bodyPr rtlCol="0" anchor="ctr"/>
+            <a:lstStyle/>
+            <a:p>
+              <a:pPr algn="ctr"/>
+              <a:endParaRPr lang="zh-CN" altLang="en-US"/>
+            </a:p>
+          </p:txBody>
+        </p:sp>
+        <p:sp>
+          <p:nvSpPr>
+            <p:cNvPr id="73" name="椭圆 72">
+              <a:extLst>
+                <a:ext uri="{FF2B5EF4-FFF2-40B4-BE49-F238E27FC236}">
+                  <a16:creationId xmlns:a16="http://schemas.microsoft.com/office/drawing/2014/main" id="{41533140-3C78-4686-8822-A53A7CE96955}"/>
+                </a:ext>
+              </a:extLst>
+            </p:cNvPr>
+            <p:cNvSpPr/>
+            <p:nvPr/>
+          </p:nvSpPr>
+          <p:spPr>
+            <a:xfrm rot="5400000">
+              <a:off x="6060386" y="2160458"/>
+              <a:ext cx="289560" cy="274320"/>
+            </a:xfrm>
+            <a:prstGeom prst="ellipse">
+              <a:avLst/>
+            </a:prstGeom>
+            <a:solidFill>
+              <a:schemeClr val="bg2">
+                <a:lumMod val="75000"/>
+                <a:alpha val="94000"/>
+              </a:schemeClr>
+            </a:solidFill>
+          </p:spPr>
+          <p:style>
+            <a:lnRef idx="2">
+              <a:schemeClr val="accent1">
+                <a:shade val="50000"/>
+              </a:schemeClr>
+            </a:lnRef>
+            <a:fillRef idx="1">
+              <a:schemeClr val="accent1"/>
+            </a:fillRef>
+            <a:effectRef idx="0">
+              <a:schemeClr val="accent1"/>
+            </a:effectRef>
+            <a:fontRef idx="minor">
+              <a:schemeClr val="lt1"/>
+            </a:fontRef>
+          </p:style>
+          <p:txBody>
+            <a:bodyPr rtlCol="0" anchor="ctr"/>
+            <a:lstStyle/>
+            <a:p>
+              <a:pPr algn="ctr"/>
+              <a:endParaRPr lang="zh-CN" altLang="en-US"/>
+            </a:p>
+          </p:txBody>
+        </p:sp>
+        <p:sp>
+          <p:nvSpPr>
+            <p:cNvPr id="74" name="椭圆 73">
+              <a:extLst>
+                <a:ext uri="{FF2B5EF4-FFF2-40B4-BE49-F238E27FC236}">
+                  <a16:creationId xmlns:a16="http://schemas.microsoft.com/office/drawing/2014/main" id="{3B58DAD3-3943-4272-81B3-502774F74AAA}"/>
+                </a:ext>
+              </a:extLst>
+            </p:cNvPr>
+            <p:cNvSpPr/>
+            <p:nvPr/>
+          </p:nvSpPr>
+          <p:spPr>
+            <a:xfrm rot="5400000">
+              <a:off x="6060386" y="2554794"/>
+              <a:ext cx="289560" cy="274320"/>
+            </a:xfrm>
+            <a:prstGeom prst="ellipse">
+              <a:avLst/>
+            </a:prstGeom>
+            <a:solidFill>
+              <a:schemeClr val="bg2">
+                <a:lumMod val="75000"/>
+                <a:alpha val="94000"/>
+              </a:schemeClr>
+            </a:solidFill>
+          </p:spPr>
+          <p:style>
+            <a:lnRef idx="2">
+              <a:schemeClr val="accent1">
+                <a:shade val="50000"/>
+              </a:schemeClr>
+            </a:lnRef>
+            <a:fillRef idx="1">
+              <a:schemeClr val="accent1"/>
+            </a:fillRef>
+            <a:effectRef idx="0">
+              <a:schemeClr val="accent1"/>
+            </a:effectRef>
+            <a:fontRef idx="minor">
+              <a:schemeClr val="lt1"/>
+            </a:fontRef>
+          </p:style>
+          <p:txBody>
+            <a:bodyPr rtlCol="0" anchor="ctr"/>
+            <a:lstStyle/>
+            <a:p>
+              <a:pPr algn="ctr"/>
+              <a:endParaRPr lang="zh-CN" altLang="en-US"/>
+            </a:p>
+          </p:txBody>
+        </p:sp>
+        <p:sp>
+          <p:nvSpPr>
+            <p:cNvPr id="75" name="椭圆 74">
+              <a:extLst>
+                <a:ext uri="{FF2B5EF4-FFF2-40B4-BE49-F238E27FC236}">
+                  <a16:creationId xmlns:a16="http://schemas.microsoft.com/office/drawing/2014/main" id="{2CCC4A26-B9D7-40B6-8C3E-D0B8BAE8F2D2}"/>
+                </a:ext>
+              </a:extLst>
+            </p:cNvPr>
+            <p:cNvSpPr/>
+            <p:nvPr/>
+          </p:nvSpPr>
+          <p:spPr>
+            <a:xfrm rot="5400000">
+              <a:off x="6068006" y="2949130"/>
+              <a:ext cx="289560" cy="274320"/>
+            </a:xfrm>
+            <a:prstGeom prst="ellipse">
+              <a:avLst/>
+            </a:prstGeom>
+            <a:solidFill>
+              <a:schemeClr val="bg2">
+                <a:lumMod val="75000"/>
+                <a:alpha val="94000"/>
+              </a:schemeClr>
+            </a:solidFill>
+          </p:spPr>
+          <p:style>
+            <a:lnRef idx="2">
+              <a:schemeClr val="accent1">
+                <a:shade val="50000"/>
+              </a:schemeClr>
+            </a:lnRef>
+            <a:fillRef idx="1">
+              <a:schemeClr val="accent1"/>
+            </a:fillRef>
+            <a:effectRef idx="0">
+              <a:schemeClr val="accent1"/>
+            </a:effectRef>
+            <a:fontRef idx="minor">
+              <a:schemeClr val="lt1"/>
+            </a:fontRef>
+          </p:style>
+          <p:txBody>
+            <a:bodyPr rtlCol="0" anchor="ctr"/>
+            <a:lstStyle/>
+            <a:p>
+              <a:pPr algn="ctr"/>
+              <a:endParaRPr lang="zh-CN" altLang="en-US"/>
+            </a:p>
+          </p:txBody>
+        </p:sp>
+        <p:sp>
+          <p:nvSpPr>
+            <p:cNvPr id="76" name="椭圆 75">
+              <a:extLst>
+                <a:ext uri="{FF2B5EF4-FFF2-40B4-BE49-F238E27FC236}">
+                  <a16:creationId xmlns:a16="http://schemas.microsoft.com/office/drawing/2014/main" id="{891D352E-6D3A-45C0-AD37-F9BF8E60F11F}"/>
+                </a:ext>
+              </a:extLst>
+            </p:cNvPr>
+            <p:cNvSpPr/>
+            <p:nvPr/>
+          </p:nvSpPr>
+          <p:spPr>
+            <a:xfrm rot="5400000">
+              <a:off x="6068006" y="3346320"/>
+              <a:ext cx="289560" cy="274320"/>
+            </a:xfrm>
+            <a:prstGeom prst="ellipse">
+              <a:avLst/>
+            </a:prstGeom>
+            <a:solidFill>
+              <a:schemeClr val="bg2">
+                <a:lumMod val="75000"/>
+                <a:alpha val="94000"/>
+              </a:schemeClr>
+            </a:solidFill>
+          </p:spPr>
+          <p:style>
+            <a:lnRef idx="2">
+              <a:schemeClr val="accent1">
+                <a:shade val="50000"/>
+              </a:schemeClr>
+            </a:lnRef>
+            <a:fillRef idx="1">
+              <a:schemeClr val="accent1"/>
+            </a:fillRef>
+            <a:effectRef idx="0">
+              <a:schemeClr val="accent1"/>
+            </a:effectRef>
+            <a:fontRef idx="minor">
+              <a:schemeClr val="lt1"/>
+            </a:fontRef>
+          </p:style>
+          <p:txBody>
+            <a:bodyPr rtlCol="0" anchor="ctr"/>
+            <a:lstStyle/>
+            <a:p>
+              <a:pPr algn="ctr"/>
+              <a:endParaRPr lang="zh-CN" altLang="en-US"/>
+            </a:p>
+          </p:txBody>
+        </p:sp>
+        <p:sp>
+          <p:nvSpPr>
+            <p:cNvPr id="77" name="椭圆 76">
+              <a:extLst>
+                <a:ext uri="{FF2B5EF4-FFF2-40B4-BE49-F238E27FC236}">
+                  <a16:creationId xmlns:a16="http://schemas.microsoft.com/office/drawing/2014/main" id="{66C64EB2-1F3C-42CE-8C4E-5BE135402A09}"/>
+                </a:ext>
+              </a:extLst>
+            </p:cNvPr>
+            <p:cNvSpPr/>
+            <p:nvPr/>
+          </p:nvSpPr>
+          <p:spPr>
+            <a:xfrm rot="5400000">
+              <a:off x="6060386" y="4277392"/>
+              <a:ext cx="289560" cy="274320"/>
+            </a:xfrm>
+            <a:prstGeom prst="ellipse">
+              <a:avLst/>
+            </a:prstGeom>
+            <a:solidFill>
+              <a:schemeClr val="bg2">
+                <a:lumMod val="75000"/>
+                <a:alpha val="94000"/>
+              </a:schemeClr>
+            </a:solidFill>
+          </p:spPr>
+          <p:style>
+            <a:lnRef idx="2">
+              <a:schemeClr val="accent1">
+                <a:shade val="50000"/>
+              </a:schemeClr>
+            </a:lnRef>
+            <a:fillRef idx="1">
+              <a:schemeClr val="accent1"/>
+            </a:fillRef>
+            <a:effectRef idx="0">
+              <a:schemeClr val="accent1"/>
+            </a:effectRef>
+            <a:fontRef idx="minor">
+              <a:schemeClr val="lt1"/>
+            </a:fontRef>
+          </p:style>
+          <p:txBody>
+            <a:bodyPr rtlCol="0" anchor="ctr"/>
+            <a:lstStyle/>
+            <a:p>
+              <a:pPr algn="ctr"/>
+              <a:endParaRPr lang="zh-CN" altLang="en-US"/>
+            </a:p>
+          </p:txBody>
+        </p:sp>
+        <p:sp>
+          <p:nvSpPr>
+            <p:cNvPr id="78" name="椭圆 77">
+              <a:extLst>
+                <a:ext uri="{FF2B5EF4-FFF2-40B4-BE49-F238E27FC236}">
+                  <a16:creationId xmlns:a16="http://schemas.microsoft.com/office/drawing/2014/main" id="{6870937D-EE6E-4691-AAF2-09CA47999EC5}"/>
+                </a:ext>
+              </a:extLst>
+            </p:cNvPr>
+            <p:cNvSpPr/>
+            <p:nvPr/>
+          </p:nvSpPr>
+          <p:spPr>
+            <a:xfrm rot="5400000">
+              <a:off x="6189926" y="3672306"/>
+              <a:ext cx="45719" cy="53340"/>
+            </a:xfrm>
+            <a:prstGeom prst="ellipse">
+              <a:avLst/>
+            </a:prstGeom>
+            <a:solidFill>
+              <a:schemeClr val="bg2">
+                <a:lumMod val="75000"/>
+                <a:alpha val="94000"/>
+              </a:schemeClr>
+            </a:solidFill>
+          </p:spPr>
+          <p:style>
+            <a:lnRef idx="2">
+              <a:schemeClr val="accent1">
+                <a:shade val="50000"/>
+              </a:schemeClr>
+            </a:lnRef>
+            <a:fillRef idx="1">
+              <a:schemeClr val="accent1"/>
+            </a:fillRef>
+            <a:effectRef idx="0">
+              <a:schemeClr val="accent1"/>
+            </a:effectRef>
+            <a:fontRef idx="minor">
+              <a:schemeClr val="lt1"/>
+            </a:fontRef>
+          </p:style>
+          <p:txBody>
+            <a:bodyPr rtlCol="0" anchor="ctr"/>
+            <a:lstStyle/>
+            <a:p>
+              <a:pPr algn="ctr"/>
+              <a:endParaRPr lang="zh-CN" altLang="en-US"/>
+            </a:p>
+          </p:txBody>
+        </p:sp>
+        <p:sp>
+          <p:nvSpPr>
+            <p:cNvPr id="79" name="椭圆 78">
+              <a:extLst>
+                <a:ext uri="{FF2B5EF4-FFF2-40B4-BE49-F238E27FC236}">
+                  <a16:creationId xmlns:a16="http://schemas.microsoft.com/office/drawing/2014/main" id="{09F87405-174E-4EFE-A35D-52535DC8996F}"/>
+                </a:ext>
+              </a:extLst>
+            </p:cNvPr>
+            <p:cNvSpPr/>
+            <p:nvPr/>
+          </p:nvSpPr>
+          <p:spPr>
+            <a:xfrm rot="5400000">
+              <a:off x="6189926" y="3767567"/>
+              <a:ext cx="45719" cy="53340"/>
+            </a:xfrm>
+            <a:prstGeom prst="ellipse">
+              <a:avLst/>
+            </a:prstGeom>
+            <a:solidFill>
+              <a:schemeClr val="bg2">
+                <a:lumMod val="75000"/>
+                <a:alpha val="94000"/>
+              </a:schemeClr>
+            </a:solidFill>
+          </p:spPr>
+          <p:style>
+            <a:lnRef idx="2">
+              <a:schemeClr val="accent1">
+                <a:shade val="50000"/>
+              </a:schemeClr>
+            </a:lnRef>
+            <a:fillRef idx="1">
+              <a:schemeClr val="accent1"/>
+            </a:fillRef>
+            <a:effectRef idx="0">
+              <a:schemeClr val="accent1"/>
+            </a:effectRef>
+            <a:fontRef idx="minor">
+              <a:schemeClr val="lt1"/>
+            </a:fontRef>
+          </p:style>
+          <p:txBody>
+            <a:bodyPr rtlCol="0" anchor="ctr"/>
+            <a:lstStyle/>
+            <a:p>
+              <a:pPr algn="ctr"/>
+              <a:endParaRPr lang="zh-CN" altLang="en-US"/>
+            </a:p>
+          </p:txBody>
+        </p:sp>
+        <p:sp>
+          <p:nvSpPr>
+            <p:cNvPr id="80" name="椭圆 79">
+              <a:extLst>
+                <a:ext uri="{FF2B5EF4-FFF2-40B4-BE49-F238E27FC236}">
+                  <a16:creationId xmlns:a16="http://schemas.microsoft.com/office/drawing/2014/main" id="{0F7A3F62-DE84-4CD2-B26B-B6BCDB29FBA9}"/>
+                </a:ext>
+              </a:extLst>
+            </p:cNvPr>
+            <p:cNvSpPr/>
+            <p:nvPr/>
+          </p:nvSpPr>
+          <p:spPr>
+            <a:xfrm rot="5400000">
+              <a:off x="6189926" y="3868547"/>
+              <a:ext cx="45719" cy="53340"/>
+            </a:xfrm>
+            <a:prstGeom prst="ellipse">
+              <a:avLst/>
+            </a:prstGeom>
+            <a:solidFill>
+              <a:schemeClr val="bg2">
+                <a:lumMod val="75000"/>
+                <a:alpha val="94000"/>
+              </a:schemeClr>
+            </a:solidFill>
+          </p:spPr>
+          <p:style>
+            <a:lnRef idx="2">
+              <a:schemeClr val="accent1">
+                <a:shade val="50000"/>
+              </a:schemeClr>
+            </a:lnRef>
+            <a:fillRef idx="1">
+              <a:schemeClr val="accent1"/>
+            </a:fillRef>
+            <a:effectRef idx="0">
+              <a:schemeClr val="accent1"/>
+            </a:effectRef>
+            <a:fontRef idx="minor">
+              <a:schemeClr val="lt1"/>
+            </a:fontRef>
+          </p:style>
+          <p:txBody>
+            <a:bodyPr rtlCol="0" anchor="ctr"/>
+            <a:lstStyle/>
+            <a:p>
+              <a:pPr algn="ctr"/>
+              <a:endParaRPr lang="zh-CN" altLang="en-US"/>
+            </a:p>
+          </p:txBody>
+        </p:sp>
+        <p:sp>
+          <p:nvSpPr>
+            <p:cNvPr id="81" name="椭圆 80">
+              <a:extLst>
+                <a:ext uri="{FF2B5EF4-FFF2-40B4-BE49-F238E27FC236}">
+                  <a16:creationId xmlns:a16="http://schemas.microsoft.com/office/drawing/2014/main" id="{767E909B-221D-44DF-95D3-2FC16D0ABC93}"/>
+                </a:ext>
+              </a:extLst>
+            </p:cNvPr>
+            <p:cNvSpPr/>
+            <p:nvPr/>
+          </p:nvSpPr>
+          <p:spPr>
+            <a:xfrm rot="5400000">
+              <a:off x="6189926" y="3966162"/>
+              <a:ext cx="45719" cy="53340"/>
+            </a:xfrm>
+            <a:prstGeom prst="ellipse">
+              <a:avLst/>
+            </a:prstGeom>
+            <a:solidFill>
+              <a:schemeClr val="bg2">
+                <a:lumMod val="75000"/>
+                <a:alpha val="94000"/>
+              </a:schemeClr>
+            </a:solidFill>
+          </p:spPr>
+          <p:style>
+            <a:lnRef idx="2">
+              <a:schemeClr val="accent1">
+                <a:shade val="50000"/>
+              </a:schemeClr>
+            </a:lnRef>
+            <a:fillRef idx="1">
+              <a:schemeClr val="accent1"/>
+            </a:fillRef>
+            <a:effectRef idx="0">
+              <a:schemeClr val="accent1"/>
+            </a:effectRef>
+            <a:fontRef idx="minor">
+              <a:schemeClr val="lt1"/>
+            </a:fontRef>
+          </p:style>
+          <p:txBody>
+            <a:bodyPr rtlCol="0" anchor="ctr"/>
+            <a:lstStyle/>
+            <a:p>
+              <a:pPr algn="ctr"/>
+              <a:endParaRPr lang="zh-CN" altLang="en-US"/>
+            </a:p>
+          </p:txBody>
+        </p:sp>
+        <p:sp>
+          <p:nvSpPr>
+            <p:cNvPr id="82" name="椭圆 81">
+              <a:extLst>
+                <a:ext uri="{FF2B5EF4-FFF2-40B4-BE49-F238E27FC236}">
+                  <a16:creationId xmlns:a16="http://schemas.microsoft.com/office/drawing/2014/main" id="{ED949257-47AF-450F-8234-1B3456114BD2}"/>
+                </a:ext>
+              </a:extLst>
+            </p:cNvPr>
+            <p:cNvSpPr/>
+            <p:nvPr/>
+          </p:nvSpPr>
+          <p:spPr>
+            <a:xfrm rot="5400000">
+              <a:off x="6189926" y="4069273"/>
+              <a:ext cx="45719" cy="53340"/>
+            </a:xfrm>
+            <a:prstGeom prst="ellipse">
+              <a:avLst/>
+            </a:prstGeom>
+            <a:solidFill>
+              <a:schemeClr val="bg2">
+                <a:lumMod val="75000"/>
+                <a:alpha val="94000"/>
+              </a:schemeClr>
+            </a:solidFill>
+          </p:spPr>
+          <p:style>
+            <a:lnRef idx="2">
+              <a:schemeClr val="accent1">
+                <a:shade val="50000"/>
+              </a:schemeClr>
+            </a:lnRef>
+            <a:fillRef idx="1">
+              <a:schemeClr val="accent1"/>
+            </a:fillRef>
+            <a:effectRef idx="0">
+              <a:schemeClr val="accent1"/>
+            </a:effectRef>
+            <a:fontRef idx="minor">
+              <a:schemeClr val="lt1"/>
+            </a:fontRef>
+          </p:style>
+          <p:txBody>
+            <a:bodyPr rtlCol="0" anchor="ctr"/>
+            <a:lstStyle/>
+            <a:p>
+              <a:pPr algn="ctr"/>
+              <a:endParaRPr lang="zh-CN" altLang="en-US"/>
+            </a:p>
+          </p:txBody>
+        </p:sp>
+        <p:sp>
+          <p:nvSpPr>
+            <p:cNvPr id="83" name="椭圆 82">
+              <a:extLst>
+                <a:ext uri="{FF2B5EF4-FFF2-40B4-BE49-F238E27FC236}">
+                  <a16:creationId xmlns:a16="http://schemas.microsoft.com/office/drawing/2014/main" id="{721E804E-5A19-4E43-9C39-0FC2380D4A0A}"/>
+                </a:ext>
+              </a:extLst>
+            </p:cNvPr>
+            <p:cNvSpPr/>
+            <p:nvPr/>
+          </p:nvSpPr>
+          <p:spPr>
+            <a:xfrm rot="5400000">
+              <a:off x="6189926" y="4172384"/>
+              <a:ext cx="45719" cy="53340"/>
+            </a:xfrm>
+            <a:prstGeom prst="ellipse">
+              <a:avLst/>
+            </a:prstGeom>
+            <a:solidFill>
+              <a:schemeClr val="bg2">
+                <a:lumMod val="75000"/>
+                <a:alpha val="94000"/>
+              </a:schemeClr>
+            </a:solidFill>
+          </p:spPr>
+          <p:style>
+            <a:lnRef idx="2">
+              <a:schemeClr val="accent1">
+                <a:shade val="50000"/>
+              </a:schemeClr>
+            </a:lnRef>
+            <a:fillRef idx="1">
+              <a:schemeClr val="accent1"/>
+            </a:fillRef>
+            <a:effectRef idx="0">
+              <a:schemeClr val="accent1"/>
+            </a:effectRef>
+            <a:fontRef idx="minor">
+              <a:schemeClr val="lt1"/>
+            </a:fontRef>
+          </p:style>
+          <p:txBody>
+            <a:bodyPr rtlCol="0" anchor="ctr"/>
+            <a:lstStyle/>
+            <a:p>
+              <a:pPr algn="ctr"/>
+              <a:endParaRPr lang="zh-CN" altLang="en-US"/>
+            </a:p>
+          </p:txBody>
+        </p:sp>
+        <p:sp>
+          <p:nvSpPr>
+            <p:cNvPr id="84" name="椭圆 83">
+              <a:extLst>
+                <a:ext uri="{FF2B5EF4-FFF2-40B4-BE49-F238E27FC236}">
+                  <a16:creationId xmlns:a16="http://schemas.microsoft.com/office/drawing/2014/main" id="{EABB60EA-E87C-453C-B81C-A8E2CA928884}"/>
+                </a:ext>
+              </a:extLst>
+            </p:cNvPr>
+            <p:cNvSpPr/>
+            <p:nvPr/>
+          </p:nvSpPr>
+          <p:spPr>
+            <a:xfrm rot="5400000">
+              <a:off x="6060386" y="1401078"/>
+              <a:ext cx="289560" cy="274320"/>
+            </a:xfrm>
+            <a:prstGeom prst="ellipse">
+              <a:avLst/>
+            </a:prstGeom>
+            <a:solidFill>
+              <a:schemeClr val="bg2">
+                <a:lumMod val="75000"/>
+                <a:alpha val="94000"/>
+              </a:schemeClr>
+            </a:solidFill>
+          </p:spPr>
+          <p:style>
+            <a:lnRef idx="2">
+              <a:schemeClr val="accent1">
+                <a:shade val="50000"/>
+              </a:schemeClr>
+            </a:lnRef>
+            <a:fillRef idx="1">
+              <a:schemeClr val="accent1"/>
+            </a:fillRef>
+            <a:effectRef idx="0">
+              <a:schemeClr val="accent1"/>
+            </a:effectRef>
+            <a:fontRef idx="minor">
+              <a:schemeClr val="lt1"/>
+            </a:fontRef>
+          </p:style>
+          <p:txBody>
+            <a:bodyPr rtlCol="0" anchor="ctr"/>
+            <a:lstStyle/>
+            <a:p>
+              <a:pPr algn="ctr"/>
+              <a:endParaRPr lang="zh-CN" altLang="en-US"/>
+            </a:p>
+          </p:txBody>
+        </p:sp>
+        <p:sp>
+          <p:nvSpPr>
+            <p:cNvPr id="85" name="椭圆 84">
+              <a:extLst>
+                <a:ext uri="{FF2B5EF4-FFF2-40B4-BE49-F238E27FC236}">
+                  <a16:creationId xmlns:a16="http://schemas.microsoft.com/office/drawing/2014/main" id="{C061AEF9-4130-47F2-AB85-4DC53FB74DBD}"/>
+                </a:ext>
+              </a:extLst>
+            </p:cNvPr>
+            <p:cNvSpPr/>
+            <p:nvPr/>
+          </p:nvSpPr>
+          <p:spPr>
+            <a:xfrm rot="5400000">
+              <a:off x="6052766" y="1003888"/>
+              <a:ext cx="289560" cy="274320"/>
+            </a:xfrm>
+            <a:prstGeom prst="ellipse">
+              <a:avLst/>
+            </a:prstGeom>
+            <a:solidFill>
+              <a:schemeClr val="bg2">
+                <a:lumMod val="75000"/>
+                <a:alpha val="94000"/>
+              </a:schemeClr>
+            </a:solidFill>
+          </p:spPr>
+          <p:style>
+            <a:lnRef idx="2">
+              <a:schemeClr val="accent1">
+                <a:shade val="50000"/>
+              </a:schemeClr>
+            </a:lnRef>
+            <a:fillRef idx="1">
+              <a:schemeClr val="accent1"/>
+            </a:fillRef>
+            <a:effectRef idx="0">
+              <a:schemeClr val="accent1"/>
+            </a:effectRef>
+            <a:fontRef idx="minor">
+              <a:schemeClr val="lt1"/>
+            </a:fontRef>
+          </p:style>
+          <p:txBody>
+            <a:bodyPr rtlCol="0" anchor="ctr"/>
+            <a:lstStyle/>
+            <a:p>
+              <a:pPr algn="ctr"/>
+              <a:endParaRPr lang="zh-CN" altLang="en-US"/>
+            </a:p>
+          </p:txBody>
+        </p:sp>
+        <p:sp>
+          <p:nvSpPr>
+            <p:cNvPr id="86" name="椭圆 85">
+              <a:extLst>
+                <a:ext uri="{FF2B5EF4-FFF2-40B4-BE49-F238E27FC236}">
+                  <a16:creationId xmlns:a16="http://schemas.microsoft.com/office/drawing/2014/main" id="{225D05CA-7D92-48A6-A63D-2C1DE7192022}"/>
+                </a:ext>
+              </a:extLst>
+            </p:cNvPr>
+            <p:cNvSpPr/>
+            <p:nvPr/>
+          </p:nvSpPr>
+          <p:spPr>
+            <a:xfrm rot="5400000">
+              <a:off x="6068006" y="4668632"/>
+              <a:ext cx="289560" cy="274320"/>
+            </a:xfrm>
+            <a:prstGeom prst="ellipse">
+              <a:avLst/>
+            </a:prstGeom>
+            <a:solidFill>
+              <a:schemeClr val="bg2">
+                <a:lumMod val="75000"/>
+                <a:alpha val="94000"/>
+              </a:schemeClr>
+            </a:solidFill>
+          </p:spPr>
+          <p:style>
+            <a:lnRef idx="2">
+              <a:schemeClr val="accent1">
+                <a:shade val="50000"/>
+              </a:schemeClr>
+            </a:lnRef>
+            <a:fillRef idx="1">
+              <a:schemeClr val="accent1"/>
+            </a:fillRef>
+            <a:effectRef idx="0">
+              <a:schemeClr val="accent1"/>
+            </a:effectRef>
+            <a:fontRef idx="minor">
+              <a:schemeClr val="lt1"/>
+            </a:fontRef>
+          </p:style>
+          <p:txBody>
+            <a:bodyPr rtlCol="0" anchor="ctr"/>
+            <a:lstStyle/>
+            <a:p>
+              <a:pPr algn="ctr"/>
+              <a:endParaRPr lang="zh-CN" altLang="en-US"/>
+            </a:p>
+          </p:txBody>
+        </p:sp>
+        <p:sp>
+          <p:nvSpPr>
+            <p:cNvPr id="87" name="椭圆 86">
+              <a:extLst>
+                <a:ext uri="{FF2B5EF4-FFF2-40B4-BE49-F238E27FC236}">
+                  <a16:creationId xmlns:a16="http://schemas.microsoft.com/office/drawing/2014/main" id="{E7B6A343-693F-4B36-AB11-7E4616C9E28B}"/>
+                </a:ext>
+              </a:extLst>
+            </p:cNvPr>
+            <p:cNvSpPr/>
+            <p:nvPr/>
+          </p:nvSpPr>
+          <p:spPr>
+            <a:xfrm rot="5400000">
+              <a:off x="6068006" y="5061555"/>
+              <a:ext cx="289560" cy="274320"/>
+            </a:xfrm>
+            <a:prstGeom prst="ellipse">
+              <a:avLst/>
+            </a:prstGeom>
+            <a:solidFill>
+              <a:schemeClr val="bg2">
+                <a:lumMod val="75000"/>
+                <a:alpha val="94000"/>
+              </a:schemeClr>
+            </a:solidFill>
+          </p:spPr>
+          <p:style>
+            <a:lnRef idx="2">
+              <a:schemeClr val="accent1">
+                <a:shade val="50000"/>
+              </a:schemeClr>
+            </a:lnRef>
+            <a:fillRef idx="1">
+              <a:schemeClr val="accent1"/>
+            </a:fillRef>
+            <a:effectRef idx="0">
+              <a:schemeClr val="accent1"/>
+            </a:effectRef>
+            <a:fontRef idx="minor">
+              <a:schemeClr val="lt1"/>
+            </a:fontRef>
+          </p:style>
+          <p:txBody>
+            <a:bodyPr rtlCol="0" anchor="ctr"/>
+            <a:lstStyle/>
+            <a:p>
+              <a:pPr algn="ctr"/>
+              <a:endParaRPr lang="zh-CN" altLang="en-US"/>
+            </a:p>
+          </p:txBody>
+        </p:sp>
+        <p:sp>
+          <p:nvSpPr>
+            <p:cNvPr id="88" name="椭圆 87">
+              <a:extLst>
+                <a:ext uri="{FF2B5EF4-FFF2-40B4-BE49-F238E27FC236}">
+                  <a16:creationId xmlns:a16="http://schemas.microsoft.com/office/drawing/2014/main" id="{EB4CF47E-A904-4021-98E2-395FF3437DE1}"/>
+                </a:ext>
+              </a:extLst>
+            </p:cNvPr>
+            <p:cNvSpPr/>
+            <p:nvPr/>
+          </p:nvSpPr>
+          <p:spPr>
+            <a:xfrm rot="5400000">
+              <a:off x="6583742" y="1773795"/>
+              <a:ext cx="289560" cy="274320"/>
+            </a:xfrm>
+            <a:prstGeom prst="ellipse">
+              <a:avLst/>
+            </a:prstGeom>
+            <a:solidFill>
+              <a:srgbClr val="FFC000">
+                <a:alpha val="94000"/>
+              </a:srgbClr>
+            </a:solidFill>
+          </p:spPr>
+          <p:style>
+            <a:lnRef idx="2">
+              <a:schemeClr val="accent1">
+                <a:shade val="50000"/>
+              </a:schemeClr>
+            </a:lnRef>
+            <a:fillRef idx="1">
+              <a:schemeClr val="accent1"/>
+            </a:fillRef>
+            <a:effectRef idx="0">
+              <a:schemeClr val="accent1"/>
+            </a:effectRef>
+            <a:fontRef idx="minor">
+              <a:schemeClr val="lt1"/>
+            </a:fontRef>
+          </p:style>
+          <p:txBody>
+            <a:bodyPr rtlCol="0" anchor="ctr"/>
+            <a:lstStyle/>
+            <a:p>
+              <a:pPr algn="ctr"/>
+              <a:endParaRPr lang="zh-CN" altLang="en-US"/>
+            </a:p>
+          </p:txBody>
+        </p:sp>
+        <p:sp>
+          <p:nvSpPr>
+            <p:cNvPr id="89" name="椭圆 88">
+              <a:extLst>
+                <a:ext uri="{FF2B5EF4-FFF2-40B4-BE49-F238E27FC236}">
+                  <a16:creationId xmlns:a16="http://schemas.microsoft.com/office/drawing/2014/main" id="{589FA914-FFDA-4184-9DDB-5192B79E9E17}"/>
+                </a:ext>
+              </a:extLst>
+            </p:cNvPr>
+            <p:cNvSpPr/>
+            <p:nvPr/>
+          </p:nvSpPr>
+          <p:spPr>
+            <a:xfrm rot="5400000">
+              <a:off x="6583742" y="2168131"/>
+              <a:ext cx="289560" cy="274320"/>
+            </a:xfrm>
+            <a:prstGeom prst="ellipse">
+              <a:avLst/>
+            </a:prstGeom>
+            <a:solidFill>
+              <a:srgbClr val="FFC000">
+                <a:alpha val="94000"/>
+              </a:srgbClr>
+            </a:solidFill>
+          </p:spPr>
+          <p:style>
+            <a:lnRef idx="2">
+              <a:schemeClr val="accent1">
+                <a:shade val="50000"/>
+              </a:schemeClr>
+            </a:lnRef>
+            <a:fillRef idx="1">
+              <a:schemeClr val="accent1"/>
+            </a:fillRef>
+            <a:effectRef idx="0">
+              <a:schemeClr val="accent1"/>
+            </a:effectRef>
+            <a:fontRef idx="minor">
+              <a:schemeClr val="lt1"/>
+            </a:fontRef>
+          </p:style>
+          <p:txBody>
+            <a:bodyPr rtlCol="0" anchor="ctr"/>
+            <a:lstStyle/>
+            <a:p>
+              <a:pPr algn="ctr"/>
+              <a:endParaRPr lang="zh-CN" altLang="en-US"/>
+            </a:p>
+          </p:txBody>
+        </p:sp>
+        <p:sp>
+          <p:nvSpPr>
+            <p:cNvPr id="90" name="椭圆 89">
+              <a:extLst>
+                <a:ext uri="{FF2B5EF4-FFF2-40B4-BE49-F238E27FC236}">
+                  <a16:creationId xmlns:a16="http://schemas.microsoft.com/office/drawing/2014/main" id="{D8B2BDF9-13E1-4419-884A-DDFB4BF78E90}"/>
+                </a:ext>
+              </a:extLst>
+            </p:cNvPr>
+            <p:cNvSpPr/>
+            <p:nvPr/>
+          </p:nvSpPr>
+          <p:spPr>
+            <a:xfrm rot="5400000">
+              <a:off x="6583742" y="2562467"/>
+              <a:ext cx="289560" cy="274320"/>
+            </a:xfrm>
+            <a:prstGeom prst="ellipse">
+              <a:avLst/>
+            </a:prstGeom>
+            <a:solidFill>
+              <a:srgbClr val="FFC000">
+                <a:alpha val="94000"/>
+              </a:srgbClr>
+            </a:solidFill>
+          </p:spPr>
+          <p:style>
+            <a:lnRef idx="2">
+              <a:schemeClr val="accent1">
+                <a:shade val="50000"/>
+              </a:schemeClr>
+            </a:lnRef>
+            <a:fillRef idx="1">
+              <a:schemeClr val="accent1"/>
+            </a:fillRef>
+            <a:effectRef idx="0">
+              <a:schemeClr val="accent1"/>
+            </a:effectRef>
+            <a:fontRef idx="minor">
+              <a:schemeClr val="lt1"/>
+            </a:fontRef>
+          </p:style>
+          <p:txBody>
+            <a:bodyPr rtlCol="0" anchor="ctr"/>
+            <a:lstStyle/>
+            <a:p>
+              <a:pPr algn="ctr"/>
+              <a:endParaRPr lang="zh-CN" altLang="en-US"/>
+            </a:p>
+          </p:txBody>
+        </p:sp>
+        <p:sp>
+          <p:nvSpPr>
+            <p:cNvPr id="91" name="椭圆 90">
+              <a:extLst>
+                <a:ext uri="{FF2B5EF4-FFF2-40B4-BE49-F238E27FC236}">
+                  <a16:creationId xmlns:a16="http://schemas.microsoft.com/office/drawing/2014/main" id="{0C56F262-F5EC-4CEB-97F8-2A769EE9FEC8}"/>
+                </a:ext>
+              </a:extLst>
+            </p:cNvPr>
+            <p:cNvSpPr/>
+            <p:nvPr/>
+          </p:nvSpPr>
+          <p:spPr>
+            <a:xfrm rot="5400000">
+              <a:off x="6591362" y="2956803"/>
+              <a:ext cx="289560" cy="274320"/>
+            </a:xfrm>
+            <a:prstGeom prst="ellipse">
+              <a:avLst/>
+            </a:prstGeom>
+            <a:solidFill>
+              <a:srgbClr val="FFC000">
+                <a:alpha val="94000"/>
+              </a:srgbClr>
+            </a:solidFill>
+          </p:spPr>
+          <p:style>
+            <a:lnRef idx="2">
+              <a:schemeClr val="accent1">
+                <a:shade val="50000"/>
+              </a:schemeClr>
+            </a:lnRef>
+            <a:fillRef idx="1">
+              <a:schemeClr val="accent1"/>
+            </a:fillRef>
+            <a:effectRef idx="0">
+              <a:schemeClr val="accent1"/>
+            </a:effectRef>
+            <a:fontRef idx="minor">
+              <a:schemeClr val="lt1"/>
+            </a:fontRef>
+          </p:style>
+          <p:txBody>
+            <a:bodyPr rtlCol="0" anchor="ctr"/>
+            <a:lstStyle/>
+            <a:p>
+              <a:pPr algn="ctr"/>
+              <a:endParaRPr lang="zh-CN" altLang="en-US"/>
+            </a:p>
+          </p:txBody>
+        </p:sp>
+        <p:sp>
+          <p:nvSpPr>
+            <p:cNvPr id="92" name="椭圆 91">
+              <a:extLst>
+                <a:ext uri="{FF2B5EF4-FFF2-40B4-BE49-F238E27FC236}">
+                  <a16:creationId xmlns:a16="http://schemas.microsoft.com/office/drawing/2014/main" id="{308BE69D-68E2-4D94-916C-6E77CB0FFD77}"/>
+                </a:ext>
+              </a:extLst>
+            </p:cNvPr>
+            <p:cNvSpPr/>
+            <p:nvPr/>
+          </p:nvSpPr>
+          <p:spPr>
+            <a:xfrm rot="5400000">
+              <a:off x="6591362" y="3353993"/>
+              <a:ext cx="289560" cy="274320"/>
+            </a:xfrm>
+            <a:prstGeom prst="ellipse">
+              <a:avLst/>
+            </a:prstGeom>
+            <a:solidFill>
+              <a:srgbClr val="FFC000">
+                <a:alpha val="94000"/>
+              </a:srgbClr>
+            </a:solidFill>
+          </p:spPr>
+          <p:style>
+            <a:lnRef idx="2">
+              <a:schemeClr val="accent1">
+                <a:shade val="50000"/>
+              </a:schemeClr>
+            </a:lnRef>
+            <a:fillRef idx="1">
+              <a:schemeClr val="accent1"/>
+            </a:fillRef>
+            <a:effectRef idx="0">
+              <a:schemeClr val="accent1"/>
+            </a:effectRef>
+            <a:fontRef idx="minor">
+              <a:schemeClr val="lt1"/>
+            </a:fontRef>
+          </p:style>
+          <p:txBody>
+            <a:bodyPr rtlCol="0" anchor="ctr"/>
+            <a:lstStyle/>
+            <a:p>
+              <a:pPr algn="ctr"/>
+              <a:endParaRPr lang="zh-CN" altLang="en-US"/>
+            </a:p>
+          </p:txBody>
+        </p:sp>
+        <p:sp>
+          <p:nvSpPr>
+            <p:cNvPr id="93" name="椭圆 92">
+              <a:extLst>
+                <a:ext uri="{FF2B5EF4-FFF2-40B4-BE49-F238E27FC236}">
+                  <a16:creationId xmlns:a16="http://schemas.microsoft.com/office/drawing/2014/main" id="{6489FAFF-4955-48F7-A005-0E5DBA1A9FD1}"/>
+                </a:ext>
+              </a:extLst>
+            </p:cNvPr>
+            <p:cNvSpPr/>
+            <p:nvPr/>
+          </p:nvSpPr>
+          <p:spPr>
+            <a:xfrm rot="5400000">
+              <a:off x="6583742" y="4285065"/>
+              <a:ext cx="289560" cy="274320"/>
+            </a:xfrm>
+            <a:prstGeom prst="ellipse">
+              <a:avLst/>
+            </a:prstGeom>
+            <a:solidFill>
+              <a:srgbClr val="FFC000">
+                <a:alpha val="94000"/>
+              </a:srgbClr>
+            </a:solidFill>
+          </p:spPr>
+          <p:style>
+            <a:lnRef idx="2">
+              <a:schemeClr val="accent1">
+                <a:shade val="50000"/>
+              </a:schemeClr>
+            </a:lnRef>
+            <a:fillRef idx="1">
+              <a:schemeClr val="accent1"/>
+            </a:fillRef>
+            <a:effectRef idx="0">
+              <a:schemeClr val="accent1"/>
+            </a:effectRef>
+            <a:fontRef idx="minor">
+              <a:schemeClr val="lt1"/>
+            </a:fontRef>
+          </p:style>
+          <p:txBody>
+            <a:bodyPr rtlCol="0" anchor="ctr"/>
+            <a:lstStyle/>
+            <a:p>
+              <a:pPr algn="ctr"/>
+              <a:endParaRPr lang="zh-CN" altLang="en-US"/>
+            </a:p>
+          </p:txBody>
+        </p:sp>
+        <p:sp>
+          <p:nvSpPr>
+            <p:cNvPr id="94" name="椭圆 93">
+              <a:extLst>
+                <a:ext uri="{FF2B5EF4-FFF2-40B4-BE49-F238E27FC236}">
+                  <a16:creationId xmlns:a16="http://schemas.microsoft.com/office/drawing/2014/main" id="{5C8DB4D3-A595-4EDE-B0DB-5E033F01FC02}"/>
+                </a:ext>
+              </a:extLst>
+            </p:cNvPr>
+            <p:cNvSpPr/>
+            <p:nvPr/>
+          </p:nvSpPr>
+          <p:spPr>
+            <a:xfrm rot="5400000">
+              <a:off x="6713282" y="3679979"/>
+              <a:ext cx="45719" cy="53340"/>
+            </a:xfrm>
+            <a:prstGeom prst="ellipse">
+              <a:avLst/>
+            </a:prstGeom>
+            <a:solidFill>
+              <a:srgbClr val="FFC000">
+                <a:alpha val="94000"/>
+              </a:srgbClr>
+            </a:solidFill>
+          </p:spPr>
+          <p:style>
+            <a:lnRef idx="2">
+              <a:schemeClr val="accent1">
+                <a:shade val="50000"/>
+              </a:schemeClr>
+            </a:lnRef>
+            <a:fillRef idx="1">
+              <a:schemeClr val="accent1"/>
+            </a:fillRef>
+            <a:effectRef idx="0">
+              <a:schemeClr val="accent1"/>
+            </a:effectRef>
+            <a:fontRef idx="minor">
+              <a:schemeClr val="lt1"/>
+            </a:fontRef>
+          </p:style>
+          <p:txBody>
+            <a:bodyPr rtlCol="0" anchor="ctr"/>
+            <a:lstStyle/>
+            <a:p>
+              <a:pPr algn="ctr"/>
+              <a:endParaRPr lang="zh-CN" altLang="en-US"/>
+            </a:p>
+          </p:txBody>
+        </p:sp>
+        <p:sp>
+          <p:nvSpPr>
+            <p:cNvPr id="95" name="椭圆 94">
+              <a:extLst>
+                <a:ext uri="{FF2B5EF4-FFF2-40B4-BE49-F238E27FC236}">
+                  <a16:creationId xmlns:a16="http://schemas.microsoft.com/office/drawing/2014/main" id="{97B79066-3AAD-4C8B-BE01-253F3D8FEA5E}"/>
+                </a:ext>
+              </a:extLst>
+            </p:cNvPr>
+            <p:cNvSpPr/>
+            <p:nvPr/>
+          </p:nvSpPr>
+          <p:spPr>
+            <a:xfrm rot="5400000">
+              <a:off x="6713282" y="3775240"/>
+              <a:ext cx="45719" cy="53340"/>
+            </a:xfrm>
+            <a:prstGeom prst="ellipse">
+              <a:avLst/>
+            </a:prstGeom>
+            <a:solidFill>
+              <a:srgbClr val="FFC000">
+                <a:alpha val="94000"/>
+              </a:srgbClr>
+            </a:solidFill>
+          </p:spPr>
+          <p:style>
+            <a:lnRef idx="2">
+              <a:schemeClr val="accent1">
+                <a:shade val="50000"/>
+              </a:schemeClr>
+            </a:lnRef>
+            <a:fillRef idx="1">
+              <a:schemeClr val="accent1"/>
+            </a:fillRef>
+            <a:effectRef idx="0">
+              <a:schemeClr val="accent1"/>
+            </a:effectRef>
+            <a:fontRef idx="minor">
+              <a:schemeClr val="lt1"/>
+            </a:fontRef>
+          </p:style>
+          <p:txBody>
+            <a:bodyPr rtlCol="0" anchor="ctr"/>
+            <a:lstStyle/>
+            <a:p>
+              <a:pPr algn="ctr"/>
+              <a:endParaRPr lang="zh-CN" altLang="en-US"/>
+            </a:p>
+          </p:txBody>
+        </p:sp>
+        <p:sp>
+          <p:nvSpPr>
+            <p:cNvPr id="96" name="椭圆 95">
+              <a:extLst>
+                <a:ext uri="{FF2B5EF4-FFF2-40B4-BE49-F238E27FC236}">
+                  <a16:creationId xmlns:a16="http://schemas.microsoft.com/office/drawing/2014/main" id="{61B89743-11E3-4C17-985D-1A3BB4C275F0}"/>
+                </a:ext>
+              </a:extLst>
+            </p:cNvPr>
+            <p:cNvSpPr/>
+            <p:nvPr/>
+          </p:nvSpPr>
+          <p:spPr>
+            <a:xfrm rot="5400000">
+              <a:off x="6713282" y="3876220"/>
+              <a:ext cx="45719" cy="53340"/>
+            </a:xfrm>
+            <a:prstGeom prst="ellipse">
+              <a:avLst/>
+            </a:prstGeom>
+            <a:solidFill>
+              <a:srgbClr val="FFC000">
+                <a:alpha val="94000"/>
+              </a:srgbClr>
+            </a:solidFill>
+          </p:spPr>
+          <p:style>
+            <a:lnRef idx="2">
+              <a:schemeClr val="accent1">
+                <a:shade val="50000"/>
+              </a:schemeClr>
+            </a:lnRef>
+            <a:fillRef idx="1">
+              <a:schemeClr val="accent1"/>
+            </a:fillRef>
+            <a:effectRef idx="0">
+              <a:schemeClr val="accent1"/>
+            </a:effectRef>
+            <a:fontRef idx="minor">
+              <a:schemeClr val="lt1"/>
+            </a:fontRef>
+          </p:style>
+          <p:txBody>
+            <a:bodyPr rtlCol="0" anchor="ctr"/>
+            <a:lstStyle/>
+            <a:p>
+              <a:pPr algn="ctr"/>
+              <a:endParaRPr lang="zh-CN" altLang="en-US"/>
+            </a:p>
+          </p:txBody>
+        </p:sp>
+        <p:sp>
+          <p:nvSpPr>
+            <p:cNvPr id="97" name="椭圆 96">
+              <a:extLst>
+                <a:ext uri="{FF2B5EF4-FFF2-40B4-BE49-F238E27FC236}">
+                  <a16:creationId xmlns:a16="http://schemas.microsoft.com/office/drawing/2014/main" id="{AAAB51A7-0058-46D6-A4D1-70E79D20C64C}"/>
+                </a:ext>
+              </a:extLst>
+            </p:cNvPr>
+            <p:cNvSpPr/>
+            <p:nvPr/>
+          </p:nvSpPr>
+          <p:spPr>
+            <a:xfrm rot="5400000">
+              <a:off x="6713282" y="3973835"/>
+              <a:ext cx="45719" cy="53340"/>
+            </a:xfrm>
+            <a:prstGeom prst="ellipse">
+              <a:avLst/>
+            </a:prstGeom>
+            <a:solidFill>
+              <a:srgbClr val="FFC000">
+                <a:alpha val="94000"/>
+              </a:srgbClr>
+            </a:solidFill>
+          </p:spPr>
+          <p:style>
+            <a:lnRef idx="2">
+              <a:schemeClr val="accent1">
+                <a:shade val="50000"/>
+              </a:schemeClr>
+            </a:lnRef>
+            <a:fillRef idx="1">
+              <a:schemeClr val="accent1"/>
+            </a:fillRef>
+            <a:effectRef idx="0">
+              <a:schemeClr val="accent1"/>
+            </a:effectRef>
+            <a:fontRef idx="minor">
+              <a:schemeClr val="lt1"/>
+            </a:fontRef>
+          </p:style>
+          <p:txBody>
+            <a:bodyPr rtlCol="0" anchor="ctr"/>
+            <a:lstStyle/>
+            <a:p>
+              <a:pPr algn="ctr"/>
+              <a:endParaRPr lang="zh-CN" altLang="en-US"/>
+            </a:p>
+          </p:txBody>
+        </p:sp>
+        <p:sp>
+          <p:nvSpPr>
+            <p:cNvPr id="98" name="椭圆 97">
+              <a:extLst>
+                <a:ext uri="{FF2B5EF4-FFF2-40B4-BE49-F238E27FC236}">
+                  <a16:creationId xmlns:a16="http://schemas.microsoft.com/office/drawing/2014/main" id="{FEAB1E00-75B9-43E5-AF1E-B44EA7C786FC}"/>
+                </a:ext>
+              </a:extLst>
+            </p:cNvPr>
+            <p:cNvSpPr/>
+            <p:nvPr/>
+          </p:nvSpPr>
+          <p:spPr>
+            <a:xfrm rot="5400000">
+              <a:off x="6713282" y="4076946"/>
+              <a:ext cx="45719" cy="53340"/>
+            </a:xfrm>
+            <a:prstGeom prst="ellipse">
+              <a:avLst/>
+            </a:prstGeom>
+            <a:solidFill>
+              <a:srgbClr val="FFC000">
+                <a:alpha val="94000"/>
+              </a:srgbClr>
+            </a:solidFill>
+          </p:spPr>
+          <p:style>
+            <a:lnRef idx="2">
+              <a:schemeClr val="accent1">
+                <a:shade val="50000"/>
+              </a:schemeClr>
+            </a:lnRef>
+            <a:fillRef idx="1">
+              <a:schemeClr val="accent1"/>
+            </a:fillRef>
+            <a:effectRef idx="0">
+              <a:schemeClr val="accent1"/>
+            </a:effectRef>
+            <a:fontRef idx="minor">
+              <a:schemeClr val="lt1"/>
+            </a:fontRef>
+          </p:style>
+          <p:txBody>
+            <a:bodyPr rtlCol="0" anchor="ctr"/>
+            <a:lstStyle/>
+            <a:p>
+              <a:pPr algn="ctr"/>
+              <a:endParaRPr lang="zh-CN" altLang="en-US"/>
+            </a:p>
+          </p:txBody>
+        </p:sp>
+        <p:sp>
+          <p:nvSpPr>
+            <p:cNvPr id="99" name="椭圆 98">
+              <a:extLst>
+                <a:ext uri="{FF2B5EF4-FFF2-40B4-BE49-F238E27FC236}">
+                  <a16:creationId xmlns:a16="http://schemas.microsoft.com/office/drawing/2014/main" id="{E40EFFCB-AFBC-4B57-9B9B-BF318C84B6CA}"/>
+                </a:ext>
+              </a:extLst>
+            </p:cNvPr>
+            <p:cNvSpPr/>
+            <p:nvPr/>
+          </p:nvSpPr>
+          <p:spPr>
+            <a:xfrm rot="5400000">
+              <a:off x="6713282" y="4180057"/>
+              <a:ext cx="45719" cy="53340"/>
+            </a:xfrm>
+            <a:prstGeom prst="ellipse">
+              <a:avLst/>
+            </a:prstGeom>
+            <a:solidFill>
+              <a:srgbClr val="FFC000">
+                <a:alpha val="94000"/>
+              </a:srgbClr>
+            </a:solidFill>
+          </p:spPr>
+          <p:style>
+            <a:lnRef idx="2">
+              <a:schemeClr val="accent1">
+                <a:shade val="50000"/>
+              </a:schemeClr>
+            </a:lnRef>
+            <a:fillRef idx="1">
+              <a:schemeClr val="accent1"/>
+            </a:fillRef>
+            <a:effectRef idx="0">
+              <a:schemeClr val="accent1"/>
+            </a:effectRef>
+            <a:fontRef idx="minor">
+              <a:schemeClr val="lt1"/>
+            </a:fontRef>
+          </p:style>
+          <p:txBody>
+            <a:bodyPr rtlCol="0" anchor="ctr"/>
+            <a:lstStyle/>
+            <a:p>
+              <a:pPr algn="ctr"/>
+              <a:endParaRPr lang="zh-CN" altLang="en-US"/>
+            </a:p>
+          </p:txBody>
+        </p:sp>
+        <p:sp>
+          <p:nvSpPr>
+            <p:cNvPr id="100" name="椭圆 99">
+              <a:extLst>
+                <a:ext uri="{FF2B5EF4-FFF2-40B4-BE49-F238E27FC236}">
+                  <a16:creationId xmlns:a16="http://schemas.microsoft.com/office/drawing/2014/main" id="{182CDB40-7DD4-49F2-A384-507688EC315C}"/>
+                </a:ext>
+              </a:extLst>
+            </p:cNvPr>
+            <p:cNvSpPr/>
+            <p:nvPr/>
+          </p:nvSpPr>
+          <p:spPr>
+            <a:xfrm rot="5400000">
+              <a:off x="6583742" y="1408751"/>
+              <a:ext cx="289560" cy="274320"/>
+            </a:xfrm>
+            <a:prstGeom prst="ellipse">
+              <a:avLst/>
+            </a:prstGeom>
+            <a:solidFill>
+              <a:srgbClr val="FFC000">
+                <a:alpha val="94000"/>
+              </a:srgbClr>
+            </a:solidFill>
+          </p:spPr>
+          <p:style>
+            <a:lnRef idx="2">
+              <a:schemeClr val="accent1">
+                <a:shade val="50000"/>
+              </a:schemeClr>
+            </a:lnRef>
+            <a:fillRef idx="1">
+              <a:schemeClr val="accent1"/>
+            </a:fillRef>
+            <a:effectRef idx="0">
+              <a:schemeClr val="accent1"/>
+            </a:effectRef>
+            <a:fontRef idx="minor">
+              <a:schemeClr val="lt1"/>
+            </a:fontRef>
+          </p:style>
+          <p:txBody>
+            <a:bodyPr rtlCol="0" anchor="ctr"/>
+            <a:lstStyle/>
+            <a:p>
+              <a:pPr algn="ctr"/>
+              <a:endParaRPr lang="zh-CN" altLang="en-US"/>
+            </a:p>
+          </p:txBody>
+        </p:sp>
+        <p:sp>
+          <p:nvSpPr>
+            <p:cNvPr id="101" name="椭圆 100">
+              <a:extLst>
+                <a:ext uri="{FF2B5EF4-FFF2-40B4-BE49-F238E27FC236}">
+                  <a16:creationId xmlns:a16="http://schemas.microsoft.com/office/drawing/2014/main" id="{7922AFDC-E16B-43BA-99AA-B2038EA21E8C}"/>
+                </a:ext>
+              </a:extLst>
+            </p:cNvPr>
+            <p:cNvSpPr/>
+            <p:nvPr/>
+          </p:nvSpPr>
+          <p:spPr>
+            <a:xfrm rot="5400000">
+              <a:off x="6576122" y="1011561"/>
+              <a:ext cx="289560" cy="274320"/>
+            </a:xfrm>
+            <a:prstGeom prst="ellipse">
+              <a:avLst/>
+            </a:prstGeom>
+            <a:solidFill>
+              <a:srgbClr val="FFC000">
+                <a:alpha val="94000"/>
+              </a:srgbClr>
+            </a:solidFill>
+          </p:spPr>
+          <p:style>
+            <a:lnRef idx="2">
+              <a:schemeClr val="accent1">
+                <a:shade val="50000"/>
+              </a:schemeClr>
+            </a:lnRef>
+            <a:fillRef idx="1">
+              <a:schemeClr val="accent1"/>
+            </a:fillRef>
+            <a:effectRef idx="0">
+              <a:schemeClr val="accent1"/>
+            </a:effectRef>
+            <a:fontRef idx="minor">
+              <a:schemeClr val="lt1"/>
+            </a:fontRef>
+          </p:style>
+          <p:txBody>
+            <a:bodyPr rtlCol="0" anchor="ctr"/>
+            <a:lstStyle/>
+            <a:p>
+              <a:pPr algn="ctr"/>
+              <a:endParaRPr lang="zh-CN" altLang="en-US"/>
+            </a:p>
+          </p:txBody>
+        </p:sp>
+        <p:sp>
+          <p:nvSpPr>
+            <p:cNvPr id="102" name="椭圆 101">
+              <a:extLst>
+                <a:ext uri="{FF2B5EF4-FFF2-40B4-BE49-F238E27FC236}">
+                  <a16:creationId xmlns:a16="http://schemas.microsoft.com/office/drawing/2014/main" id="{8E484A4F-C2D0-4270-8BBD-E4DF1D7AB3E8}"/>
+                </a:ext>
+              </a:extLst>
+            </p:cNvPr>
+            <p:cNvSpPr/>
+            <p:nvPr/>
+          </p:nvSpPr>
+          <p:spPr>
+            <a:xfrm rot="5400000">
+              <a:off x="6591362" y="4668685"/>
+              <a:ext cx="289560" cy="274320"/>
+            </a:xfrm>
+            <a:prstGeom prst="ellipse">
+              <a:avLst/>
+            </a:prstGeom>
+            <a:solidFill>
+              <a:srgbClr val="FFC000">
+                <a:alpha val="94000"/>
+              </a:srgbClr>
+            </a:solidFill>
+          </p:spPr>
+          <p:style>
+            <a:lnRef idx="2">
+              <a:schemeClr val="accent1">
+                <a:shade val="50000"/>
+              </a:schemeClr>
+            </a:lnRef>
+            <a:fillRef idx="1">
+              <a:schemeClr val="accent1"/>
+            </a:fillRef>
+            <a:effectRef idx="0">
+              <a:schemeClr val="accent1"/>
+            </a:effectRef>
+            <a:fontRef idx="minor">
+              <a:schemeClr val="lt1"/>
+            </a:fontRef>
+          </p:style>
+          <p:txBody>
+            <a:bodyPr rtlCol="0" anchor="ctr"/>
+            <a:lstStyle/>
+            <a:p>
+              <a:pPr algn="ctr"/>
+              <a:endParaRPr lang="zh-CN" altLang="en-US"/>
+            </a:p>
+          </p:txBody>
+        </p:sp>
+        <p:sp>
+          <p:nvSpPr>
+            <p:cNvPr id="103" name="椭圆 102">
+              <a:extLst>
+                <a:ext uri="{FF2B5EF4-FFF2-40B4-BE49-F238E27FC236}">
+                  <a16:creationId xmlns:a16="http://schemas.microsoft.com/office/drawing/2014/main" id="{20245EA7-55B2-45AE-A800-653F9EE3E4CA}"/>
+                </a:ext>
+              </a:extLst>
+            </p:cNvPr>
+            <p:cNvSpPr/>
+            <p:nvPr/>
+          </p:nvSpPr>
+          <p:spPr>
+            <a:xfrm rot="5400000">
+              <a:off x="6591362" y="5061608"/>
+              <a:ext cx="289560" cy="274320"/>
+            </a:xfrm>
+            <a:prstGeom prst="ellipse">
+              <a:avLst/>
+            </a:prstGeom>
+            <a:solidFill>
+              <a:srgbClr val="FFC000">
+                <a:alpha val="94000"/>
+              </a:srgbClr>
+            </a:solidFill>
+          </p:spPr>
+          <p:style>
+            <a:lnRef idx="2">
+              <a:schemeClr val="accent1">
+                <a:shade val="50000"/>
+              </a:schemeClr>
+            </a:lnRef>
+            <a:fillRef idx="1">
+              <a:schemeClr val="accent1"/>
+            </a:fillRef>
+            <a:effectRef idx="0">
+              <a:schemeClr val="accent1"/>
+            </a:effectRef>
+            <a:fontRef idx="minor">
+              <a:schemeClr val="lt1"/>
+            </a:fontRef>
+          </p:style>
+          <p:txBody>
+            <a:bodyPr rtlCol="0" anchor="ctr"/>
+            <a:lstStyle/>
+            <a:p>
+              <a:pPr algn="ctr"/>
+              <a:endParaRPr lang="zh-CN" altLang="en-US"/>
+            </a:p>
+          </p:txBody>
+        </p:sp>
+      </p:grpSp>
+      <p:grpSp>
+        <p:nvGrpSpPr>
+          <p:cNvPr id="121" name="组合 120">
+            <a:extLst>
+              <a:ext uri="{FF2B5EF4-FFF2-40B4-BE49-F238E27FC236}">
+                <a16:creationId xmlns:a16="http://schemas.microsoft.com/office/drawing/2014/main" id="{2D91A487-9467-4230-9357-A9C9D9B2B6C8}"/>
+              </a:ext>
+            </a:extLst>
+          </p:cNvPr>
+          <p:cNvGrpSpPr/>
+          <p:nvPr/>
+        </p:nvGrpSpPr>
+        <p:grpSpPr>
+          <a:xfrm rot="16200000">
+            <a:off x="3036570" y="1840752"/>
+            <a:ext cx="373380" cy="4594858"/>
+            <a:chOff x="3968500" y="911084"/>
+            <a:chExt cx="373380" cy="4594858"/>
+          </a:xfrm>
+        </p:grpSpPr>
+        <p:sp>
+          <p:nvSpPr>
+            <p:cNvPr id="2" name="矩形: 圆角 1">
+              <a:extLst>
+                <a:ext uri="{FF2B5EF4-FFF2-40B4-BE49-F238E27FC236}">
+                  <a16:creationId xmlns:a16="http://schemas.microsoft.com/office/drawing/2014/main" id="{339994DD-E2F6-4E5A-BDF8-C6375C184318}"/>
+                </a:ext>
+              </a:extLst>
+            </p:cNvPr>
+            <p:cNvSpPr/>
+            <p:nvPr/>
+          </p:nvSpPr>
+          <p:spPr>
+            <a:xfrm rot="5400000">
+              <a:off x="1857761" y="3021823"/>
+              <a:ext cx="4594858" cy="373380"/>
+            </a:xfrm>
+            <a:prstGeom prst="roundRect">
+              <a:avLst/>
+            </a:prstGeom>
+            <a:solidFill>
+              <a:schemeClr val="accent1">
+                <a:lumMod val="20000"/>
+                <a:lumOff val="80000"/>
+              </a:schemeClr>
+            </a:solidFill>
+            <a:ln>
+              <a:solidFill>
+                <a:schemeClr val="tx2">
+                  <a:lumMod val="60000"/>
+                  <a:lumOff val="40000"/>
+                </a:schemeClr>
+              </a:solidFill>
+            </a:ln>
+          </p:spPr>
+          <p:style>
+            <a:lnRef idx="2">
+              <a:schemeClr val="accent1">
+                <a:shade val="50000"/>
+              </a:schemeClr>
+            </a:lnRef>
+            <a:fillRef idx="1">
+              <a:schemeClr val="accent1"/>
+            </a:fillRef>
+            <a:effectRef idx="0">
+              <a:schemeClr val="accent1"/>
+            </a:effectRef>
+            <a:fontRef idx="minor">
+              <a:schemeClr val="lt1"/>
+            </a:fontRef>
+          </p:style>
+          <p:txBody>
+            <a:bodyPr rtlCol="0" anchor="ctr"/>
+            <a:lstStyle/>
+            <a:p>
+              <a:pPr algn="ctr"/>
+              <a:endParaRPr lang="zh-CN" altLang="en-US"/>
+            </a:p>
+          </p:txBody>
+        </p:sp>
+        <p:sp>
+          <p:nvSpPr>
+            <p:cNvPr id="105" name="椭圆 104">
+              <a:extLst>
+                <a:ext uri="{FF2B5EF4-FFF2-40B4-BE49-F238E27FC236}">
+                  <a16:creationId xmlns:a16="http://schemas.microsoft.com/office/drawing/2014/main" id="{8F5BA59B-A603-4615-B794-14497DA62C38}"/>
+                </a:ext>
+              </a:extLst>
+            </p:cNvPr>
+            <p:cNvSpPr/>
+            <p:nvPr/>
+          </p:nvSpPr>
+          <p:spPr>
+            <a:xfrm rot="5400000">
+              <a:off x="4011480" y="1773795"/>
+              <a:ext cx="289560" cy="274320"/>
+            </a:xfrm>
+            <a:prstGeom prst="ellipse">
+              <a:avLst/>
+            </a:prstGeom>
+            <a:solidFill>
+              <a:srgbClr val="7030A0">
+                <a:alpha val="43922"/>
+              </a:srgbClr>
+            </a:solidFill>
+          </p:spPr>
+          <p:style>
+            <a:lnRef idx="2">
+              <a:schemeClr val="accent1">
+                <a:shade val="50000"/>
+              </a:schemeClr>
+            </a:lnRef>
+            <a:fillRef idx="1">
+              <a:schemeClr val="accent1"/>
+            </a:fillRef>
+            <a:effectRef idx="0">
+              <a:schemeClr val="accent1"/>
+            </a:effectRef>
+            <a:fontRef idx="minor">
+              <a:schemeClr val="lt1"/>
+            </a:fontRef>
+          </p:style>
+          <p:txBody>
+            <a:bodyPr rtlCol="0" anchor="ctr"/>
+            <a:lstStyle/>
+            <a:p>
+              <a:pPr algn="ctr"/>
+              <a:endParaRPr lang="zh-CN" altLang="en-US"/>
+            </a:p>
+          </p:txBody>
+        </p:sp>
+        <p:sp>
+          <p:nvSpPr>
+            <p:cNvPr id="106" name="椭圆 105">
+              <a:extLst>
+                <a:ext uri="{FF2B5EF4-FFF2-40B4-BE49-F238E27FC236}">
+                  <a16:creationId xmlns:a16="http://schemas.microsoft.com/office/drawing/2014/main" id="{89B3340F-CC86-4A8B-87C0-E794A5ABAFF7}"/>
+                </a:ext>
+              </a:extLst>
+            </p:cNvPr>
+            <p:cNvSpPr/>
+            <p:nvPr/>
+          </p:nvSpPr>
+          <p:spPr>
+            <a:xfrm rot="5400000">
+              <a:off x="4011480" y="2168131"/>
+              <a:ext cx="289560" cy="274320"/>
+            </a:xfrm>
+            <a:prstGeom prst="ellipse">
+              <a:avLst/>
+            </a:prstGeom>
+            <a:solidFill>
+              <a:srgbClr val="7030A0">
+                <a:alpha val="43922"/>
+              </a:srgbClr>
+            </a:solidFill>
+          </p:spPr>
+          <p:style>
+            <a:lnRef idx="2">
+              <a:schemeClr val="accent1">
+                <a:shade val="50000"/>
+              </a:schemeClr>
+            </a:lnRef>
+            <a:fillRef idx="1">
+              <a:schemeClr val="accent1"/>
+            </a:fillRef>
+            <a:effectRef idx="0">
+              <a:schemeClr val="accent1"/>
+            </a:effectRef>
+            <a:fontRef idx="minor">
+              <a:schemeClr val="lt1"/>
+            </a:fontRef>
+          </p:style>
+          <p:txBody>
+            <a:bodyPr rtlCol="0" anchor="ctr"/>
+            <a:lstStyle/>
+            <a:p>
+              <a:pPr algn="ctr"/>
+              <a:endParaRPr lang="zh-CN" altLang="en-US"/>
+            </a:p>
+          </p:txBody>
+        </p:sp>
+        <p:sp>
+          <p:nvSpPr>
+            <p:cNvPr id="107" name="椭圆 106">
+              <a:extLst>
+                <a:ext uri="{FF2B5EF4-FFF2-40B4-BE49-F238E27FC236}">
+                  <a16:creationId xmlns:a16="http://schemas.microsoft.com/office/drawing/2014/main" id="{FB5058BC-EEBE-4DD0-B82C-97F3D56A7D1E}"/>
+                </a:ext>
+              </a:extLst>
+            </p:cNvPr>
+            <p:cNvSpPr/>
+            <p:nvPr/>
+          </p:nvSpPr>
+          <p:spPr>
+            <a:xfrm rot="5400000">
+              <a:off x="4011480" y="2562467"/>
+              <a:ext cx="289560" cy="274320"/>
+            </a:xfrm>
+            <a:prstGeom prst="ellipse">
+              <a:avLst/>
+            </a:prstGeom>
+            <a:solidFill>
+              <a:srgbClr val="7030A0">
+                <a:alpha val="43922"/>
+              </a:srgbClr>
+            </a:solidFill>
+          </p:spPr>
+          <p:style>
+            <a:lnRef idx="2">
+              <a:schemeClr val="accent1">
+                <a:shade val="50000"/>
+              </a:schemeClr>
+            </a:lnRef>
+            <a:fillRef idx="1">
+              <a:schemeClr val="accent1"/>
+            </a:fillRef>
+            <a:effectRef idx="0">
+              <a:schemeClr val="accent1"/>
+            </a:effectRef>
+            <a:fontRef idx="minor">
+              <a:schemeClr val="lt1"/>
+            </a:fontRef>
+          </p:style>
+          <p:txBody>
+            <a:bodyPr rtlCol="0" anchor="ctr"/>
+            <a:lstStyle/>
+            <a:p>
+              <a:pPr algn="ctr"/>
+              <a:endParaRPr lang="zh-CN" altLang="en-US"/>
+            </a:p>
+          </p:txBody>
+        </p:sp>
+        <p:sp>
+          <p:nvSpPr>
+            <p:cNvPr id="108" name="椭圆 107">
+              <a:extLst>
+                <a:ext uri="{FF2B5EF4-FFF2-40B4-BE49-F238E27FC236}">
+                  <a16:creationId xmlns:a16="http://schemas.microsoft.com/office/drawing/2014/main" id="{6CD1A676-8121-427E-9C36-69A6EE1B1873}"/>
+                </a:ext>
+              </a:extLst>
+            </p:cNvPr>
+            <p:cNvSpPr/>
+            <p:nvPr/>
+          </p:nvSpPr>
+          <p:spPr>
+            <a:xfrm rot="5400000">
+              <a:off x="4019100" y="2956803"/>
+              <a:ext cx="289560" cy="274320"/>
+            </a:xfrm>
+            <a:prstGeom prst="ellipse">
+              <a:avLst/>
+            </a:prstGeom>
+            <a:solidFill>
+              <a:srgbClr val="7030A0">
+                <a:alpha val="43922"/>
+              </a:srgbClr>
+            </a:solidFill>
+          </p:spPr>
+          <p:style>
+            <a:lnRef idx="2">
+              <a:schemeClr val="accent1">
+                <a:shade val="50000"/>
+              </a:schemeClr>
+            </a:lnRef>
+            <a:fillRef idx="1">
+              <a:schemeClr val="accent1"/>
+            </a:fillRef>
+            <a:effectRef idx="0">
+              <a:schemeClr val="accent1"/>
+            </a:effectRef>
+            <a:fontRef idx="minor">
+              <a:schemeClr val="lt1"/>
+            </a:fontRef>
+          </p:style>
+          <p:txBody>
+            <a:bodyPr rtlCol="0" anchor="ctr"/>
+            <a:lstStyle/>
+            <a:p>
+              <a:pPr algn="ctr"/>
+              <a:endParaRPr lang="zh-CN" altLang="en-US"/>
+            </a:p>
+          </p:txBody>
+        </p:sp>
+        <p:sp>
+          <p:nvSpPr>
+            <p:cNvPr id="109" name="椭圆 108">
+              <a:extLst>
+                <a:ext uri="{FF2B5EF4-FFF2-40B4-BE49-F238E27FC236}">
+                  <a16:creationId xmlns:a16="http://schemas.microsoft.com/office/drawing/2014/main" id="{3B4446C5-70F1-4206-A599-2209F6320E7B}"/>
+                </a:ext>
+              </a:extLst>
+            </p:cNvPr>
+            <p:cNvSpPr/>
+            <p:nvPr/>
+          </p:nvSpPr>
+          <p:spPr>
+            <a:xfrm rot="5400000">
+              <a:off x="4019100" y="3353993"/>
+              <a:ext cx="289560" cy="274320"/>
+            </a:xfrm>
+            <a:prstGeom prst="ellipse">
+              <a:avLst/>
+            </a:prstGeom>
+            <a:solidFill>
+              <a:srgbClr val="7030A0">
+                <a:alpha val="43922"/>
+              </a:srgbClr>
+            </a:solidFill>
+          </p:spPr>
+          <p:style>
+            <a:lnRef idx="2">
+              <a:schemeClr val="accent1">
+                <a:shade val="50000"/>
+              </a:schemeClr>
+            </a:lnRef>
+            <a:fillRef idx="1">
+              <a:schemeClr val="accent1"/>
+            </a:fillRef>
+            <a:effectRef idx="0">
+              <a:schemeClr val="accent1"/>
+            </a:effectRef>
+            <a:fontRef idx="minor">
+              <a:schemeClr val="lt1"/>
+            </a:fontRef>
+          </p:style>
+          <p:txBody>
+            <a:bodyPr rtlCol="0" anchor="ctr"/>
+            <a:lstStyle/>
+            <a:p>
+              <a:pPr algn="ctr"/>
+              <a:endParaRPr lang="zh-CN" altLang="en-US"/>
+            </a:p>
+          </p:txBody>
+        </p:sp>
+        <p:sp>
+          <p:nvSpPr>
+            <p:cNvPr id="110" name="椭圆 109">
+              <a:extLst>
+                <a:ext uri="{FF2B5EF4-FFF2-40B4-BE49-F238E27FC236}">
+                  <a16:creationId xmlns:a16="http://schemas.microsoft.com/office/drawing/2014/main" id="{58FD33F6-D03B-4715-90FC-C58B238D7557}"/>
+                </a:ext>
+              </a:extLst>
+            </p:cNvPr>
+            <p:cNvSpPr/>
+            <p:nvPr/>
+          </p:nvSpPr>
+          <p:spPr>
+            <a:xfrm rot="5400000">
+              <a:off x="4011480" y="4285065"/>
+              <a:ext cx="289560" cy="274320"/>
+            </a:xfrm>
+            <a:prstGeom prst="ellipse">
+              <a:avLst/>
+            </a:prstGeom>
+            <a:solidFill>
+              <a:srgbClr val="7030A0">
+                <a:alpha val="43922"/>
+              </a:srgbClr>
+            </a:solidFill>
+          </p:spPr>
+          <p:style>
+            <a:lnRef idx="2">
+              <a:schemeClr val="accent1">
+                <a:shade val="50000"/>
+              </a:schemeClr>
+            </a:lnRef>
+            <a:fillRef idx="1">
+              <a:schemeClr val="accent1"/>
+            </a:fillRef>
+            <a:effectRef idx="0">
+              <a:schemeClr val="accent1"/>
+            </a:effectRef>
+            <a:fontRef idx="minor">
+              <a:schemeClr val="lt1"/>
+            </a:fontRef>
+          </p:style>
+          <p:txBody>
+            <a:bodyPr rtlCol="0" anchor="ctr"/>
+            <a:lstStyle/>
+            <a:p>
+              <a:pPr algn="ctr"/>
+              <a:endParaRPr lang="zh-CN" altLang="en-US"/>
+            </a:p>
+          </p:txBody>
+        </p:sp>
+        <p:sp>
+          <p:nvSpPr>
+            <p:cNvPr id="111" name="椭圆 110">
+              <a:extLst>
+                <a:ext uri="{FF2B5EF4-FFF2-40B4-BE49-F238E27FC236}">
+                  <a16:creationId xmlns:a16="http://schemas.microsoft.com/office/drawing/2014/main" id="{A4E1ED75-424E-4081-837E-BFA890C25940}"/>
+                </a:ext>
+              </a:extLst>
+            </p:cNvPr>
+            <p:cNvSpPr/>
+            <p:nvPr/>
+          </p:nvSpPr>
+          <p:spPr>
+            <a:xfrm rot="5400000">
+              <a:off x="4141020" y="3679979"/>
+              <a:ext cx="45719" cy="53340"/>
+            </a:xfrm>
+            <a:prstGeom prst="ellipse">
+              <a:avLst/>
+            </a:prstGeom>
+            <a:solidFill>
+              <a:schemeClr val="accent1">
+                <a:alpha val="94000"/>
+              </a:schemeClr>
+            </a:solidFill>
+          </p:spPr>
+          <p:style>
+            <a:lnRef idx="2">
+              <a:schemeClr val="accent1">
+                <a:shade val="50000"/>
+              </a:schemeClr>
+            </a:lnRef>
+            <a:fillRef idx="1">
+              <a:schemeClr val="accent1"/>
+            </a:fillRef>
+            <a:effectRef idx="0">
+              <a:schemeClr val="accent1"/>
+            </a:effectRef>
+            <a:fontRef idx="minor">
+              <a:schemeClr val="lt1"/>
+            </a:fontRef>
+          </p:style>
+          <p:txBody>
+            <a:bodyPr rtlCol="0" anchor="ctr"/>
+            <a:lstStyle/>
+            <a:p>
+              <a:pPr algn="ctr"/>
+              <a:endParaRPr lang="zh-CN" altLang="en-US"/>
+            </a:p>
+          </p:txBody>
+        </p:sp>
+        <p:sp>
+          <p:nvSpPr>
+            <p:cNvPr id="112" name="椭圆 111">
+              <a:extLst>
+                <a:ext uri="{FF2B5EF4-FFF2-40B4-BE49-F238E27FC236}">
+                  <a16:creationId xmlns:a16="http://schemas.microsoft.com/office/drawing/2014/main" id="{14F188BB-B400-484E-9A79-8C17EEEF695A}"/>
+                </a:ext>
+              </a:extLst>
+            </p:cNvPr>
+            <p:cNvSpPr/>
+            <p:nvPr/>
+          </p:nvSpPr>
+          <p:spPr>
+            <a:xfrm rot="5400000">
+              <a:off x="4141020" y="3775240"/>
+              <a:ext cx="45719" cy="53340"/>
+            </a:xfrm>
+            <a:prstGeom prst="ellipse">
+              <a:avLst/>
+            </a:prstGeom>
+            <a:solidFill>
+              <a:schemeClr val="accent1">
+                <a:alpha val="94000"/>
+              </a:schemeClr>
+            </a:solidFill>
+          </p:spPr>
+          <p:style>
+            <a:lnRef idx="2">
+              <a:schemeClr val="accent1">
+                <a:shade val="50000"/>
+              </a:schemeClr>
+            </a:lnRef>
+            <a:fillRef idx="1">
+              <a:schemeClr val="accent1"/>
+            </a:fillRef>
+            <a:effectRef idx="0">
+              <a:schemeClr val="accent1"/>
+            </a:effectRef>
+            <a:fontRef idx="minor">
+              <a:schemeClr val="lt1"/>
+            </a:fontRef>
+          </p:style>
+          <p:txBody>
+            <a:bodyPr rtlCol="0" anchor="ctr"/>
+            <a:lstStyle/>
+            <a:p>
+              <a:pPr algn="ctr"/>
+              <a:endParaRPr lang="zh-CN" altLang="en-US"/>
+            </a:p>
+          </p:txBody>
+        </p:sp>
+        <p:sp>
+          <p:nvSpPr>
+            <p:cNvPr id="113" name="椭圆 112">
+              <a:extLst>
+                <a:ext uri="{FF2B5EF4-FFF2-40B4-BE49-F238E27FC236}">
+                  <a16:creationId xmlns:a16="http://schemas.microsoft.com/office/drawing/2014/main" id="{9A485DF5-0527-43DE-89D2-A92A45169E35}"/>
+                </a:ext>
+              </a:extLst>
+            </p:cNvPr>
+            <p:cNvSpPr/>
+            <p:nvPr/>
+          </p:nvSpPr>
+          <p:spPr>
+            <a:xfrm rot="5400000">
+              <a:off x="4141020" y="3876220"/>
+              <a:ext cx="45719" cy="53340"/>
+            </a:xfrm>
+            <a:prstGeom prst="ellipse">
+              <a:avLst/>
+            </a:prstGeom>
+            <a:solidFill>
+              <a:schemeClr val="accent1">
+                <a:alpha val="94000"/>
+              </a:schemeClr>
+            </a:solidFill>
+          </p:spPr>
+          <p:style>
+            <a:lnRef idx="2">
+              <a:schemeClr val="accent1">
+                <a:shade val="50000"/>
+              </a:schemeClr>
+            </a:lnRef>
+            <a:fillRef idx="1">
+              <a:schemeClr val="accent1"/>
+            </a:fillRef>
+            <a:effectRef idx="0">
+              <a:schemeClr val="accent1"/>
+            </a:effectRef>
+            <a:fontRef idx="minor">
+              <a:schemeClr val="lt1"/>
+            </a:fontRef>
+          </p:style>
+          <p:txBody>
+            <a:bodyPr rtlCol="0" anchor="ctr"/>
+            <a:lstStyle/>
+            <a:p>
+              <a:pPr algn="ctr"/>
+              <a:endParaRPr lang="zh-CN" altLang="en-US"/>
+            </a:p>
+          </p:txBody>
+        </p:sp>
+        <p:sp>
+          <p:nvSpPr>
+            <p:cNvPr id="114" name="椭圆 113">
+              <a:extLst>
+                <a:ext uri="{FF2B5EF4-FFF2-40B4-BE49-F238E27FC236}">
+                  <a16:creationId xmlns:a16="http://schemas.microsoft.com/office/drawing/2014/main" id="{9829C10A-FB2F-482C-8CB0-55BA5C16B59A}"/>
+                </a:ext>
+              </a:extLst>
+            </p:cNvPr>
+            <p:cNvSpPr/>
+            <p:nvPr/>
+          </p:nvSpPr>
+          <p:spPr>
+            <a:xfrm rot="5400000">
+              <a:off x="4141020" y="3973835"/>
+              <a:ext cx="45719" cy="53340"/>
+            </a:xfrm>
+            <a:prstGeom prst="ellipse">
+              <a:avLst/>
+            </a:prstGeom>
+            <a:solidFill>
+              <a:schemeClr val="accent1">
+                <a:alpha val="94000"/>
+              </a:schemeClr>
+            </a:solidFill>
+          </p:spPr>
+          <p:style>
+            <a:lnRef idx="2">
+              <a:schemeClr val="accent1">
+                <a:shade val="50000"/>
+              </a:schemeClr>
+            </a:lnRef>
+            <a:fillRef idx="1">
+              <a:schemeClr val="accent1"/>
+            </a:fillRef>
+            <a:effectRef idx="0">
+              <a:schemeClr val="accent1"/>
+            </a:effectRef>
+            <a:fontRef idx="minor">
+              <a:schemeClr val="lt1"/>
+            </a:fontRef>
+          </p:style>
+          <p:txBody>
+            <a:bodyPr rtlCol="0" anchor="ctr"/>
+            <a:lstStyle/>
+            <a:p>
+              <a:pPr algn="ctr"/>
+              <a:endParaRPr lang="zh-CN" altLang="en-US"/>
+            </a:p>
+          </p:txBody>
+        </p:sp>
+        <p:sp>
+          <p:nvSpPr>
+            <p:cNvPr id="115" name="椭圆 114">
+              <a:extLst>
+                <a:ext uri="{FF2B5EF4-FFF2-40B4-BE49-F238E27FC236}">
+                  <a16:creationId xmlns:a16="http://schemas.microsoft.com/office/drawing/2014/main" id="{55722F7C-E290-45EC-AEEA-3FBEA0CEA1BA}"/>
+                </a:ext>
+              </a:extLst>
+            </p:cNvPr>
+            <p:cNvSpPr/>
+            <p:nvPr/>
+          </p:nvSpPr>
+          <p:spPr>
+            <a:xfrm rot="5400000">
+              <a:off x="4141020" y="4076946"/>
+              <a:ext cx="45719" cy="53340"/>
+            </a:xfrm>
+            <a:prstGeom prst="ellipse">
+              <a:avLst/>
+            </a:prstGeom>
+            <a:solidFill>
+              <a:schemeClr val="accent1">
+                <a:alpha val="94000"/>
+              </a:schemeClr>
+            </a:solidFill>
+          </p:spPr>
+          <p:style>
+            <a:lnRef idx="2">
+              <a:schemeClr val="accent1">
+                <a:shade val="50000"/>
+              </a:schemeClr>
+            </a:lnRef>
+            <a:fillRef idx="1">
+              <a:schemeClr val="accent1"/>
+            </a:fillRef>
+            <a:effectRef idx="0">
+              <a:schemeClr val="accent1"/>
+            </a:effectRef>
+            <a:fontRef idx="minor">
+              <a:schemeClr val="lt1"/>
+            </a:fontRef>
+          </p:style>
+          <p:txBody>
+            <a:bodyPr rtlCol="0" anchor="ctr"/>
+            <a:lstStyle/>
+            <a:p>
+              <a:pPr algn="ctr"/>
+              <a:endParaRPr lang="zh-CN" altLang="en-US"/>
+            </a:p>
+          </p:txBody>
+        </p:sp>
+        <p:sp>
+          <p:nvSpPr>
+            <p:cNvPr id="116" name="椭圆 115">
+              <a:extLst>
+                <a:ext uri="{FF2B5EF4-FFF2-40B4-BE49-F238E27FC236}">
+                  <a16:creationId xmlns:a16="http://schemas.microsoft.com/office/drawing/2014/main" id="{1E833CE5-6964-4EB7-86C8-13814E5D2AD8}"/>
+                </a:ext>
+              </a:extLst>
+            </p:cNvPr>
+            <p:cNvSpPr/>
+            <p:nvPr/>
+          </p:nvSpPr>
+          <p:spPr>
+            <a:xfrm rot="5400000">
+              <a:off x="4141020" y="4180057"/>
+              <a:ext cx="45719" cy="53340"/>
+            </a:xfrm>
+            <a:prstGeom prst="ellipse">
+              <a:avLst/>
+            </a:prstGeom>
+            <a:solidFill>
+              <a:schemeClr val="accent1">
+                <a:alpha val="94000"/>
+              </a:schemeClr>
+            </a:solidFill>
+          </p:spPr>
+          <p:style>
+            <a:lnRef idx="2">
+              <a:schemeClr val="accent1">
+                <a:shade val="50000"/>
+              </a:schemeClr>
+            </a:lnRef>
+            <a:fillRef idx="1">
+              <a:schemeClr val="accent1"/>
+            </a:fillRef>
+            <a:effectRef idx="0">
+              <a:schemeClr val="accent1"/>
+            </a:effectRef>
+            <a:fontRef idx="minor">
+              <a:schemeClr val="lt1"/>
+            </a:fontRef>
+          </p:style>
+          <p:txBody>
+            <a:bodyPr rtlCol="0" anchor="ctr"/>
+            <a:lstStyle/>
+            <a:p>
+              <a:pPr algn="ctr"/>
+              <a:endParaRPr lang="zh-CN" altLang="en-US"/>
+            </a:p>
+          </p:txBody>
+        </p:sp>
+        <p:sp>
+          <p:nvSpPr>
+            <p:cNvPr id="117" name="椭圆 116">
+              <a:extLst>
+                <a:ext uri="{FF2B5EF4-FFF2-40B4-BE49-F238E27FC236}">
+                  <a16:creationId xmlns:a16="http://schemas.microsoft.com/office/drawing/2014/main" id="{423D9818-EC94-488C-B138-4962C14EB20A}"/>
+                </a:ext>
+              </a:extLst>
+            </p:cNvPr>
+            <p:cNvSpPr/>
+            <p:nvPr/>
+          </p:nvSpPr>
+          <p:spPr>
+            <a:xfrm rot="5400000">
+              <a:off x="4011480" y="1408751"/>
+              <a:ext cx="289560" cy="274320"/>
+            </a:xfrm>
+            <a:prstGeom prst="ellipse">
+              <a:avLst/>
+            </a:prstGeom>
+            <a:solidFill>
+              <a:srgbClr val="7030A0">
+                <a:alpha val="43922"/>
+              </a:srgbClr>
+            </a:solidFill>
+          </p:spPr>
+          <p:style>
+            <a:lnRef idx="2">
+              <a:schemeClr val="accent1">
+                <a:shade val="50000"/>
+              </a:schemeClr>
+            </a:lnRef>
+            <a:fillRef idx="1">
+              <a:schemeClr val="accent1"/>
+            </a:fillRef>
+            <a:effectRef idx="0">
+              <a:schemeClr val="accent1"/>
+            </a:effectRef>
+            <a:fontRef idx="minor">
+              <a:schemeClr val="lt1"/>
+            </a:fontRef>
+          </p:style>
+          <p:txBody>
+            <a:bodyPr rtlCol="0" anchor="ctr"/>
+            <a:lstStyle/>
+            <a:p>
+              <a:pPr algn="ctr"/>
+              <a:endParaRPr lang="zh-CN" altLang="en-US"/>
+            </a:p>
+          </p:txBody>
+        </p:sp>
+        <p:sp>
+          <p:nvSpPr>
+            <p:cNvPr id="118" name="椭圆 117">
+              <a:extLst>
+                <a:ext uri="{FF2B5EF4-FFF2-40B4-BE49-F238E27FC236}">
+                  <a16:creationId xmlns:a16="http://schemas.microsoft.com/office/drawing/2014/main" id="{F2F09FF2-DBDC-446E-86E4-421220D3ECD4}"/>
+                </a:ext>
+              </a:extLst>
+            </p:cNvPr>
+            <p:cNvSpPr/>
+            <p:nvPr/>
+          </p:nvSpPr>
+          <p:spPr>
+            <a:xfrm rot="5400000">
+              <a:off x="4011480" y="1003941"/>
+              <a:ext cx="289560" cy="274320"/>
+            </a:xfrm>
+            <a:prstGeom prst="ellipse">
+              <a:avLst/>
+            </a:prstGeom>
+            <a:solidFill>
+              <a:srgbClr val="7030A0">
+                <a:alpha val="43922"/>
+              </a:srgbClr>
+            </a:solidFill>
+          </p:spPr>
+          <p:style>
+            <a:lnRef idx="2">
+              <a:schemeClr val="accent1">
+                <a:shade val="50000"/>
+              </a:schemeClr>
+            </a:lnRef>
+            <a:fillRef idx="1">
+              <a:schemeClr val="accent1"/>
+            </a:fillRef>
+            <a:effectRef idx="0">
+              <a:schemeClr val="accent1"/>
+            </a:effectRef>
+            <a:fontRef idx="minor">
+              <a:schemeClr val="lt1"/>
+            </a:fontRef>
+          </p:style>
+          <p:txBody>
+            <a:bodyPr rtlCol="0" anchor="ctr"/>
+            <a:lstStyle/>
+            <a:p>
+              <a:pPr algn="ctr"/>
+              <a:endParaRPr lang="zh-CN" altLang="en-US"/>
+            </a:p>
+          </p:txBody>
+        </p:sp>
+        <p:sp>
+          <p:nvSpPr>
+            <p:cNvPr id="119" name="椭圆 118">
+              <a:extLst>
+                <a:ext uri="{FF2B5EF4-FFF2-40B4-BE49-F238E27FC236}">
+                  <a16:creationId xmlns:a16="http://schemas.microsoft.com/office/drawing/2014/main" id="{C6107440-4F10-493E-AB69-047A8B2DDB7A}"/>
+                </a:ext>
+              </a:extLst>
+            </p:cNvPr>
+            <p:cNvSpPr/>
+            <p:nvPr/>
+          </p:nvSpPr>
+          <p:spPr>
+            <a:xfrm rot="5400000">
+              <a:off x="4019100" y="4683925"/>
+              <a:ext cx="289560" cy="274320"/>
+            </a:xfrm>
+            <a:prstGeom prst="ellipse">
+              <a:avLst/>
+            </a:prstGeom>
+            <a:solidFill>
+              <a:srgbClr val="7030A0">
+                <a:alpha val="43922"/>
+              </a:srgbClr>
+            </a:solidFill>
+          </p:spPr>
+          <p:style>
+            <a:lnRef idx="2">
+              <a:schemeClr val="accent1">
+                <a:shade val="50000"/>
+              </a:schemeClr>
+            </a:lnRef>
+            <a:fillRef idx="1">
+              <a:schemeClr val="accent1"/>
+            </a:fillRef>
+            <a:effectRef idx="0">
+              <a:schemeClr val="accent1"/>
+            </a:effectRef>
+            <a:fontRef idx="minor">
+              <a:schemeClr val="lt1"/>
+            </a:fontRef>
+          </p:style>
+          <p:txBody>
+            <a:bodyPr rtlCol="0" anchor="ctr"/>
+            <a:lstStyle/>
+            <a:p>
+              <a:pPr algn="ctr"/>
+              <a:endParaRPr lang="zh-CN" altLang="en-US"/>
+            </a:p>
+          </p:txBody>
+        </p:sp>
+        <p:sp>
+          <p:nvSpPr>
+            <p:cNvPr id="120" name="椭圆 119">
+              <a:extLst>
+                <a:ext uri="{FF2B5EF4-FFF2-40B4-BE49-F238E27FC236}">
+                  <a16:creationId xmlns:a16="http://schemas.microsoft.com/office/drawing/2014/main" id="{C4F7AF4D-A754-49B6-93A2-FA15B15C2FDD}"/>
+                </a:ext>
+              </a:extLst>
+            </p:cNvPr>
+            <p:cNvSpPr/>
+            <p:nvPr/>
+          </p:nvSpPr>
+          <p:spPr>
+            <a:xfrm rot="5400000">
+              <a:off x="4019100" y="5076848"/>
+              <a:ext cx="289560" cy="274320"/>
+            </a:xfrm>
+            <a:prstGeom prst="ellipse">
+              <a:avLst/>
+            </a:prstGeom>
+            <a:solidFill>
+              <a:srgbClr val="7030A0">
+                <a:alpha val="43922"/>
+              </a:srgbClr>
+            </a:solidFill>
+          </p:spPr>
+          <p:style>
+            <a:lnRef idx="2">
+              <a:schemeClr val="accent1">
+                <a:shade val="50000"/>
+              </a:schemeClr>
+            </a:lnRef>
+            <a:fillRef idx="1">
+              <a:schemeClr val="accent1"/>
+            </a:fillRef>
+            <a:effectRef idx="0">
+              <a:schemeClr val="accent1"/>
+            </a:effectRef>
+            <a:fontRef idx="minor">
+              <a:schemeClr val="lt1"/>
+            </a:fontRef>
+          </p:style>
+          <p:txBody>
+            <a:bodyPr rtlCol="0" anchor="ctr"/>
+            <a:lstStyle/>
+            <a:p>
+              <a:pPr algn="ctr"/>
+              <a:endParaRPr lang="zh-CN" altLang="en-US"/>
+            </a:p>
+          </p:txBody>
+        </p:sp>
+      </p:grpSp>
+      <p:sp>
+        <p:nvSpPr>
+          <p:cNvPr id="205" name="右大括号 204">
+            <a:extLst>
+              <a:ext uri="{FF2B5EF4-FFF2-40B4-BE49-F238E27FC236}">
+                <a16:creationId xmlns:a16="http://schemas.microsoft.com/office/drawing/2014/main" id="{55DED043-266A-4B8D-95E3-6A8E3D830958}"/>
+              </a:ext>
+            </a:extLst>
+          </p:cNvPr>
+          <p:cNvSpPr/>
+          <p:nvPr/>
+        </p:nvSpPr>
+        <p:spPr>
+          <a:xfrm rot="16200000">
+            <a:off x="3067963" y="1357700"/>
+            <a:ext cx="342497" cy="4456287"/>
+          </a:xfrm>
+          <a:prstGeom prst="rightBrace">
+            <a:avLst>
+              <a:gd name="adj1" fmla="val 42447"/>
+              <a:gd name="adj2" fmla="val 50000"/>
+            </a:avLst>
+          </a:prstGeom>
+        </p:spPr>
+        <p:style>
+          <a:lnRef idx="1">
+            <a:schemeClr val="accent1"/>
+          </a:lnRef>
+          <a:fillRef idx="0">
+            <a:schemeClr val="accent1"/>
+          </a:fillRef>
+          <a:effectRef idx="0">
+            <a:schemeClr val="accent1"/>
+          </a:effectRef>
+          <a:fontRef idx="minor">
+            <a:schemeClr val="tx1"/>
+          </a:fontRef>
+        </p:style>
+        <p:txBody>
+          <a:bodyPr rtlCol="0" anchor="ctr"/>
+          <a:lstStyle/>
+          <a:p>
+            <a:pPr algn="ctr"/>
+            <a:endParaRPr lang="zh-CN" altLang="en-US"/>
+          </a:p>
+        </p:txBody>
+      </p:sp>
+      <p:sp>
+        <p:nvSpPr>
+          <p:cNvPr id="206" name="矩形 205">
+            <a:extLst>
+              <a:ext uri="{FF2B5EF4-FFF2-40B4-BE49-F238E27FC236}">
+                <a16:creationId xmlns:a16="http://schemas.microsoft.com/office/drawing/2014/main" id="{869F86BE-B49F-4BD8-A33C-FC9BD000BAD7}"/>
+              </a:ext>
+            </a:extLst>
+          </p:cNvPr>
+          <p:cNvSpPr/>
+          <p:nvPr/>
+        </p:nvSpPr>
+        <p:spPr>
+          <a:xfrm>
+            <a:off x="3054557" y="3005722"/>
+            <a:ext cx="397865" cy="400110"/>
+          </a:xfrm>
+          <a:prstGeom prst="rect">
+            <a:avLst/>
+          </a:prstGeom>
+          <a:noFill/>
+        </p:spPr>
+        <p:txBody>
+          <a:bodyPr wrap="none" lIns="91440" tIns="45720" rIns="91440" bIns="45720">
+            <a:spAutoFit/>
+          </a:bodyPr>
+          <a:lstStyle/>
+          <a:p>
+            <a:pPr algn="ctr"/>
+            <a:r>
+              <a:rPr lang="en-US" altLang="zh-CN" sz="2000" b="0" cap="none" spc="0">
+                <a:ln w="0"/>
+                <a:solidFill>
+                  <a:schemeClr val="accent1"/>
+                </a:solidFill>
+                <a:effectLst>
+                  <a:outerShdw blurRad="38100" dist="25400" dir="5400000" algn="ctr" rotWithShape="0">
+                    <a:srgbClr val="6E747A">
+                      <a:alpha val="43000"/>
+                    </a:srgbClr>
+                  </a:outerShdw>
+                </a:effectLst>
+              </a:rPr>
+              <a:t>M</a:t>
+            </a:r>
+            <a:endParaRPr lang="zh-CN" altLang="en-US" sz="2000" b="0" cap="none" spc="0">
+              <a:ln w="0"/>
+              <a:solidFill>
+                <a:schemeClr val="accent1"/>
+              </a:solidFill>
+              <a:effectLst>
+                <a:outerShdw blurRad="38100" dist="25400" dir="5400000" algn="ctr" rotWithShape="0">
+                  <a:srgbClr val="6E747A">
+                    <a:alpha val="43000"/>
+                  </a:srgbClr>
+                </a:outerShdw>
+              </a:effectLst>
+            </a:endParaRPr>
+          </a:p>
+        </p:txBody>
+      </p:sp>
+      <p:sp>
+        <p:nvSpPr>
+          <p:cNvPr id="209" name="右大括号 208">
+            <a:extLst>
+              <a:ext uri="{FF2B5EF4-FFF2-40B4-BE49-F238E27FC236}">
+                <a16:creationId xmlns:a16="http://schemas.microsoft.com/office/drawing/2014/main" id="{DC6E8457-C30B-4F06-9836-3FDEDAC012AE}"/>
+              </a:ext>
+            </a:extLst>
+          </p:cNvPr>
+          <p:cNvSpPr/>
+          <p:nvPr/>
+        </p:nvSpPr>
+        <p:spPr>
+          <a:xfrm rot="16200000">
+            <a:off x="7444700" y="633242"/>
+            <a:ext cx="152400" cy="2288954"/>
+          </a:xfrm>
+          <a:prstGeom prst="rightBrace">
+            <a:avLst>
+              <a:gd name="adj1" fmla="val 42447"/>
+              <a:gd name="adj2" fmla="val 50000"/>
+            </a:avLst>
+          </a:prstGeom>
+        </p:spPr>
+        <p:style>
+          <a:lnRef idx="1">
+            <a:schemeClr val="accent1"/>
+          </a:lnRef>
+          <a:fillRef idx="0">
+            <a:schemeClr val="accent1"/>
+          </a:fillRef>
+          <a:effectRef idx="0">
+            <a:schemeClr val="accent1"/>
+          </a:effectRef>
+          <a:fontRef idx="minor">
+            <a:schemeClr val="tx1"/>
+          </a:fontRef>
+        </p:style>
+        <p:txBody>
+          <a:bodyPr rtlCol="0" anchor="ctr"/>
+          <a:lstStyle/>
+          <a:p>
+            <a:pPr algn="ctr"/>
+            <a:endParaRPr lang="zh-CN" altLang="en-US"/>
+          </a:p>
+        </p:txBody>
+      </p:sp>
+      <p:sp>
+        <p:nvSpPr>
+          <p:cNvPr id="210" name="矩形 209">
+            <a:extLst>
+              <a:ext uri="{FF2B5EF4-FFF2-40B4-BE49-F238E27FC236}">
+                <a16:creationId xmlns:a16="http://schemas.microsoft.com/office/drawing/2014/main" id="{D6BB78C7-879D-4129-8A51-BC665CF1CCDA}"/>
+              </a:ext>
+            </a:extLst>
+          </p:cNvPr>
+          <p:cNvSpPr/>
+          <p:nvPr/>
+        </p:nvSpPr>
+        <p:spPr>
+          <a:xfrm>
+            <a:off x="7433400" y="1277994"/>
+            <a:ext cx="204362" cy="400110"/>
+          </a:xfrm>
+          <a:prstGeom prst="rect">
+            <a:avLst/>
+          </a:prstGeom>
+          <a:noFill/>
+        </p:spPr>
+        <p:txBody>
+          <a:bodyPr wrap="square" lIns="91440" tIns="45720" rIns="91440" bIns="45720">
+            <a:spAutoFit/>
+          </a:bodyPr>
+          <a:lstStyle/>
+          <a:p>
+            <a:pPr algn="ctr"/>
+            <a:r>
+              <a:rPr lang="en-US" altLang="zh-CN" sz="2000" b="0" cap="none" spc="0">
+                <a:ln w="0"/>
+                <a:solidFill>
+                  <a:schemeClr val="accent1"/>
+                </a:solidFill>
+                <a:effectLst>
+                  <a:outerShdw blurRad="38100" dist="25400" dir="5400000" algn="ctr" rotWithShape="0">
+                    <a:srgbClr val="6E747A">
+                      <a:alpha val="43000"/>
+                    </a:srgbClr>
+                  </a:outerShdw>
+                </a:effectLst>
+              </a:rPr>
+              <a:t>N</a:t>
+            </a:r>
+            <a:endParaRPr lang="zh-CN" altLang="en-US" sz="2000" b="0" cap="none" spc="0">
+              <a:ln w="0"/>
+              <a:solidFill>
+                <a:schemeClr val="accent1"/>
+              </a:solidFill>
+              <a:effectLst>
+                <a:outerShdw blurRad="38100" dist="25400" dir="5400000" algn="ctr" rotWithShape="0">
+                  <a:srgbClr val="6E747A">
+                    <a:alpha val="43000"/>
+                  </a:srgbClr>
+                </a:outerShdw>
+              </a:effectLst>
+            </a:endParaRPr>
+          </a:p>
+        </p:txBody>
+      </p:sp>
+      <p:sp>
+        <p:nvSpPr>
+          <p:cNvPr id="242" name="矩形 241">
+            <a:extLst>
+              <a:ext uri="{FF2B5EF4-FFF2-40B4-BE49-F238E27FC236}">
+                <a16:creationId xmlns:a16="http://schemas.microsoft.com/office/drawing/2014/main" id="{CCD88DB1-DE77-4771-A0EA-1E5692DBFF77}"/>
+              </a:ext>
+            </a:extLst>
+          </p:cNvPr>
+          <p:cNvSpPr/>
+          <p:nvPr/>
+        </p:nvSpPr>
+        <p:spPr>
+          <a:xfrm>
+            <a:off x="9232758" y="3760845"/>
+            <a:ext cx="540086" cy="830997"/>
+          </a:xfrm>
+          <a:prstGeom prst="rect">
+            <a:avLst/>
+          </a:prstGeom>
+          <a:noFill/>
+        </p:spPr>
+        <p:txBody>
+          <a:bodyPr wrap="square" lIns="91440" tIns="45720" rIns="91440" bIns="45720">
+            <a:spAutoFit/>
+          </a:bodyPr>
+          <a:lstStyle/>
+          <a:p>
+            <a:pPr algn="ctr"/>
+            <a:r>
+              <a:rPr lang="en-US" altLang="zh-CN" sz="4800">
+                <a:ln w="0"/>
+                <a:solidFill>
+                  <a:schemeClr val="accent1"/>
+                </a:solidFill>
+                <a:effectLst>
+                  <a:outerShdw blurRad="38100" dist="25400" dir="5400000" algn="ctr" rotWithShape="0">
+                    <a:srgbClr val="6E747A">
+                      <a:alpha val="43000"/>
+                    </a:srgbClr>
+                  </a:outerShdw>
+                </a:effectLst>
+              </a:rPr>
+              <a:t>=</a:t>
+            </a:r>
+            <a:endParaRPr lang="zh-CN" altLang="en-US" sz="4800" b="0" cap="none" spc="0">
+              <a:ln w="0"/>
+              <a:solidFill>
+                <a:schemeClr val="accent1"/>
+              </a:solidFill>
+              <a:effectLst>
+                <a:outerShdw blurRad="38100" dist="25400" dir="5400000" algn="ctr" rotWithShape="0">
+                  <a:srgbClr val="6E747A">
+                    <a:alpha val="43000"/>
+                  </a:srgbClr>
+                </a:outerShdw>
+              </a:effectLst>
+            </a:endParaRPr>
+          </a:p>
+        </p:txBody>
+      </p:sp>
+      <p:sp>
+        <p:nvSpPr>
+          <p:cNvPr id="244" name="矩形: 圆角 243">
+            <a:extLst>
+              <a:ext uri="{FF2B5EF4-FFF2-40B4-BE49-F238E27FC236}">
+                <a16:creationId xmlns:a16="http://schemas.microsoft.com/office/drawing/2014/main" id="{B509536E-3BFB-4E86-868B-B134B8ADCE01}"/>
+              </a:ext>
+            </a:extLst>
+          </p:cNvPr>
+          <p:cNvSpPr/>
+          <p:nvPr/>
+        </p:nvSpPr>
+        <p:spPr>
+          <a:xfrm>
+            <a:off x="9923650" y="3951491"/>
+            <a:ext cx="2012876" cy="373380"/>
+          </a:xfrm>
+          <a:prstGeom prst="roundRect">
+            <a:avLst/>
+          </a:prstGeom>
+          <a:solidFill>
+            <a:schemeClr val="accent1">
+              <a:lumMod val="20000"/>
+              <a:lumOff val="80000"/>
+            </a:schemeClr>
+          </a:solidFill>
+          <a:ln>
+            <a:solidFill>
+              <a:schemeClr val="tx2">
+                <a:lumMod val="60000"/>
+                <a:lumOff val="40000"/>
+              </a:schemeClr>
+            </a:solidFill>
+          </a:ln>
+        </p:spPr>
+        <p:style>
+          <a:lnRef idx="2">
+            <a:schemeClr val="accent1">
+              <a:shade val="50000"/>
+            </a:schemeClr>
+          </a:lnRef>
+          <a:fillRef idx="1">
+            <a:schemeClr val="accent1"/>
+          </a:fillRef>
+          <a:effectRef idx="0">
+            <a:schemeClr val="accent1"/>
+          </a:effectRef>
+          <a:fontRef idx="minor">
+            <a:schemeClr val="lt1"/>
+          </a:fontRef>
+        </p:style>
+        <p:txBody>
+          <a:bodyPr rtlCol="0" anchor="ctr"/>
+          <a:lstStyle/>
+          <a:p>
+            <a:pPr algn="ctr"/>
+            <a:endParaRPr lang="zh-CN" altLang="en-US"/>
+          </a:p>
+        </p:txBody>
+      </p:sp>
+      <p:sp>
+        <p:nvSpPr>
+          <p:cNvPr id="261" name="椭圆 260">
+            <a:extLst>
+              <a:ext uri="{FF2B5EF4-FFF2-40B4-BE49-F238E27FC236}">
+                <a16:creationId xmlns:a16="http://schemas.microsoft.com/office/drawing/2014/main" id="{5AC939F5-C565-4B74-86BA-C84CCFF2BA22}"/>
+              </a:ext>
+            </a:extLst>
+          </p:cNvPr>
+          <p:cNvSpPr/>
+          <p:nvPr/>
+        </p:nvSpPr>
+        <p:spPr>
+          <a:xfrm rot="5400000">
+            <a:off x="10011291" y="3998835"/>
+            <a:ext cx="289560" cy="274320"/>
+          </a:xfrm>
+          <a:prstGeom prst="ellipse">
+            <a:avLst/>
+          </a:prstGeom>
+          <a:solidFill>
+            <a:schemeClr val="accent1">
+              <a:alpha val="94000"/>
+            </a:schemeClr>
+          </a:solidFill>
+        </p:spPr>
+        <p:style>
+          <a:lnRef idx="2">
+            <a:schemeClr val="accent1">
+              <a:shade val="50000"/>
+            </a:schemeClr>
+          </a:lnRef>
+          <a:fillRef idx="1">
+            <a:schemeClr val="accent1"/>
+          </a:fillRef>
+          <a:effectRef idx="0">
+            <a:schemeClr val="accent1"/>
+          </a:effectRef>
+          <a:fontRef idx="minor">
+            <a:schemeClr val="lt1"/>
+          </a:fontRef>
+        </p:style>
+        <p:txBody>
+          <a:bodyPr rtlCol="0" anchor="ctr"/>
+          <a:lstStyle/>
+          <a:p>
+            <a:pPr algn="ctr"/>
+            <a:endParaRPr lang="zh-CN" altLang="en-US"/>
+          </a:p>
+        </p:txBody>
+      </p:sp>
+      <p:sp>
+        <p:nvSpPr>
+          <p:cNvPr id="263" name="椭圆 262">
+            <a:extLst>
+              <a:ext uri="{FF2B5EF4-FFF2-40B4-BE49-F238E27FC236}">
+                <a16:creationId xmlns:a16="http://schemas.microsoft.com/office/drawing/2014/main" id="{CA57004C-81B5-4AAA-9C81-C95C069C2A5A}"/>
+              </a:ext>
+            </a:extLst>
+          </p:cNvPr>
+          <p:cNvSpPr/>
+          <p:nvPr/>
+        </p:nvSpPr>
+        <p:spPr>
+          <a:xfrm rot="5400000">
+            <a:off x="10369197" y="4000304"/>
+            <a:ext cx="289560" cy="274320"/>
+          </a:xfrm>
+          <a:prstGeom prst="ellipse">
+            <a:avLst/>
+          </a:prstGeom>
+          <a:solidFill>
+            <a:schemeClr val="accent2">
+              <a:lumMod val="40000"/>
+              <a:lumOff val="60000"/>
+              <a:alpha val="94000"/>
+            </a:schemeClr>
+          </a:solidFill>
+        </p:spPr>
+        <p:style>
+          <a:lnRef idx="2">
+            <a:schemeClr val="accent1">
+              <a:shade val="50000"/>
+            </a:schemeClr>
+          </a:lnRef>
+          <a:fillRef idx="1">
+            <a:schemeClr val="accent1"/>
+          </a:fillRef>
+          <a:effectRef idx="0">
+            <a:schemeClr val="accent1"/>
+          </a:effectRef>
+          <a:fontRef idx="minor">
+            <a:schemeClr val="lt1"/>
+          </a:fontRef>
+        </p:style>
+        <p:txBody>
+          <a:bodyPr rtlCol="0" anchor="ctr"/>
+          <a:lstStyle/>
+          <a:p>
+            <a:pPr algn="ctr"/>
+            <a:endParaRPr lang="zh-CN" altLang="en-US"/>
+          </a:p>
+        </p:txBody>
+      </p:sp>
+      <p:sp>
+        <p:nvSpPr>
+          <p:cNvPr id="266" name="椭圆 265">
+            <a:extLst>
+              <a:ext uri="{FF2B5EF4-FFF2-40B4-BE49-F238E27FC236}">
+                <a16:creationId xmlns:a16="http://schemas.microsoft.com/office/drawing/2014/main" id="{38BCCD78-6E70-4D81-B562-167F335D0BA4}"/>
+              </a:ext>
+            </a:extLst>
+          </p:cNvPr>
+          <p:cNvSpPr/>
+          <p:nvPr/>
+        </p:nvSpPr>
+        <p:spPr>
+          <a:xfrm rot="5400000">
+            <a:off x="10738678" y="4002811"/>
+            <a:ext cx="289560" cy="274320"/>
+          </a:xfrm>
+          <a:prstGeom prst="ellipse">
+            <a:avLst/>
+          </a:prstGeom>
+          <a:solidFill>
+            <a:srgbClr val="C6E0B7"/>
+          </a:solidFill>
+        </p:spPr>
+        <p:style>
+          <a:lnRef idx="2">
+            <a:schemeClr val="accent1">
+              <a:shade val="50000"/>
+            </a:schemeClr>
+          </a:lnRef>
+          <a:fillRef idx="1">
+            <a:schemeClr val="accent1"/>
+          </a:fillRef>
+          <a:effectRef idx="0">
+            <a:schemeClr val="accent1"/>
+          </a:effectRef>
+          <a:fontRef idx="minor">
+            <a:schemeClr val="lt1"/>
+          </a:fontRef>
+        </p:style>
+        <p:txBody>
+          <a:bodyPr rtlCol="0" anchor="ctr"/>
+          <a:lstStyle/>
+          <a:p>
+            <a:pPr algn="ctr"/>
+            <a:endParaRPr lang="zh-CN" altLang="en-US"/>
+          </a:p>
+        </p:txBody>
+      </p:sp>
+      <p:sp>
+        <p:nvSpPr>
+          <p:cNvPr id="267" name="椭圆 266">
+            <a:extLst>
+              <a:ext uri="{FF2B5EF4-FFF2-40B4-BE49-F238E27FC236}">
+                <a16:creationId xmlns:a16="http://schemas.microsoft.com/office/drawing/2014/main" id="{C806DB11-7B25-4255-9442-5629D1E14DA1}"/>
+              </a:ext>
+            </a:extLst>
+          </p:cNvPr>
+          <p:cNvSpPr/>
+          <p:nvPr/>
+        </p:nvSpPr>
+        <p:spPr>
+          <a:xfrm rot="5400000">
+            <a:off x="11110448" y="4000304"/>
+            <a:ext cx="289560" cy="274320"/>
+          </a:xfrm>
+          <a:prstGeom prst="ellipse">
+            <a:avLst/>
+          </a:prstGeom>
+          <a:solidFill>
+            <a:srgbClr val="B2AEAF"/>
+          </a:solidFill>
+        </p:spPr>
+        <p:style>
+          <a:lnRef idx="2">
+            <a:schemeClr val="accent1">
+              <a:shade val="50000"/>
+            </a:schemeClr>
+          </a:lnRef>
+          <a:fillRef idx="1">
+            <a:schemeClr val="accent1"/>
+          </a:fillRef>
+          <a:effectRef idx="0">
+            <a:schemeClr val="accent1"/>
+          </a:effectRef>
+          <a:fontRef idx="minor">
+            <a:schemeClr val="lt1"/>
+          </a:fontRef>
+        </p:style>
+        <p:txBody>
+          <a:bodyPr rtlCol="0" anchor="ctr"/>
+          <a:lstStyle/>
+          <a:p>
+            <a:pPr algn="ctr"/>
+            <a:endParaRPr lang="zh-CN" altLang="en-US"/>
+          </a:p>
+        </p:txBody>
+      </p:sp>
+      <p:sp>
+        <p:nvSpPr>
+          <p:cNvPr id="268" name="椭圆 267">
+            <a:extLst>
+              <a:ext uri="{FF2B5EF4-FFF2-40B4-BE49-F238E27FC236}">
+                <a16:creationId xmlns:a16="http://schemas.microsoft.com/office/drawing/2014/main" id="{C45A38A6-5EAC-4112-9B3F-DB15C123ACB2}"/>
+              </a:ext>
+            </a:extLst>
+          </p:cNvPr>
+          <p:cNvSpPr/>
+          <p:nvPr/>
+        </p:nvSpPr>
+        <p:spPr>
+          <a:xfrm rot="5400000">
+            <a:off x="11557720" y="4000304"/>
+            <a:ext cx="289560" cy="274320"/>
+          </a:xfrm>
+          <a:prstGeom prst="ellipse">
+            <a:avLst/>
+          </a:prstGeom>
+          <a:solidFill>
+            <a:srgbClr val="FDC20E"/>
+          </a:solidFill>
+        </p:spPr>
+        <p:style>
+          <a:lnRef idx="2">
+            <a:schemeClr val="accent1">
+              <a:shade val="50000"/>
+            </a:schemeClr>
+          </a:lnRef>
+          <a:fillRef idx="1">
+            <a:schemeClr val="accent1"/>
+          </a:fillRef>
+          <a:effectRef idx="0">
+            <a:schemeClr val="accent1"/>
+          </a:effectRef>
+          <a:fontRef idx="minor">
+            <a:schemeClr val="lt1"/>
+          </a:fontRef>
+        </p:style>
+        <p:txBody>
+          <a:bodyPr rtlCol="0" anchor="ctr"/>
+          <a:lstStyle/>
+          <a:p>
+            <a:pPr algn="ctr"/>
+            <a:endParaRPr lang="zh-CN" altLang="en-US"/>
+          </a:p>
+        </p:txBody>
+      </p:sp>
+      <p:sp>
+        <p:nvSpPr>
+          <p:cNvPr id="269" name="右大括号 268">
+            <a:extLst>
+              <a:ext uri="{FF2B5EF4-FFF2-40B4-BE49-F238E27FC236}">
+                <a16:creationId xmlns:a16="http://schemas.microsoft.com/office/drawing/2014/main" id="{0C8C6223-BF02-447B-B829-3AD8CEAC6832}"/>
+              </a:ext>
+            </a:extLst>
+          </p:cNvPr>
+          <p:cNvSpPr/>
+          <p:nvPr/>
+        </p:nvSpPr>
+        <p:spPr>
+          <a:xfrm rot="16200000">
+            <a:off x="10857598" y="2750202"/>
+            <a:ext cx="141528" cy="2082346"/>
+          </a:xfrm>
+          <a:prstGeom prst="rightBrace">
+            <a:avLst>
+              <a:gd name="adj1" fmla="val 42447"/>
+              <a:gd name="adj2" fmla="val 50000"/>
+            </a:avLst>
+          </a:prstGeom>
+        </p:spPr>
+        <p:style>
+          <a:lnRef idx="1">
+            <a:schemeClr val="accent1"/>
+          </a:lnRef>
+          <a:fillRef idx="0">
+            <a:schemeClr val="accent1"/>
+          </a:fillRef>
+          <a:effectRef idx="0">
+            <a:schemeClr val="accent1"/>
+          </a:effectRef>
+          <a:fontRef idx="minor">
+            <a:schemeClr val="tx1"/>
+          </a:fontRef>
+        </p:style>
+        <p:txBody>
+          <a:bodyPr rtlCol="0" anchor="ctr"/>
+          <a:lstStyle/>
+          <a:p>
+            <a:pPr algn="ctr"/>
+            <a:endParaRPr lang="zh-CN" altLang="en-US"/>
+          </a:p>
+        </p:txBody>
+      </p:sp>
+      <p:sp>
+        <p:nvSpPr>
+          <p:cNvPr id="270" name="矩形 269">
+            <a:extLst>
+              <a:ext uri="{FF2B5EF4-FFF2-40B4-BE49-F238E27FC236}">
+                <a16:creationId xmlns:a16="http://schemas.microsoft.com/office/drawing/2014/main" id="{39611AA4-D52B-425E-BABB-9B018E6D8E5D}"/>
+              </a:ext>
+            </a:extLst>
+          </p:cNvPr>
+          <p:cNvSpPr/>
+          <p:nvPr/>
+        </p:nvSpPr>
+        <p:spPr>
+          <a:xfrm>
+            <a:off x="10833806" y="3310530"/>
+            <a:ext cx="204362" cy="400110"/>
+          </a:xfrm>
+          <a:prstGeom prst="rect">
+            <a:avLst/>
+          </a:prstGeom>
+          <a:noFill/>
+        </p:spPr>
+        <p:txBody>
+          <a:bodyPr wrap="square" lIns="91440" tIns="45720" rIns="91440" bIns="45720">
+            <a:spAutoFit/>
+          </a:bodyPr>
+          <a:lstStyle/>
+          <a:p>
+            <a:pPr algn="ctr"/>
+            <a:r>
+              <a:rPr lang="en-US" altLang="zh-CN" sz="2000" b="0" cap="none" spc="0">
+                <a:ln w="0"/>
+                <a:solidFill>
+                  <a:schemeClr val="accent1"/>
+                </a:solidFill>
+                <a:effectLst>
+                  <a:outerShdw blurRad="38100" dist="25400" dir="5400000" algn="ctr" rotWithShape="0">
+                    <a:srgbClr val="6E747A">
+                      <a:alpha val="43000"/>
+                    </a:srgbClr>
+                  </a:outerShdw>
+                </a:effectLst>
+              </a:rPr>
+              <a:t>N</a:t>
+            </a:r>
+            <a:endParaRPr lang="zh-CN" altLang="en-US" sz="2000" b="0" cap="none" spc="0">
+              <a:ln w="0"/>
+              <a:solidFill>
+                <a:schemeClr val="accent1"/>
+              </a:solidFill>
+              <a:effectLst>
+                <a:outerShdw blurRad="38100" dist="25400" dir="5400000" algn="ctr" rotWithShape="0">
+                  <a:srgbClr val="6E747A">
+                    <a:alpha val="43000"/>
+                  </a:srgbClr>
+                </a:outerShdw>
+              </a:effectLst>
+            </a:endParaRPr>
+          </a:p>
+        </p:txBody>
+      </p:sp>
+      <p:sp>
+        <p:nvSpPr>
+          <p:cNvPr id="271" name="矩形 270">
+            <a:extLst>
+              <a:ext uri="{FF2B5EF4-FFF2-40B4-BE49-F238E27FC236}">
+                <a16:creationId xmlns:a16="http://schemas.microsoft.com/office/drawing/2014/main" id="{FB2A61C8-0E80-41D2-A2CD-A1B1706C0279}"/>
+              </a:ext>
+            </a:extLst>
+          </p:cNvPr>
+          <p:cNvSpPr/>
+          <p:nvPr/>
+        </p:nvSpPr>
+        <p:spPr>
+          <a:xfrm>
+            <a:off x="761383" y="5480417"/>
+            <a:ext cx="5593926" cy="707886"/>
+          </a:xfrm>
+          <a:prstGeom prst="rect">
+            <a:avLst/>
+          </a:prstGeom>
+          <a:noFill/>
+        </p:spPr>
+        <p:txBody>
+          <a:bodyPr wrap="square" lIns="91440" tIns="45720" rIns="91440" bIns="45720">
+            <a:spAutoFit/>
+          </a:bodyPr>
+          <a:lstStyle/>
+          <a:p>
+            <a:pPr algn="ctr"/>
+            <a:r>
+              <a:rPr lang="en-US" altLang="zh-CN" sz="4000" b="1" cap="none" spc="0">
+                <a:ln w="22225">
+                  <a:solidFill>
+                    <a:schemeClr val="accent2"/>
+                  </a:solidFill>
+                  <a:prstDash val="solid"/>
+                </a:ln>
+                <a:solidFill>
+                  <a:schemeClr val="accent2">
+                    <a:lumMod val="40000"/>
+                    <a:lumOff val="60000"/>
+                  </a:schemeClr>
+                </a:solidFill>
+                <a:effectLst/>
+              </a:rPr>
+              <a:t>Fully Connected</a:t>
+            </a:r>
+            <a:endParaRPr lang="zh-CN" altLang="en-US" sz="4000" b="1" cap="none" spc="0">
+              <a:ln w="22225">
+                <a:solidFill>
+                  <a:schemeClr val="accent2"/>
+                </a:solidFill>
+                <a:prstDash val="solid"/>
+              </a:ln>
+              <a:solidFill>
+                <a:schemeClr val="accent2">
+                  <a:lumMod val="40000"/>
+                  <a:lumOff val="60000"/>
+                </a:schemeClr>
+              </a:solidFill>
+              <a:effectLst/>
+            </a:endParaRPr>
+          </a:p>
+        </p:txBody>
+      </p:sp>
+    </p:spTree>
+    <p:extLst>
+      <p:ext uri="{BB962C8B-B14F-4D97-AF65-F5344CB8AC3E}">
+        <p14:creationId xmlns:p14="http://schemas.microsoft.com/office/powerpoint/2010/main" val="3360809495"/>
       </p:ext>
     </p:extLst>
   </p:cSld>
